--- a/doc/umlDiagrams/player-control-logic.pptx
+++ b/doc/umlDiagrams/player-control-logic.pptx
@@ -11,24 +11,28 @@
     <p:sldId id="263" r:id="rId5"/>
     <p:sldId id="271" r:id="rId6"/>
     <p:sldId id="270" r:id="rId7"/>
-    <p:sldId id="258" r:id="rId8"/>
-    <p:sldId id="261" r:id="rId9"/>
-    <p:sldId id="262" r:id="rId10"/>
-    <p:sldId id="265" r:id="rId11"/>
-    <p:sldId id="266" r:id="rId12"/>
-    <p:sldId id="267" r:id="rId13"/>
-    <p:sldId id="268" r:id="rId14"/>
-    <p:sldId id="269" r:id="rId15"/>
-    <p:sldId id="272" r:id="rId16"/>
-    <p:sldId id="273" r:id="rId17"/>
-    <p:sldId id="260" r:id="rId18"/>
-    <p:sldId id="275" r:id="rId19"/>
-    <p:sldId id="276" r:id="rId20"/>
-    <p:sldId id="274" r:id="rId21"/>
-    <p:sldId id="277" r:id="rId22"/>
-    <p:sldId id="278" r:id="rId23"/>
-    <p:sldId id="279" r:id="rId24"/>
-    <p:sldId id="280" r:id="rId25"/>
+    <p:sldId id="282" r:id="rId8"/>
+    <p:sldId id="258" r:id="rId9"/>
+    <p:sldId id="261" r:id="rId10"/>
+    <p:sldId id="262" r:id="rId11"/>
+    <p:sldId id="265" r:id="rId12"/>
+    <p:sldId id="266" r:id="rId13"/>
+    <p:sldId id="267" r:id="rId14"/>
+    <p:sldId id="283" r:id="rId15"/>
+    <p:sldId id="268" r:id="rId16"/>
+    <p:sldId id="269" r:id="rId17"/>
+    <p:sldId id="272" r:id="rId18"/>
+    <p:sldId id="273" r:id="rId19"/>
+    <p:sldId id="281" r:id="rId20"/>
+    <p:sldId id="260" r:id="rId21"/>
+    <p:sldId id="275" r:id="rId22"/>
+    <p:sldId id="276" r:id="rId23"/>
+    <p:sldId id="274" r:id="rId24"/>
+    <p:sldId id="277" r:id="rId25"/>
+    <p:sldId id="278" r:id="rId26"/>
+    <p:sldId id="279" r:id="rId27"/>
+    <p:sldId id="284" r:id="rId28"/>
+    <p:sldId id="280" r:id="rId29"/>
   </p:sldIdLst>
   <p:sldSz cx="9144000" cy="6858000" type="screen4x3"/>
   <p:notesSz cx="6858000" cy="9144000"/>
@@ -3105,19 +3109,7 @@
                   </a:outerShdw>
                 </a:effectLst>
               </a:rPr>
-              <a:t>Player Control </a:t>
-            </a:r>
-            <a:r>
-              <a:rPr lang="en-US" b="1" smtClean="0">
-                <a:effectLst>
-                  <a:outerShdw blurRad="38100" dist="38100" dir="2700000" algn="tl">
-                    <a:srgbClr val="000000">
-                      <a:alpha val="43137"/>
-                    </a:srgbClr>
-                  </a:outerShdw>
-                </a:effectLst>
-              </a:rPr>
-              <a:t>Logic</a:t>
+              <a:t>Player Control Logic</a:t>
             </a:r>
             <a:endParaRPr lang="en-US" b="1">
               <a:effectLst>
@@ -3165,9 +3157,9 @@
       </p:grpSpPr>
       <p:sp>
         <p:nvSpPr>
-          <p:cNvPr id="26626" name="Rectangle 2"/>
-          <p:cNvSpPr>
-            <a:spLocks noGrp="1" noRot="1" noChangeArrowheads="1"/>
+          <p:cNvPr id="2" name="Title 1"/>
+          <p:cNvSpPr>
+            <a:spLocks noGrp="1"/>
           </p:cNvSpPr>
           <p:nvPr>
             <p:ph type="title"/>
@@ -3178,20 +3170,17 @@
           <a:bodyPr/>
           <a:lstStyle/>
           <a:p>
-            <a:pPr eaLnBrk="1" hangingPunct="1">
-              <a:defRPr/>
-            </a:pPr>
-            <a:r>
-              <a:rPr lang="en-US" smtClean="0"/>
-              <a:t>Human Input to Player</a:t>
-            </a:r>
-            <a:endParaRPr lang="en-US" dirty="0" smtClean="0"/>
+            <a:r>
+              <a:rPr lang="en-US" smtClean="0"/>
+              <a:t>Input File Example</a:t>
+            </a:r>
+            <a:endParaRPr lang="en-US"/>
           </a:p>
         </p:txBody>
       </p:sp>
       <p:pic>
         <p:nvPicPr>
-          <p:cNvPr id="43011" name="Picture 6"/>
+          <p:cNvPr id="4098" name="Picture 2"/>
           <p:cNvPicPr>
             <a:picLocks noChangeAspect="1" noChangeArrowheads="1"/>
           </p:cNvPicPr>
@@ -3206,14 +3195,14 @@
         </p:blipFill>
         <p:spPr bwMode="auto">
           <a:xfrm>
-            <a:off x="2590800" y="1524000"/>
-            <a:ext cx="3988317" cy="3870087"/>
+            <a:off x="1219200" y="1371600"/>
+            <a:ext cx="6334125" cy="5114925"/>
           </a:xfrm>
           <a:prstGeom prst="rect">
             <a:avLst/>
           </a:prstGeom>
           <a:noFill/>
-          <a:ln w="25400">
+          <a:ln w="9525">
             <a:noFill/>
             <a:miter lim="800000"/>
             <a:headEnd/>
@@ -3221,132 +3210,50 @@
           </a:ln>
         </p:spPr>
       </p:pic>
-      <p:pic>
-        <p:nvPicPr>
-          <p:cNvPr id="5122" name="Picture 2" descr="C:\Users\me\AppData\Local\Microsoft\Windows\Temporary Internet Files\Content.IE5\PUXV0NF7\MC900433959[1].png"/>
-          <p:cNvPicPr>
-            <a:picLocks noChangeAspect="1" noChangeArrowheads="1"/>
-          </p:cNvPicPr>
+      <p:sp>
+        <p:nvSpPr>
+          <p:cNvPr id="7" name="Rounded Rectangle 6"/>
+          <p:cNvSpPr/>
           <p:nvPr/>
-        </p:nvPicPr>
-        <p:blipFill>
-          <a:blip r:embed="rId3" cstate="print"/>
-          <a:srcRect/>
-          <a:stretch>
-            <a:fillRect/>
-          </a:stretch>
-        </p:blipFill>
-        <p:spPr bwMode="auto">
-          <a:xfrm flipH="1">
-            <a:off x="685800" y="2667000"/>
-            <a:ext cx="1066800" cy="1066800"/>
-          </a:xfrm>
-          <a:prstGeom prst="rect">
-            <a:avLst/>
-          </a:prstGeom>
-          <a:noFill/>
-        </p:spPr>
-      </p:pic>
-      <p:cxnSp>
-        <p:nvCxnSpPr>
-          <p:cNvPr id="11" name="Straight Arrow Connector 10"/>
-          <p:cNvCxnSpPr/>
-          <p:nvPr/>
-        </p:nvCxnSpPr>
+        </p:nvSpPr>
         <p:spPr>
           <a:xfrm>
-            <a:off x="1828800" y="3200400"/>
-            <a:ext cx="685800" cy="0"/>
-          </a:xfrm>
-          <a:prstGeom prst="straightConnector1">
+            <a:off x="1828800" y="5638800"/>
+            <a:ext cx="2895600" cy="914400"/>
+          </a:xfrm>
+          <a:prstGeom prst="roundRect">
             <a:avLst/>
           </a:prstGeom>
-          <a:ln w="28575">
+          <a:noFill/>
+          <a:ln>
             <a:solidFill>
               <a:srgbClr val="FF0000"/>
             </a:solidFill>
-            <a:tailEnd type="arrow"/>
+            <a:prstDash val="sysDash"/>
           </a:ln>
         </p:spPr>
         <p:style>
-          <a:lnRef idx="1">
-            <a:schemeClr val="accent1"/>
+          <a:lnRef idx="2">
+            <a:schemeClr val="accent1">
+              <a:shade val="50000"/>
+            </a:schemeClr>
           </a:lnRef>
-          <a:fillRef idx="0">
+          <a:fillRef idx="1">
             <a:schemeClr val="accent1"/>
           </a:fillRef>
           <a:effectRef idx="0">
             <a:schemeClr val="accent1"/>
           </a:effectRef>
           <a:fontRef idx="minor">
-            <a:schemeClr val="tx1"/>
+            <a:schemeClr val="lt1"/>
           </a:fontRef>
         </p:style>
-      </p:cxnSp>
-      <p:cxnSp>
-        <p:nvCxnSpPr>
-          <p:cNvPr id="15" name="Straight Arrow Connector 14"/>
-          <p:cNvCxnSpPr/>
-          <p:nvPr/>
-        </p:nvCxnSpPr>
-        <p:spPr>
-          <a:xfrm flipH="1">
-            <a:off x="6172200" y="4191000"/>
-            <a:ext cx="609600" cy="304800"/>
-          </a:xfrm>
-          <a:prstGeom prst="straightConnector1">
-            <a:avLst/>
-          </a:prstGeom>
-          <a:ln w="28575">
-            <a:solidFill>
-              <a:srgbClr val="FF0000"/>
-            </a:solidFill>
-            <a:tailEnd type="arrow"/>
-          </a:ln>
-        </p:spPr>
-        <p:style>
-          <a:lnRef idx="1">
-            <a:schemeClr val="accent1"/>
-          </a:lnRef>
-          <a:fillRef idx="0">
-            <a:schemeClr val="accent1"/>
-          </a:fillRef>
-          <a:effectRef idx="0">
-            <a:schemeClr val="accent1"/>
-          </a:effectRef>
-          <a:fontRef idx="minor">
-            <a:schemeClr val="tx1"/>
-          </a:fontRef>
-        </p:style>
-      </p:cxnSp>
-      <p:sp>
-        <p:nvSpPr>
-          <p:cNvPr id="17" name="TextBox 16"/>
-          <p:cNvSpPr txBox="1"/>
-          <p:nvPr/>
-        </p:nvSpPr>
-        <p:spPr>
-          <a:xfrm>
-            <a:off x="6629400" y="3810000"/>
-            <a:ext cx="2209800" cy="584775"/>
-          </a:xfrm>
-          <a:prstGeom prst="rect">
-            <a:avLst/>
-          </a:prstGeom>
-          <a:noFill/>
-        </p:spPr>
-        <p:txBody>
-          <a:bodyPr wrap="square" rtlCol="0">
-            <a:spAutoFit/>
-          </a:bodyPr>
+        <p:txBody>
+          <a:bodyPr rtlCol="0" anchor="ctr"/>
           <a:lstStyle/>
           <a:p>
             <a:pPr algn="ctr"/>
-            <a:r>
-              <a:rPr lang="en-US" sz="1600" smtClean="0"/>
-              <a:t>Stick &amp; throttle inputs arrive here </a:t>
-            </a:r>
-            <a:endParaRPr lang="en-US" sz="1600"/>
+            <a:endParaRPr lang="en-US"/>
           </a:p>
         </p:txBody>
       </p:sp>
@@ -3384,9 +3291,9 @@
       </p:grpSpPr>
       <p:sp>
         <p:nvSpPr>
-          <p:cNvPr id="2" name="Title 1"/>
-          <p:cNvSpPr>
-            <a:spLocks noGrp="1"/>
+          <p:cNvPr id="26626" name="Rectangle 2"/>
+          <p:cNvSpPr>
+            <a:spLocks noGrp="1" noRot="1" noChangeArrowheads="1"/>
           </p:cNvSpPr>
           <p:nvPr>
             <p:ph type="title"/>
@@ -3397,48 +3304,20 @@
           <a:bodyPr/>
           <a:lstStyle/>
           <a:p>
-            <a:r>
-              <a:rPr lang="en-US" smtClean="0"/>
-              <a:t>Player / DynamicsModel</a:t>
-            </a:r>
-            <a:endParaRPr lang="en-US"/>
-          </a:p>
-        </p:txBody>
-      </p:sp>
-      <p:sp>
-        <p:nvSpPr>
-          <p:cNvPr id="3" name="Content Placeholder 2"/>
-          <p:cNvSpPr>
-            <a:spLocks noGrp="1"/>
-          </p:cNvSpPr>
-          <p:nvPr>
-            <p:ph idx="1"/>
-          </p:nvPr>
-        </p:nvSpPr>
-        <p:spPr/>
-        <p:txBody>
-          <a:bodyPr>
-            <a:normAutofit/>
-          </a:bodyPr>
-          <a:lstStyle/>
-          <a:p>
-            <a:r>
-              <a:rPr lang="en-US" sz="2400" smtClean="0"/>
-              <a:t>Player may or may not have an attached dynamics model</a:t>
-            </a:r>
-          </a:p>
-          <a:p>
-            <a:r>
-              <a:rPr lang="en-US" sz="2400" smtClean="0"/>
-              <a:t>If attached, then stick and throttle inputs are forwarded to the dynamics model</a:t>
-            </a:r>
-            <a:endParaRPr lang="en-US" sz="2400"/>
+            <a:pPr eaLnBrk="1" hangingPunct="1">
+              <a:defRPr/>
+            </a:pPr>
+            <a:r>
+              <a:rPr lang="en-US" smtClean="0"/>
+              <a:t>Human Input to Player</a:t>
+            </a:r>
+            <a:endParaRPr lang="en-US" dirty="0" smtClean="0"/>
           </a:p>
         </p:txBody>
       </p:sp>
       <p:pic>
         <p:nvPicPr>
-          <p:cNvPr id="5" name="Picture 2" descr="C:\Users\me\AppData\Local\Microsoft\Windows\Temporary Internet Files\Content.IE5\PUXV0NF7\MC900433959[1].png"/>
+          <p:cNvPr id="43011" name="Picture 6"/>
           <p:cNvPicPr>
             <a:picLocks noChangeAspect="1" noChangeArrowheads="1"/>
           </p:cNvPicPr>
@@ -3452,55 +3331,25 @@
           </a:stretch>
         </p:blipFill>
         <p:spPr bwMode="auto">
-          <a:xfrm flipH="1">
-            <a:off x="1828800" y="3124200"/>
-            <a:ext cx="609600" cy="609600"/>
+          <a:xfrm>
+            <a:off x="2590800" y="1524000"/>
+            <a:ext cx="3988317" cy="3870087"/>
           </a:xfrm>
           <a:prstGeom prst="rect">
             <a:avLst/>
           </a:prstGeom>
           <a:noFill/>
+          <a:ln w="25400">
+            <a:noFill/>
+            <a:miter lim="800000"/>
+            <a:headEnd/>
+            <a:tailEnd/>
+          </a:ln>
         </p:spPr>
       </p:pic>
-      <p:cxnSp>
-        <p:nvCxnSpPr>
-          <p:cNvPr id="6" name="Straight Arrow Connector 5"/>
-          <p:cNvCxnSpPr/>
-          <p:nvPr/>
-        </p:nvCxnSpPr>
-        <p:spPr>
-          <a:xfrm>
-            <a:off x="2514600" y="3429000"/>
-            <a:ext cx="685800" cy="0"/>
-          </a:xfrm>
-          <a:prstGeom prst="straightConnector1">
-            <a:avLst/>
-          </a:prstGeom>
-          <a:ln w="28575">
-            <a:solidFill>
-              <a:srgbClr val="FF0000"/>
-            </a:solidFill>
-            <a:tailEnd type="arrow"/>
-          </a:ln>
-        </p:spPr>
-        <p:style>
-          <a:lnRef idx="1">
-            <a:schemeClr val="accent1"/>
-          </a:lnRef>
-          <a:fillRef idx="0">
-            <a:schemeClr val="accent1"/>
-          </a:fillRef>
-          <a:effectRef idx="0">
-            <a:schemeClr val="accent1"/>
-          </a:effectRef>
-          <a:fontRef idx="minor">
-            <a:schemeClr val="tx1"/>
-          </a:fontRef>
-        </p:style>
-      </p:cxnSp>
       <p:pic>
         <p:nvPicPr>
-          <p:cNvPr id="6148" name="Picture 4"/>
+          <p:cNvPr id="5122" name="Picture 2" descr="C:\Users\me\AppData\Local\Microsoft\Windows\Temporary Internet Files\Content.IE5\PUXV0NF7\MC900433959[1].png"/>
           <p:cNvPicPr>
             <a:picLocks noChangeAspect="1" noChangeArrowheads="1"/>
           </p:cNvPicPr>
@@ -3514,20 +3363,14 @@
           </a:stretch>
         </p:blipFill>
         <p:spPr bwMode="auto">
-          <a:xfrm>
-            <a:off x="3352800" y="3200400"/>
-            <a:ext cx="3657600" cy="2295525"/>
+          <a:xfrm flipH="1">
+            <a:off x="685800" y="2667000"/>
+            <a:ext cx="1066800" cy="1066800"/>
           </a:xfrm>
           <a:prstGeom prst="rect">
             <a:avLst/>
           </a:prstGeom>
           <a:noFill/>
-          <a:ln w="9525">
-            <a:noFill/>
-            <a:miter lim="800000"/>
-            <a:headEnd/>
-            <a:tailEnd/>
-          </a:ln>
         </p:spPr>
       </p:pic>
       <p:cxnSp>
@@ -3538,8 +3381,8 @@
         </p:nvCxnSpPr>
         <p:spPr>
           <a:xfrm>
-            <a:off x="4038600" y="3886200"/>
-            <a:ext cx="685800" cy="990600"/>
+            <a:off x="1828800" y="3200400"/>
+            <a:ext cx="685800" cy="0"/>
           </a:xfrm>
           <a:prstGeom prst="straightConnector1">
             <a:avLst/>
@@ -3566,6 +3409,73 @@
           </a:fontRef>
         </p:style>
       </p:cxnSp>
+      <p:cxnSp>
+        <p:nvCxnSpPr>
+          <p:cNvPr id="15" name="Straight Arrow Connector 14"/>
+          <p:cNvCxnSpPr/>
+          <p:nvPr/>
+        </p:nvCxnSpPr>
+        <p:spPr>
+          <a:xfrm flipH="1">
+            <a:off x="6172200" y="4191000"/>
+            <a:ext cx="609600" cy="304800"/>
+          </a:xfrm>
+          <a:prstGeom prst="straightConnector1">
+            <a:avLst/>
+          </a:prstGeom>
+          <a:ln w="28575">
+            <a:solidFill>
+              <a:srgbClr val="FF0000"/>
+            </a:solidFill>
+            <a:tailEnd type="arrow"/>
+          </a:ln>
+        </p:spPr>
+        <p:style>
+          <a:lnRef idx="1">
+            <a:schemeClr val="accent1"/>
+          </a:lnRef>
+          <a:fillRef idx="0">
+            <a:schemeClr val="accent1"/>
+          </a:fillRef>
+          <a:effectRef idx="0">
+            <a:schemeClr val="accent1"/>
+          </a:effectRef>
+          <a:fontRef idx="minor">
+            <a:schemeClr val="tx1"/>
+          </a:fontRef>
+        </p:style>
+      </p:cxnSp>
+      <p:sp>
+        <p:nvSpPr>
+          <p:cNvPr id="17" name="TextBox 16"/>
+          <p:cNvSpPr txBox="1"/>
+          <p:nvPr/>
+        </p:nvSpPr>
+        <p:spPr>
+          <a:xfrm>
+            <a:off x="6629400" y="3810000"/>
+            <a:ext cx="2209800" cy="584775"/>
+          </a:xfrm>
+          <a:prstGeom prst="rect">
+            <a:avLst/>
+          </a:prstGeom>
+          <a:noFill/>
+        </p:spPr>
+        <p:txBody>
+          <a:bodyPr wrap="square" rtlCol="0">
+            <a:spAutoFit/>
+          </a:bodyPr>
+          <a:lstStyle/>
+          <a:p>
+            <a:pPr algn="ctr"/>
+            <a:r>
+              <a:rPr lang="en-US" sz="1600" smtClean="0"/>
+              <a:t>Stick &amp; throttle inputs arrive here </a:t>
+            </a:r>
+            <a:endParaRPr lang="en-US" sz="1600"/>
+          </a:p>
+        </p:txBody>
+      </p:sp>
     </p:spTree>
   </p:cSld>
   <p:clrMapOvr>
@@ -3600,111 +3510,188 @@
       </p:grpSpPr>
       <p:sp>
         <p:nvSpPr>
-          <p:cNvPr id="3" name="Title 3"/>
-          <p:cNvSpPr txBox="1">
-            <a:spLocks/>
-          </p:cNvSpPr>
+          <p:cNvPr id="2" name="Title 1"/>
+          <p:cNvSpPr>
+            <a:spLocks noGrp="1"/>
+          </p:cNvSpPr>
+          <p:nvPr>
+            <p:ph type="title"/>
+          </p:nvPr>
+        </p:nvSpPr>
+        <p:spPr/>
+        <p:txBody>
+          <a:bodyPr/>
+          <a:lstStyle/>
+          <a:p>
+            <a:r>
+              <a:rPr lang="en-US" smtClean="0"/>
+              <a:t>Player / DynamicsModel</a:t>
+            </a:r>
+            <a:endParaRPr lang="en-US"/>
+          </a:p>
+        </p:txBody>
+      </p:sp>
+      <p:sp>
+        <p:nvSpPr>
+          <p:cNvPr id="3" name="Content Placeholder 2"/>
+          <p:cNvSpPr>
+            <a:spLocks noGrp="1"/>
+          </p:cNvSpPr>
+          <p:nvPr>
+            <p:ph idx="1"/>
+          </p:nvPr>
+        </p:nvSpPr>
+        <p:spPr/>
+        <p:txBody>
+          <a:bodyPr>
+            <a:normAutofit/>
+          </a:bodyPr>
+          <a:lstStyle/>
+          <a:p>
+            <a:r>
+              <a:rPr lang="en-US" sz="2400" smtClean="0"/>
+              <a:t>Player may or may not have an attached dynamics model</a:t>
+            </a:r>
+          </a:p>
+          <a:p>
+            <a:r>
+              <a:rPr lang="en-US" sz="2400" smtClean="0"/>
+              <a:t>If attached, then stick and throttle inputs are forwarded to the dynamics model</a:t>
+            </a:r>
+            <a:endParaRPr lang="en-US" sz="2400"/>
+          </a:p>
+        </p:txBody>
+      </p:sp>
+      <p:pic>
+        <p:nvPicPr>
+          <p:cNvPr id="5" name="Picture 2" descr="C:\Users\me\AppData\Local\Microsoft\Windows\Temporary Internet Files\Content.IE5\PUXV0NF7\MC900433959[1].png"/>
+          <p:cNvPicPr>
+            <a:picLocks noChangeAspect="1" noChangeArrowheads="1"/>
+          </p:cNvPicPr>
           <p:nvPr/>
-        </p:nvSpPr>
+        </p:nvPicPr>
+        <p:blipFill>
+          <a:blip r:embed="rId2" cstate="print"/>
+          <a:srcRect/>
+          <a:stretch>
+            <a:fillRect/>
+          </a:stretch>
+        </p:blipFill>
+        <p:spPr bwMode="auto">
+          <a:xfrm flipH="1">
+            <a:off x="1828800" y="3124200"/>
+            <a:ext cx="609600" cy="609600"/>
+          </a:xfrm>
+          <a:prstGeom prst="rect">
+            <a:avLst/>
+          </a:prstGeom>
+          <a:noFill/>
+        </p:spPr>
+      </p:pic>
+      <p:cxnSp>
+        <p:nvCxnSpPr>
+          <p:cNvPr id="6" name="Straight Arrow Connector 5"/>
+          <p:cNvCxnSpPr/>
+          <p:nvPr/>
+        </p:nvCxnSpPr>
         <p:spPr>
           <a:xfrm>
-            <a:off x="0" y="2514600"/>
-            <a:ext cx="9144000" cy="1219200"/>
+            <a:off x="2514600" y="3429000"/>
+            <a:ext cx="685800" cy="0"/>
+          </a:xfrm>
+          <a:prstGeom prst="straightConnector1">
+            <a:avLst/>
+          </a:prstGeom>
+          <a:ln w="28575">
+            <a:solidFill>
+              <a:srgbClr val="FF0000"/>
+            </a:solidFill>
+            <a:tailEnd type="arrow"/>
+          </a:ln>
+        </p:spPr>
+        <p:style>
+          <a:lnRef idx="1">
+            <a:schemeClr val="accent1"/>
+          </a:lnRef>
+          <a:fillRef idx="0">
+            <a:schemeClr val="accent1"/>
+          </a:fillRef>
+          <a:effectRef idx="0">
+            <a:schemeClr val="accent1"/>
+          </a:effectRef>
+          <a:fontRef idx="minor">
+            <a:schemeClr val="tx1"/>
+          </a:fontRef>
+        </p:style>
+      </p:cxnSp>
+      <p:pic>
+        <p:nvPicPr>
+          <p:cNvPr id="6148" name="Picture 4"/>
+          <p:cNvPicPr>
+            <a:picLocks noChangeAspect="1" noChangeArrowheads="1"/>
+          </p:cNvPicPr>
+          <p:nvPr/>
+        </p:nvPicPr>
+        <p:blipFill>
+          <a:blip r:embed="rId3" cstate="print"/>
+          <a:srcRect/>
+          <a:stretch>
+            <a:fillRect/>
+          </a:stretch>
+        </p:blipFill>
+        <p:spPr bwMode="auto">
+          <a:xfrm>
+            <a:off x="3352800" y="3200400"/>
+            <a:ext cx="3657600" cy="2295525"/>
           </a:xfrm>
           <a:prstGeom prst="rect">
             <a:avLst/>
           </a:prstGeom>
-        </p:spPr>
-        <p:txBody>
-          <a:bodyPr vert="horz" lIns="91440" tIns="45720" rIns="91440" bIns="45720" rtlCol="0" anchor="ctr">
-            <a:normAutofit/>
-          </a:bodyPr>
-          <a:lstStyle/>
-          <a:p>
-            <a:pPr marL="0" marR="0" lvl="0" indent="0" algn="ctr" defTabSz="914400" rtl="0" eaLnBrk="1" fontAlgn="auto" latinLnBrk="0" hangingPunct="1">
-              <a:lnSpc>
-                <a:spcPct val="100000"/>
-              </a:lnSpc>
-              <a:spcBef>
-                <a:spcPct val="0"/>
-              </a:spcBef>
-              <a:spcAft>
-                <a:spcPts val="0"/>
-              </a:spcAft>
-              <a:buClrTx/>
-              <a:buSzTx/>
-              <a:buFontTx/>
-              <a:buNone/>
-              <a:tabLst/>
-              <a:defRPr/>
-            </a:pPr>
-            <a:r>
-              <a:rPr kumimoji="0" lang="en-US" sz="4000" b="0" i="0" u="none" strike="noStrike" kern="1200" cap="none" spc="0" normalizeH="0" baseline="0" noProof="0" smtClean="0">
-                <a:ln>
-                  <a:noFill/>
-                </a:ln>
-                <a:solidFill>
-                  <a:schemeClr val="tx1"/>
-                </a:solidFill>
-                <a:effectLst/>
-                <a:uLnTx/>
-                <a:uFillTx/>
-                <a:latin typeface="+mj-lt"/>
-                <a:ea typeface="+mj-ea"/>
-                <a:cs typeface="+mj-cs"/>
-              </a:rPr>
-              <a:t>DynamicsModel “Auto Pilot”</a:t>
-            </a:r>
-            <a:br>
-              <a:rPr kumimoji="0" lang="en-US" sz="4000" b="0" i="0" u="none" strike="noStrike" kern="1200" cap="none" spc="0" normalizeH="0" baseline="0" noProof="0" smtClean="0">
-                <a:ln>
-                  <a:noFill/>
-                </a:ln>
-                <a:solidFill>
-                  <a:schemeClr val="tx1"/>
-                </a:solidFill>
-                <a:effectLst/>
-                <a:uLnTx/>
-                <a:uFillTx/>
-                <a:latin typeface="+mj-lt"/>
-                <a:ea typeface="+mj-ea"/>
-                <a:cs typeface="+mj-cs"/>
-              </a:rPr>
-            </a:br>
-            <a:r>
-              <a:rPr kumimoji="0" lang="en-US" sz="2000" b="0" i="0" u="none" strike="noStrike" kern="1200" cap="none" spc="0" normalizeH="0" baseline="0" noProof="0" smtClean="0">
-                <a:ln>
-                  <a:noFill/>
-                </a:ln>
-                <a:solidFill>
-                  <a:schemeClr val="tx1"/>
-                </a:solidFill>
-                <a:effectLst/>
-                <a:uLnTx/>
-                <a:uFillTx/>
-                <a:latin typeface="+mj-lt"/>
-                <a:ea typeface="+mj-ea"/>
-                <a:cs typeface="+mj-cs"/>
-              </a:rPr>
-              <a:t>(assumes a DynamicModel that includes an autopilot)</a:t>
-            </a:r>
-            <a:endParaRPr kumimoji="0" lang="en-US" sz="4000" b="0" i="0" u="none" strike="noStrike" kern="1200" cap="none" spc="0" normalizeH="0" baseline="0" noProof="0">
-              <a:ln>
-                <a:noFill/>
-              </a:ln>
-              <a:solidFill>
-                <a:schemeClr val="tx1"/>
-              </a:solidFill>
-              <a:effectLst/>
-              <a:uLnTx/>
-              <a:uFillTx/>
-              <a:latin typeface="+mj-lt"/>
-              <a:ea typeface="+mj-ea"/>
-              <a:cs typeface="+mj-cs"/>
-            </a:endParaRPr>
-          </a:p>
-        </p:txBody>
-      </p:sp>
+          <a:noFill/>
+          <a:ln w="9525">
+            <a:noFill/>
+            <a:miter lim="800000"/>
+            <a:headEnd/>
+            <a:tailEnd/>
+          </a:ln>
+        </p:spPr>
+      </p:pic>
+      <p:cxnSp>
+        <p:nvCxnSpPr>
+          <p:cNvPr id="11" name="Straight Arrow Connector 10"/>
+          <p:cNvCxnSpPr/>
+          <p:nvPr/>
+        </p:nvCxnSpPr>
+        <p:spPr>
+          <a:xfrm>
+            <a:off x="4038600" y="3886200"/>
+            <a:ext cx="685800" cy="990600"/>
+          </a:xfrm>
+          <a:prstGeom prst="straightConnector1">
+            <a:avLst/>
+          </a:prstGeom>
+          <a:ln w="28575">
+            <a:solidFill>
+              <a:srgbClr val="FF0000"/>
+            </a:solidFill>
+            <a:tailEnd type="arrow"/>
+          </a:ln>
+        </p:spPr>
+        <p:style>
+          <a:lnRef idx="1">
+            <a:schemeClr val="accent1"/>
+          </a:lnRef>
+          <a:fillRef idx="0">
+            <a:schemeClr val="accent1"/>
+          </a:fillRef>
+          <a:effectRef idx="0">
+            <a:schemeClr val="accent1"/>
+          </a:effectRef>
+          <a:fontRef idx="minor">
+            <a:schemeClr val="tx1"/>
+          </a:fontRef>
+        </p:style>
+      </p:cxnSp>
     </p:spTree>
   </p:cSld>
   <p:clrMapOvr>
@@ -3739,113 +3726,111 @@
       </p:grpSpPr>
       <p:sp>
         <p:nvSpPr>
-          <p:cNvPr id="2" name="Title 1"/>
-          <p:cNvSpPr>
-            <a:spLocks noGrp="1"/>
-          </p:cNvSpPr>
-          <p:nvPr>
-            <p:ph type="title"/>
-          </p:nvPr>
-        </p:nvSpPr>
-        <p:spPr/>
-        <p:txBody>
-          <a:bodyPr/>
-          <a:lstStyle/>
-          <a:p>
-            <a:r>
-              <a:rPr lang="en-US" smtClean="0"/>
-              <a:t>DynamicsModel “Auto Pilot”</a:t>
-            </a:r>
-            <a:endParaRPr lang="en-US"/>
-          </a:p>
-        </p:txBody>
-      </p:sp>
-      <p:sp>
-        <p:nvSpPr>
-          <p:cNvPr id="3" name="Content Placeholder 2"/>
-          <p:cNvSpPr>
-            <a:spLocks noGrp="1"/>
-          </p:cNvSpPr>
-          <p:nvPr>
-            <p:ph idx="1"/>
-          </p:nvPr>
-        </p:nvSpPr>
-        <p:spPr/>
-        <p:txBody>
-          <a:bodyPr/>
-          <a:lstStyle/>
-          <a:p>
-            <a:r>
-              <a:rPr lang="en-US" smtClean="0"/>
-              <a:t>Player interface to DynamicsModel “auto pilot” is driven by “commands”</a:t>
-            </a:r>
-            <a:endParaRPr lang="en-US"/>
-          </a:p>
-        </p:txBody>
-      </p:sp>
-      <p:sp>
-        <p:nvSpPr>
-          <p:cNvPr id="4" name="TextBox 3"/>
-          <p:cNvSpPr txBox="1"/>
+          <p:cNvPr id="3" name="Title 3"/>
+          <p:cNvSpPr txBox="1">
+            <a:spLocks/>
+          </p:cNvSpPr>
           <p:nvPr/>
         </p:nvSpPr>
         <p:spPr>
           <a:xfrm>
-            <a:off x="0" y="4876800"/>
-            <a:ext cx="9144000" cy="338554"/>
+            <a:off x="0" y="2514600"/>
+            <a:ext cx="9144000" cy="1219200"/>
           </a:xfrm>
           <a:prstGeom prst="rect">
             <a:avLst/>
           </a:prstGeom>
-          <a:noFill/>
-        </p:spPr>
-        <p:txBody>
-          <a:bodyPr wrap="square" rtlCol="0">
-            <a:spAutoFit/>
+        </p:spPr>
+        <p:txBody>
+          <a:bodyPr vert="horz" lIns="91440" tIns="45720" rIns="91440" bIns="45720" rtlCol="0" anchor="ctr">
+            <a:normAutofit/>
           </a:bodyPr>
           <a:lstStyle/>
           <a:p>
-            <a:pPr algn="ctr"/>
-            <a:r>
-              <a:rPr lang="en-US" sz="1600" b="1" smtClean="0"/>
-              <a:t>from Player.h</a:t>
-            </a:r>
-            <a:endParaRPr lang="en-US" sz="1600" b="1"/>
-          </a:p>
-        </p:txBody>
-      </p:sp>
-      <p:pic>
-        <p:nvPicPr>
-          <p:cNvPr id="7171" name="Picture 3"/>
-          <p:cNvPicPr>
-            <a:picLocks noChangeAspect="1" noChangeArrowheads="1"/>
-          </p:cNvPicPr>
-          <p:nvPr/>
-        </p:nvPicPr>
-        <p:blipFill>
-          <a:blip r:embed="rId2" cstate="print"/>
-          <a:srcRect/>
-          <a:stretch>
-            <a:fillRect/>
-          </a:stretch>
-        </p:blipFill>
-        <p:spPr bwMode="auto">
-          <a:xfrm>
-            <a:off x="152400" y="2743200"/>
-            <a:ext cx="8753475" cy="1933575"/>
-          </a:xfrm>
-          <a:prstGeom prst="rect">
-            <a:avLst/>
-          </a:prstGeom>
-          <a:noFill/>
-          <a:ln w="9525">
-            <a:noFill/>
-            <a:miter lim="800000"/>
-            <a:headEnd/>
-            <a:tailEnd/>
-          </a:ln>
-        </p:spPr>
-      </p:pic>
+            <a:pPr marL="0" marR="0" lvl="0" indent="0" algn="ctr" defTabSz="914400" rtl="0" eaLnBrk="1" fontAlgn="auto" latinLnBrk="0" hangingPunct="1">
+              <a:lnSpc>
+                <a:spcPct val="100000"/>
+              </a:lnSpc>
+              <a:spcBef>
+                <a:spcPct val="0"/>
+              </a:spcBef>
+              <a:spcAft>
+                <a:spcPts val="0"/>
+              </a:spcAft>
+              <a:buClrTx/>
+              <a:buSzTx/>
+              <a:buFontTx/>
+              <a:buNone/>
+              <a:tabLst/>
+              <a:defRPr/>
+            </a:pPr>
+            <a:r>
+              <a:rPr kumimoji="0" lang="en-US" sz="4000" b="0" i="0" u="none" strike="noStrike" kern="1200" cap="none" spc="0" normalizeH="0" baseline="0" noProof="0" smtClean="0">
+                <a:ln>
+                  <a:noFill/>
+                </a:ln>
+                <a:solidFill>
+                  <a:schemeClr val="tx1"/>
+                </a:solidFill>
+                <a:effectLst/>
+                <a:uLnTx/>
+                <a:uFillTx/>
+                <a:latin typeface="+mj-lt"/>
+                <a:ea typeface="+mj-ea"/>
+                <a:cs typeface="+mj-cs"/>
+              </a:rPr>
+              <a:t>DynamicsModel “Auto Pilot”</a:t>
+            </a:r>
+            <a:br>
+              <a:rPr kumimoji="0" lang="en-US" sz="4000" b="0" i="0" u="none" strike="noStrike" kern="1200" cap="none" spc="0" normalizeH="0" baseline="0" noProof="0" smtClean="0">
+                <a:ln>
+                  <a:noFill/>
+                </a:ln>
+                <a:solidFill>
+                  <a:schemeClr val="tx1"/>
+                </a:solidFill>
+                <a:effectLst/>
+                <a:uLnTx/>
+                <a:uFillTx/>
+                <a:latin typeface="+mj-lt"/>
+                <a:ea typeface="+mj-ea"/>
+                <a:cs typeface="+mj-cs"/>
+              </a:rPr>
+            </a:br>
+            <a:r>
+              <a:rPr kumimoji="0" lang="en-US" sz="2000" b="0" i="0" u="none" strike="noStrike" kern="1200" cap="none" spc="0" normalizeH="0" baseline="0" noProof="0" smtClean="0">
+                <a:ln>
+                  <a:noFill/>
+                </a:ln>
+                <a:solidFill>
+                  <a:schemeClr val="tx1"/>
+                </a:solidFill>
+                <a:effectLst/>
+                <a:uLnTx/>
+                <a:uFillTx/>
+                <a:latin typeface="+mj-lt"/>
+                <a:ea typeface="+mj-ea"/>
+                <a:cs typeface="+mj-cs"/>
+              </a:rPr>
+              <a:t>(assumes a DynamicModel that includes an autopilot)</a:t>
+            </a:r>
+            <a:endParaRPr kumimoji="0" lang="en-US" sz="4000" b="0" i="0" u="none" strike="noStrike" kern="1200" cap="none" spc="0" normalizeH="0" baseline="0" noProof="0">
+              <a:ln>
+                <a:noFill/>
+              </a:ln>
+              <a:solidFill>
+                <a:schemeClr val="tx1"/>
+              </a:solidFill>
+              <a:effectLst/>
+              <a:uLnTx/>
+              <a:uFillTx/>
+              <a:latin typeface="+mj-lt"/>
+              <a:ea typeface="+mj-ea"/>
+              <a:cs typeface="+mj-cs"/>
+            </a:endParaRPr>
+          </a:p>
+        </p:txBody>
+      </p:sp>
     </p:spTree>
   </p:cSld>
   <p:clrMapOvr>
@@ -3890,20 +3875,88 @@
         </p:nvSpPr>
         <p:spPr/>
         <p:txBody>
-          <a:bodyPr/>
-          <a:lstStyle/>
-          <a:p>
-            <a:r>
-              <a:rPr lang="en-US" smtClean="0"/>
-              <a:t>DynamicsModel “Auto Pilot”</a:t>
-            </a:r>
-            <a:endParaRPr lang="en-US"/>
+          <a:bodyPr>
+            <a:normAutofit/>
+          </a:bodyPr>
+          <a:lstStyle/>
+          <a:p>
+            <a:r>
+              <a:rPr lang="en-US" sz="4000" smtClean="0"/>
+              <a:t>Player Top-Level System Models</a:t>
+            </a:r>
+            <a:endParaRPr lang="en-US" sz="4000"/>
+          </a:p>
+        </p:txBody>
+      </p:sp>
+      <p:sp>
+        <p:nvSpPr>
+          <p:cNvPr id="10" name="Content Placeholder 2"/>
+          <p:cNvSpPr>
+            <a:spLocks noGrp="1"/>
+          </p:cNvSpPr>
+          <p:nvPr>
+            <p:ph idx="1"/>
+          </p:nvPr>
+        </p:nvSpPr>
+        <p:spPr/>
+        <p:txBody>
+          <a:bodyPr>
+            <a:normAutofit/>
+          </a:bodyPr>
+          <a:lstStyle/>
+          <a:p>
+            <a:r>
+              <a:rPr lang="en-US" sz="2400" smtClean="0"/>
+              <a:t>Container of sub-systems</a:t>
+            </a:r>
+          </a:p>
+          <a:p>
+            <a:r>
+              <a:rPr lang="en-US" sz="2400" i="1" u="sng" smtClean="0"/>
+              <a:t>General purpose interface</a:t>
+            </a:r>
+            <a:r>
+              <a:rPr lang="en-US" sz="2400" smtClean="0"/>
+              <a:t> to those sub-systems</a:t>
+            </a:r>
+            <a:endParaRPr lang="en-US" sz="2400"/>
+          </a:p>
+        </p:txBody>
+      </p:sp>
+      <p:sp>
+        <p:nvSpPr>
+          <p:cNvPr id="11" name="TextBox 10"/>
+          <p:cNvSpPr txBox="1"/>
+          <p:nvPr/>
+        </p:nvSpPr>
+        <p:spPr>
+          <a:xfrm>
+            <a:off x="0" y="5638800"/>
+            <a:ext cx="9144000" cy="338554"/>
+          </a:xfrm>
+          <a:prstGeom prst="rect">
+            <a:avLst/>
+          </a:prstGeom>
+          <a:noFill/>
+        </p:spPr>
+        <p:txBody>
+          <a:bodyPr wrap="square" rtlCol="0">
+            <a:spAutoFit/>
+          </a:bodyPr>
+          <a:lstStyle/>
+          <a:p>
+            <a:pPr algn="ctr"/>
+            <a:r>
+              <a:rPr lang="en-US" sz="1600" b="1" smtClean="0"/>
+              <a:t>from Player.h</a:t>
+            </a:r>
+            <a:endParaRPr lang="en-US" sz="1600" b="1"/>
           </a:p>
         </p:txBody>
       </p:sp>
       <p:pic>
         <p:nvPicPr>
-          <p:cNvPr id="8194" name="Picture 2"/>
+          <p:cNvPr id="1027" name="Picture 3"/>
           <p:cNvPicPr>
             <a:picLocks noChangeAspect="1" noChangeArrowheads="1"/>
           </p:cNvPicPr>
@@ -3918,8 +3971,8 @@
         </p:blipFill>
         <p:spPr bwMode="auto">
           <a:xfrm>
-            <a:off x="2057400" y="1447800"/>
-            <a:ext cx="4514850" cy="4724400"/>
+            <a:off x="1447800" y="2819400"/>
+            <a:ext cx="6257925" cy="2609850"/>
           </a:xfrm>
           <a:prstGeom prst="rect">
             <a:avLst/>
@@ -3933,46 +3986,15 @@
           </a:ln>
         </p:spPr>
       </p:pic>
-      <p:sp>
-        <p:nvSpPr>
-          <p:cNvPr id="5" name="TextBox 4"/>
-          <p:cNvSpPr txBox="1"/>
-          <p:nvPr/>
-        </p:nvSpPr>
-        <p:spPr>
-          <a:xfrm>
-            <a:off x="0" y="6248400"/>
-            <a:ext cx="9144000" cy="338554"/>
-          </a:xfrm>
-          <a:prstGeom prst="rect">
-            <a:avLst/>
-          </a:prstGeom>
-          <a:noFill/>
-        </p:spPr>
-        <p:txBody>
-          <a:bodyPr wrap="square" rtlCol="0">
-            <a:spAutoFit/>
-          </a:bodyPr>
-          <a:lstStyle/>
-          <a:p>
-            <a:pPr algn="ctr"/>
-            <a:r>
-              <a:rPr lang="en-US" sz="1600" b="1" smtClean="0"/>
-              <a:t>from Player.cpp</a:t>
-            </a:r>
-            <a:endParaRPr lang="en-US" sz="1600" b="1"/>
-          </a:p>
-        </p:txBody>
-      </p:sp>
       <p:cxnSp>
         <p:nvCxnSpPr>
-          <p:cNvPr id="6" name="Straight Arrow Connector 5"/>
+          <p:cNvPr id="16" name="Straight Arrow Connector 15"/>
           <p:cNvCxnSpPr/>
           <p:nvPr/>
         </p:nvCxnSpPr>
         <p:spPr>
           <a:xfrm flipV="1">
-            <a:off x="1828800" y="2057400"/>
+            <a:off x="1223682" y="3550024"/>
             <a:ext cx="381000" cy="76200"/>
           </a:xfrm>
           <a:prstGeom prst="straightConnector1">
@@ -4000,42 +4022,37 @@
           </a:fontRef>
         </p:style>
       </p:cxnSp>
-      <p:cxnSp>
-        <p:nvCxnSpPr>
-          <p:cNvPr id="7" name="Straight Arrow Connector 6"/>
-          <p:cNvCxnSpPr/>
+      <p:sp>
+        <p:nvSpPr>
+          <p:cNvPr id="7" name="TextBox 6"/>
+          <p:cNvSpPr txBox="1"/>
           <p:nvPr/>
-        </p:nvCxnSpPr>
+        </p:nvSpPr>
         <p:spPr>
-          <a:xfrm flipV="1">
-            <a:off x="1828800" y="4495800"/>
-            <a:ext cx="381000" cy="76200"/>
-          </a:xfrm>
-          <a:prstGeom prst="straightConnector1">
+          <a:xfrm>
+            <a:off x="152400" y="3429000"/>
+            <a:ext cx="1143000" cy="830997"/>
+          </a:xfrm>
+          <a:prstGeom prst="rect">
             <a:avLst/>
           </a:prstGeom>
-          <a:ln w="28575">
-            <a:solidFill>
-              <a:srgbClr val="FF0000"/>
-            </a:solidFill>
-            <a:tailEnd type="arrow"/>
-          </a:ln>
-        </p:spPr>
-        <p:style>
-          <a:lnRef idx="1">
-            <a:schemeClr val="accent1"/>
-          </a:lnRef>
-          <a:fillRef idx="0">
-            <a:schemeClr val="accent1"/>
-          </a:fillRef>
-          <a:effectRef idx="0">
-            <a:schemeClr val="accent1"/>
-          </a:effectRef>
-          <a:fontRef idx="minor">
-            <a:schemeClr val="tx1"/>
-          </a:fontRef>
-        </p:style>
-      </p:cxnSp>
+          <a:noFill/>
+        </p:spPr>
+        <p:txBody>
+          <a:bodyPr wrap="square" rtlCol="0">
+            <a:spAutoFit/>
+          </a:bodyPr>
+          <a:lstStyle/>
+          <a:p>
+            <a:pPr algn="ctr"/>
+            <a:r>
+              <a:rPr lang="en-US" sz="1600" smtClean="0"/>
+              <a:t>Must contain an auto pilot</a:t>
+            </a:r>
+            <a:endParaRPr lang="en-US" sz="1600"/>
+          </a:p>
+        </p:txBody>
+      </p:sp>
     </p:spTree>
   </p:cSld>
   <p:clrMapOvr>
@@ -4085,7 +4102,7 @@
           <a:p>
             <a:r>
               <a:rPr lang="en-US" smtClean="0"/>
-              <a:t>Player / DynamicsModel</a:t>
+              <a:t>DynamicsModel “Auto Pilot”</a:t>
             </a:r>
             <a:endParaRPr lang="en-US"/>
           </a:p>
@@ -4103,32 +4120,51 @@
         </p:nvSpPr>
         <p:spPr/>
         <p:txBody>
-          <a:bodyPr>
-            <a:normAutofit/>
+          <a:bodyPr/>
+          <a:lstStyle/>
+          <a:p>
+            <a:r>
+              <a:rPr lang="en-US" smtClean="0"/>
+              <a:t>Player interface to DynamicsModel “auto pilot” is driven by “commands”</a:t>
+            </a:r>
+            <a:endParaRPr lang="en-US"/>
+          </a:p>
+        </p:txBody>
+      </p:sp>
+      <p:sp>
+        <p:nvSpPr>
+          <p:cNvPr id="4" name="TextBox 3"/>
+          <p:cNvSpPr txBox="1"/>
+          <p:nvPr/>
+        </p:nvSpPr>
+        <p:spPr>
+          <a:xfrm>
+            <a:off x="0" y="4876800"/>
+            <a:ext cx="9144000" cy="338554"/>
+          </a:xfrm>
+          <a:prstGeom prst="rect">
+            <a:avLst/>
+          </a:prstGeom>
+          <a:noFill/>
+        </p:spPr>
+        <p:txBody>
+          <a:bodyPr wrap="square" rtlCol="0">
+            <a:spAutoFit/>
           </a:bodyPr>
           <a:lstStyle/>
           <a:p>
-            <a:r>
-              <a:rPr lang="en-US" sz="2400" smtClean="0"/>
-              <a:t>Player may or may not have an attached dynamics model</a:t>
-            </a:r>
-          </a:p>
-          <a:p>
-            <a:r>
-              <a:rPr lang="en-US" sz="2400" smtClean="0"/>
-              <a:t>If attached, then stick and throttle inputs are forwarded to the dynamics model – </a:t>
-            </a:r>
-            <a:r>
-              <a:rPr lang="en-US" sz="2400" b="1" smtClean="0"/>
-              <a:t>some dynamics models do not include an autopilot!</a:t>
-            </a:r>
-            <a:endParaRPr lang="en-US" sz="2400" b="1"/>
+            <a:pPr algn="ctr"/>
+            <a:r>
+              <a:rPr lang="en-US" sz="1600" b="1" smtClean="0"/>
+              <a:t>from Player.h</a:t>
+            </a:r>
+            <a:endParaRPr lang="en-US" sz="1600" b="1"/>
           </a:p>
         </p:txBody>
       </p:sp>
       <p:pic>
         <p:nvPicPr>
-          <p:cNvPr id="5" name="Picture 2" descr="C:\Users\me\AppData\Local\Microsoft\Windows\Temporary Internet Files\Content.IE5\PUXV0NF7\MC900433959[1].png"/>
+          <p:cNvPr id="7171" name="Picture 3"/>
           <p:cNvPicPr>
             <a:picLocks noChangeAspect="1" noChangeArrowheads="1"/>
           </p:cNvPicPr>
@@ -4142,71 +4178,9 @@
           </a:stretch>
         </p:blipFill>
         <p:spPr bwMode="auto">
-          <a:xfrm flipH="1">
-            <a:off x="1828800" y="3200400"/>
-            <a:ext cx="609600" cy="609600"/>
-          </a:xfrm>
-          <a:prstGeom prst="rect">
-            <a:avLst/>
-          </a:prstGeom>
-          <a:noFill/>
-        </p:spPr>
-      </p:pic>
-      <p:cxnSp>
-        <p:nvCxnSpPr>
-          <p:cNvPr id="6" name="Straight Arrow Connector 5"/>
-          <p:cNvCxnSpPr/>
-          <p:nvPr/>
-        </p:nvCxnSpPr>
-        <p:spPr>
           <a:xfrm>
-            <a:off x="2514600" y="3505200"/>
-            <a:ext cx="685800" cy="0"/>
-          </a:xfrm>
-          <a:prstGeom prst="straightConnector1">
-            <a:avLst/>
-          </a:prstGeom>
-          <a:ln w="28575">
-            <a:solidFill>
-              <a:srgbClr val="FF0000"/>
-            </a:solidFill>
-            <a:tailEnd type="arrow"/>
-          </a:ln>
-        </p:spPr>
-        <p:style>
-          <a:lnRef idx="1">
-            <a:schemeClr val="accent1"/>
-          </a:lnRef>
-          <a:fillRef idx="0">
-            <a:schemeClr val="accent1"/>
-          </a:fillRef>
-          <a:effectRef idx="0">
-            <a:schemeClr val="accent1"/>
-          </a:effectRef>
-          <a:fontRef idx="minor">
-            <a:schemeClr val="tx1"/>
-          </a:fontRef>
-        </p:style>
-      </p:cxnSp>
-      <p:pic>
-        <p:nvPicPr>
-          <p:cNvPr id="6148" name="Picture 4"/>
-          <p:cNvPicPr>
-            <a:picLocks noChangeAspect="1" noChangeArrowheads="1"/>
-          </p:cNvPicPr>
-          <p:nvPr/>
-        </p:nvPicPr>
-        <p:blipFill>
-          <a:blip r:embed="rId3" cstate="print"/>
-          <a:srcRect/>
-          <a:stretch>
-            <a:fillRect/>
-          </a:stretch>
-        </p:blipFill>
-        <p:spPr bwMode="auto">
-          <a:xfrm>
-            <a:off x="3352800" y="3276600"/>
-            <a:ext cx="3657600" cy="2295525"/>
+            <a:off x="152400" y="2743200"/>
+            <a:ext cx="8753475" cy="1933575"/>
           </a:xfrm>
           <a:prstGeom prst="rect">
             <a:avLst/>
@@ -4220,176 +4194,6 @@
           </a:ln>
         </p:spPr>
       </p:pic>
-      <p:cxnSp>
-        <p:nvCxnSpPr>
-          <p:cNvPr id="11" name="Straight Arrow Connector 10"/>
-          <p:cNvCxnSpPr/>
-          <p:nvPr/>
-        </p:nvCxnSpPr>
-        <p:spPr>
-          <a:xfrm>
-            <a:off x="4038600" y="3962400"/>
-            <a:ext cx="685800" cy="990600"/>
-          </a:xfrm>
-          <a:prstGeom prst="straightConnector1">
-            <a:avLst/>
-          </a:prstGeom>
-          <a:ln w="28575">
-            <a:solidFill>
-              <a:srgbClr val="FF0000"/>
-            </a:solidFill>
-            <a:tailEnd type="arrow"/>
-          </a:ln>
-        </p:spPr>
-        <p:style>
-          <a:lnRef idx="1">
-            <a:schemeClr val="accent1"/>
-          </a:lnRef>
-          <a:fillRef idx="0">
-            <a:schemeClr val="accent1"/>
-          </a:fillRef>
-          <a:effectRef idx="0">
-            <a:schemeClr val="accent1"/>
-          </a:effectRef>
-          <a:fontRef idx="minor">
-            <a:schemeClr val="tx1"/>
-          </a:fontRef>
-        </p:style>
-      </p:cxnSp>
-      <p:cxnSp>
-        <p:nvCxnSpPr>
-          <p:cNvPr id="8" name="Straight Arrow Connector 7"/>
-          <p:cNvCxnSpPr/>
-          <p:nvPr/>
-        </p:nvCxnSpPr>
-        <p:spPr>
-          <a:xfrm flipH="1" flipV="1">
-            <a:off x="7086600" y="5410200"/>
-            <a:ext cx="533400" cy="457200"/>
-          </a:xfrm>
-          <a:prstGeom prst="straightConnector1">
-            <a:avLst/>
-          </a:prstGeom>
-          <a:ln w="28575">
-            <a:solidFill>
-              <a:srgbClr val="FF0000"/>
-            </a:solidFill>
-            <a:tailEnd type="arrow"/>
-          </a:ln>
-        </p:spPr>
-        <p:style>
-          <a:lnRef idx="1">
-            <a:schemeClr val="accent1"/>
-          </a:lnRef>
-          <a:fillRef idx="0">
-            <a:schemeClr val="accent1"/>
-          </a:fillRef>
-          <a:effectRef idx="0">
-            <a:schemeClr val="accent1"/>
-          </a:effectRef>
-          <a:fontRef idx="minor">
-            <a:schemeClr val="tx1"/>
-          </a:fontRef>
-        </p:style>
-      </p:cxnSp>
-      <p:cxnSp>
-        <p:nvCxnSpPr>
-          <p:cNvPr id="13" name="Straight Arrow Connector 12"/>
-          <p:cNvCxnSpPr/>
-          <p:nvPr/>
-        </p:nvCxnSpPr>
-        <p:spPr>
-          <a:xfrm flipV="1">
-            <a:off x="3657600" y="5410200"/>
-            <a:ext cx="914400" cy="457200"/>
-          </a:xfrm>
-          <a:prstGeom prst="straightConnector1">
-            <a:avLst/>
-          </a:prstGeom>
-          <a:ln w="28575">
-            <a:solidFill>
-              <a:srgbClr val="FF0000"/>
-            </a:solidFill>
-            <a:tailEnd type="arrow"/>
-          </a:ln>
-        </p:spPr>
-        <p:style>
-          <a:lnRef idx="1">
-            <a:schemeClr val="accent1"/>
-          </a:lnRef>
-          <a:fillRef idx="0">
-            <a:schemeClr val="accent1"/>
-          </a:fillRef>
-          <a:effectRef idx="0">
-            <a:schemeClr val="accent1"/>
-          </a:effectRef>
-          <a:fontRef idx="minor">
-            <a:schemeClr val="tx1"/>
-          </a:fontRef>
-        </p:style>
-      </p:cxnSp>
-      <p:sp>
-        <p:nvSpPr>
-          <p:cNvPr id="15" name="TextBox 14"/>
-          <p:cNvSpPr txBox="1"/>
-          <p:nvPr/>
-        </p:nvSpPr>
-        <p:spPr>
-          <a:xfrm>
-            <a:off x="1600200" y="5867400"/>
-            <a:ext cx="3200400" cy="584775"/>
-          </a:xfrm>
-          <a:prstGeom prst="rect">
-            <a:avLst/>
-          </a:prstGeom>
-          <a:noFill/>
-        </p:spPr>
-        <p:txBody>
-          <a:bodyPr wrap="square" rtlCol="0">
-            <a:spAutoFit/>
-          </a:bodyPr>
-          <a:lstStyle/>
-          <a:p>
-            <a:pPr algn="ctr"/>
-            <a:r>
-              <a:rPr lang="en-US" sz="1600" smtClean="0"/>
-              <a:t>May or may not include an autopilot (depends on input files)</a:t>
-            </a:r>
-            <a:endParaRPr lang="en-US" sz="1600"/>
-          </a:p>
-        </p:txBody>
-      </p:sp>
-      <p:sp>
-        <p:nvSpPr>
-          <p:cNvPr id="16" name="TextBox 15"/>
-          <p:cNvSpPr txBox="1"/>
-          <p:nvPr/>
-        </p:nvSpPr>
-        <p:spPr>
-          <a:xfrm>
-            <a:off x="6553200" y="5867400"/>
-            <a:ext cx="2133600" cy="338554"/>
-          </a:xfrm>
-          <a:prstGeom prst="rect">
-            <a:avLst/>
-          </a:prstGeom>
-          <a:noFill/>
-        </p:spPr>
-        <p:txBody>
-          <a:bodyPr wrap="square" rtlCol="0">
-            <a:spAutoFit/>
-          </a:bodyPr>
-          <a:lstStyle/>
-          <a:p>
-            <a:pPr algn="ctr"/>
-            <a:r>
-              <a:rPr lang="en-US" sz="1600" smtClean="0"/>
-              <a:t>Includes an autopilot</a:t>
-            </a:r>
-            <a:endParaRPr lang="en-US" sz="1600"/>
-          </a:p>
-        </p:txBody>
-      </p:sp>
     </p:spTree>
   </p:cSld>
   <p:clrMapOvr>
@@ -4424,145 +4228,162 @@
       </p:grpSpPr>
       <p:sp>
         <p:nvSpPr>
-          <p:cNvPr id="6" name="Title 3"/>
-          <p:cNvSpPr txBox="1">
-            <a:spLocks/>
-          </p:cNvSpPr>
+          <p:cNvPr id="2" name="Title 1"/>
+          <p:cNvSpPr>
+            <a:spLocks noGrp="1"/>
+          </p:cNvSpPr>
+          <p:nvPr>
+            <p:ph type="title"/>
+          </p:nvPr>
+        </p:nvSpPr>
+        <p:spPr/>
+        <p:txBody>
+          <a:bodyPr/>
+          <a:lstStyle/>
+          <a:p>
+            <a:r>
+              <a:rPr lang="en-US" smtClean="0"/>
+              <a:t>DynamicsModel “Auto Pilot”</a:t>
+            </a:r>
+            <a:endParaRPr lang="en-US"/>
+          </a:p>
+        </p:txBody>
+      </p:sp>
+      <p:pic>
+        <p:nvPicPr>
+          <p:cNvPr id="8194" name="Picture 2"/>
+          <p:cNvPicPr>
+            <a:picLocks noChangeAspect="1" noChangeArrowheads="1"/>
+          </p:cNvPicPr>
+          <p:nvPr/>
+        </p:nvPicPr>
+        <p:blipFill>
+          <a:blip r:embed="rId2" cstate="print"/>
+          <a:srcRect/>
+          <a:stretch>
+            <a:fillRect/>
+          </a:stretch>
+        </p:blipFill>
+        <p:spPr bwMode="auto">
+          <a:xfrm>
+            <a:off x="2057400" y="1447800"/>
+            <a:ext cx="4514850" cy="4724400"/>
+          </a:xfrm>
+          <a:prstGeom prst="rect">
+            <a:avLst/>
+          </a:prstGeom>
+          <a:noFill/>
+          <a:ln w="9525">
+            <a:noFill/>
+            <a:miter lim="800000"/>
+            <a:headEnd/>
+            <a:tailEnd/>
+          </a:ln>
+        </p:spPr>
+      </p:pic>
+      <p:sp>
+        <p:nvSpPr>
+          <p:cNvPr id="5" name="TextBox 4"/>
+          <p:cNvSpPr txBox="1"/>
           <p:nvPr/>
         </p:nvSpPr>
         <p:spPr>
           <a:xfrm>
-            <a:off x="0" y="2514600"/>
-            <a:ext cx="9144000" cy="1219200"/>
+            <a:off x="0" y="6248400"/>
+            <a:ext cx="9144000" cy="338554"/>
           </a:xfrm>
           <a:prstGeom prst="rect">
             <a:avLst/>
           </a:prstGeom>
-        </p:spPr>
-        <p:txBody>
-          <a:bodyPr vert="horz" lIns="91440" tIns="45720" rIns="91440" bIns="45720" rtlCol="0" anchor="ctr">
-            <a:normAutofit/>
+          <a:noFill/>
+        </p:spPr>
+        <p:txBody>
+          <a:bodyPr wrap="square" rtlCol="0">
+            <a:spAutoFit/>
           </a:bodyPr>
           <a:lstStyle/>
           <a:p>
-            <a:pPr marL="0" marR="0" lvl="0" indent="0" algn="ctr" defTabSz="914400" rtl="0" eaLnBrk="1" fontAlgn="auto" latinLnBrk="0" hangingPunct="1">
-              <a:lnSpc>
-                <a:spcPct val="100000"/>
-              </a:lnSpc>
-              <a:spcBef>
-                <a:spcPct val="0"/>
-              </a:spcBef>
-              <a:spcAft>
-                <a:spcPts val="0"/>
-              </a:spcAft>
-              <a:buClrTx/>
-              <a:buSzTx/>
-              <a:buFontTx/>
-              <a:buNone/>
-              <a:tabLst/>
-              <a:defRPr/>
-            </a:pPr>
-            <a:r>
-              <a:rPr kumimoji="0" lang="en-US" sz="4400" b="0" i="0" u="none" strike="noStrike" kern="1200" cap="none" spc="0" normalizeH="0" baseline="0" noProof="0" smtClean="0">
-                <a:ln>
-                  <a:noFill/>
-                </a:ln>
-                <a:solidFill>
-                  <a:schemeClr val="tx1"/>
-                </a:solidFill>
-                <a:effectLst/>
-                <a:uLnTx/>
-                <a:uFillTx/>
-                <a:latin typeface="+mj-lt"/>
-                <a:ea typeface="+mj-ea"/>
-                <a:cs typeface="+mj-cs"/>
-              </a:rPr>
-              <a:t>Pilot</a:t>
-            </a:r>
-            <a:r>
-              <a:rPr kumimoji="0" lang="en-US" sz="4400" b="0" i="0" u="none" strike="noStrike" kern="1200" cap="none" spc="0" normalizeH="0" noProof="0" smtClean="0">
-                <a:ln>
-                  <a:noFill/>
-                </a:ln>
-                <a:solidFill>
-                  <a:schemeClr val="tx1"/>
-                </a:solidFill>
-                <a:effectLst/>
-                <a:uLnTx/>
-                <a:uFillTx/>
-                <a:latin typeface="+mj-lt"/>
-                <a:ea typeface="+mj-ea"/>
-                <a:cs typeface="+mj-cs"/>
-              </a:rPr>
-              <a:t> / AutoPilot</a:t>
-            </a:r>
-            <a:r>
-              <a:rPr kumimoji="0" lang="en-US" sz="4400" b="0" i="0" u="none" strike="noStrike" kern="1200" cap="none" spc="0" normalizeH="0" baseline="0" noProof="0" smtClean="0">
-                <a:ln>
-                  <a:noFill/>
-                </a:ln>
-                <a:solidFill>
-                  <a:schemeClr val="tx1"/>
-                </a:solidFill>
-                <a:effectLst/>
-                <a:uLnTx/>
-                <a:uFillTx/>
-                <a:latin typeface="+mj-lt"/>
-                <a:ea typeface="+mj-ea"/>
-                <a:cs typeface="+mj-cs"/>
-              </a:rPr>
-              <a:t/>
-            </a:r>
-            <a:br>
-              <a:rPr kumimoji="0" lang="en-US" sz="4400" b="0" i="0" u="none" strike="noStrike" kern="1200" cap="none" spc="0" normalizeH="0" baseline="0" noProof="0" smtClean="0">
-                <a:ln>
-                  <a:noFill/>
-                </a:ln>
-                <a:solidFill>
-                  <a:schemeClr val="tx1"/>
-                </a:solidFill>
-                <a:effectLst/>
-                <a:uLnTx/>
-                <a:uFillTx/>
-                <a:latin typeface="+mj-lt"/>
-                <a:ea typeface="+mj-ea"/>
-                <a:cs typeface="+mj-cs"/>
-              </a:rPr>
-            </a:br>
-            <a:r>
-              <a:rPr kumimoji="0" lang="en-US" sz="2400" b="0" i="0" u="none" strike="noStrike" kern="1200" cap="none" spc="0" normalizeH="0" baseline="0" noProof="0" smtClean="0">
-                <a:ln>
-                  <a:noFill/>
-                </a:ln>
-                <a:solidFill>
-                  <a:schemeClr val="tx1"/>
-                </a:solidFill>
-                <a:effectLst/>
-                <a:uLnTx/>
-                <a:uFillTx/>
-                <a:latin typeface="+mj-lt"/>
-                <a:ea typeface="+mj-ea"/>
-                <a:cs typeface="+mj-cs"/>
-              </a:rPr>
-              <a:t>(Not associated with a DynamicModel)</a:t>
-            </a:r>
-            <a:endParaRPr kumimoji="0" lang="en-US" sz="4400" b="0" i="0" u="none" strike="noStrike" kern="1200" cap="none" spc="0" normalizeH="0" baseline="0" noProof="0">
-              <a:ln>
-                <a:noFill/>
-              </a:ln>
-              <a:solidFill>
-                <a:schemeClr val="tx1"/>
-              </a:solidFill>
-              <a:effectLst/>
-              <a:uLnTx/>
-              <a:uFillTx/>
-              <a:latin typeface="+mj-lt"/>
-              <a:ea typeface="+mj-ea"/>
-              <a:cs typeface="+mj-cs"/>
-            </a:endParaRPr>
-          </a:p>
-        </p:txBody>
-      </p:sp>
+            <a:pPr algn="ctr"/>
+            <a:r>
+              <a:rPr lang="en-US" sz="1600" b="1" smtClean="0"/>
+              <a:t>from Player.cpp</a:t>
+            </a:r>
+            <a:endParaRPr lang="en-US" sz="1600" b="1"/>
+          </a:p>
+        </p:txBody>
+      </p:sp>
+      <p:cxnSp>
+        <p:nvCxnSpPr>
+          <p:cNvPr id="6" name="Straight Arrow Connector 5"/>
+          <p:cNvCxnSpPr/>
+          <p:nvPr/>
+        </p:nvCxnSpPr>
+        <p:spPr>
+          <a:xfrm flipV="1">
+            <a:off x="1828800" y="2057400"/>
+            <a:ext cx="381000" cy="76200"/>
+          </a:xfrm>
+          <a:prstGeom prst="straightConnector1">
+            <a:avLst/>
+          </a:prstGeom>
+          <a:ln w="28575">
+            <a:solidFill>
+              <a:srgbClr val="FF0000"/>
+            </a:solidFill>
+            <a:tailEnd type="arrow"/>
+          </a:ln>
+        </p:spPr>
+        <p:style>
+          <a:lnRef idx="1">
+            <a:schemeClr val="accent1"/>
+          </a:lnRef>
+          <a:fillRef idx="0">
+            <a:schemeClr val="accent1"/>
+          </a:fillRef>
+          <a:effectRef idx="0">
+            <a:schemeClr val="accent1"/>
+          </a:effectRef>
+          <a:fontRef idx="minor">
+            <a:schemeClr val="tx1"/>
+          </a:fontRef>
+        </p:style>
+      </p:cxnSp>
+      <p:cxnSp>
+        <p:nvCxnSpPr>
+          <p:cNvPr id="7" name="Straight Arrow Connector 6"/>
+          <p:cNvCxnSpPr/>
+          <p:nvPr/>
+        </p:nvCxnSpPr>
+        <p:spPr>
+          <a:xfrm flipV="1">
+            <a:off x="1828800" y="4495800"/>
+            <a:ext cx="381000" cy="76200"/>
+          </a:xfrm>
+          <a:prstGeom prst="straightConnector1">
+            <a:avLst/>
+          </a:prstGeom>
+          <a:ln w="28575">
+            <a:solidFill>
+              <a:srgbClr val="FF0000"/>
+            </a:solidFill>
+            <a:tailEnd type="arrow"/>
+          </a:ln>
+        </p:spPr>
+        <p:style>
+          <a:lnRef idx="1">
+            <a:schemeClr val="accent1"/>
+          </a:lnRef>
+          <a:fillRef idx="0">
+            <a:schemeClr val="accent1"/>
+          </a:fillRef>
+          <a:effectRef idx="0">
+            <a:schemeClr val="accent1"/>
+          </a:effectRef>
+          <a:fontRef idx="minor">
+            <a:schemeClr val="tx1"/>
+          </a:fontRef>
+        </p:style>
+      </p:cxnSp>
     </p:spTree>
   </p:cSld>
   <p:clrMapOvr>
@@ -4612,6 +4433,873 @@
           <a:p>
             <a:r>
               <a:rPr lang="en-US" smtClean="0"/>
+              <a:t>Player / DynamicsModel</a:t>
+            </a:r>
+            <a:endParaRPr lang="en-US"/>
+          </a:p>
+        </p:txBody>
+      </p:sp>
+      <p:sp>
+        <p:nvSpPr>
+          <p:cNvPr id="3" name="Content Placeholder 2"/>
+          <p:cNvSpPr>
+            <a:spLocks noGrp="1"/>
+          </p:cNvSpPr>
+          <p:nvPr>
+            <p:ph idx="1"/>
+          </p:nvPr>
+        </p:nvSpPr>
+        <p:spPr/>
+        <p:txBody>
+          <a:bodyPr>
+            <a:normAutofit/>
+          </a:bodyPr>
+          <a:lstStyle/>
+          <a:p>
+            <a:r>
+              <a:rPr lang="en-US" sz="2400" smtClean="0"/>
+              <a:t>Player may or may not have an attached dynamics model</a:t>
+            </a:r>
+          </a:p>
+          <a:p>
+            <a:r>
+              <a:rPr lang="en-US" sz="2400" smtClean="0"/>
+              <a:t>If attached, then stick and throttle inputs are forwarded to the dynamics model – </a:t>
+            </a:r>
+            <a:r>
+              <a:rPr lang="en-US" sz="2400" b="1" smtClean="0"/>
+              <a:t>some dynamics models do not include an autopilot!</a:t>
+            </a:r>
+            <a:endParaRPr lang="en-US" sz="2400" b="1"/>
+          </a:p>
+        </p:txBody>
+      </p:sp>
+      <p:pic>
+        <p:nvPicPr>
+          <p:cNvPr id="5" name="Picture 2" descr="C:\Users\me\AppData\Local\Microsoft\Windows\Temporary Internet Files\Content.IE5\PUXV0NF7\MC900433959[1].png"/>
+          <p:cNvPicPr>
+            <a:picLocks noChangeAspect="1" noChangeArrowheads="1"/>
+          </p:cNvPicPr>
+          <p:nvPr/>
+        </p:nvPicPr>
+        <p:blipFill>
+          <a:blip r:embed="rId2" cstate="print"/>
+          <a:srcRect/>
+          <a:stretch>
+            <a:fillRect/>
+          </a:stretch>
+        </p:blipFill>
+        <p:spPr bwMode="auto">
+          <a:xfrm flipH="1">
+            <a:off x="1828800" y="3200400"/>
+            <a:ext cx="609600" cy="609600"/>
+          </a:xfrm>
+          <a:prstGeom prst="rect">
+            <a:avLst/>
+          </a:prstGeom>
+          <a:noFill/>
+        </p:spPr>
+      </p:pic>
+      <p:cxnSp>
+        <p:nvCxnSpPr>
+          <p:cNvPr id="6" name="Straight Arrow Connector 5"/>
+          <p:cNvCxnSpPr/>
+          <p:nvPr/>
+        </p:nvCxnSpPr>
+        <p:spPr>
+          <a:xfrm>
+            <a:off x="2514600" y="3505200"/>
+            <a:ext cx="685800" cy="0"/>
+          </a:xfrm>
+          <a:prstGeom prst="straightConnector1">
+            <a:avLst/>
+          </a:prstGeom>
+          <a:ln w="28575">
+            <a:solidFill>
+              <a:srgbClr val="FF0000"/>
+            </a:solidFill>
+            <a:tailEnd type="arrow"/>
+          </a:ln>
+        </p:spPr>
+        <p:style>
+          <a:lnRef idx="1">
+            <a:schemeClr val="accent1"/>
+          </a:lnRef>
+          <a:fillRef idx="0">
+            <a:schemeClr val="accent1"/>
+          </a:fillRef>
+          <a:effectRef idx="0">
+            <a:schemeClr val="accent1"/>
+          </a:effectRef>
+          <a:fontRef idx="minor">
+            <a:schemeClr val="tx1"/>
+          </a:fontRef>
+        </p:style>
+      </p:cxnSp>
+      <p:pic>
+        <p:nvPicPr>
+          <p:cNvPr id="6148" name="Picture 4"/>
+          <p:cNvPicPr>
+            <a:picLocks noChangeAspect="1" noChangeArrowheads="1"/>
+          </p:cNvPicPr>
+          <p:nvPr/>
+        </p:nvPicPr>
+        <p:blipFill>
+          <a:blip r:embed="rId3" cstate="print"/>
+          <a:srcRect/>
+          <a:stretch>
+            <a:fillRect/>
+          </a:stretch>
+        </p:blipFill>
+        <p:spPr bwMode="auto">
+          <a:xfrm>
+            <a:off x="3352800" y="3276600"/>
+            <a:ext cx="3657600" cy="2295525"/>
+          </a:xfrm>
+          <a:prstGeom prst="rect">
+            <a:avLst/>
+          </a:prstGeom>
+          <a:noFill/>
+          <a:ln w="9525">
+            <a:noFill/>
+            <a:miter lim="800000"/>
+            <a:headEnd/>
+            <a:tailEnd/>
+          </a:ln>
+        </p:spPr>
+      </p:pic>
+      <p:cxnSp>
+        <p:nvCxnSpPr>
+          <p:cNvPr id="11" name="Straight Arrow Connector 10"/>
+          <p:cNvCxnSpPr/>
+          <p:nvPr/>
+        </p:nvCxnSpPr>
+        <p:spPr>
+          <a:xfrm>
+            <a:off x="4038600" y="3962400"/>
+            <a:ext cx="685800" cy="990600"/>
+          </a:xfrm>
+          <a:prstGeom prst="straightConnector1">
+            <a:avLst/>
+          </a:prstGeom>
+          <a:ln w="28575">
+            <a:solidFill>
+              <a:srgbClr val="FF0000"/>
+            </a:solidFill>
+            <a:tailEnd type="arrow"/>
+          </a:ln>
+        </p:spPr>
+        <p:style>
+          <a:lnRef idx="1">
+            <a:schemeClr val="accent1"/>
+          </a:lnRef>
+          <a:fillRef idx="0">
+            <a:schemeClr val="accent1"/>
+          </a:fillRef>
+          <a:effectRef idx="0">
+            <a:schemeClr val="accent1"/>
+          </a:effectRef>
+          <a:fontRef idx="minor">
+            <a:schemeClr val="tx1"/>
+          </a:fontRef>
+        </p:style>
+      </p:cxnSp>
+      <p:cxnSp>
+        <p:nvCxnSpPr>
+          <p:cNvPr id="8" name="Straight Arrow Connector 7"/>
+          <p:cNvCxnSpPr/>
+          <p:nvPr/>
+        </p:nvCxnSpPr>
+        <p:spPr>
+          <a:xfrm flipH="1" flipV="1">
+            <a:off x="7086600" y="5410200"/>
+            <a:ext cx="533400" cy="457200"/>
+          </a:xfrm>
+          <a:prstGeom prst="straightConnector1">
+            <a:avLst/>
+          </a:prstGeom>
+          <a:ln w="28575">
+            <a:solidFill>
+              <a:srgbClr val="FF0000"/>
+            </a:solidFill>
+            <a:tailEnd type="arrow"/>
+          </a:ln>
+        </p:spPr>
+        <p:style>
+          <a:lnRef idx="1">
+            <a:schemeClr val="accent1"/>
+          </a:lnRef>
+          <a:fillRef idx="0">
+            <a:schemeClr val="accent1"/>
+          </a:fillRef>
+          <a:effectRef idx="0">
+            <a:schemeClr val="accent1"/>
+          </a:effectRef>
+          <a:fontRef idx="minor">
+            <a:schemeClr val="tx1"/>
+          </a:fontRef>
+        </p:style>
+      </p:cxnSp>
+      <p:cxnSp>
+        <p:nvCxnSpPr>
+          <p:cNvPr id="13" name="Straight Arrow Connector 12"/>
+          <p:cNvCxnSpPr/>
+          <p:nvPr/>
+        </p:nvCxnSpPr>
+        <p:spPr>
+          <a:xfrm flipV="1">
+            <a:off x="3657600" y="5410200"/>
+            <a:ext cx="914400" cy="457200"/>
+          </a:xfrm>
+          <a:prstGeom prst="straightConnector1">
+            <a:avLst/>
+          </a:prstGeom>
+          <a:ln w="28575">
+            <a:solidFill>
+              <a:srgbClr val="FF0000"/>
+            </a:solidFill>
+            <a:tailEnd type="arrow"/>
+          </a:ln>
+        </p:spPr>
+        <p:style>
+          <a:lnRef idx="1">
+            <a:schemeClr val="accent1"/>
+          </a:lnRef>
+          <a:fillRef idx="0">
+            <a:schemeClr val="accent1"/>
+          </a:fillRef>
+          <a:effectRef idx="0">
+            <a:schemeClr val="accent1"/>
+          </a:effectRef>
+          <a:fontRef idx="minor">
+            <a:schemeClr val="tx1"/>
+          </a:fontRef>
+        </p:style>
+      </p:cxnSp>
+      <p:sp>
+        <p:nvSpPr>
+          <p:cNvPr id="15" name="TextBox 14"/>
+          <p:cNvSpPr txBox="1"/>
+          <p:nvPr/>
+        </p:nvSpPr>
+        <p:spPr>
+          <a:xfrm>
+            <a:off x="1600200" y="5867400"/>
+            <a:ext cx="3200400" cy="584775"/>
+          </a:xfrm>
+          <a:prstGeom prst="rect">
+            <a:avLst/>
+          </a:prstGeom>
+          <a:noFill/>
+        </p:spPr>
+        <p:txBody>
+          <a:bodyPr wrap="square" rtlCol="0">
+            <a:spAutoFit/>
+          </a:bodyPr>
+          <a:lstStyle/>
+          <a:p>
+            <a:pPr algn="ctr"/>
+            <a:r>
+              <a:rPr lang="en-US" sz="1600" smtClean="0"/>
+              <a:t>May or may not include an autopilot (depends on input files)</a:t>
+            </a:r>
+            <a:endParaRPr lang="en-US" sz="1600"/>
+          </a:p>
+        </p:txBody>
+      </p:sp>
+      <p:sp>
+        <p:nvSpPr>
+          <p:cNvPr id="16" name="TextBox 15"/>
+          <p:cNvSpPr txBox="1"/>
+          <p:nvPr/>
+        </p:nvSpPr>
+        <p:spPr>
+          <a:xfrm>
+            <a:off x="6553200" y="5867400"/>
+            <a:ext cx="2133600" cy="338554"/>
+          </a:xfrm>
+          <a:prstGeom prst="rect">
+            <a:avLst/>
+          </a:prstGeom>
+          <a:noFill/>
+        </p:spPr>
+        <p:txBody>
+          <a:bodyPr wrap="square" rtlCol="0">
+            <a:spAutoFit/>
+          </a:bodyPr>
+          <a:lstStyle/>
+          <a:p>
+            <a:pPr algn="ctr"/>
+            <a:r>
+              <a:rPr lang="en-US" sz="1600" smtClean="0"/>
+              <a:t>Includes an autopilot</a:t>
+            </a:r>
+            <a:endParaRPr lang="en-US" sz="1600"/>
+          </a:p>
+        </p:txBody>
+      </p:sp>
+    </p:spTree>
+  </p:cSld>
+  <p:clrMapOvr>
+    <a:masterClrMapping/>
+  </p:clrMapOvr>
+  <p:timing>
+    <p:tnLst>
+      <p:par>
+        <p:cTn id="1" dur="indefinite" restart="never" nodeType="tmRoot"/>
+      </p:par>
+    </p:tnLst>
+  </p:timing>
+</p:sld>
+</file>
+
+<file path=ppt/slides/slide18.xml><?xml version="1.0" encoding="utf-8"?>
+<p:sld xmlns:a="http://schemas.openxmlformats.org/drawingml/2006/main" xmlns:r="http://schemas.openxmlformats.org/officeDocument/2006/relationships" xmlns:p="http://schemas.openxmlformats.org/presentationml/2006/main">
+  <p:cSld>
+    <p:spTree>
+      <p:nvGrpSpPr>
+        <p:cNvPr id="1" name=""/>
+        <p:cNvGrpSpPr/>
+        <p:nvPr/>
+      </p:nvGrpSpPr>
+      <p:grpSpPr>
+        <a:xfrm>
+          <a:off x="0" y="0"/>
+          <a:ext cx="0" cy="0"/>
+          <a:chOff x="0" y="0"/>
+          <a:chExt cx="0" cy="0"/>
+        </a:xfrm>
+      </p:grpSpPr>
+      <p:sp>
+        <p:nvSpPr>
+          <p:cNvPr id="6" name="Title 3"/>
+          <p:cNvSpPr txBox="1">
+            <a:spLocks/>
+          </p:cNvSpPr>
+          <p:nvPr/>
+        </p:nvSpPr>
+        <p:spPr>
+          <a:xfrm>
+            <a:off x="0" y="2514600"/>
+            <a:ext cx="9144000" cy="1219200"/>
+          </a:xfrm>
+          <a:prstGeom prst="rect">
+            <a:avLst/>
+          </a:prstGeom>
+        </p:spPr>
+        <p:txBody>
+          <a:bodyPr vert="horz" lIns="91440" tIns="45720" rIns="91440" bIns="45720" rtlCol="0" anchor="ctr">
+            <a:normAutofit/>
+          </a:bodyPr>
+          <a:lstStyle/>
+          <a:p>
+            <a:pPr marL="0" marR="0" lvl="0" indent="0" algn="ctr" defTabSz="914400" rtl="0" eaLnBrk="1" fontAlgn="auto" latinLnBrk="0" hangingPunct="1">
+              <a:lnSpc>
+                <a:spcPct val="100000"/>
+              </a:lnSpc>
+              <a:spcBef>
+                <a:spcPct val="0"/>
+              </a:spcBef>
+              <a:spcAft>
+                <a:spcPts val="0"/>
+              </a:spcAft>
+              <a:buClrTx/>
+              <a:buSzTx/>
+              <a:buFontTx/>
+              <a:buNone/>
+              <a:tabLst/>
+              <a:defRPr/>
+            </a:pPr>
+            <a:r>
+              <a:rPr kumimoji="0" lang="en-US" sz="4400" b="0" i="0" u="none" strike="noStrike" kern="1200" cap="none" spc="0" normalizeH="0" baseline="0" noProof="0" smtClean="0">
+                <a:ln>
+                  <a:noFill/>
+                </a:ln>
+                <a:solidFill>
+                  <a:schemeClr val="tx1"/>
+                </a:solidFill>
+                <a:effectLst/>
+                <a:uLnTx/>
+                <a:uFillTx/>
+                <a:latin typeface="+mj-lt"/>
+                <a:ea typeface="+mj-ea"/>
+                <a:cs typeface="+mj-cs"/>
+              </a:rPr>
+              <a:t>Pilot</a:t>
+            </a:r>
+            <a:r>
+              <a:rPr kumimoji="0" lang="en-US" sz="4400" b="0" i="0" u="none" strike="noStrike" kern="1200" cap="none" spc="0" normalizeH="0" noProof="0" smtClean="0">
+                <a:ln>
+                  <a:noFill/>
+                </a:ln>
+                <a:solidFill>
+                  <a:schemeClr val="tx1"/>
+                </a:solidFill>
+                <a:effectLst/>
+                <a:uLnTx/>
+                <a:uFillTx/>
+                <a:latin typeface="+mj-lt"/>
+                <a:ea typeface="+mj-ea"/>
+                <a:cs typeface="+mj-cs"/>
+              </a:rPr>
+              <a:t> / AutoPilot</a:t>
+            </a:r>
+            <a:r>
+              <a:rPr kumimoji="0" lang="en-US" sz="4400" b="0" i="0" u="none" strike="noStrike" kern="1200" cap="none" spc="0" normalizeH="0" baseline="0" noProof="0" smtClean="0">
+                <a:ln>
+                  <a:noFill/>
+                </a:ln>
+                <a:solidFill>
+                  <a:schemeClr val="tx1"/>
+                </a:solidFill>
+                <a:effectLst/>
+                <a:uLnTx/>
+                <a:uFillTx/>
+                <a:latin typeface="+mj-lt"/>
+                <a:ea typeface="+mj-ea"/>
+                <a:cs typeface="+mj-cs"/>
+              </a:rPr>
+              <a:t/>
+            </a:r>
+            <a:br>
+              <a:rPr kumimoji="0" lang="en-US" sz="4400" b="0" i="0" u="none" strike="noStrike" kern="1200" cap="none" spc="0" normalizeH="0" baseline="0" noProof="0" smtClean="0">
+                <a:ln>
+                  <a:noFill/>
+                </a:ln>
+                <a:solidFill>
+                  <a:schemeClr val="tx1"/>
+                </a:solidFill>
+                <a:effectLst/>
+                <a:uLnTx/>
+                <a:uFillTx/>
+                <a:latin typeface="+mj-lt"/>
+                <a:ea typeface="+mj-ea"/>
+                <a:cs typeface="+mj-cs"/>
+              </a:rPr>
+            </a:br>
+            <a:r>
+              <a:rPr kumimoji="0" lang="en-US" sz="2400" b="0" i="0" u="none" strike="noStrike" kern="1200" cap="none" spc="0" normalizeH="0" baseline="0" noProof="0" smtClean="0">
+                <a:ln>
+                  <a:noFill/>
+                </a:ln>
+                <a:solidFill>
+                  <a:schemeClr val="tx1"/>
+                </a:solidFill>
+                <a:effectLst/>
+                <a:uLnTx/>
+                <a:uFillTx/>
+                <a:latin typeface="+mj-lt"/>
+                <a:ea typeface="+mj-ea"/>
+                <a:cs typeface="+mj-cs"/>
+              </a:rPr>
+              <a:t>(Not associated with a DynamicModel)</a:t>
+            </a:r>
+            <a:endParaRPr kumimoji="0" lang="en-US" sz="4400" b="0" i="0" u="none" strike="noStrike" kern="1200" cap="none" spc="0" normalizeH="0" baseline="0" noProof="0">
+              <a:ln>
+                <a:noFill/>
+              </a:ln>
+              <a:solidFill>
+                <a:schemeClr val="tx1"/>
+              </a:solidFill>
+              <a:effectLst/>
+              <a:uLnTx/>
+              <a:uFillTx/>
+              <a:latin typeface="+mj-lt"/>
+              <a:ea typeface="+mj-ea"/>
+              <a:cs typeface="+mj-cs"/>
+            </a:endParaRPr>
+          </a:p>
+        </p:txBody>
+      </p:sp>
+    </p:spTree>
+  </p:cSld>
+  <p:clrMapOvr>
+    <a:masterClrMapping/>
+  </p:clrMapOvr>
+  <p:timing>
+    <p:tnLst>
+      <p:par>
+        <p:cTn id="1" dur="indefinite" restart="never" nodeType="tmRoot"/>
+      </p:par>
+    </p:tnLst>
+  </p:timing>
+</p:sld>
+</file>
+
+<file path=ppt/slides/slide19.xml><?xml version="1.0" encoding="utf-8"?>
+<p:sld xmlns:a="http://schemas.openxmlformats.org/drawingml/2006/main" xmlns:r="http://schemas.openxmlformats.org/officeDocument/2006/relationships" xmlns:p="http://schemas.openxmlformats.org/presentationml/2006/main">
+  <p:cSld>
+    <p:spTree>
+      <p:nvGrpSpPr>
+        <p:cNvPr id="1" name=""/>
+        <p:cNvGrpSpPr/>
+        <p:nvPr/>
+      </p:nvGrpSpPr>
+      <p:grpSpPr>
+        <a:xfrm>
+          <a:off x="0" y="0"/>
+          <a:ext cx="0" cy="0"/>
+          <a:chOff x="0" y="0"/>
+          <a:chExt cx="0" cy="0"/>
+        </a:xfrm>
+      </p:grpSpPr>
+      <p:sp>
+        <p:nvSpPr>
+          <p:cNvPr id="2" name="Title 1"/>
+          <p:cNvSpPr>
+            <a:spLocks noGrp="1"/>
+          </p:cNvSpPr>
+          <p:nvPr>
+            <p:ph type="title"/>
+          </p:nvPr>
+        </p:nvSpPr>
+        <p:spPr/>
+        <p:txBody>
+          <a:bodyPr>
+            <a:normAutofit/>
+          </a:bodyPr>
+          <a:lstStyle/>
+          <a:p>
+            <a:r>
+              <a:rPr lang="en-US" sz="4000" smtClean="0"/>
+              <a:t>Player Top-Level System Models</a:t>
+            </a:r>
+            <a:endParaRPr lang="en-US" sz="4000"/>
+          </a:p>
+        </p:txBody>
+      </p:sp>
+      <p:sp>
+        <p:nvSpPr>
+          <p:cNvPr id="10" name="Content Placeholder 2"/>
+          <p:cNvSpPr>
+            <a:spLocks noGrp="1"/>
+          </p:cNvSpPr>
+          <p:nvPr>
+            <p:ph idx="1"/>
+          </p:nvPr>
+        </p:nvSpPr>
+        <p:spPr/>
+        <p:txBody>
+          <a:bodyPr>
+            <a:normAutofit/>
+          </a:bodyPr>
+          <a:lstStyle/>
+          <a:p>
+            <a:r>
+              <a:rPr lang="en-US" sz="2400" smtClean="0"/>
+              <a:t>Container of sub-systems</a:t>
+            </a:r>
+          </a:p>
+          <a:p>
+            <a:r>
+              <a:rPr lang="en-US" sz="2400" i="1" u="sng" smtClean="0"/>
+              <a:t>General purpose interface</a:t>
+            </a:r>
+            <a:r>
+              <a:rPr lang="en-US" sz="2400" smtClean="0"/>
+              <a:t> to those sub-systems</a:t>
+            </a:r>
+            <a:endParaRPr lang="en-US" sz="2400"/>
+          </a:p>
+        </p:txBody>
+      </p:sp>
+      <p:sp>
+        <p:nvSpPr>
+          <p:cNvPr id="11" name="TextBox 10"/>
+          <p:cNvSpPr txBox="1"/>
+          <p:nvPr/>
+        </p:nvSpPr>
+        <p:spPr>
+          <a:xfrm>
+            <a:off x="0" y="5638800"/>
+            <a:ext cx="9144000" cy="338554"/>
+          </a:xfrm>
+          <a:prstGeom prst="rect">
+            <a:avLst/>
+          </a:prstGeom>
+          <a:noFill/>
+        </p:spPr>
+        <p:txBody>
+          <a:bodyPr wrap="square" rtlCol="0">
+            <a:spAutoFit/>
+          </a:bodyPr>
+          <a:lstStyle/>
+          <a:p>
+            <a:pPr algn="ctr"/>
+            <a:r>
+              <a:rPr lang="en-US" sz="1600" b="1" smtClean="0"/>
+              <a:t>from Player.h</a:t>
+            </a:r>
+            <a:endParaRPr lang="en-US" sz="1600" b="1"/>
+          </a:p>
+        </p:txBody>
+      </p:sp>
+      <p:pic>
+        <p:nvPicPr>
+          <p:cNvPr id="1027" name="Picture 3"/>
+          <p:cNvPicPr>
+            <a:picLocks noChangeAspect="1" noChangeArrowheads="1"/>
+          </p:cNvPicPr>
+          <p:nvPr/>
+        </p:nvPicPr>
+        <p:blipFill>
+          <a:blip r:embed="rId2" cstate="print"/>
+          <a:srcRect/>
+          <a:stretch>
+            <a:fillRect/>
+          </a:stretch>
+        </p:blipFill>
+        <p:spPr bwMode="auto">
+          <a:xfrm>
+            <a:off x="1447800" y="2819400"/>
+            <a:ext cx="6257925" cy="2609850"/>
+          </a:xfrm>
+          <a:prstGeom prst="rect">
+            <a:avLst/>
+          </a:prstGeom>
+          <a:noFill/>
+          <a:ln w="9525">
+            <a:noFill/>
+            <a:miter lim="800000"/>
+            <a:headEnd/>
+            <a:tailEnd/>
+          </a:ln>
+        </p:spPr>
+      </p:pic>
+      <p:cxnSp>
+        <p:nvCxnSpPr>
+          <p:cNvPr id="16" name="Straight Arrow Connector 15"/>
+          <p:cNvCxnSpPr/>
+          <p:nvPr/>
+        </p:nvCxnSpPr>
+        <p:spPr>
+          <a:xfrm flipV="1">
+            <a:off x="1219200" y="3886200"/>
+            <a:ext cx="381000" cy="76200"/>
+          </a:xfrm>
+          <a:prstGeom prst="straightConnector1">
+            <a:avLst/>
+          </a:prstGeom>
+          <a:ln w="28575">
+            <a:solidFill>
+              <a:srgbClr val="FF0000"/>
+            </a:solidFill>
+            <a:tailEnd type="arrow"/>
+          </a:ln>
+        </p:spPr>
+        <p:style>
+          <a:lnRef idx="1">
+            <a:schemeClr val="accent1"/>
+          </a:lnRef>
+          <a:fillRef idx="0">
+            <a:schemeClr val="accent1"/>
+          </a:fillRef>
+          <a:effectRef idx="0">
+            <a:schemeClr val="accent1"/>
+          </a:effectRef>
+          <a:fontRef idx="minor">
+            <a:schemeClr val="tx1"/>
+          </a:fontRef>
+        </p:style>
+      </p:cxnSp>
+      <p:cxnSp>
+        <p:nvCxnSpPr>
+          <p:cNvPr id="7" name="Straight Arrow Connector 6"/>
+          <p:cNvCxnSpPr/>
+          <p:nvPr/>
+        </p:nvCxnSpPr>
+        <p:spPr>
+          <a:xfrm flipV="1">
+            <a:off x="1219200" y="4191000"/>
+            <a:ext cx="381000" cy="76200"/>
+          </a:xfrm>
+          <a:prstGeom prst="straightConnector1">
+            <a:avLst/>
+          </a:prstGeom>
+          <a:ln w="28575">
+            <a:solidFill>
+              <a:srgbClr val="FF0000"/>
+            </a:solidFill>
+            <a:tailEnd type="arrow"/>
+          </a:ln>
+        </p:spPr>
+        <p:style>
+          <a:lnRef idx="1">
+            <a:schemeClr val="accent1"/>
+          </a:lnRef>
+          <a:fillRef idx="0">
+            <a:schemeClr val="accent1"/>
+          </a:fillRef>
+          <a:effectRef idx="0">
+            <a:schemeClr val="accent1"/>
+          </a:effectRef>
+          <a:fontRef idx="minor">
+            <a:schemeClr val="tx1"/>
+          </a:fontRef>
+        </p:style>
+      </p:cxnSp>
+    </p:spTree>
+  </p:cSld>
+  <p:clrMapOvr>
+    <a:masterClrMapping/>
+  </p:clrMapOvr>
+  <p:timing>
+    <p:tnLst>
+      <p:par>
+        <p:cTn id="1" dur="indefinite" restart="never" nodeType="tmRoot"/>
+      </p:par>
+    </p:tnLst>
+  </p:timing>
+</p:sld>
+</file>
+
+<file path=ppt/slides/slide2.xml><?xml version="1.0" encoding="utf-8"?>
+<p:sld xmlns:a="http://schemas.openxmlformats.org/drawingml/2006/main" xmlns:r="http://schemas.openxmlformats.org/officeDocument/2006/relationships" xmlns:p="http://schemas.openxmlformats.org/presentationml/2006/main">
+  <p:cSld>
+    <p:spTree>
+      <p:nvGrpSpPr>
+        <p:cNvPr id="1" name=""/>
+        <p:cNvGrpSpPr/>
+        <p:nvPr/>
+      </p:nvGrpSpPr>
+      <p:grpSpPr>
+        <a:xfrm>
+          <a:off x="0" y="0"/>
+          <a:ext cx="0" cy="0"/>
+          <a:chOff x="0" y="0"/>
+          <a:chExt cx="0" cy="0"/>
+        </a:xfrm>
+      </p:grpSpPr>
+      <p:sp>
+        <p:nvSpPr>
+          <p:cNvPr id="2" name="Title 1"/>
+          <p:cNvSpPr>
+            <a:spLocks noGrp="1"/>
+          </p:cNvSpPr>
+          <p:nvPr>
+            <p:ph type="title"/>
+          </p:nvPr>
+        </p:nvSpPr>
+        <p:spPr/>
+        <p:txBody>
+          <a:bodyPr/>
+          <a:lstStyle/>
+          <a:p>
+            <a:r>
+              <a:rPr lang="en-US" smtClean="0"/>
+              <a:t>Player Controls – Different Levels</a:t>
+            </a:r>
+            <a:endParaRPr lang="en-US"/>
+          </a:p>
+        </p:txBody>
+      </p:sp>
+      <p:sp>
+        <p:nvSpPr>
+          <p:cNvPr id="3" name="Content Placeholder 2"/>
+          <p:cNvSpPr>
+            <a:spLocks noGrp="1"/>
+          </p:cNvSpPr>
+          <p:nvPr>
+            <p:ph idx="1"/>
+          </p:nvPr>
+        </p:nvSpPr>
+        <p:spPr/>
+        <p:txBody>
+          <a:bodyPr>
+            <a:normAutofit/>
+          </a:bodyPr>
+          <a:lstStyle/>
+          <a:p>
+            <a:r>
+              <a:rPr lang="en-US" sz="3200" smtClean="0"/>
+              <a:t>Simple player dynamics</a:t>
+            </a:r>
+          </a:p>
+          <a:p>
+            <a:pPr lvl="1"/>
+            <a:r>
+              <a:rPr lang="en-US" smtClean="0"/>
+              <a:t>Basic functionality</a:t>
+            </a:r>
+          </a:p>
+          <a:p>
+            <a:r>
+              <a:rPr lang="en-US" sz="3200" smtClean="0"/>
+              <a:t>Player with a dynamics model</a:t>
+            </a:r>
+          </a:p>
+          <a:p>
+            <a:pPr lvl="1"/>
+            <a:r>
+              <a:rPr lang="en-US" smtClean="0"/>
+              <a:t>Direct stick input</a:t>
+            </a:r>
+          </a:p>
+          <a:p>
+            <a:pPr lvl="1"/>
+            <a:r>
+              <a:rPr lang="en-US" smtClean="0"/>
+              <a:t>Auto pilot functionality</a:t>
+            </a:r>
+          </a:p>
+          <a:p>
+            <a:r>
+              <a:rPr lang="en-US" sz="3200" smtClean="0"/>
+              <a:t>Pilot / auto pilot</a:t>
+            </a:r>
+            <a:endParaRPr lang="en-US" sz="3200"/>
+          </a:p>
+        </p:txBody>
+      </p:sp>
+    </p:spTree>
+  </p:cSld>
+  <p:clrMapOvr>
+    <a:masterClrMapping/>
+  </p:clrMapOvr>
+  <p:timing>
+    <p:tnLst>
+      <p:par>
+        <p:cTn id="1" dur="indefinite" restart="never" nodeType="tmRoot"/>
+      </p:par>
+    </p:tnLst>
+  </p:timing>
+</p:sld>
+</file>
+
+<file path=ppt/slides/slide20.xml><?xml version="1.0" encoding="utf-8"?>
+<p:sld xmlns:a="http://schemas.openxmlformats.org/drawingml/2006/main" xmlns:r="http://schemas.openxmlformats.org/officeDocument/2006/relationships" xmlns:p="http://schemas.openxmlformats.org/presentationml/2006/main">
+  <p:cSld>
+    <p:spTree>
+      <p:nvGrpSpPr>
+        <p:cNvPr id="1" name=""/>
+        <p:cNvGrpSpPr/>
+        <p:nvPr/>
+      </p:nvGrpSpPr>
+      <p:grpSpPr>
+        <a:xfrm>
+          <a:off x="0" y="0"/>
+          <a:ext cx="0" cy="0"/>
+          <a:chOff x="0" y="0"/>
+          <a:chExt cx="0" cy="0"/>
+        </a:xfrm>
+      </p:grpSpPr>
+      <p:sp>
+        <p:nvSpPr>
+          <p:cNvPr id="2" name="Title 1"/>
+          <p:cNvSpPr>
+            <a:spLocks noGrp="1"/>
+          </p:cNvSpPr>
+          <p:nvPr>
+            <p:ph type="title"/>
+          </p:nvPr>
+        </p:nvSpPr>
+        <p:spPr/>
+        <p:txBody>
+          <a:bodyPr/>
+          <a:lstStyle/>
+          <a:p>
+            <a:r>
+              <a:rPr lang="en-US" smtClean="0"/>
               <a:t>Pilot / AutoPilot</a:t>
             </a:r>
             <a:endParaRPr lang="en-US"/>
@@ -4793,7 +5481,7 @@
 </p:sld>
 </file>
 
-<file path=ppt/slides/slide18.xml><?xml version="1.0" encoding="utf-8"?>
+<file path=ppt/slides/slide21.xml><?xml version="1.0" encoding="utf-8"?>
 <p:sld xmlns:a="http://schemas.openxmlformats.org/drawingml/2006/main" xmlns:r="http://schemas.openxmlformats.org/officeDocument/2006/relationships" xmlns:p="http://schemas.openxmlformats.org/presentationml/2006/main">
   <p:cSld>
     <p:spTree>
@@ -4827,7 +5515,7 @@
         </p:blipFill>
         <p:spPr bwMode="auto">
           <a:xfrm>
-            <a:off x="914400" y="1828800"/>
+            <a:off x="914400" y="2590800"/>
             <a:ext cx="7085575" cy="2438400"/>
           </a:xfrm>
           <a:prstGeom prst="rect">
@@ -4873,7 +5561,7 @@
         </p:nvCxnSpPr>
         <p:spPr>
           <a:xfrm flipH="1">
-            <a:off x="2732443" y="2862431"/>
+            <a:off x="2732443" y="3624431"/>
             <a:ext cx="762000" cy="0"/>
           </a:xfrm>
           <a:prstGeom prst="straightConnector1">
@@ -4909,8 +5597,8 @@
         </p:nvSpPr>
         <p:spPr>
           <a:xfrm>
-            <a:off x="3646843" y="2710031"/>
-            <a:ext cx="3200400" cy="338554"/>
+            <a:off x="3646843" y="3472031"/>
+            <a:ext cx="2525357" cy="338554"/>
           </a:xfrm>
           <a:prstGeom prst="rect">
             <a:avLst/>
@@ -4939,7 +5627,7 @@
         </p:nvSpPr>
         <p:spPr>
           <a:xfrm>
-            <a:off x="3124200" y="3124200"/>
+            <a:off x="3124200" y="3886200"/>
             <a:ext cx="381000" cy="533400"/>
           </a:xfrm>
           <a:prstGeom prst="rightBrace">
@@ -4985,7 +5673,7 @@
         </p:nvSpPr>
         <p:spPr>
           <a:xfrm>
-            <a:off x="3657600" y="3200400"/>
+            <a:off x="3657600" y="3962400"/>
             <a:ext cx="3200400" cy="338554"/>
           </a:xfrm>
           <a:prstGeom prst="rect">
@@ -5007,339 +5695,22 @@
           </a:p>
         </p:txBody>
       </p:sp>
-    </p:spTree>
-  </p:cSld>
-  <p:clrMapOvr>
-    <a:masterClrMapping/>
-  </p:clrMapOvr>
-  <p:timing>
-    <p:tnLst>
-      <p:par>
-        <p:cTn id="1" dur="indefinite" restart="never" nodeType="tmRoot"/>
-      </p:par>
-    </p:tnLst>
-  </p:timing>
-</p:sld>
-</file>
-
-<file path=ppt/slides/slide19.xml><?xml version="1.0" encoding="utf-8"?>
-<p:sld xmlns:a="http://schemas.openxmlformats.org/drawingml/2006/main" xmlns:r="http://schemas.openxmlformats.org/officeDocument/2006/relationships" xmlns:p="http://schemas.openxmlformats.org/presentationml/2006/main">
-  <p:cSld>
-    <p:spTree>
-      <p:nvGrpSpPr>
-        <p:cNvPr id="1" name=""/>
-        <p:cNvGrpSpPr/>
-        <p:nvPr/>
-      </p:nvGrpSpPr>
-      <p:grpSpPr>
-        <a:xfrm>
-          <a:off x="0" y="0"/>
-          <a:ext cx="0" cy="0"/>
-          <a:chOff x="0" y="0"/>
-          <a:chExt cx="0" cy="0"/>
-        </a:xfrm>
-      </p:grpSpPr>
-      <p:sp>
-        <p:nvSpPr>
-          <p:cNvPr id="2" name="Title 1"/>
-          <p:cNvSpPr>
-            <a:spLocks noGrp="1"/>
-          </p:cNvSpPr>
-          <p:nvPr>
-            <p:ph type="title"/>
-          </p:nvPr>
-        </p:nvSpPr>
-        <p:spPr/>
-        <p:txBody>
-          <a:bodyPr/>
-          <a:lstStyle/>
-          <a:p>
-            <a:r>
-              <a:rPr lang="en-US" smtClean="0"/>
-              <a:t>Pilot / AutoPilot</a:t>
-            </a:r>
-            <a:endParaRPr lang="en-US"/>
-          </a:p>
-        </p:txBody>
-      </p:sp>
-      <p:pic>
-        <p:nvPicPr>
-          <p:cNvPr id="12290" name="Picture 2"/>
-          <p:cNvPicPr>
-            <a:picLocks noChangeAspect="1" noChangeArrowheads="1"/>
-          </p:cNvPicPr>
-          <p:nvPr/>
-        </p:nvPicPr>
-        <p:blipFill>
-          <a:blip r:embed="rId2" cstate="print"/>
-          <a:srcRect/>
-          <a:stretch>
-            <a:fillRect/>
-          </a:stretch>
-        </p:blipFill>
-        <p:spPr bwMode="auto">
-          <a:xfrm>
-            <a:off x="1828800" y="1219200"/>
-            <a:ext cx="5581650" cy="5442975"/>
-          </a:xfrm>
-          <a:prstGeom prst="rect">
-            <a:avLst/>
-          </a:prstGeom>
-          <a:noFill/>
-          <a:ln w="9525">
-            <a:noFill/>
-            <a:miter lim="800000"/>
-            <a:headEnd/>
-            <a:tailEnd/>
-          </a:ln>
-        </p:spPr>
-      </p:pic>
-      <p:cxnSp>
-        <p:nvCxnSpPr>
-          <p:cNvPr id="6" name="Straight Arrow Connector 5"/>
-          <p:cNvCxnSpPr/>
-          <p:nvPr/>
-        </p:nvCxnSpPr>
-        <p:spPr>
-          <a:xfrm flipH="1" flipV="1">
-            <a:off x="5029200" y="3200400"/>
-            <a:ext cx="1447800" cy="457200"/>
-          </a:xfrm>
-          <a:prstGeom prst="straightConnector1">
-            <a:avLst/>
-          </a:prstGeom>
-          <a:ln w="22225">
-            <a:solidFill>
-              <a:srgbClr val="FF0000"/>
-            </a:solidFill>
-            <a:tailEnd type="arrow"/>
-          </a:ln>
-        </p:spPr>
-        <p:style>
-          <a:lnRef idx="1">
-            <a:schemeClr val="accent1"/>
-          </a:lnRef>
-          <a:fillRef idx="0">
-            <a:schemeClr val="accent1"/>
-          </a:fillRef>
-          <a:effectRef idx="0">
-            <a:schemeClr val="accent1"/>
-          </a:effectRef>
-          <a:fontRef idx="minor">
-            <a:schemeClr val="tx1"/>
-          </a:fontRef>
-        </p:style>
-      </p:cxnSp>
-      <p:cxnSp>
-        <p:nvCxnSpPr>
-          <p:cNvPr id="9" name="Straight Arrow Connector 8"/>
-          <p:cNvCxnSpPr/>
-          <p:nvPr/>
-        </p:nvCxnSpPr>
-        <p:spPr>
-          <a:xfrm flipH="1">
-            <a:off x="4876800" y="3886200"/>
-            <a:ext cx="1600200" cy="0"/>
-          </a:xfrm>
-          <a:prstGeom prst="straightConnector1">
-            <a:avLst/>
-          </a:prstGeom>
-          <a:ln w="22225">
-            <a:solidFill>
-              <a:srgbClr val="FF0000"/>
-            </a:solidFill>
-            <a:tailEnd type="arrow"/>
-          </a:ln>
-        </p:spPr>
-        <p:style>
-          <a:lnRef idx="1">
-            <a:schemeClr val="accent1"/>
-          </a:lnRef>
-          <a:fillRef idx="0">
-            <a:schemeClr val="accent1"/>
-          </a:fillRef>
-          <a:effectRef idx="0">
-            <a:schemeClr val="accent1"/>
-          </a:effectRef>
-          <a:fontRef idx="minor">
-            <a:schemeClr val="tx1"/>
-          </a:fontRef>
-        </p:style>
-      </p:cxnSp>
-      <p:cxnSp>
-        <p:nvCxnSpPr>
-          <p:cNvPr id="11" name="Straight Arrow Connector 10"/>
-          <p:cNvCxnSpPr/>
-          <p:nvPr/>
-        </p:nvCxnSpPr>
-        <p:spPr>
-          <a:xfrm flipH="1">
-            <a:off x="4800600" y="4191000"/>
-            <a:ext cx="1676400" cy="685800"/>
-          </a:xfrm>
-          <a:prstGeom prst="straightConnector1">
-            <a:avLst/>
-          </a:prstGeom>
-          <a:ln w="22225">
-            <a:solidFill>
-              <a:srgbClr val="FF0000"/>
-            </a:solidFill>
-            <a:tailEnd type="arrow"/>
-          </a:ln>
-        </p:spPr>
-        <p:style>
-          <a:lnRef idx="1">
-            <a:schemeClr val="accent1"/>
-          </a:lnRef>
-          <a:fillRef idx="0">
-            <a:schemeClr val="accent1"/>
-          </a:fillRef>
-          <a:effectRef idx="0">
-            <a:schemeClr val="accent1"/>
-          </a:effectRef>
-          <a:fontRef idx="minor">
-            <a:schemeClr val="tx1"/>
-          </a:fontRef>
-        </p:style>
-      </p:cxnSp>
-      <p:cxnSp>
-        <p:nvCxnSpPr>
-          <p:cNvPr id="13" name="Straight Arrow Connector 12"/>
-          <p:cNvCxnSpPr/>
-          <p:nvPr/>
-        </p:nvCxnSpPr>
-        <p:spPr>
-          <a:xfrm flipH="1">
-            <a:off x="4953000" y="4419600"/>
-            <a:ext cx="1524000" cy="1371600"/>
-          </a:xfrm>
-          <a:prstGeom prst="straightConnector1">
-            <a:avLst/>
-          </a:prstGeom>
-          <a:ln w="22225">
-            <a:solidFill>
-              <a:srgbClr val="FF0000"/>
-            </a:solidFill>
-            <a:tailEnd type="arrow"/>
-          </a:ln>
-        </p:spPr>
-        <p:style>
-          <a:lnRef idx="1">
-            <a:schemeClr val="accent1"/>
-          </a:lnRef>
-          <a:fillRef idx="0">
-            <a:schemeClr val="accent1"/>
-          </a:fillRef>
-          <a:effectRef idx="0">
-            <a:schemeClr val="accent1"/>
-          </a:effectRef>
-          <a:fontRef idx="minor">
-            <a:schemeClr val="tx1"/>
-          </a:fontRef>
-        </p:style>
-      </p:cxnSp>
-      <p:sp>
-        <p:nvSpPr>
-          <p:cNvPr id="15" name="TextBox 14"/>
-          <p:cNvSpPr txBox="1"/>
-          <p:nvPr/>
+      <p:sp>
+        <p:nvSpPr>
+          <p:cNvPr id="8" name="Content Placeholder 2"/>
+          <p:cNvSpPr>
+            <a:spLocks noGrp="1"/>
+          </p:cNvSpPr>
+          <p:nvPr>
+            <p:ph idx="1"/>
+          </p:nvPr>
         </p:nvSpPr>
         <p:spPr>
           <a:xfrm>
-            <a:off x="6553200" y="3505200"/>
-            <a:ext cx="2209800" cy="1077218"/>
-          </a:xfrm>
-          <a:prstGeom prst="rect">
-            <a:avLst/>
-          </a:prstGeom>
-          <a:noFill/>
-        </p:spPr>
-        <p:txBody>
-          <a:bodyPr wrap="square" rtlCol="0">
-            <a:spAutoFit/>
-          </a:bodyPr>
-          <a:lstStyle/>
-          <a:p>
-            <a:r>
-              <a:rPr lang="en-US" sz="1600" smtClean="0"/>
-              <a:t>Determines what to do, (e.g., follow routes,</a:t>
-            </a:r>
-          </a:p>
-          <a:p>
-            <a:r>
-              <a:rPr lang="en-US" sz="1600" smtClean="0"/>
-              <a:t>loiter, follow another player, etc)</a:t>
-            </a:r>
-            <a:endParaRPr lang="en-US" sz="1600"/>
-          </a:p>
-        </p:txBody>
-      </p:sp>
-    </p:spTree>
-  </p:cSld>
-  <p:clrMapOvr>
-    <a:masterClrMapping/>
-  </p:clrMapOvr>
-  <p:timing>
-    <p:tnLst>
-      <p:par>
-        <p:cTn id="1" dur="indefinite" restart="never" nodeType="tmRoot"/>
-      </p:par>
-    </p:tnLst>
-  </p:timing>
-</p:sld>
-</file>
-
-<file path=ppt/slides/slide2.xml><?xml version="1.0" encoding="utf-8"?>
-<p:sld xmlns:a="http://schemas.openxmlformats.org/drawingml/2006/main" xmlns:r="http://schemas.openxmlformats.org/officeDocument/2006/relationships" xmlns:p="http://schemas.openxmlformats.org/presentationml/2006/main">
-  <p:cSld>
-    <p:spTree>
-      <p:nvGrpSpPr>
-        <p:cNvPr id="1" name=""/>
-        <p:cNvGrpSpPr/>
-        <p:nvPr/>
-      </p:nvGrpSpPr>
-      <p:grpSpPr>
-        <a:xfrm>
-          <a:off x="0" y="0"/>
-          <a:ext cx="0" cy="0"/>
-          <a:chOff x="0" y="0"/>
-          <a:chExt cx="0" cy="0"/>
-        </a:xfrm>
-      </p:grpSpPr>
-      <p:sp>
-        <p:nvSpPr>
-          <p:cNvPr id="2" name="Title 1"/>
-          <p:cNvSpPr>
-            <a:spLocks noGrp="1"/>
-          </p:cNvSpPr>
-          <p:nvPr>
-            <p:ph type="title"/>
-          </p:nvPr>
-        </p:nvSpPr>
-        <p:spPr/>
-        <p:txBody>
-          <a:bodyPr/>
-          <a:lstStyle/>
-          <a:p>
-            <a:r>
-              <a:rPr lang="en-US" smtClean="0"/>
-              <a:t>Player Controls – Different Levels</a:t>
-            </a:r>
-            <a:endParaRPr lang="en-US"/>
-          </a:p>
-        </p:txBody>
-      </p:sp>
-      <p:sp>
-        <p:nvSpPr>
-          <p:cNvPr id="3" name="Content Placeholder 2"/>
-          <p:cNvSpPr>
-            <a:spLocks noGrp="1"/>
-          </p:cNvSpPr>
-          <p:nvPr>
-            <p:ph idx="1"/>
-          </p:nvPr>
-        </p:nvSpPr>
-        <p:spPr/>
+            <a:off x="457200" y="1447801"/>
+            <a:ext cx="8229600" cy="1066800"/>
+          </a:xfrm>
+        </p:spPr>
         <p:txBody>
           <a:bodyPr>
             <a:normAutofit/>
@@ -5347,477 +5718,10 @@
           <a:lstStyle/>
           <a:p>
             <a:r>
-              <a:rPr lang="en-US" sz="3200" smtClean="0"/>
-              <a:t>Simple player dynamics</a:t>
-            </a:r>
-          </a:p>
-          <a:p>
-            <a:pPr lvl="1"/>
-            <a:r>
-              <a:rPr lang="en-US" smtClean="0"/>
-              <a:t>Basic functionality</a:t>
-            </a:r>
-          </a:p>
-          <a:p>
-            <a:r>
-              <a:rPr lang="en-US" sz="3200" smtClean="0"/>
-              <a:t>Player with a dynamics model</a:t>
-            </a:r>
-          </a:p>
-          <a:p>
-            <a:pPr lvl="1"/>
-            <a:r>
-              <a:rPr lang="en-US" smtClean="0"/>
-              <a:t>Direct stick input</a:t>
-            </a:r>
-          </a:p>
-          <a:p>
-            <a:pPr lvl="1"/>
-            <a:r>
-              <a:rPr lang="en-US" smtClean="0"/>
-              <a:t>Auto pilot functionality</a:t>
-            </a:r>
-          </a:p>
-          <a:p>
-            <a:r>
-              <a:rPr lang="en-US" sz="3200" smtClean="0"/>
-              <a:t>Pilot / auto pilot</a:t>
-            </a:r>
-            <a:endParaRPr lang="en-US" sz="3200"/>
-          </a:p>
-        </p:txBody>
-      </p:sp>
-    </p:spTree>
-  </p:cSld>
-  <p:clrMapOvr>
-    <a:masterClrMapping/>
-  </p:clrMapOvr>
-  <p:timing>
-    <p:tnLst>
-      <p:par>
-        <p:cTn id="1" dur="indefinite" restart="never" nodeType="tmRoot"/>
-      </p:par>
-    </p:tnLst>
-  </p:timing>
-</p:sld>
-</file>
-
-<file path=ppt/slides/slide20.xml><?xml version="1.0" encoding="utf-8"?>
-<p:sld xmlns:a="http://schemas.openxmlformats.org/drawingml/2006/main" xmlns:r="http://schemas.openxmlformats.org/officeDocument/2006/relationships" xmlns:p="http://schemas.openxmlformats.org/presentationml/2006/main">
-  <p:cSld>
-    <p:spTree>
-      <p:nvGrpSpPr>
-        <p:cNvPr id="1" name=""/>
-        <p:cNvGrpSpPr/>
-        <p:nvPr/>
-      </p:nvGrpSpPr>
-      <p:grpSpPr>
-        <a:xfrm>
-          <a:off x="0" y="0"/>
-          <a:ext cx="0" cy="0"/>
-          <a:chOff x="0" y="0"/>
-          <a:chExt cx="0" cy="0"/>
-        </a:xfrm>
-      </p:grpSpPr>
-      <p:sp>
-        <p:nvSpPr>
-          <p:cNvPr id="2" name="Title 1"/>
-          <p:cNvSpPr>
-            <a:spLocks noGrp="1"/>
-          </p:cNvSpPr>
-          <p:nvPr>
-            <p:ph type="title"/>
-          </p:nvPr>
-        </p:nvSpPr>
-        <p:spPr/>
-        <p:txBody>
-          <a:bodyPr/>
-          <a:lstStyle/>
-          <a:p>
-            <a:r>
-              <a:rPr lang="en-US" smtClean="0"/>
-              <a:t>Navigation</a:t>
-            </a:r>
-            <a:endParaRPr lang="en-US"/>
-          </a:p>
-        </p:txBody>
-      </p:sp>
-      <p:sp>
-        <p:nvSpPr>
-          <p:cNvPr id="3" name="Content Placeholder 2"/>
-          <p:cNvSpPr>
-            <a:spLocks noGrp="1"/>
-          </p:cNvSpPr>
-          <p:nvPr>
-            <p:ph idx="1"/>
-          </p:nvPr>
-        </p:nvSpPr>
-        <p:spPr/>
-        <p:txBody>
-          <a:bodyPr/>
-          <a:lstStyle/>
-          <a:p>
-            <a:r>
-              <a:rPr lang="en-US" smtClean="0"/>
-              <a:t>AutoPilot uses Navigation</a:t>
-            </a:r>
-          </a:p>
-          <a:p>
-            <a:pPr lvl="1"/>
-            <a:r>
-              <a:rPr lang="en-US" smtClean="0"/>
-              <a:t>Navigation contains routes, which contain steerpoints</a:t>
-            </a:r>
-            <a:endParaRPr lang="en-US"/>
-          </a:p>
-        </p:txBody>
-      </p:sp>
-      <p:pic>
-        <p:nvPicPr>
-          <p:cNvPr id="10243" name="Picture 3"/>
-          <p:cNvPicPr>
-            <a:picLocks noChangeAspect="1" noChangeArrowheads="1"/>
-          </p:cNvPicPr>
-          <p:nvPr/>
-        </p:nvPicPr>
-        <p:blipFill>
-          <a:blip r:embed="rId2" cstate="print"/>
-          <a:srcRect/>
-          <a:stretch>
-            <a:fillRect/>
-          </a:stretch>
-        </p:blipFill>
-        <p:spPr bwMode="auto">
-          <a:xfrm>
-            <a:off x="609600" y="2971800"/>
-            <a:ext cx="3619500" cy="2266950"/>
-          </a:xfrm>
-          <a:prstGeom prst="rect">
-            <a:avLst/>
-          </a:prstGeom>
-          <a:noFill/>
-          <a:ln w="9525">
-            <a:noFill/>
-            <a:miter lim="800000"/>
-            <a:headEnd/>
-            <a:tailEnd/>
-          </a:ln>
-        </p:spPr>
-      </p:pic>
-      <p:pic>
-        <p:nvPicPr>
-          <p:cNvPr id="10244" name="Picture 4"/>
-          <p:cNvPicPr>
-            <a:picLocks noChangeAspect="1" noChangeArrowheads="1"/>
-          </p:cNvPicPr>
-          <p:nvPr/>
-        </p:nvPicPr>
-        <p:blipFill>
-          <a:blip r:embed="rId3" cstate="print"/>
-          <a:srcRect/>
-          <a:stretch>
-            <a:fillRect/>
-          </a:stretch>
-        </p:blipFill>
-        <p:spPr bwMode="auto">
-          <a:xfrm>
-            <a:off x="4800600" y="2971800"/>
-            <a:ext cx="3590925" cy="1495425"/>
-          </a:xfrm>
-          <a:prstGeom prst="rect">
-            <a:avLst/>
-          </a:prstGeom>
-          <a:noFill/>
-          <a:ln w="9525">
-            <a:noFill/>
-            <a:miter lim="800000"/>
-            <a:headEnd/>
-            <a:tailEnd/>
-          </a:ln>
-        </p:spPr>
-      </p:pic>
-    </p:spTree>
-  </p:cSld>
-  <p:clrMapOvr>
-    <a:masterClrMapping/>
-  </p:clrMapOvr>
-  <p:timing>
-    <p:tnLst>
-      <p:par>
-        <p:cTn id="1" dur="indefinite" restart="never" nodeType="tmRoot"/>
-      </p:par>
-    </p:tnLst>
-  </p:timing>
-</p:sld>
-</file>
-
-<file path=ppt/slides/slide21.xml><?xml version="1.0" encoding="utf-8"?>
-<p:sld xmlns:a="http://schemas.openxmlformats.org/drawingml/2006/main" xmlns:r="http://schemas.openxmlformats.org/officeDocument/2006/relationships" xmlns:p="http://schemas.openxmlformats.org/presentationml/2006/main">
-  <p:cSld>
-    <p:spTree>
-      <p:nvGrpSpPr>
-        <p:cNvPr id="1" name=""/>
-        <p:cNvGrpSpPr/>
-        <p:nvPr/>
-      </p:nvGrpSpPr>
-      <p:grpSpPr>
-        <a:xfrm>
-          <a:off x="0" y="0"/>
-          <a:ext cx="0" cy="0"/>
-          <a:chOff x="0" y="0"/>
-          <a:chExt cx="0" cy="0"/>
-        </a:xfrm>
-      </p:grpSpPr>
-      <p:sp>
-        <p:nvSpPr>
-          <p:cNvPr id="2" name="Title 1"/>
-          <p:cNvSpPr>
-            <a:spLocks noGrp="1"/>
-          </p:cNvSpPr>
-          <p:nvPr>
-            <p:ph type="title"/>
-          </p:nvPr>
-        </p:nvSpPr>
-        <p:spPr/>
-        <p:txBody>
-          <a:bodyPr/>
-          <a:lstStyle/>
-          <a:p>
-            <a:r>
-              <a:rPr lang="en-US" smtClean="0"/>
-              <a:t>Example Input File</a:t>
-            </a:r>
-            <a:endParaRPr lang="en-US"/>
-          </a:p>
-        </p:txBody>
-      </p:sp>
-      <p:pic>
-        <p:nvPicPr>
-          <p:cNvPr id="13314" name="Picture 2"/>
-          <p:cNvPicPr>
-            <a:picLocks noChangeAspect="1" noChangeArrowheads="1"/>
-          </p:cNvPicPr>
-          <p:nvPr/>
-        </p:nvPicPr>
-        <p:blipFill>
-          <a:blip r:embed="rId2" cstate="print"/>
-          <a:srcRect/>
-          <a:stretch>
-            <a:fillRect/>
-          </a:stretch>
-        </p:blipFill>
-        <p:spPr bwMode="auto">
-          <a:xfrm>
-            <a:off x="457200" y="1676400"/>
-            <a:ext cx="3181350" cy="4424394"/>
-          </a:xfrm>
-          <a:prstGeom prst="rect">
-            <a:avLst/>
-          </a:prstGeom>
-          <a:noFill/>
-          <a:ln w="9525">
-            <a:noFill/>
-            <a:miter lim="800000"/>
-            <a:headEnd/>
-            <a:tailEnd/>
-          </a:ln>
-        </p:spPr>
-      </p:pic>
-      <p:cxnSp>
-        <p:nvCxnSpPr>
-          <p:cNvPr id="5" name="Straight Arrow Connector 4"/>
-          <p:cNvCxnSpPr/>
-          <p:nvPr/>
-        </p:nvCxnSpPr>
-        <p:spPr>
-          <a:xfrm flipH="1">
-            <a:off x="3733800" y="2743200"/>
-            <a:ext cx="1143000" cy="76200"/>
-          </a:xfrm>
-          <a:prstGeom prst="straightConnector1">
-            <a:avLst/>
-          </a:prstGeom>
-          <a:ln w="22225">
-            <a:solidFill>
-              <a:srgbClr val="FF0000"/>
-            </a:solidFill>
-            <a:tailEnd type="arrow"/>
-          </a:ln>
-        </p:spPr>
-        <p:style>
-          <a:lnRef idx="1">
-            <a:schemeClr val="accent1"/>
-          </a:lnRef>
-          <a:fillRef idx="0">
-            <a:schemeClr val="accent1"/>
-          </a:fillRef>
-          <a:effectRef idx="0">
-            <a:schemeClr val="accent1"/>
-          </a:effectRef>
-          <a:fontRef idx="minor">
-            <a:schemeClr val="tx1"/>
-          </a:fontRef>
-        </p:style>
-      </p:cxnSp>
-      <p:sp>
-        <p:nvSpPr>
-          <p:cNvPr id="6" name="TextBox 5"/>
-          <p:cNvSpPr txBox="1"/>
-          <p:nvPr/>
-        </p:nvSpPr>
-        <p:spPr>
-          <a:xfrm>
-            <a:off x="4953000" y="2438400"/>
-            <a:ext cx="2895600" cy="584775"/>
-          </a:xfrm>
-          <a:prstGeom prst="rect">
-            <a:avLst/>
-          </a:prstGeom>
-          <a:noFill/>
-        </p:spPr>
-        <p:txBody>
-          <a:bodyPr wrap="square" rtlCol="0">
-            <a:spAutoFit/>
-          </a:bodyPr>
-          <a:lstStyle/>
-          <a:p>
-            <a:r>
-              <a:rPr lang="en-US" sz="1600" smtClean="0"/>
-              <a:t>RacModel has a auto pilot within its dynamic model</a:t>
-            </a:r>
-            <a:endParaRPr lang="en-US" sz="1600"/>
-          </a:p>
-        </p:txBody>
-      </p:sp>
-      <p:cxnSp>
-        <p:nvCxnSpPr>
-          <p:cNvPr id="8" name="Straight Arrow Connector 7"/>
-          <p:cNvCxnSpPr/>
-          <p:nvPr/>
-        </p:nvCxnSpPr>
-        <p:spPr>
-          <a:xfrm flipH="1" flipV="1">
-            <a:off x="2971800" y="3276600"/>
-            <a:ext cx="1828800" cy="228600"/>
-          </a:xfrm>
-          <a:prstGeom prst="straightConnector1">
-            <a:avLst/>
-          </a:prstGeom>
-          <a:ln w="22225">
-            <a:solidFill>
-              <a:srgbClr val="FF0000"/>
-            </a:solidFill>
-            <a:tailEnd type="arrow"/>
-          </a:ln>
-        </p:spPr>
-        <p:style>
-          <a:lnRef idx="1">
-            <a:schemeClr val="accent1"/>
-          </a:lnRef>
-          <a:fillRef idx="0">
-            <a:schemeClr val="accent1"/>
-          </a:fillRef>
-          <a:effectRef idx="0">
-            <a:schemeClr val="accent1"/>
-          </a:effectRef>
-          <a:fontRef idx="minor">
-            <a:schemeClr val="tx1"/>
-          </a:fontRef>
-        </p:style>
-      </p:cxnSp>
-      <p:sp>
-        <p:nvSpPr>
-          <p:cNvPr id="12" name="TextBox 11"/>
-          <p:cNvSpPr txBox="1"/>
-          <p:nvPr/>
-        </p:nvSpPr>
-        <p:spPr>
-          <a:xfrm>
-            <a:off x="4953000" y="3276600"/>
-            <a:ext cx="2895600" cy="830997"/>
-          </a:xfrm>
-          <a:prstGeom prst="rect">
-            <a:avLst/>
-          </a:prstGeom>
-          <a:noFill/>
-        </p:spPr>
-        <p:txBody>
-          <a:bodyPr wrap="square" rtlCol="0">
-            <a:spAutoFit/>
-          </a:bodyPr>
-          <a:lstStyle/>
-          <a:p>
-            <a:r>
-              <a:rPr lang="en-US" sz="1600" smtClean="0"/>
-              <a:t>Auto pilot that is setup to follow the defined route within navigation system</a:t>
-            </a:r>
-            <a:endParaRPr lang="en-US" sz="1600"/>
-          </a:p>
-        </p:txBody>
-      </p:sp>
-      <p:cxnSp>
-        <p:nvCxnSpPr>
-          <p:cNvPr id="13" name="Straight Arrow Connector 12"/>
-          <p:cNvCxnSpPr/>
-          <p:nvPr/>
-        </p:nvCxnSpPr>
-        <p:spPr>
-          <a:xfrm flipH="1">
-            <a:off x="2971800" y="4495800"/>
-            <a:ext cx="1828800" cy="228600"/>
-          </a:xfrm>
-          <a:prstGeom prst="straightConnector1">
-            <a:avLst/>
-          </a:prstGeom>
-          <a:ln w="22225">
-            <a:solidFill>
-              <a:srgbClr val="FF0000"/>
-            </a:solidFill>
-            <a:tailEnd type="arrow"/>
-          </a:ln>
-        </p:spPr>
-        <p:style>
-          <a:lnRef idx="1">
-            <a:schemeClr val="accent1"/>
-          </a:lnRef>
-          <a:fillRef idx="0">
-            <a:schemeClr val="accent1"/>
-          </a:fillRef>
-          <a:effectRef idx="0">
-            <a:schemeClr val="accent1"/>
-          </a:effectRef>
-          <a:fontRef idx="minor">
-            <a:schemeClr val="tx1"/>
-          </a:fontRef>
-        </p:style>
-      </p:cxnSp>
-      <p:sp>
-        <p:nvSpPr>
-          <p:cNvPr id="14" name="TextBox 13"/>
-          <p:cNvSpPr txBox="1"/>
-          <p:nvPr/>
-        </p:nvSpPr>
-        <p:spPr>
-          <a:xfrm>
-            <a:off x="4953000" y="4267200"/>
-            <a:ext cx="2895600" cy="584775"/>
-          </a:xfrm>
-          <a:prstGeom prst="rect">
-            <a:avLst/>
-          </a:prstGeom>
-          <a:noFill/>
-        </p:spPr>
-        <p:txBody>
-          <a:bodyPr wrap="square" rtlCol="0">
-            <a:spAutoFit/>
-          </a:bodyPr>
-          <a:lstStyle/>
-          <a:p>
-            <a:r>
-              <a:rPr lang="en-US" sz="1600" smtClean="0"/>
-              <a:t>Navigation system that includes a defined route</a:t>
-            </a:r>
-            <a:endParaRPr lang="en-US" sz="1600"/>
+              <a:rPr lang="en-US" sz="2400" smtClean="0"/>
+              <a:t>Defined Autopilot functionality called (process()) in each frame</a:t>
+            </a:r>
+            <a:endParaRPr lang="en-US" sz="2400" smtClean="0"/>
           </a:p>
         </p:txBody>
       </p:sp>
@@ -5870,7 +5774,7 @@
           <a:p>
             <a:r>
               <a:rPr lang="en-US" smtClean="0"/>
-              <a:t>Example Input File</a:t>
+              <a:t>Pilot / AutoPilot</a:t>
             </a:r>
             <a:endParaRPr lang="en-US"/>
           </a:p>
@@ -5878,7 +5782,7 @@
       </p:sp>
       <p:pic>
         <p:nvPicPr>
-          <p:cNvPr id="14338" name="Picture 2"/>
+          <p:cNvPr id="12290" name="Picture 2"/>
           <p:cNvPicPr>
             <a:picLocks noChangeAspect="1" noChangeArrowheads="1"/>
           </p:cNvPicPr>
@@ -5893,8 +5797,8 @@
         </p:blipFill>
         <p:spPr bwMode="auto">
           <a:xfrm>
-            <a:off x="1371600" y="1676400"/>
-            <a:ext cx="6410325" cy="4562475"/>
+            <a:off x="1828800" y="1219200"/>
+            <a:ext cx="5581650" cy="5442975"/>
           </a:xfrm>
           <a:prstGeom prst="rect">
             <a:avLst/>
@@ -5910,14 +5814,14 @@
       </p:pic>
       <p:cxnSp>
         <p:nvCxnSpPr>
-          <p:cNvPr id="5" name="Straight Arrow Connector 4"/>
+          <p:cNvPr id="6" name="Straight Arrow Connector 5"/>
           <p:cNvCxnSpPr/>
           <p:nvPr/>
         </p:nvCxnSpPr>
         <p:spPr>
-          <a:xfrm flipH="1">
-            <a:off x="3048000" y="2362200"/>
-            <a:ext cx="1143000" cy="685800"/>
+          <a:xfrm flipH="1" flipV="1">
+            <a:off x="5029200" y="3200400"/>
+            <a:ext cx="1447800" cy="457200"/>
           </a:xfrm>
           <a:prstGeom prst="straightConnector1">
             <a:avLst/>
@@ -5944,16 +5848,124 @@
           </a:fontRef>
         </p:style>
       </p:cxnSp>
-      <p:sp>
-        <p:nvSpPr>
-          <p:cNvPr id="6" name="TextBox 5"/>
+      <p:cxnSp>
+        <p:nvCxnSpPr>
+          <p:cNvPr id="9" name="Straight Arrow Connector 8"/>
+          <p:cNvCxnSpPr/>
+          <p:nvPr/>
+        </p:nvCxnSpPr>
+        <p:spPr>
+          <a:xfrm flipH="1">
+            <a:off x="4876800" y="3886200"/>
+            <a:ext cx="1600200" cy="0"/>
+          </a:xfrm>
+          <a:prstGeom prst="straightConnector1">
+            <a:avLst/>
+          </a:prstGeom>
+          <a:ln w="22225">
+            <a:solidFill>
+              <a:srgbClr val="FF0000"/>
+            </a:solidFill>
+            <a:tailEnd type="arrow"/>
+          </a:ln>
+        </p:spPr>
+        <p:style>
+          <a:lnRef idx="1">
+            <a:schemeClr val="accent1"/>
+          </a:lnRef>
+          <a:fillRef idx="0">
+            <a:schemeClr val="accent1"/>
+          </a:fillRef>
+          <a:effectRef idx="0">
+            <a:schemeClr val="accent1"/>
+          </a:effectRef>
+          <a:fontRef idx="minor">
+            <a:schemeClr val="tx1"/>
+          </a:fontRef>
+        </p:style>
+      </p:cxnSp>
+      <p:cxnSp>
+        <p:nvCxnSpPr>
+          <p:cNvPr id="11" name="Straight Arrow Connector 10"/>
+          <p:cNvCxnSpPr/>
+          <p:nvPr/>
+        </p:nvCxnSpPr>
+        <p:spPr>
+          <a:xfrm flipH="1">
+            <a:off x="4800600" y="4191000"/>
+            <a:ext cx="1676400" cy="685800"/>
+          </a:xfrm>
+          <a:prstGeom prst="straightConnector1">
+            <a:avLst/>
+          </a:prstGeom>
+          <a:ln w="22225">
+            <a:solidFill>
+              <a:srgbClr val="FF0000"/>
+            </a:solidFill>
+            <a:tailEnd type="arrow"/>
+          </a:ln>
+        </p:spPr>
+        <p:style>
+          <a:lnRef idx="1">
+            <a:schemeClr val="accent1"/>
+          </a:lnRef>
+          <a:fillRef idx="0">
+            <a:schemeClr val="accent1"/>
+          </a:fillRef>
+          <a:effectRef idx="0">
+            <a:schemeClr val="accent1"/>
+          </a:effectRef>
+          <a:fontRef idx="minor">
+            <a:schemeClr val="tx1"/>
+          </a:fontRef>
+        </p:style>
+      </p:cxnSp>
+      <p:cxnSp>
+        <p:nvCxnSpPr>
+          <p:cNvPr id="13" name="Straight Arrow Connector 12"/>
+          <p:cNvCxnSpPr/>
+          <p:nvPr/>
+        </p:nvCxnSpPr>
+        <p:spPr>
+          <a:xfrm flipH="1">
+            <a:off x="4953000" y="4419600"/>
+            <a:ext cx="1524000" cy="1371600"/>
+          </a:xfrm>
+          <a:prstGeom prst="straightConnector1">
+            <a:avLst/>
+          </a:prstGeom>
+          <a:ln w="22225">
+            <a:solidFill>
+              <a:srgbClr val="FF0000"/>
+            </a:solidFill>
+            <a:tailEnd type="arrow"/>
+          </a:ln>
+        </p:spPr>
+        <p:style>
+          <a:lnRef idx="1">
+            <a:schemeClr val="accent1"/>
+          </a:lnRef>
+          <a:fillRef idx="0">
+            <a:schemeClr val="accent1"/>
+          </a:fillRef>
+          <a:effectRef idx="0">
+            <a:schemeClr val="accent1"/>
+          </a:effectRef>
+          <a:fontRef idx="minor">
+            <a:schemeClr val="tx1"/>
+          </a:fontRef>
+        </p:style>
+      </p:cxnSp>
+      <p:sp>
+        <p:nvSpPr>
+          <p:cNvPr id="15" name="TextBox 14"/>
           <p:cNvSpPr txBox="1"/>
           <p:nvPr/>
         </p:nvSpPr>
         <p:spPr>
           <a:xfrm>
-            <a:off x="4267200" y="2057400"/>
-            <a:ext cx="2895600" cy="584775"/>
+            <a:off x="6553200" y="3505200"/>
+            <a:ext cx="2209800" cy="1077218"/>
           </a:xfrm>
           <a:prstGeom prst="rect">
             <a:avLst/>
@@ -5968,7 +5980,13 @@
           <a:p>
             <a:r>
               <a:rPr lang="en-US" sz="1600" smtClean="0"/>
-              <a:t>Steerpoints define position and desired airspeed, etc</a:t>
+              <a:t>Determines what to do, (e.g., follow routes,</a:t>
+            </a:r>
+          </a:p>
+          <a:p>
+            <a:r>
+              <a:rPr lang="en-US" sz="1600" smtClean="0"/>
+              <a:t>loiter, follow another player, etc)</a:t>
             </a:r>
             <a:endParaRPr lang="en-US" sz="1600"/>
           </a:p>
@@ -6023,7 +6041,7 @@
           <a:p>
             <a:r>
               <a:rPr lang="en-US" smtClean="0"/>
-              <a:t>Steerpoint Actions</a:t>
+              <a:t>Navigation</a:t>
             </a:r>
             <a:endParaRPr lang="en-US"/>
           </a:p>
@@ -6041,29 +6059,38 @@
         </p:nvSpPr>
         <p:spPr/>
         <p:txBody>
-          <a:bodyPr>
-            <a:normAutofit/>
-          </a:bodyPr>
-          <a:lstStyle/>
-          <a:p>
-            <a:r>
-              <a:rPr lang="en-US" sz="2400" smtClean="0"/>
-              <a:t>Steerpoint can have an associated Action</a:t>
+          <a:bodyPr/>
+          <a:lstStyle/>
+          <a:p>
+            <a:r>
+              <a:rPr lang="en-US" smtClean="0"/>
+              <a:t>AutoPilot uses Navigation</a:t>
             </a:r>
           </a:p>
           <a:p>
             <a:pPr lvl="1"/>
             <a:r>
-              <a:rPr lang="en-US" sz="2000" smtClean="0"/>
-              <a:t>Examples: Take SAR image, release weapon, release decoy, etc</a:t>
-            </a:r>
-            <a:endParaRPr lang="en-US" sz="2000"/>
+              <a:rPr lang="en-US" smtClean="0"/>
+              <a:t>Navigation contains routes, which contain </a:t>
+            </a:r>
+            <a:r>
+              <a:rPr lang="en-US" smtClean="0"/>
+              <a:t>steerpoints</a:t>
+            </a:r>
+          </a:p>
+          <a:p>
+            <a:pPr lvl="1"/>
+            <a:r>
+              <a:rPr lang="en-US" smtClean="0"/>
+              <a:t>Steerpoints can contain Actions!</a:t>
+            </a:r>
+            <a:endParaRPr lang="en-US"/>
           </a:p>
         </p:txBody>
       </p:sp>
       <p:pic>
         <p:nvPicPr>
-          <p:cNvPr id="15362" name="Picture 2"/>
+          <p:cNvPr id="10243" name="Picture 3"/>
           <p:cNvPicPr>
             <a:picLocks noChangeAspect="1" noChangeArrowheads="1"/>
           </p:cNvPicPr>
@@ -6078,8 +6105,8 @@
         </p:blipFill>
         <p:spPr bwMode="auto">
           <a:xfrm>
-            <a:off x="609600" y="2514600"/>
-            <a:ext cx="1143000" cy="2315059"/>
+            <a:off x="685800" y="3276600"/>
+            <a:ext cx="3619500" cy="2266950"/>
           </a:xfrm>
           <a:prstGeom prst="rect">
             <a:avLst/>
@@ -6095,7 +6122,7 @@
       </p:pic>
       <p:pic>
         <p:nvPicPr>
-          <p:cNvPr id="15363" name="Picture 3"/>
+          <p:cNvPr id="10244" name="Picture 4"/>
           <p:cNvPicPr>
             <a:picLocks noChangeAspect="1" noChangeArrowheads="1"/>
           </p:cNvPicPr>
@@ -6110,8 +6137,8 @@
         </p:blipFill>
         <p:spPr bwMode="auto">
           <a:xfrm>
-            <a:off x="2362200" y="2514600"/>
-            <a:ext cx="6191250" cy="3724275"/>
+            <a:off x="4876800" y="3276600"/>
+            <a:ext cx="3590925" cy="1495425"/>
           </a:xfrm>
           <a:prstGeom prst="rect">
             <a:avLst/>
@@ -6174,52 +6201,251 @@
           <a:p>
             <a:r>
               <a:rPr lang="en-US" smtClean="0"/>
-              <a:t>Summary</a:t>
+              <a:t>Example Input File</a:t>
             </a:r>
             <a:endParaRPr lang="en-US"/>
           </a:p>
         </p:txBody>
       </p:sp>
-      <p:sp>
-        <p:nvSpPr>
-          <p:cNvPr id="3" name="Content Placeholder 2"/>
-          <p:cNvSpPr>
-            <a:spLocks noGrp="1"/>
-          </p:cNvSpPr>
-          <p:nvPr>
-            <p:ph idx="1"/>
-          </p:nvPr>
-        </p:nvSpPr>
-        <p:spPr/>
-        <p:txBody>
-          <a:bodyPr/>
-          <a:lstStyle/>
-          <a:p>
-            <a:r>
-              <a:rPr lang="en-US" smtClean="0"/>
-              <a:t>Lots of places to add “intelligent” behaviors</a:t>
-            </a:r>
-          </a:p>
-          <a:p>
-            <a:pPr lvl="1"/>
-            <a:r>
-              <a:rPr lang="en-US" smtClean="0"/>
-              <a:t>AutoPilot</a:t>
-            </a:r>
-          </a:p>
-          <a:p>
-            <a:pPr lvl="1"/>
-            <a:r>
-              <a:rPr lang="en-US" smtClean="0"/>
-              <a:t>Onboard Computer</a:t>
-            </a:r>
-          </a:p>
-          <a:p>
-            <a:pPr lvl="2"/>
-            <a:r>
-              <a:rPr lang="en-US" smtClean="0"/>
-              <a:t>Could act a the “Actor” for UBF</a:t>
-            </a:r>
+      <p:pic>
+        <p:nvPicPr>
+          <p:cNvPr id="13314" name="Picture 2"/>
+          <p:cNvPicPr>
+            <a:picLocks noChangeAspect="1" noChangeArrowheads="1"/>
+          </p:cNvPicPr>
+          <p:nvPr/>
+        </p:nvPicPr>
+        <p:blipFill>
+          <a:blip r:embed="rId2" cstate="print"/>
+          <a:srcRect/>
+          <a:stretch>
+            <a:fillRect/>
+          </a:stretch>
+        </p:blipFill>
+        <p:spPr bwMode="auto">
+          <a:xfrm>
+            <a:off x="457200" y="1676400"/>
+            <a:ext cx="3181350" cy="4424394"/>
+          </a:xfrm>
+          <a:prstGeom prst="rect">
+            <a:avLst/>
+          </a:prstGeom>
+          <a:noFill/>
+          <a:ln w="9525">
+            <a:noFill/>
+            <a:miter lim="800000"/>
+            <a:headEnd/>
+            <a:tailEnd/>
+          </a:ln>
+        </p:spPr>
+      </p:pic>
+      <p:cxnSp>
+        <p:nvCxnSpPr>
+          <p:cNvPr id="5" name="Straight Arrow Connector 4"/>
+          <p:cNvCxnSpPr/>
+          <p:nvPr/>
+        </p:nvCxnSpPr>
+        <p:spPr>
+          <a:xfrm flipH="1">
+            <a:off x="3733800" y="2743200"/>
+            <a:ext cx="1143000" cy="76200"/>
+          </a:xfrm>
+          <a:prstGeom prst="straightConnector1">
+            <a:avLst/>
+          </a:prstGeom>
+          <a:ln w="22225">
+            <a:solidFill>
+              <a:srgbClr val="FF0000"/>
+            </a:solidFill>
+            <a:tailEnd type="arrow"/>
+          </a:ln>
+        </p:spPr>
+        <p:style>
+          <a:lnRef idx="1">
+            <a:schemeClr val="accent1"/>
+          </a:lnRef>
+          <a:fillRef idx="0">
+            <a:schemeClr val="accent1"/>
+          </a:fillRef>
+          <a:effectRef idx="0">
+            <a:schemeClr val="accent1"/>
+          </a:effectRef>
+          <a:fontRef idx="minor">
+            <a:schemeClr val="tx1"/>
+          </a:fontRef>
+        </p:style>
+      </p:cxnSp>
+      <p:sp>
+        <p:nvSpPr>
+          <p:cNvPr id="6" name="TextBox 5"/>
+          <p:cNvSpPr txBox="1"/>
+          <p:nvPr/>
+        </p:nvSpPr>
+        <p:spPr>
+          <a:xfrm>
+            <a:off x="4953000" y="2438400"/>
+            <a:ext cx="2895600" cy="584775"/>
+          </a:xfrm>
+          <a:prstGeom prst="rect">
+            <a:avLst/>
+          </a:prstGeom>
+          <a:noFill/>
+        </p:spPr>
+        <p:txBody>
+          <a:bodyPr wrap="square" rtlCol="0">
+            <a:spAutoFit/>
+          </a:bodyPr>
+          <a:lstStyle/>
+          <a:p>
+            <a:r>
+              <a:rPr lang="en-US" sz="1600" smtClean="0"/>
+              <a:t>RacModel has a auto pilot within its dynamic model</a:t>
+            </a:r>
+            <a:endParaRPr lang="en-US" sz="1600"/>
+          </a:p>
+        </p:txBody>
+      </p:sp>
+      <p:cxnSp>
+        <p:nvCxnSpPr>
+          <p:cNvPr id="8" name="Straight Arrow Connector 7"/>
+          <p:cNvCxnSpPr/>
+          <p:nvPr/>
+        </p:nvCxnSpPr>
+        <p:spPr>
+          <a:xfrm flipH="1" flipV="1">
+            <a:off x="2971800" y="3276600"/>
+            <a:ext cx="1828800" cy="228600"/>
+          </a:xfrm>
+          <a:prstGeom prst="straightConnector1">
+            <a:avLst/>
+          </a:prstGeom>
+          <a:ln w="22225">
+            <a:solidFill>
+              <a:srgbClr val="FF0000"/>
+            </a:solidFill>
+            <a:tailEnd type="arrow"/>
+          </a:ln>
+        </p:spPr>
+        <p:style>
+          <a:lnRef idx="1">
+            <a:schemeClr val="accent1"/>
+          </a:lnRef>
+          <a:fillRef idx="0">
+            <a:schemeClr val="accent1"/>
+          </a:fillRef>
+          <a:effectRef idx="0">
+            <a:schemeClr val="accent1"/>
+          </a:effectRef>
+          <a:fontRef idx="minor">
+            <a:schemeClr val="tx1"/>
+          </a:fontRef>
+        </p:style>
+      </p:cxnSp>
+      <p:sp>
+        <p:nvSpPr>
+          <p:cNvPr id="12" name="TextBox 11"/>
+          <p:cNvSpPr txBox="1"/>
+          <p:nvPr/>
+        </p:nvSpPr>
+        <p:spPr>
+          <a:xfrm>
+            <a:off x="4953000" y="3276600"/>
+            <a:ext cx="2895600" cy="830997"/>
+          </a:xfrm>
+          <a:prstGeom prst="rect">
+            <a:avLst/>
+          </a:prstGeom>
+          <a:noFill/>
+        </p:spPr>
+        <p:txBody>
+          <a:bodyPr wrap="square" rtlCol="0">
+            <a:spAutoFit/>
+          </a:bodyPr>
+          <a:lstStyle/>
+          <a:p>
+            <a:r>
+              <a:rPr lang="en-US" sz="1600" smtClean="0"/>
+              <a:t>Auto pilot that </a:t>
+            </a:r>
+            <a:r>
+              <a:rPr lang="en-US" sz="1600" smtClean="0"/>
+              <a:t>follows </a:t>
+            </a:r>
+            <a:r>
+              <a:rPr lang="en-US" sz="1600" smtClean="0"/>
+              <a:t>the defined route within navigation system</a:t>
+            </a:r>
+            <a:endParaRPr lang="en-US" sz="1600"/>
+          </a:p>
+        </p:txBody>
+      </p:sp>
+      <p:cxnSp>
+        <p:nvCxnSpPr>
+          <p:cNvPr id="13" name="Straight Arrow Connector 12"/>
+          <p:cNvCxnSpPr/>
+          <p:nvPr/>
+        </p:nvCxnSpPr>
+        <p:spPr>
+          <a:xfrm flipH="1">
+            <a:off x="2971800" y="4495800"/>
+            <a:ext cx="1828800" cy="228600"/>
+          </a:xfrm>
+          <a:prstGeom prst="straightConnector1">
+            <a:avLst/>
+          </a:prstGeom>
+          <a:ln w="22225">
+            <a:solidFill>
+              <a:srgbClr val="FF0000"/>
+            </a:solidFill>
+            <a:tailEnd type="arrow"/>
+          </a:ln>
+        </p:spPr>
+        <p:style>
+          <a:lnRef idx="1">
+            <a:schemeClr val="accent1"/>
+          </a:lnRef>
+          <a:fillRef idx="0">
+            <a:schemeClr val="accent1"/>
+          </a:fillRef>
+          <a:effectRef idx="0">
+            <a:schemeClr val="accent1"/>
+          </a:effectRef>
+          <a:fontRef idx="minor">
+            <a:schemeClr val="tx1"/>
+          </a:fontRef>
+        </p:style>
+      </p:cxnSp>
+      <p:sp>
+        <p:nvSpPr>
+          <p:cNvPr id="14" name="TextBox 13"/>
+          <p:cNvSpPr txBox="1"/>
+          <p:nvPr/>
+        </p:nvSpPr>
+        <p:spPr>
+          <a:xfrm>
+            <a:off x="4953000" y="4267200"/>
+            <a:ext cx="2895600" cy="584775"/>
+          </a:xfrm>
+          <a:prstGeom prst="rect">
+            <a:avLst/>
+          </a:prstGeom>
+          <a:noFill/>
+        </p:spPr>
+        <p:txBody>
+          <a:bodyPr wrap="square" rtlCol="0">
+            <a:spAutoFit/>
+          </a:bodyPr>
+          <a:lstStyle/>
+          <a:p>
+            <a:r>
+              <a:rPr lang="en-US" sz="1600" smtClean="0"/>
+              <a:t>Attached navigation </a:t>
+            </a:r>
+            <a:r>
+              <a:rPr lang="en-US" sz="1600" smtClean="0"/>
+              <a:t>system that includes a defined route</a:t>
+            </a:r>
+            <a:endParaRPr lang="en-US" sz="1600"/>
           </a:p>
         </p:txBody>
       </p:sp>
@@ -6228,6 +6454,564 @@
   <p:clrMapOvr>
     <a:masterClrMapping/>
   </p:clrMapOvr>
+  <p:timing>
+    <p:tnLst>
+      <p:par>
+        <p:cTn id="1" dur="indefinite" restart="never" nodeType="tmRoot"/>
+      </p:par>
+    </p:tnLst>
+  </p:timing>
+</p:sld>
+</file>
+
+<file path=ppt/slides/slide25.xml><?xml version="1.0" encoding="utf-8"?>
+<p:sld xmlns:a="http://schemas.openxmlformats.org/drawingml/2006/main" xmlns:r="http://schemas.openxmlformats.org/officeDocument/2006/relationships" xmlns:p="http://schemas.openxmlformats.org/presentationml/2006/main">
+  <p:cSld>
+    <p:spTree>
+      <p:nvGrpSpPr>
+        <p:cNvPr id="1" name=""/>
+        <p:cNvGrpSpPr/>
+        <p:nvPr/>
+      </p:nvGrpSpPr>
+      <p:grpSpPr>
+        <a:xfrm>
+          <a:off x="0" y="0"/>
+          <a:ext cx="0" cy="0"/>
+          <a:chOff x="0" y="0"/>
+          <a:chExt cx="0" cy="0"/>
+        </a:xfrm>
+      </p:grpSpPr>
+      <p:sp>
+        <p:nvSpPr>
+          <p:cNvPr id="2" name="Title 1"/>
+          <p:cNvSpPr>
+            <a:spLocks noGrp="1"/>
+          </p:cNvSpPr>
+          <p:nvPr>
+            <p:ph type="title"/>
+          </p:nvPr>
+        </p:nvSpPr>
+        <p:spPr/>
+        <p:txBody>
+          <a:bodyPr/>
+          <a:lstStyle/>
+          <a:p>
+            <a:r>
+              <a:rPr lang="en-US" smtClean="0"/>
+              <a:t>Example Input File</a:t>
+            </a:r>
+            <a:endParaRPr lang="en-US"/>
+          </a:p>
+        </p:txBody>
+      </p:sp>
+      <p:pic>
+        <p:nvPicPr>
+          <p:cNvPr id="14338" name="Picture 2"/>
+          <p:cNvPicPr>
+            <a:picLocks noChangeAspect="1" noChangeArrowheads="1"/>
+          </p:cNvPicPr>
+          <p:nvPr/>
+        </p:nvPicPr>
+        <p:blipFill>
+          <a:blip r:embed="rId2" cstate="print"/>
+          <a:srcRect/>
+          <a:stretch>
+            <a:fillRect/>
+          </a:stretch>
+        </p:blipFill>
+        <p:spPr bwMode="auto">
+          <a:xfrm>
+            <a:off x="1371600" y="1676400"/>
+            <a:ext cx="6410325" cy="4562475"/>
+          </a:xfrm>
+          <a:prstGeom prst="rect">
+            <a:avLst/>
+          </a:prstGeom>
+          <a:noFill/>
+          <a:ln w="9525">
+            <a:noFill/>
+            <a:miter lim="800000"/>
+            <a:headEnd/>
+            <a:tailEnd/>
+          </a:ln>
+        </p:spPr>
+      </p:pic>
+      <p:cxnSp>
+        <p:nvCxnSpPr>
+          <p:cNvPr id="5" name="Straight Arrow Connector 4"/>
+          <p:cNvCxnSpPr/>
+          <p:nvPr/>
+        </p:nvCxnSpPr>
+        <p:spPr>
+          <a:xfrm flipH="1">
+            <a:off x="3048000" y="2362200"/>
+            <a:ext cx="1143000" cy="685800"/>
+          </a:xfrm>
+          <a:prstGeom prst="straightConnector1">
+            <a:avLst/>
+          </a:prstGeom>
+          <a:ln w="22225">
+            <a:solidFill>
+              <a:srgbClr val="FF0000"/>
+            </a:solidFill>
+            <a:tailEnd type="arrow"/>
+          </a:ln>
+        </p:spPr>
+        <p:style>
+          <a:lnRef idx="1">
+            <a:schemeClr val="accent1"/>
+          </a:lnRef>
+          <a:fillRef idx="0">
+            <a:schemeClr val="accent1"/>
+          </a:fillRef>
+          <a:effectRef idx="0">
+            <a:schemeClr val="accent1"/>
+          </a:effectRef>
+          <a:fontRef idx="minor">
+            <a:schemeClr val="tx1"/>
+          </a:fontRef>
+        </p:style>
+      </p:cxnSp>
+      <p:sp>
+        <p:nvSpPr>
+          <p:cNvPr id="6" name="TextBox 5"/>
+          <p:cNvSpPr txBox="1"/>
+          <p:nvPr/>
+        </p:nvSpPr>
+        <p:spPr>
+          <a:xfrm>
+            <a:off x="4267200" y="2057400"/>
+            <a:ext cx="2895600" cy="584775"/>
+          </a:xfrm>
+          <a:prstGeom prst="rect">
+            <a:avLst/>
+          </a:prstGeom>
+          <a:noFill/>
+        </p:spPr>
+        <p:txBody>
+          <a:bodyPr wrap="square" rtlCol="0">
+            <a:spAutoFit/>
+          </a:bodyPr>
+          <a:lstStyle/>
+          <a:p>
+            <a:r>
+              <a:rPr lang="en-US" sz="1600" smtClean="0"/>
+              <a:t>Steerpoints define position and desired airspeed, etc</a:t>
+            </a:r>
+            <a:endParaRPr lang="en-US" sz="1600"/>
+          </a:p>
+        </p:txBody>
+      </p:sp>
+    </p:spTree>
+  </p:cSld>
+  <p:clrMapOvr>
+    <a:masterClrMapping/>
+  </p:clrMapOvr>
+  <p:timing>
+    <p:tnLst>
+      <p:par>
+        <p:cTn id="1" dur="indefinite" restart="never" nodeType="tmRoot"/>
+      </p:par>
+    </p:tnLst>
+  </p:timing>
+</p:sld>
+</file>
+
+<file path=ppt/slides/slide26.xml><?xml version="1.0" encoding="utf-8"?>
+<p:sld xmlns:a="http://schemas.openxmlformats.org/drawingml/2006/main" xmlns:r="http://schemas.openxmlformats.org/officeDocument/2006/relationships" xmlns:p="http://schemas.openxmlformats.org/presentationml/2006/main">
+  <p:cSld>
+    <p:spTree>
+      <p:nvGrpSpPr>
+        <p:cNvPr id="1" name=""/>
+        <p:cNvGrpSpPr/>
+        <p:nvPr/>
+      </p:nvGrpSpPr>
+      <p:grpSpPr>
+        <a:xfrm>
+          <a:off x="0" y="0"/>
+          <a:ext cx="0" cy="0"/>
+          <a:chOff x="0" y="0"/>
+          <a:chExt cx="0" cy="0"/>
+        </a:xfrm>
+      </p:grpSpPr>
+      <p:sp>
+        <p:nvSpPr>
+          <p:cNvPr id="2" name="Title 1"/>
+          <p:cNvSpPr>
+            <a:spLocks noGrp="1"/>
+          </p:cNvSpPr>
+          <p:nvPr>
+            <p:ph type="title"/>
+          </p:nvPr>
+        </p:nvSpPr>
+        <p:spPr/>
+        <p:txBody>
+          <a:bodyPr/>
+          <a:lstStyle/>
+          <a:p>
+            <a:r>
+              <a:rPr lang="en-US" smtClean="0"/>
+              <a:t>Steerpoint Actions</a:t>
+            </a:r>
+            <a:endParaRPr lang="en-US"/>
+          </a:p>
+        </p:txBody>
+      </p:sp>
+      <p:sp>
+        <p:nvSpPr>
+          <p:cNvPr id="3" name="Content Placeholder 2"/>
+          <p:cNvSpPr>
+            <a:spLocks noGrp="1"/>
+          </p:cNvSpPr>
+          <p:nvPr>
+            <p:ph idx="1"/>
+          </p:nvPr>
+        </p:nvSpPr>
+        <p:spPr/>
+        <p:txBody>
+          <a:bodyPr>
+            <a:normAutofit/>
+          </a:bodyPr>
+          <a:lstStyle/>
+          <a:p>
+            <a:r>
+              <a:rPr lang="en-US" sz="2400" smtClean="0"/>
+              <a:t>Steerpoint can have an associated Action</a:t>
+            </a:r>
+          </a:p>
+          <a:p>
+            <a:pPr lvl="1"/>
+            <a:r>
+              <a:rPr lang="en-US" sz="2000" smtClean="0"/>
+              <a:t>Examples: Take SAR image, release weapon, release decoy, etc</a:t>
+            </a:r>
+            <a:endParaRPr lang="en-US" sz="2000"/>
+          </a:p>
+        </p:txBody>
+      </p:sp>
+      <p:pic>
+        <p:nvPicPr>
+          <p:cNvPr id="15362" name="Picture 2"/>
+          <p:cNvPicPr>
+            <a:picLocks noChangeAspect="1" noChangeArrowheads="1"/>
+          </p:cNvPicPr>
+          <p:nvPr/>
+        </p:nvPicPr>
+        <p:blipFill>
+          <a:blip r:embed="rId2" cstate="print"/>
+          <a:srcRect/>
+          <a:stretch>
+            <a:fillRect/>
+          </a:stretch>
+        </p:blipFill>
+        <p:spPr bwMode="auto">
+          <a:xfrm>
+            <a:off x="609600" y="2514600"/>
+            <a:ext cx="1143000" cy="2315059"/>
+          </a:xfrm>
+          <a:prstGeom prst="rect">
+            <a:avLst/>
+          </a:prstGeom>
+          <a:noFill/>
+          <a:ln w="9525">
+            <a:noFill/>
+            <a:miter lim="800000"/>
+            <a:headEnd/>
+            <a:tailEnd/>
+          </a:ln>
+        </p:spPr>
+      </p:pic>
+      <p:pic>
+        <p:nvPicPr>
+          <p:cNvPr id="15363" name="Picture 3"/>
+          <p:cNvPicPr>
+            <a:picLocks noChangeAspect="1" noChangeArrowheads="1"/>
+          </p:cNvPicPr>
+          <p:nvPr/>
+        </p:nvPicPr>
+        <p:blipFill>
+          <a:blip r:embed="rId3" cstate="print"/>
+          <a:srcRect/>
+          <a:stretch>
+            <a:fillRect/>
+          </a:stretch>
+        </p:blipFill>
+        <p:spPr bwMode="auto">
+          <a:xfrm>
+            <a:off x="2362200" y="2514600"/>
+            <a:ext cx="6191250" cy="3724275"/>
+          </a:xfrm>
+          <a:prstGeom prst="rect">
+            <a:avLst/>
+          </a:prstGeom>
+          <a:noFill/>
+          <a:ln w="9525">
+            <a:noFill/>
+            <a:miter lim="800000"/>
+            <a:headEnd/>
+            <a:tailEnd/>
+          </a:ln>
+        </p:spPr>
+      </p:pic>
+    </p:spTree>
+  </p:cSld>
+  <p:clrMapOvr>
+    <a:masterClrMapping/>
+  </p:clrMapOvr>
+  <p:timing>
+    <p:tnLst>
+      <p:par>
+        <p:cTn id="1" dur="indefinite" restart="never" nodeType="tmRoot"/>
+      </p:par>
+    </p:tnLst>
+  </p:timing>
+</p:sld>
+</file>
+
+<file path=ppt/slides/slide27.xml><?xml version="1.0" encoding="utf-8"?>
+<p:sld xmlns:a="http://schemas.openxmlformats.org/drawingml/2006/main" xmlns:r="http://schemas.openxmlformats.org/officeDocument/2006/relationships" xmlns:p="http://schemas.openxmlformats.org/presentationml/2006/main">
+  <p:cSld>
+    <p:spTree>
+      <p:nvGrpSpPr>
+        <p:cNvPr id="1" name=""/>
+        <p:cNvGrpSpPr/>
+        <p:nvPr/>
+      </p:nvGrpSpPr>
+      <p:grpSpPr>
+        <a:xfrm>
+          <a:off x="0" y="0"/>
+          <a:ext cx="0" cy="0"/>
+          <a:chOff x="0" y="0"/>
+          <a:chExt cx="0" cy="0"/>
+        </a:xfrm>
+      </p:grpSpPr>
+      <p:sp>
+        <p:nvSpPr>
+          <p:cNvPr id="2" name="Title 1"/>
+          <p:cNvSpPr>
+            <a:spLocks noGrp="1"/>
+          </p:cNvSpPr>
+          <p:nvPr>
+            <p:ph type="title"/>
+          </p:nvPr>
+        </p:nvSpPr>
+        <p:spPr/>
+        <p:txBody>
+          <a:bodyPr/>
+          <a:lstStyle/>
+          <a:p>
+            <a:r>
+              <a:rPr lang="en-US" smtClean="0"/>
+              <a:t>Flow of Decisions and Actions</a:t>
+            </a:r>
+            <a:endParaRPr lang="en-US"/>
+          </a:p>
+        </p:txBody>
+      </p:sp>
+      <p:sp>
+        <p:nvSpPr>
+          <p:cNvPr id="3" name="Content Placeholder 2"/>
+          <p:cNvSpPr>
+            <a:spLocks noGrp="1"/>
+          </p:cNvSpPr>
+          <p:nvPr>
+            <p:ph idx="1"/>
+          </p:nvPr>
+        </p:nvSpPr>
+        <p:spPr/>
+        <p:txBody>
+          <a:bodyPr>
+            <a:normAutofit/>
+          </a:bodyPr>
+          <a:lstStyle/>
+          <a:p>
+            <a:r>
+              <a:rPr lang="en-US" sz="2400" smtClean="0"/>
+              <a:t>AutoPilot determines “high level” things to do, and how to do it via commands to “dynamic model auto pilot” or even direct control in some cases</a:t>
+            </a:r>
+          </a:p>
+          <a:p>
+            <a:r>
+              <a:rPr lang="en-US" sz="2400" smtClean="0"/>
+              <a:t>Onboard computer could be used to determine “what to do” and allow AutoPilot to carry out decisions</a:t>
+            </a:r>
+          </a:p>
+          <a:p>
+            <a:endParaRPr lang="en-US" sz="2400"/>
+          </a:p>
+        </p:txBody>
+      </p:sp>
+      <p:pic>
+        <p:nvPicPr>
+          <p:cNvPr id="4" name="Picture 3"/>
+          <p:cNvPicPr>
+            <a:picLocks noChangeAspect="1" noChangeArrowheads="1"/>
+          </p:cNvPicPr>
+          <p:nvPr/>
+        </p:nvPicPr>
+        <p:blipFill>
+          <a:blip r:embed="rId2" cstate="print"/>
+          <a:srcRect/>
+          <a:stretch>
+            <a:fillRect/>
+          </a:stretch>
+        </p:blipFill>
+        <p:spPr bwMode="auto">
+          <a:xfrm>
+            <a:off x="1600200" y="3733800"/>
+            <a:ext cx="6257925" cy="2609850"/>
+          </a:xfrm>
+          <a:prstGeom prst="rect">
+            <a:avLst/>
+          </a:prstGeom>
+          <a:noFill/>
+          <a:ln w="9525">
+            <a:noFill/>
+            <a:miter lim="800000"/>
+            <a:headEnd/>
+            <a:tailEnd/>
+          </a:ln>
+        </p:spPr>
+      </p:pic>
+      <p:cxnSp>
+        <p:nvCxnSpPr>
+          <p:cNvPr id="5" name="Straight Arrow Connector 4"/>
+          <p:cNvCxnSpPr/>
+          <p:nvPr/>
+        </p:nvCxnSpPr>
+        <p:spPr>
+          <a:xfrm flipV="1">
+            <a:off x="1371600" y="4953000"/>
+            <a:ext cx="381000" cy="76200"/>
+          </a:xfrm>
+          <a:prstGeom prst="straightConnector1">
+            <a:avLst/>
+          </a:prstGeom>
+          <a:ln w="28575">
+            <a:solidFill>
+              <a:srgbClr val="FF0000"/>
+            </a:solidFill>
+            <a:tailEnd type="arrow"/>
+          </a:ln>
+        </p:spPr>
+        <p:style>
+          <a:lnRef idx="1">
+            <a:schemeClr val="accent1"/>
+          </a:lnRef>
+          <a:fillRef idx="0">
+            <a:schemeClr val="accent1"/>
+          </a:fillRef>
+          <a:effectRef idx="0">
+            <a:schemeClr val="accent1"/>
+          </a:effectRef>
+          <a:fontRef idx="minor">
+            <a:schemeClr val="tx1"/>
+          </a:fontRef>
+        </p:style>
+      </p:cxnSp>
+    </p:spTree>
+  </p:cSld>
+  <p:clrMapOvr>
+    <a:masterClrMapping/>
+  </p:clrMapOvr>
+</p:sld>
+</file>
+
+<file path=ppt/slides/slide28.xml><?xml version="1.0" encoding="utf-8"?>
+<p:sld xmlns:a="http://schemas.openxmlformats.org/drawingml/2006/main" xmlns:r="http://schemas.openxmlformats.org/officeDocument/2006/relationships" xmlns:p="http://schemas.openxmlformats.org/presentationml/2006/main">
+  <p:cSld>
+    <p:spTree>
+      <p:nvGrpSpPr>
+        <p:cNvPr id="1" name=""/>
+        <p:cNvGrpSpPr/>
+        <p:nvPr/>
+      </p:nvGrpSpPr>
+      <p:grpSpPr>
+        <a:xfrm>
+          <a:off x="0" y="0"/>
+          <a:ext cx="0" cy="0"/>
+          <a:chOff x="0" y="0"/>
+          <a:chExt cx="0" cy="0"/>
+        </a:xfrm>
+      </p:grpSpPr>
+      <p:sp>
+        <p:nvSpPr>
+          <p:cNvPr id="2" name="Title 1"/>
+          <p:cNvSpPr>
+            <a:spLocks noGrp="1"/>
+          </p:cNvSpPr>
+          <p:nvPr>
+            <p:ph type="title"/>
+          </p:nvPr>
+        </p:nvSpPr>
+        <p:spPr/>
+        <p:txBody>
+          <a:bodyPr/>
+          <a:lstStyle/>
+          <a:p>
+            <a:r>
+              <a:rPr lang="en-US" smtClean="0"/>
+              <a:t>Summary</a:t>
+            </a:r>
+            <a:endParaRPr lang="en-US"/>
+          </a:p>
+        </p:txBody>
+      </p:sp>
+      <p:sp>
+        <p:nvSpPr>
+          <p:cNvPr id="3" name="Content Placeholder 2"/>
+          <p:cNvSpPr>
+            <a:spLocks noGrp="1"/>
+          </p:cNvSpPr>
+          <p:nvPr>
+            <p:ph idx="1"/>
+          </p:nvPr>
+        </p:nvSpPr>
+        <p:spPr/>
+        <p:txBody>
+          <a:bodyPr/>
+          <a:lstStyle/>
+          <a:p>
+            <a:r>
+              <a:rPr lang="en-US" smtClean="0"/>
+              <a:t>Lots of places to add “intelligent” behaviors</a:t>
+            </a:r>
+          </a:p>
+          <a:p>
+            <a:pPr lvl="1"/>
+            <a:r>
+              <a:rPr lang="en-US" smtClean="0"/>
+              <a:t>AutoPilot</a:t>
+            </a:r>
+          </a:p>
+          <a:p>
+            <a:pPr lvl="1"/>
+            <a:r>
+              <a:rPr lang="en-US" smtClean="0"/>
+              <a:t>Onboard Computer</a:t>
+            </a:r>
+          </a:p>
+          <a:p>
+            <a:pPr lvl="2"/>
+            <a:r>
+              <a:rPr lang="en-US" smtClean="0"/>
+              <a:t>Could act a the “Actor” for UBF</a:t>
+            </a:r>
+          </a:p>
+        </p:txBody>
+      </p:sp>
+    </p:spTree>
+  </p:cSld>
+  <p:clrMapOvr>
+    <a:masterClrMapping/>
+  </p:clrMapOvr>
+  <p:timing>
+    <p:tnLst>
+      <p:par>
+        <p:cTn id="1" dur="indefinite" restart="never" nodeType="tmRoot"/>
+      </p:par>
+    </p:tnLst>
+  </p:timing>
 </p:sld>
 </file>
 
@@ -6371,42 +7155,6 @@
           </a:ln>
         </p:spPr>
       </p:pic>
-      <p:cxnSp>
-        <p:nvCxnSpPr>
-          <p:cNvPr id="16" name="Straight Arrow Connector 15"/>
-          <p:cNvCxnSpPr/>
-          <p:nvPr/>
-        </p:nvCxnSpPr>
-        <p:spPr>
-          <a:xfrm flipV="1">
-            <a:off x="1223682" y="3550024"/>
-            <a:ext cx="381000" cy="76200"/>
-          </a:xfrm>
-          <a:prstGeom prst="straightConnector1">
-            <a:avLst/>
-          </a:prstGeom>
-          <a:ln w="28575">
-            <a:solidFill>
-              <a:srgbClr val="FF0000"/>
-            </a:solidFill>
-            <a:tailEnd type="arrow"/>
-          </a:ln>
-        </p:spPr>
-        <p:style>
-          <a:lnRef idx="1">
-            <a:schemeClr val="accent1"/>
-          </a:lnRef>
-          <a:fillRef idx="0">
-            <a:schemeClr val="accent1"/>
-          </a:fillRef>
-          <a:effectRef idx="0">
-            <a:schemeClr val="accent1"/>
-          </a:effectRef>
-          <a:fontRef idx="minor">
-            <a:schemeClr val="tx1"/>
-          </a:fontRef>
-        </p:style>
-      </p:cxnSp>
     </p:spTree>
   </p:cSld>
   <p:clrMapOvr>
@@ -6673,15 +7421,7 @@
             <a:pPr lvl="2"/>
             <a:r>
               <a:rPr lang="en-US" smtClean="0"/>
-              <a:t>Geodetic (lat, long, </a:t>
-            </a:r>
-            <a:r>
-              <a:rPr lang="en-US" smtClean="0"/>
-              <a:t>altitude</a:t>
-            </a:r>
-            <a:r>
-              <a:rPr lang="en-US" smtClean="0"/>
-              <a:t>)</a:t>
+              <a:t>Geodetic (lat, long, altitude)</a:t>
             </a:r>
           </a:p>
           <a:p>
@@ -6690,7 +7430,6 @@
               <a:rPr lang="en-US" smtClean="0"/>
               <a:t>Geocentric (ECEF) (x, y, z)</a:t>
             </a:r>
-            <a:endParaRPr lang="en-US" smtClean="0"/>
           </a:p>
           <a:p>
             <a:pPr lvl="1"/>
@@ -6839,20 +7578,88 @@
         </p:nvSpPr>
         <p:spPr/>
         <p:txBody>
-          <a:bodyPr/>
-          <a:lstStyle/>
-          <a:p>
-            <a:r>
-              <a:rPr lang="en-US" smtClean="0"/>
-              <a:t>Direct Stick Input</a:t>
-            </a:r>
-            <a:endParaRPr lang="en-US"/>
+          <a:bodyPr>
+            <a:normAutofit/>
+          </a:bodyPr>
+          <a:lstStyle/>
+          <a:p>
+            <a:r>
+              <a:rPr lang="en-US" sz="4000" smtClean="0"/>
+              <a:t>Player Top-Level System Models</a:t>
+            </a:r>
+            <a:endParaRPr lang="en-US" sz="4000"/>
+          </a:p>
+        </p:txBody>
+      </p:sp>
+      <p:sp>
+        <p:nvSpPr>
+          <p:cNvPr id="10" name="Content Placeholder 2"/>
+          <p:cNvSpPr>
+            <a:spLocks noGrp="1"/>
+          </p:cNvSpPr>
+          <p:nvPr>
+            <p:ph idx="1"/>
+          </p:nvPr>
+        </p:nvSpPr>
+        <p:spPr/>
+        <p:txBody>
+          <a:bodyPr>
+            <a:normAutofit/>
+          </a:bodyPr>
+          <a:lstStyle/>
+          <a:p>
+            <a:r>
+              <a:rPr lang="en-US" sz="2400" smtClean="0"/>
+              <a:t>Container of sub-systems</a:t>
+            </a:r>
+          </a:p>
+          <a:p>
+            <a:r>
+              <a:rPr lang="en-US" sz="2400" i="1" u="sng" smtClean="0"/>
+              <a:t>General purpose interface</a:t>
+            </a:r>
+            <a:r>
+              <a:rPr lang="en-US" sz="2400" smtClean="0"/>
+              <a:t> to those sub-systems</a:t>
+            </a:r>
+            <a:endParaRPr lang="en-US" sz="2400"/>
+          </a:p>
+        </p:txBody>
+      </p:sp>
+      <p:sp>
+        <p:nvSpPr>
+          <p:cNvPr id="11" name="TextBox 10"/>
+          <p:cNvSpPr txBox="1"/>
+          <p:nvPr/>
+        </p:nvSpPr>
+        <p:spPr>
+          <a:xfrm>
+            <a:off x="0" y="5638800"/>
+            <a:ext cx="9144000" cy="338554"/>
+          </a:xfrm>
+          <a:prstGeom prst="rect">
+            <a:avLst/>
+          </a:prstGeom>
+          <a:noFill/>
+        </p:spPr>
+        <p:txBody>
+          <a:bodyPr wrap="square" rtlCol="0">
+            <a:spAutoFit/>
+          </a:bodyPr>
+          <a:lstStyle/>
+          <a:p>
+            <a:pPr algn="ctr"/>
+            <a:r>
+              <a:rPr lang="en-US" sz="1600" b="1" smtClean="0"/>
+              <a:t>from Player.h</a:t>
+            </a:r>
+            <a:endParaRPr lang="en-US" sz="1600" b="1"/>
           </a:p>
         </p:txBody>
       </p:sp>
       <p:pic>
         <p:nvPicPr>
-          <p:cNvPr id="2051" name="Picture 3"/>
+          <p:cNvPr id="1027" name="Picture 3"/>
           <p:cNvPicPr>
             <a:picLocks noChangeAspect="1" noChangeArrowheads="1"/>
           </p:cNvPicPr>
@@ -6867,8 +7674,8 @@
         </p:blipFill>
         <p:spPr bwMode="auto">
           <a:xfrm>
-            <a:off x="1295400" y="1447800"/>
-            <a:ext cx="6915150" cy="4610100"/>
+            <a:off x="1447800" y="2819400"/>
+            <a:ext cx="6257925" cy="2609850"/>
           </a:xfrm>
           <a:prstGeom prst="rect">
             <a:avLst/>
@@ -6882,6 +7689,42 @@
           </a:ln>
         </p:spPr>
       </p:pic>
+      <p:cxnSp>
+        <p:nvCxnSpPr>
+          <p:cNvPr id="16" name="Straight Arrow Connector 15"/>
+          <p:cNvCxnSpPr/>
+          <p:nvPr/>
+        </p:nvCxnSpPr>
+        <p:spPr>
+          <a:xfrm flipV="1">
+            <a:off x="1223682" y="3550024"/>
+            <a:ext cx="381000" cy="76200"/>
+          </a:xfrm>
+          <a:prstGeom prst="straightConnector1">
+            <a:avLst/>
+          </a:prstGeom>
+          <a:ln w="28575">
+            <a:solidFill>
+              <a:srgbClr val="FF0000"/>
+            </a:solidFill>
+            <a:tailEnd type="arrow"/>
+          </a:ln>
+        </p:spPr>
+        <p:style>
+          <a:lnRef idx="1">
+            <a:schemeClr val="accent1"/>
+          </a:lnRef>
+          <a:fillRef idx="0">
+            <a:schemeClr val="accent1"/>
+          </a:fillRef>
+          <a:effectRef idx="0">
+            <a:schemeClr val="accent1"/>
+          </a:effectRef>
+          <a:fontRef idx="minor">
+            <a:schemeClr val="tx1"/>
+          </a:fontRef>
+        </p:style>
+      </p:cxnSp>
       <p:sp>
         <p:nvSpPr>
           <p:cNvPr id="7" name="TextBox 6"/>
@@ -6890,8 +7733,8 @@
         </p:nvSpPr>
         <p:spPr>
           <a:xfrm>
-            <a:off x="0" y="6248400"/>
-            <a:ext cx="9144000" cy="338554"/>
+            <a:off x="130885" y="3470238"/>
+            <a:ext cx="1143000" cy="338554"/>
           </a:xfrm>
           <a:prstGeom prst="rect">
             <a:avLst/>
@@ -6906,10 +7749,10 @@
           <a:p>
             <a:pPr algn="ctr"/>
             <a:r>
-              <a:rPr lang="en-US" sz="1600" b="1" smtClean="0"/>
-              <a:t>from Player.h</a:t>
-            </a:r>
-            <a:endParaRPr lang="en-US" sz="1600" b="1"/>
+              <a:rPr lang="en-US" sz="1600" smtClean="0"/>
+              <a:t>Required</a:t>
+            </a:r>
+            <a:endParaRPr lang="en-US" sz="1600"/>
           </a:p>
         </p:txBody>
       </p:sp>
@@ -6962,48 +7805,15 @@
           <a:p>
             <a:r>
               <a:rPr lang="en-US" smtClean="0"/>
-              <a:t>Direct </a:t>
-            </a:r>
-            <a:r>
-              <a:rPr lang="en-US" smtClean="0"/>
-              <a:t>Stick </a:t>
-            </a:r>
-            <a:r>
-              <a:rPr lang="en-US" smtClean="0"/>
-              <a:t>Input</a:t>
+              <a:t>Direct Stick Input</a:t>
             </a:r>
             <a:endParaRPr lang="en-US"/>
-          </a:p>
-        </p:txBody>
-      </p:sp>
-      <p:sp>
-        <p:nvSpPr>
-          <p:cNvPr id="3" name="Content Placeholder 2"/>
-          <p:cNvSpPr>
-            <a:spLocks noGrp="1"/>
-          </p:cNvSpPr>
-          <p:nvPr>
-            <p:ph idx="1"/>
-          </p:nvPr>
-        </p:nvSpPr>
-        <p:spPr/>
-        <p:txBody>
-          <a:bodyPr>
-            <a:normAutofit/>
-          </a:bodyPr>
-          <a:lstStyle/>
-          <a:p>
-            <a:r>
-              <a:rPr lang="en-US" sz="2400" smtClean="0"/>
-              <a:t>Requires a DynamicsModel to do anything meaningful</a:t>
-            </a:r>
-            <a:endParaRPr lang="en-US" sz="2400"/>
           </a:p>
         </p:txBody>
       </p:sp>
       <p:pic>
         <p:nvPicPr>
-          <p:cNvPr id="3074" name="Picture 2"/>
+          <p:cNvPr id="2051" name="Picture 3"/>
           <p:cNvPicPr>
             <a:picLocks noChangeAspect="1" noChangeArrowheads="1"/>
           </p:cNvPicPr>
@@ -7018,8 +7828,8 @@
         </p:blipFill>
         <p:spPr bwMode="auto">
           <a:xfrm>
-            <a:off x="1295400" y="2362200"/>
-            <a:ext cx="6638925" cy="3419475"/>
+            <a:off x="1295400" y="1447800"/>
+            <a:ext cx="6915150" cy="4610100"/>
           </a:xfrm>
           <a:prstGeom prst="rect">
             <a:avLst/>
@@ -7033,78 +7843,6 @@
           </a:ln>
         </p:spPr>
       </p:pic>
-      <p:cxnSp>
-        <p:nvCxnSpPr>
-          <p:cNvPr id="5" name="Straight Arrow Connector 4"/>
-          <p:cNvCxnSpPr/>
-          <p:nvPr/>
-        </p:nvCxnSpPr>
-        <p:spPr>
-          <a:xfrm flipV="1">
-            <a:off x="1066800" y="3429000"/>
-            <a:ext cx="381000" cy="76200"/>
-          </a:xfrm>
-          <a:prstGeom prst="straightConnector1">
-            <a:avLst/>
-          </a:prstGeom>
-          <a:ln w="28575">
-            <a:solidFill>
-              <a:srgbClr val="FF0000"/>
-            </a:solidFill>
-            <a:tailEnd type="arrow"/>
-          </a:ln>
-        </p:spPr>
-        <p:style>
-          <a:lnRef idx="1">
-            <a:schemeClr val="accent1"/>
-          </a:lnRef>
-          <a:fillRef idx="0">
-            <a:schemeClr val="accent1"/>
-          </a:fillRef>
-          <a:effectRef idx="0">
-            <a:schemeClr val="accent1"/>
-          </a:effectRef>
-          <a:fontRef idx="minor">
-            <a:schemeClr val="tx1"/>
-          </a:fontRef>
-        </p:style>
-      </p:cxnSp>
-      <p:cxnSp>
-        <p:nvCxnSpPr>
-          <p:cNvPr id="6" name="Straight Arrow Connector 5"/>
-          <p:cNvCxnSpPr/>
-          <p:nvPr/>
-        </p:nvCxnSpPr>
-        <p:spPr>
-          <a:xfrm flipV="1">
-            <a:off x="1066800" y="5181600"/>
-            <a:ext cx="381000" cy="76200"/>
-          </a:xfrm>
-          <a:prstGeom prst="straightConnector1">
-            <a:avLst/>
-          </a:prstGeom>
-          <a:ln w="28575">
-            <a:solidFill>
-              <a:srgbClr val="FF0000"/>
-            </a:solidFill>
-            <a:tailEnd type="arrow"/>
-          </a:ln>
-        </p:spPr>
-        <p:style>
-          <a:lnRef idx="1">
-            <a:schemeClr val="accent1"/>
-          </a:lnRef>
-          <a:fillRef idx="0">
-            <a:schemeClr val="accent1"/>
-          </a:fillRef>
-          <a:effectRef idx="0">
-            <a:schemeClr val="accent1"/>
-          </a:effectRef>
-          <a:fontRef idx="minor">
-            <a:schemeClr val="tx1"/>
-          </a:fontRef>
-        </p:style>
-      </p:cxnSp>
       <p:sp>
         <p:nvSpPr>
           <p:cNvPr id="7" name="TextBox 6"/>
@@ -7113,7 +7851,7 @@
         </p:nvSpPr>
         <p:spPr>
           <a:xfrm>
-            <a:off x="0" y="5943600"/>
+            <a:off x="0" y="6248400"/>
             <a:ext cx="9144000" cy="338554"/>
           </a:xfrm>
           <a:prstGeom prst="rect">
@@ -7130,7 +7868,7 @@
             <a:pPr algn="ctr"/>
             <a:r>
               <a:rPr lang="en-US" sz="1600" b="1" smtClean="0"/>
-              <a:t>from Player.cpp</a:t>
+              <a:t>from Player.h</a:t>
             </a:r>
             <a:endParaRPr lang="en-US" sz="1600" b="1"/>
           </a:p>
@@ -7185,15 +7923,40 @@
           <a:p>
             <a:r>
               <a:rPr lang="en-US" smtClean="0"/>
-              <a:t>Input File Example</a:t>
+              <a:t>Direct Stick Input</a:t>
             </a:r>
             <a:endParaRPr lang="en-US"/>
+          </a:p>
+        </p:txBody>
+      </p:sp>
+      <p:sp>
+        <p:nvSpPr>
+          <p:cNvPr id="3" name="Content Placeholder 2"/>
+          <p:cNvSpPr>
+            <a:spLocks noGrp="1"/>
+          </p:cNvSpPr>
+          <p:nvPr>
+            <p:ph idx="1"/>
+          </p:nvPr>
+        </p:nvSpPr>
+        <p:spPr/>
+        <p:txBody>
+          <a:bodyPr>
+            <a:normAutofit/>
+          </a:bodyPr>
+          <a:lstStyle/>
+          <a:p>
+            <a:r>
+              <a:rPr lang="en-US" sz="2400" smtClean="0"/>
+              <a:t>Requires a DynamicsModel to do anything meaningful</a:t>
+            </a:r>
+            <a:endParaRPr lang="en-US" sz="2400"/>
           </a:p>
         </p:txBody>
       </p:sp>
       <p:pic>
         <p:nvPicPr>
-          <p:cNvPr id="4098" name="Picture 2"/>
+          <p:cNvPr id="3074" name="Picture 2"/>
           <p:cNvPicPr>
             <a:picLocks noChangeAspect="1" noChangeArrowheads="1"/>
           </p:cNvPicPr>
@@ -7208,8 +7971,8 @@
         </p:blipFill>
         <p:spPr bwMode="auto">
           <a:xfrm>
-            <a:off x="1219200" y="1371600"/>
-            <a:ext cx="6334125" cy="5114925"/>
+            <a:off x="1295400" y="2362200"/>
+            <a:ext cx="6638925" cy="3419475"/>
           </a:xfrm>
           <a:prstGeom prst="rect">
             <a:avLst/>
@@ -7223,50 +7986,106 @@
           </a:ln>
         </p:spPr>
       </p:pic>
-      <p:sp>
-        <p:nvSpPr>
-          <p:cNvPr id="7" name="Rounded Rectangle 6"/>
-          <p:cNvSpPr/>
+      <p:cxnSp>
+        <p:nvCxnSpPr>
+          <p:cNvPr id="5" name="Straight Arrow Connector 4"/>
+          <p:cNvCxnSpPr/>
           <p:nvPr/>
-        </p:nvSpPr>
+        </p:nvCxnSpPr>
         <p:spPr>
-          <a:xfrm>
-            <a:off x="1828800" y="5638800"/>
-            <a:ext cx="2895600" cy="914400"/>
-          </a:xfrm>
-          <a:prstGeom prst="roundRect">
+          <a:xfrm flipV="1">
+            <a:off x="1066800" y="3429000"/>
+            <a:ext cx="381000" cy="76200"/>
+          </a:xfrm>
+          <a:prstGeom prst="straightConnector1">
             <a:avLst/>
           </a:prstGeom>
-          <a:noFill/>
-          <a:ln>
+          <a:ln w="28575">
             <a:solidFill>
               <a:srgbClr val="FF0000"/>
             </a:solidFill>
-            <a:prstDash val="sysDash"/>
+            <a:tailEnd type="arrow"/>
           </a:ln>
         </p:spPr>
         <p:style>
-          <a:lnRef idx="2">
-            <a:schemeClr val="accent1">
-              <a:shade val="50000"/>
-            </a:schemeClr>
+          <a:lnRef idx="1">
+            <a:schemeClr val="accent1"/>
           </a:lnRef>
-          <a:fillRef idx="1">
+          <a:fillRef idx="0">
             <a:schemeClr val="accent1"/>
           </a:fillRef>
           <a:effectRef idx="0">
             <a:schemeClr val="accent1"/>
           </a:effectRef>
           <a:fontRef idx="minor">
-            <a:schemeClr val="lt1"/>
+            <a:schemeClr val="tx1"/>
           </a:fontRef>
         </p:style>
-        <p:txBody>
-          <a:bodyPr rtlCol="0" anchor="ctr"/>
+      </p:cxnSp>
+      <p:cxnSp>
+        <p:nvCxnSpPr>
+          <p:cNvPr id="6" name="Straight Arrow Connector 5"/>
+          <p:cNvCxnSpPr/>
+          <p:nvPr/>
+        </p:nvCxnSpPr>
+        <p:spPr>
+          <a:xfrm flipV="1">
+            <a:off x="1066800" y="5181600"/>
+            <a:ext cx="381000" cy="76200"/>
+          </a:xfrm>
+          <a:prstGeom prst="straightConnector1">
+            <a:avLst/>
+          </a:prstGeom>
+          <a:ln w="28575">
+            <a:solidFill>
+              <a:srgbClr val="FF0000"/>
+            </a:solidFill>
+            <a:tailEnd type="arrow"/>
+          </a:ln>
+        </p:spPr>
+        <p:style>
+          <a:lnRef idx="1">
+            <a:schemeClr val="accent1"/>
+          </a:lnRef>
+          <a:fillRef idx="0">
+            <a:schemeClr val="accent1"/>
+          </a:fillRef>
+          <a:effectRef idx="0">
+            <a:schemeClr val="accent1"/>
+          </a:effectRef>
+          <a:fontRef idx="minor">
+            <a:schemeClr val="tx1"/>
+          </a:fontRef>
+        </p:style>
+      </p:cxnSp>
+      <p:sp>
+        <p:nvSpPr>
+          <p:cNvPr id="7" name="TextBox 6"/>
+          <p:cNvSpPr txBox="1"/>
+          <p:nvPr/>
+        </p:nvSpPr>
+        <p:spPr>
+          <a:xfrm>
+            <a:off x="0" y="5943600"/>
+            <a:ext cx="9144000" cy="338554"/>
+          </a:xfrm>
+          <a:prstGeom prst="rect">
+            <a:avLst/>
+          </a:prstGeom>
+          <a:noFill/>
+        </p:spPr>
+        <p:txBody>
+          <a:bodyPr wrap="square" rtlCol="0">
+            <a:spAutoFit/>
+          </a:bodyPr>
           <a:lstStyle/>
           <a:p>
             <a:pPr algn="ctr"/>
-            <a:endParaRPr lang="en-US"/>
+            <a:r>
+              <a:rPr lang="en-US" sz="1600" b="1" smtClean="0"/>
+              <a:t>from Player.cpp</a:t>
+            </a:r>
+            <a:endParaRPr lang="en-US" sz="1600" b="1"/>
           </a:p>
         </p:txBody>
       </p:sp>

--- a/doc/umlDiagrams/player-control-logic.pptx
+++ b/doc/umlDiagrams/player-control-logic.pptx
@@ -5719,7 +5719,33 @@
           <a:p>
             <a:r>
               <a:rPr lang="en-US" sz="2400" smtClean="0"/>
-              <a:t>Defined Autopilot functionality called (process()) in each frame</a:t>
+              <a:t>Defined Autopilot functionality </a:t>
+            </a:r>
+            <a:r>
+              <a:rPr lang="en-US" sz="2400" smtClean="0"/>
+              <a:t>called in </a:t>
+            </a:r>
+            <a:r>
+              <a:rPr lang="en-US" sz="2400" smtClean="0"/>
+              <a:t>each </a:t>
+            </a:r>
+            <a:r>
+              <a:rPr lang="en-US" sz="2400" smtClean="0"/>
+              <a:t>frame</a:t>
+            </a:r>
+          </a:p>
+          <a:p>
+            <a:r>
+              <a:rPr lang="en-US" sz="2400" smtClean="0"/>
+              <a:t>Remember “process” is 4</a:t>
+            </a:r>
+            <a:r>
+              <a:rPr lang="en-US" sz="2400" baseline="30000" smtClean="0"/>
+              <a:t>th</a:t>
+            </a:r>
+            <a:r>
+              <a:rPr lang="en-US" sz="2400" smtClean="0"/>
+              <a:t> phase in each frame</a:t>
             </a:r>
             <a:endParaRPr lang="en-US" sz="2400" smtClean="0"/>
           </a:p>
@@ -6071,11 +6097,7 @@
             <a:pPr lvl="1"/>
             <a:r>
               <a:rPr lang="en-US" smtClean="0"/>
-              <a:t>Navigation contains routes, which contain </a:t>
-            </a:r>
-            <a:r>
-              <a:rPr lang="en-US" smtClean="0"/>
-              <a:t>steerpoints</a:t>
+              <a:t>Navigation contains routes, which contain steerpoints</a:t>
             </a:r>
           </a:p>
           <a:p>
@@ -6365,15 +6387,7 @@
           <a:p>
             <a:r>
               <a:rPr lang="en-US" sz="1600" smtClean="0"/>
-              <a:t>Auto pilot that </a:t>
-            </a:r>
-            <a:r>
-              <a:rPr lang="en-US" sz="1600" smtClean="0"/>
-              <a:t>follows </a:t>
-            </a:r>
-            <a:r>
-              <a:rPr lang="en-US" sz="1600" smtClean="0"/>
-              <a:t>the defined route within navigation system</a:t>
+              <a:t>Auto pilot that follows the defined route within navigation system</a:t>
             </a:r>
             <a:endParaRPr lang="en-US" sz="1600"/>
           </a:p>
@@ -6439,11 +6453,7 @@
           <a:p>
             <a:r>
               <a:rPr lang="en-US" sz="1600" smtClean="0"/>
-              <a:t>Attached navigation </a:t>
-            </a:r>
-            <a:r>
-              <a:rPr lang="en-US" sz="1600" smtClean="0"/>
-              <a:t>system that includes a defined route</a:t>
+              <a:t>Attached navigation system that includes a defined route</a:t>
             </a:r>
             <a:endParaRPr lang="en-US" sz="1600"/>
           </a:p>
@@ -6723,7 +6733,7 @@
       </p:pic>
       <p:pic>
         <p:nvPicPr>
-          <p:cNvPr id="15363" name="Picture 3"/>
+          <p:cNvPr id="1026" name="Picture 2"/>
           <p:cNvPicPr>
             <a:picLocks noChangeAspect="1" noChangeArrowheads="1"/>
           </p:cNvPicPr>
@@ -6738,8 +6748,8 @@
         </p:blipFill>
         <p:spPr bwMode="auto">
           <a:xfrm>
-            <a:off x="2362200" y="2514600"/>
-            <a:ext cx="6191250" cy="3724275"/>
+            <a:off x="2209800" y="2514600"/>
+            <a:ext cx="6191250" cy="3714750"/>
           </a:xfrm>
           <a:prstGeom prst="rect">
             <a:avLst/>

--- a/doc/umlDiagrams/player-control-logic.pptx
+++ b/doc/umlDiagrams/player-control-logic.pptx
@@ -5719,19 +5719,7 @@
           <a:p>
             <a:r>
               <a:rPr lang="en-US" sz="2400" smtClean="0"/>
-              <a:t>Defined Autopilot functionality </a:t>
-            </a:r>
-            <a:r>
-              <a:rPr lang="en-US" sz="2400" smtClean="0"/>
-              <a:t>called in </a:t>
-            </a:r>
-            <a:r>
-              <a:rPr lang="en-US" sz="2400" smtClean="0"/>
-              <a:t>each </a:t>
-            </a:r>
-            <a:r>
-              <a:rPr lang="en-US" sz="2400" smtClean="0"/>
-              <a:t>frame</a:t>
+              <a:t>Defined Autopilot functionality called in each frame</a:t>
             </a:r>
           </a:p>
           <a:p>
@@ -5747,7 +5735,6 @@
               <a:rPr lang="en-US" sz="2400" smtClean="0"/>
               <a:t> phase in each frame</a:t>
             </a:r>
-            <a:endParaRPr lang="en-US" sz="2400" smtClean="0"/>
           </a:p>
         </p:txBody>
       </p:sp>
@@ -7005,7 +6992,15 @@
             <a:pPr lvl="2"/>
             <a:r>
               <a:rPr lang="en-US" smtClean="0"/>
-              <a:t>Could act a the “Actor” for UBF</a:t>
+              <a:t>Could act </a:t>
+            </a:r>
+            <a:r>
+              <a:rPr lang="en-US" smtClean="0"/>
+              <a:t>as </a:t>
+            </a:r>
+            <a:r>
+              <a:rPr lang="en-US" smtClean="0"/>
+              <a:t>the “Actor” for UBF</a:t>
             </a:r>
           </a:p>
         </p:txBody>
@@ -7467,7 +7462,6 @@
             <a:endParaRPr lang="en-US" smtClean="0"/>
           </a:p>
           <a:p>
-            <a:pPr lvl="1"/>
             <a:r>
               <a:rPr lang="en-US" smtClean="0"/>
               <a:t>Simple player dynamics model useful for testing</a:t>

--- a/doc/umlDiagrams/player-control-logic.pptx
+++ b/doc/umlDiagrams/player-control-logic.pptx
@@ -7,32 +7,37 @@
   <p:sldIdLst>
     <p:sldId id="256" r:id="rId2"/>
     <p:sldId id="259" r:id="rId3"/>
-    <p:sldId id="257" r:id="rId4"/>
-    <p:sldId id="263" r:id="rId5"/>
-    <p:sldId id="271" r:id="rId6"/>
-    <p:sldId id="270" r:id="rId7"/>
-    <p:sldId id="282" r:id="rId8"/>
-    <p:sldId id="258" r:id="rId9"/>
-    <p:sldId id="261" r:id="rId10"/>
-    <p:sldId id="262" r:id="rId11"/>
-    <p:sldId id="265" r:id="rId12"/>
-    <p:sldId id="266" r:id="rId13"/>
-    <p:sldId id="267" r:id="rId14"/>
-    <p:sldId id="283" r:id="rId15"/>
-    <p:sldId id="268" r:id="rId16"/>
-    <p:sldId id="269" r:id="rId17"/>
-    <p:sldId id="272" r:id="rId18"/>
-    <p:sldId id="273" r:id="rId19"/>
-    <p:sldId id="281" r:id="rId20"/>
-    <p:sldId id="260" r:id="rId21"/>
-    <p:sldId id="275" r:id="rId22"/>
-    <p:sldId id="276" r:id="rId23"/>
-    <p:sldId id="274" r:id="rId24"/>
-    <p:sldId id="277" r:id="rId25"/>
-    <p:sldId id="278" r:id="rId26"/>
-    <p:sldId id="279" r:id="rId27"/>
-    <p:sldId id="284" r:id="rId28"/>
-    <p:sldId id="280" r:id="rId29"/>
+    <p:sldId id="287" r:id="rId4"/>
+    <p:sldId id="288" r:id="rId5"/>
+    <p:sldId id="257" r:id="rId6"/>
+    <p:sldId id="263" r:id="rId7"/>
+    <p:sldId id="271" r:id="rId8"/>
+    <p:sldId id="270" r:id="rId9"/>
+    <p:sldId id="282" r:id="rId10"/>
+    <p:sldId id="258" r:id="rId11"/>
+    <p:sldId id="261" r:id="rId12"/>
+    <p:sldId id="262" r:id="rId13"/>
+    <p:sldId id="265" r:id="rId14"/>
+    <p:sldId id="266" r:id="rId15"/>
+    <p:sldId id="291" r:id="rId16"/>
+    <p:sldId id="267" r:id="rId17"/>
+    <p:sldId id="283" r:id="rId18"/>
+    <p:sldId id="268" r:id="rId19"/>
+    <p:sldId id="269" r:id="rId20"/>
+    <p:sldId id="272" r:id="rId21"/>
+    <p:sldId id="286" r:id="rId22"/>
+    <p:sldId id="281" r:id="rId23"/>
+    <p:sldId id="260" r:id="rId24"/>
+    <p:sldId id="275" r:id="rId25"/>
+    <p:sldId id="276" r:id="rId26"/>
+    <p:sldId id="274" r:id="rId27"/>
+    <p:sldId id="277" r:id="rId28"/>
+    <p:sldId id="278" r:id="rId29"/>
+    <p:sldId id="279" r:id="rId30"/>
+    <p:sldId id="284" r:id="rId31"/>
+    <p:sldId id="290" r:id="rId32"/>
+    <p:sldId id="289" r:id="rId33"/>
+    <p:sldId id="280" r:id="rId34"/>
   </p:sldIdLst>
   <p:sldSz cx="9144000" cy="6858000" type="screen4x3"/>
   <p:notesSz cx="6858000" cy="9144000"/>
@@ -3172,7 +3177,7 @@
           <a:p>
             <a:r>
               <a:rPr lang="en-US" smtClean="0"/>
-              <a:t>Input File Example</a:t>
+              <a:t>Direct Stick Input</a:t>
             </a:r>
             <a:endParaRPr lang="en-US"/>
           </a:p>
@@ -3180,7 +3185,7 @@
       </p:sp>
       <p:pic>
         <p:nvPicPr>
-          <p:cNvPr id="4098" name="Picture 2"/>
+          <p:cNvPr id="2051" name="Picture 3"/>
           <p:cNvPicPr>
             <a:picLocks noChangeAspect="1" noChangeArrowheads="1"/>
           </p:cNvPicPr>
@@ -3195,8 +3200,8 @@
         </p:blipFill>
         <p:spPr bwMode="auto">
           <a:xfrm>
-            <a:off x="1219200" y="1371600"/>
-            <a:ext cx="6334125" cy="5114925"/>
+            <a:off x="1295400" y="1447800"/>
+            <a:ext cx="6915150" cy="4610100"/>
           </a:xfrm>
           <a:prstGeom prst="rect">
             <a:avLst/>
@@ -3212,48 +3217,32 @@
       </p:pic>
       <p:sp>
         <p:nvSpPr>
-          <p:cNvPr id="7" name="Rounded Rectangle 6"/>
-          <p:cNvSpPr/>
+          <p:cNvPr id="7" name="TextBox 6"/>
+          <p:cNvSpPr txBox="1"/>
           <p:nvPr/>
         </p:nvSpPr>
         <p:spPr>
           <a:xfrm>
-            <a:off x="1828800" y="5638800"/>
-            <a:ext cx="2895600" cy="914400"/>
-          </a:xfrm>
-          <a:prstGeom prst="roundRect">
+            <a:off x="0" y="6248400"/>
+            <a:ext cx="9144000" cy="338554"/>
+          </a:xfrm>
+          <a:prstGeom prst="rect">
             <a:avLst/>
           </a:prstGeom>
           <a:noFill/>
-          <a:ln>
-            <a:solidFill>
-              <a:srgbClr val="FF0000"/>
-            </a:solidFill>
-            <a:prstDash val="sysDash"/>
-          </a:ln>
-        </p:spPr>
-        <p:style>
-          <a:lnRef idx="2">
-            <a:schemeClr val="accent1">
-              <a:shade val="50000"/>
-            </a:schemeClr>
-          </a:lnRef>
-          <a:fillRef idx="1">
-            <a:schemeClr val="accent1"/>
-          </a:fillRef>
-          <a:effectRef idx="0">
-            <a:schemeClr val="accent1"/>
-          </a:effectRef>
-          <a:fontRef idx="minor">
-            <a:schemeClr val="lt1"/>
-          </a:fontRef>
-        </p:style>
-        <p:txBody>
-          <a:bodyPr rtlCol="0" anchor="ctr"/>
+        </p:spPr>
+        <p:txBody>
+          <a:bodyPr wrap="square" rtlCol="0">
+            <a:spAutoFit/>
+          </a:bodyPr>
           <a:lstStyle/>
           <a:p>
             <a:pPr algn="ctr"/>
-            <a:endParaRPr lang="en-US"/>
+            <a:r>
+              <a:rPr lang="en-US" sz="1600" b="1" smtClean="0"/>
+              <a:t>from Player.h</a:t>
+            </a:r>
+            <a:endParaRPr lang="en-US" sz="1600" b="1"/>
           </a:p>
         </p:txBody>
       </p:sp>
@@ -3291,9 +3280,9 @@
       </p:grpSpPr>
       <p:sp>
         <p:nvSpPr>
-          <p:cNvPr id="26626" name="Rectangle 2"/>
-          <p:cNvSpPr>
-            <a:spLocks noGrp="1" noRot="1" noChangeArrowheads="1"/>
+          <p:cNvPr id="2" name="Title 1"/>
+          <p:cNvSpPr>
+            <a:spLocks noGrp="1"/>
           </p:cNvSpPr>
           <p:nvPr>
             <p:ph type="title"/>
@@ -3304,20 +3293,52 @@
           <a:bodyPr/>
           <a:lstStyle/>
           <a:p>
-            <a:pPr eaLnBrk="1" hangingPunct="1">
-              <a:defRPr/>
-            </a:pPr>
-            <a:r>
-              <a:rPr lang="en-US" smtClean="0"/>
-              <a:t>Human Input to Player</a:t>
-            </a:r>
-            <a:endParaRPr lang="en-US" dirty="0" smtClean="0"/>
+            <a:r>
+              <a:rPr lang="en-US" smtClean="0"/>
+              <a:t>Direct Stick Input</a:t>
+            </a:r>
+            <a:endParaRPr lang="en-US"/>
+          </a:p>
+        </p:txBody>
+      </p:sp>
+      <p:sp>
+        <p:nvSpPr>
+          <p:cNvPr id="3" name="Content Placeholder 2"/>
+          <p:cNvSpPr>
+            <a:spLocks noGrp="1"/>
+          </p:cNvSpPr>
+          <p:nvPr>
+            <p:ph idx="1"/>
+          </p:nvPr>
+        </p:nvSpPr>
+        <p:spPr/>
+        <p:txBody>
+          <a:bodyPr>
+            <a:normAutofit/>
+          </a:bodyPr>
+          <a:lstStyle/>
+          <a:p>
+            <a:r>
+              <a:rPr lang="en-US" sz="2400" smtClean="0"/>
+              <a:t>Requires a DynamicsModel to do anything </a:t>
+            </a:r>
+            <a:r>
+              <a:rPr lang="en-US" sz="2400" smtClean="0"/>
+              <a:t>meaningful</a:t>
+            </a:r>
+          </a:p>
+          <a:p>
+            <a:r>
+              <a:rPr lang="en-US" sz="2400" smtClean="0"/>
+              <a:t>Functionality can be implemented in subclass</a:t>
+            </a:r>
+            <a:endParaRPr lang="en-US" sz="2400"/>
           </a:p>
         </p:txBody>
       </p:sp>
       <p:pic>
         <p:nvPicPr>
-          <p:cNvPr id="43011" name="Picture 6"/>
+          <p:cNvPr id="3074" name="Picture 2"/>
           <p:cNvPicPr>
             <a:picLocks noChangeAspect="1" noChangeArrowheads="1"/>
           </p:cNvPicPr>
@@ -3332,14 +3353,14 @@
         </p:blipFill>
         <p:spPr bwMode="auto">
           <a:xfrm>
-            <a:off x="2590800" y="1524000"/>
-            <a:ext cx="3988317" cy="3870087"/>
+            <a:off x="1295400" y="2514600"/>
+            <a:ext cx="6638925" cy="3419475"/>
           </a:xfrm>
           <a:prstGeom prst="rect">
             <a:avLst/>
           </a:prstGeom>
           <a:noFill/>
-          <a:ln w="25400">
+          <a:ln w="9525">
             <a:noFill/>
             <a:miter lim="800000"/>
             <a:headEnd/>
@@ -3347,42 +3368,16 @@
           </a:ln>
         </p:spPr>
       </p:pic>
-      <p:pic>
-        <p:nvPicPr>
-          <p:cNvPr id="5122" name="Picture 2" descr="C:\Users\me\AppData\Local\Microsoft\Windows\Temporary Internet Files\Content.IE5\PUXV0NF7\MC900433959[1].png"/>
-          <p:cNvPicPr>
-            <a:picLocks noChangeAspect="1" noChangeArrowheads="1"/>
-          </p:cNvPicPr>
-          <p:nvPr/>
-        </p:nvPicPr>
-        <p:blipFill>
-          <a:blip r:embed="rId3" cstate="print"/>
-          <a:srcRect/>
-          <a:stretch>
-            <a:fillRect/>
-          </a:stretch>
-        </p:blipFill>
-        <p:spPr bwMode="auto">
-          <a:xfrm flipH="1">
-            <a:off x="685800" y="2667000"/>
-            <a:ext cx="1066800" cy="1066800"/>
-          </a:xfrm>
-          <a:prstGeom prst="rect">
-            <a:avLst/>
-          </a:prstGeom>
-          <a:noFill/>
-        </p:spPr>
-      </p:pic>
       <p:cxnSp>
         <p:nvCxnSpPr>
-          <p:cNvPr id="11" name="Straight Arrow Connector 10"/>
+          <p:cNvPr id="5" name="Straight Arrow Connector 4"/>
           <p:cNvCxnSpPr/>
           <p:nvPr/>
         </p:nvCxnSpPr>
         <p:spPr>
-          <a:xfrm>
-            <a:off x="1828800" y="3200400"/>
-            <a:ext cx="685800" cy="0"/>
+          <a:xfrm flipV="1">
+            <a:off x="1066800" y="3581400"/>
+            <a:ext cx="381000" cy="76200"/>
           </a:xfrm>
           <a:prstGeom prst="straightConnector1">
             <a:avLst/>
@@ -3411,14 +3406,14 @@
       </p:cxnSp>
       <p:cxnSp>
         <p:nvCxnSpPr>
-          <p:cNvPr id="15" name="Straight Arrow Connector 14"/>
+          <p:cNvPr id="6" name="Straight Arrow Connector 5"/>
           <p:cNvCxnSpPr/>
           <p:nvPr/>
         </p:nvCxnSpPr>
         <p:spPr>
-          <a:xfrm flipH="1">
-            <a:off x="6172200" y="4191000"/>
-            <a:ext cx="609600" cy="304800"/>
+          <a:xfrm flipV="1">
+            <a:off x="1066800" y="5334000"/>
+            <a:ext cx="381000" cy="76200"/>
           </a:xfrm>
           <a:prstGeom prst="straightConnector1">
             <a:avLst/>
@@ -3447,14 +3442,14 @@
       </p:cxnSp>
       <p:sp>
         <p:nvSpPr>
-          <p:cNvPr id="17" name="TextBox 16"/>
+          <p:cNvPr id="7" name="TextBox 6"/>
           <p:cNvSpPr txBox="1"/>
           <p:nvPr/>
         </p:nvSpPr>
         <p:spPr>
           <a:xfrm>
-            <a:off x="6629400" y="3810000"/>
-            <a:ext cx="2209800" cy="584775"/>
+            <a:off x="0" y="6096000"/>
+            <a:ext cx="9144000" cy="338554"/>
           </a:xfrm>
           <a:prstGeom prst="rect">
             <a:avLst/>
@@ -3469,10 +3464,10 @@
           <a:p>
             <a:pPr algn="ctr"/>
             <a:r>
-              <a:rPr lang="en-US" sz="1600" smtClean="0"/>
-              <a:t>Stick &amp; throttle inputs arrive here </a:t>
-            </a:r>
-            <a:endParaRPr lang="en-US" sz="1600"/>
+              <a:rPr lang="en-US" sz="1600" b="1" smtClean="0"/>
+              <a:t>from Player.cpp</a:t>
+            </a:r>
+            <a:endParaRPr lang="en-US" sz="1600" b="1"/>
           </a:p>
         </p:txBody>
       </p:sp>
@@ -3525,46 +3520,15 @@
           <a:p>
             <a:r>
               <a:rPr lang="en-US" smtClean="0"/>
-              <a:t>Player / DynamicsModel</a:t>
+              <a:t>Input File Example</a:t>
             </a:r>
             <a:endParaRPr lang="en-US"/>
-          </a:p>
-        </p:txBody>
-      </p:sp>
-      <p:sp>
-        <p:nvSpPr>
-          <p:cNvPr id="3" name="Content Placeholder 2"/>
-          <p:cNvSpPr>
-            <a:spLocks noGrp="1"/>
-          </p:cNvSpPr>
-          <p:nvPr>
-            <p:ph idx="1"/>
-          </p:nvPr>
-        </p:nvSpPr>
-        <p:spPr/>
-        <p:txBody>
-          <a:bodyPr>
-            <a:normAutofit/>
-          </a:bodyPr>
-          <a:lstStyle/>
-          <a:p>
-            <a:r>
-              <a:rPr lang="en-US" sz="2400" smtClean="0"/>
-              <a:t>Player may or may not have an attached dynamics model</a:t>
-            </a:r>
-          </a:p>
-          <a:p>
-            <a:r>
-              <a:rPr lang="en-US" sz="2400" smtClean="0"/>
-              <a:t>If attached, then stick and throttle inputs are forwarded to the dynamics model</a:t>
-            </a:r>
-            <a:endParaRPr lang="en-US" sz="2400"/>
           </a:p>
         </p:txBody>
       </p:sp>
       <p:pic>
         <p:nvPicPr>
-          <p:cNvPr id="5" name="Picture 2" descr="C:\Users\me\AppData\Local\Microsoft\Windows\Temporary Internet Files\Content.IE5\PUXV0NF7\MC900433959[1].png"/>
+          <p:cNvPr id="4098" name="Picture 2"/>
           <p:cNvPicPr>
             <a:picLocks noChangeAspect="1" noChangeArrowheads="1"/>
           </p:cNvPicPr>
@@ -3578,71 +3542,9 @@
           </a:stretch>
         </p:blipFill>
         <p:spPr bwMode="auto">
-          <a:xfrm flipH="1">
-            <a:off x="1828800" y="3124200"/>
-            <a:ext cx="609600" cy="609600"/>
-          </a:xfrm>
-          <a:prstGeom prst="rect">
-            <a:avLst/>
-          </a:prstGeom>
-          <a:noFill/>
-        </p:spPr>
-      </p:pic>
-      <p:cxnSp>
-        <p:nvCxnSpPr>
-          <p:cNvPr id="6" name="Straight Arrow Connector 5"/>
-          <p:cNvCxnSpPr/>
-          <p:nvPr/>
-        </p:nvCxnSpPr>
-        <p:spPr>
-          <a:xfrm>
-            <a:off x="2514600" y="3429000"/>
-            <a:ext cx="685800" cy="0"/>
-          </a:xfrm>
-          <a:prstGeom prst="straightConnector1">
-            <a:avLst/>
-          </a:prstGeom>
-          <a:ln w="28575">
-            <a:solidFill>
-              <a:srgbClr val="FF0000"/>
-            </a:solidFill>
-            <a:tailEnd type="arrow"/>
-          </a:ln>
-        </p:spPr>
-        <p:style>
-          <a:lnRef idx="1">
-            <a:schemeClr val="accent1"/>
-          </a:lnRef>
-          <a:fillRef idx="0">
-            <a:schemeClr val="accent1"/>
-          </a:fillRef>
-          <a:effectRef idx="0">
-            <a:schemeClr val="accent1"/>
-          </a:effectRef>
-          <a:fontRef idx="minor">
-            <a:schemeClr val="tx1"/>
-          </a:fontRef>
-        </p:style>
-      </p:cxnSp>
-      <p:pic>
-        <p:nvPicPr>
-          <p:cNvPr id="6148" name="Picture 4"/>
-          <p:cNvPicPr>
-            <a:picLocks noChangeAspect="1" noChangeArrowheads="1"/>
-          </p:cNvPicPr>
-          <p:nvPr/>
-        </p:nvPicPr>
-        <p:blipFill>
-          <a:blip r:embed="rId3" cstate="print"/>
-          <a:srcRect/>
-          <a:stretch>
-            <a:fillRect/>
-          </a:stretch>
-        </p:blipFill>
-        <p:spPr bwMode="auto">
-          <a:xfrm>
-            <a:off x="3352800" y="3200400"/>
-            <a:ext cx="3657600" cy="2295525"/>
+          <a:xfrm>
+            <a:off x="1219200" y="1371600"/>
+            <a:ext cx="6334125" cy="5114925"/>
           </a:xfrm>
           <a:prstGeom prst="rect">
             <a:avLst/>
@@ -3656,42 +3558,53 @@
           </a:ln>
         </p:spPr>
       </p:pic>
-      <p:cxnSp>
-        <p:nvCxnSpPr>
-          <p:cNvPr id="11" name="Straight Arrow Connector 10"/>
-          <p:cNvCxnSpPr/>
+      <p:sp>
+        <p:nvSpPr>
+          <p:cNvPr id="7" name="Rounded Rectangle 6"/>
+          <p:cNvSpPr/>
           <p:nvPr/>
-        </p:nvCxnSpPr>
-        <p:spPr>
-          <a:xfrm>
-            <a:off x="4038600" y="3886200"/>
-            <a:ext cx="685800" cy="990600"/>
-          </a:xfrm>
-          <a:prstGeom prst="straightConnector1">
-            <a:avLst/>
-          </a:prstGeom>
-          <a:ln w="28575">
+        </p:nvSpPr>
+        <p:spPr>
+          <a:xfrm>
+            <a:off x="1828800" y="5638800"/>
+            <a:ext cx="2895600" cy="914400"/>
+          </a:xfrm>
+          <a:prstGeom prst="roundRect">
+            <a:avLst/>
+          </a:prstGeom>
+          <a:noFill/>
+          <a:ln>
             <a:solidFill>
               <a:srgbClr val="FF0000"/>
             </a:solidFill>
-            <a:tailEnd type="arrow"/>
+            <a:prstDash val="sysDash"/>
           </a:ln>
         </p:spPr>
         <p:style>
-          <a:lnRef idx="1">
-            <a:schemeClr val="accent1"/>
+          <a:lnRef idx="2">
+            <a:schemeClr val="accent1">
+              <a:shade val="50000"/>
+            </a:schemeClr>
           </a:lnRef>
-          <a:fillRef idx="0">
+          <a:fillRef idx="1">
             <a:schemeClr val="accent1"/>
           </a:fillRef>
           <a:effectRef idx="0">
             <a:schemeClr val="accent1"/>
           </a:effectRef>
           <a:fontRef idx="minor">
-            <a:schemeClr val="tx1"/>
+            <a:schemeClr val="lt1"/>
           </a:fontRef>
         </p:style>
-      </p:cxnSp>
+        <p:txBody>
+          <a:bodyPr rtlCol="0" anchor="ctr"/>
+          <a:lstStyle/>
+          <a:p>
+            <a:pPr algn="ctr"/>
+            <a:endParaRPr lang="en-US"/>
+          </a:p>
+        </p:txBody>
+      </p:sp>
     </p:spTree>
   </p:cSld>
   <p:clrMapOvr>
@@ -3726,108 +3639,188 @@
       </p:grpSpPr>
       <p:sp>
         <p:nvSpPr>
-          <p:cNvPr id="3" name="Title 3"/>
-          <p:cNvSpPr txBox="1">
-            <a:spLocks/>
-          </p:cNvSpPr>
-          <p:nvPr/>
-        </p:nvSpPr>
-        <p:spPr>
-          <a:xfrm>
-            <a:off x="0" y="2514600"/>
-            <a:ext cx="9144000" cy="1219200"/>
-          </a:xfrm>
-          <a:prstGeom prst="rect">
-            <a:avLst/>
-          </a:prstGeom>
-        </p:spPr>
-        <p:txBody>
-          <a:bodyPr vert="horz" lIns="91440" tIns="45720" rIns="91440" bIns="45720" rtlCol="0" anchor="ctr">
-            <a:normAutofit/>
-          </a:bodyPr>
-          <a:lstStyle/>
-          <a:p>
-            <a:pPr marL="0" marR="0" lvl="0" indent="0" algn="ctr" defTabSz="914400" rtl="0" eaLnBrk="1" fontAlgn="auto" latinLnBrk="0" hangingPunct="1">
-              <a:lnSpc>
-                <a:spcPct val="100000"/>
-              </a:lnSpc>
-              <a:spcBef>
-                <a:spcPct val="0"/>
-              </a:spcBef>
-              <a:spcAft>
-                <a:spcPts val="0"/>
-              </a:spcAft>
-              <a:buClrTx/>
-              <a:buSzTx/>
-              <a:buFontTx/>
-              <a:buNone/>
-              <a:tabLst/>
+          <p:cNvPr id="26626" name="Rectangle 2"/>
+          <p:cNvSpPr>
+            <a:spLocks noGrp="1" noRot="1" noChangeArrowheads="1"/>
+          </p:cNvSpPr>
+          <p:nvPr>
+            <p:ph type="title"/>
+          </p:nvPr>
+        </p:nvSpPr>
+        <p:spPr/>
+        <p:txBody>
+          <a:bodyPr/>
+          <a:lstStyle/>
+          <a:p>
+            <a:pPr eaLnBrk="1" hangingPunct="1">
               <a:defRPr/>
             </a:pPr>
             <a:r>
-              <a:rPr kumimoji="0" lang="en-US" sz="4000" b="0" i="0" u="none" strike="noStrike" kern="1200" cap="none" spc="0" normalizeH="0" baseline="0" noProof="0" smtClean="0">
-                <a:ln>
-                  <a:noFill/>
-                </a:ln>
-                <a:solidFill>
-                  <a:schemeClr val="tx1"/>
-                </a:solidFill>
-                <a:effectLst/>
-                <a:uLnTx/>
-                <a:uFillTx/>
-                <a:latin typeface="+mj-lt"/>
-                <a:ea typeface="+mj-ea"/>
-                <a:cs typeface="+mj-cs"/>
-              </a:rPr>
-              <a:t>DynamicsModel “Auto Pilot”</a:t>
-            </a:r>
-            <a:br>
-              <a:rPr kumimoji="0" lang="en-US" sz="4000" b="0" i="0" u="none" strike="noStrike" kern="1200" cap="none" spc="0" normalizeH="0" baseline="0" noProof="0" smtClean="0">
-                <a:ln>
-                  <a:noFill/>
-                </a:ln>
-                <a:solidFill>
-                  <a:schemeClr val="tx1"/>
-                </a:solidFill>
-                <a:effectLst/>
-                <a:uLnTx/>
-                <a:uFillTx/>
-                <a:latin typeface="+mj-lt"/>
-                <a:ea typeface="+mj-ea"/>
-                <a:cs typeface="+mj-cs"/>
-              </a:rPr>
-            </a:br>
-            <a:r>
-              <a:rPr kumimoji="0" lang="en-US" sz="2000" b="0" i="0" u="none" strike="noStrike" kern="1200" cap="none" spc="0" normalizeH="0" baseline="0" noProof="0" smtClean="0">
-                <a:ln>
-                  <a:noFill/>
-                </a:ln>
-                <a:solidFill>
-                  <a:schemeClr val="tx1"/>
-                </a:solidFill>
-                <a:effectLst/>
-                <a:uLnTx/>
-                <a:uFillTx/>
-                <a:latin typeface="+mj-lt"/>
-                <a:ea typeface="+mj-ea"/>
-                <a:cs typeface="+mj-cs"/>
-              </a:rPr>
-              <a:t>(assumes a DynamicModel that includes an autopilot)</a:t>
-            </a:r>
-            <a:endParaRPr kumimoji="0" lang="en-US" sz="4000" b="0" i="0" u="none" strike="noStrike" kern="1200" cap="none" spc="0" normalizeH="0" baseline="0" noProof="0">
-              <a:ln>
-                <a:noFill/>
-              </a:ln>
-              <a:solidFill>
-                <a:schemeClr val="tx1"/>
-              </a:solidFill>
-              <a:effectLst/>
-              <a:uLnTx/>
-              <a:uFillTx/>
-              <a:latin typeface="+mj-lt"/>
-              <a:ea typeface="+mj-ea"/>
-              <a:cs typeface="+mj-cs"/>
-            </a:endParaRPr>
+              <a:rPr lang="en-US" smtClean="0"/>
+              <a:t>Human Input to Player</a:t>
+            </a:r>
+            <a:endParaRPr lang="en-US" dirty="0" smtClean="0"/>
+          </a:p>
+        </p:txBody>
+      </p:sp>
+      <p:pic>
+        <p:nvPicPr>
+          <p:cNvPr id="43011" name="Picture 6"/>
+          <p:cNvPicPr>
+            <a:picLocks noChangeAspect="1" noChangeArrowheads="1"/>
+          </p:cNvPicPr>
+          <p:nvPr/>
+        </p:nvPicPr>
+        <p:blipFill>
+          <a:blip r:embed="rId2" cstate="print"/>
+          <a:srcRect/>
+          <a:stretch>
+            <a:fillRect/>
+          </a:stretch>
+        </p:blipFill>
+        <p:spPr bwMode="auto">
+          <a:xfrm>
+            <a:off x="2590800" y="1524000"/>
+            <a:ext cx="3988317" cy="3870087"/>
+          </a:xfrm>
+          <a:prstGeom prst="rect">
+            <a:avLst/>
+          </a:prstGeom>
+          <a:noFill/>
+          <a:ln w="25400">
+            <a:noFill/>
+            <a:miter lim="800000"/>
+            <a:headEnd/>
+            <a:tailEnd/>
+          </a:ln>
+        </p:spPr>
+      </p:pic>
+      <p:pic>
+        <p:nvPicPr>
+          <p:cNvPr id="5122" name="Picture 2" descr="C:\Users\me\AppData\Local\Microsoft\Windows\Temporary Internet Files\Content.IE5\PUXV0NF7\MC900433959[1].png"/>
+          <p:cNvPicPr>
+            <a:picLocks noChangeAspect="1" noChangeArrowheads="1"/>
+          </p:cNvPicPr>
+          <p:nvPr/>
+        </p:nvPicPr>
+        <p:blipFill>
+          <a:blip r:embed="rId3" cstate="print"/>
+          <a:srcRect/>
+          <a:stretch>
+            <a:fillRect/>
+          </a:stretch>
+        </p:blipFill>
+        <p:spPr bwMode="auto">
+          <a:xfrm flipH="1">
+            <a:off x="685800" y="2667000"/>
+            <a:ext cx="1066800" cy="1066800"/>
+          </a:xfrm>
+          <a:prstGeom prst="rect">
+            <a:avLst/>
+          </a:prstGeom>
+          <a:noFill/>
+        </p:spPr>
+      </p:pic>
+      <p:cxnSp>
+        <p:nvCxnSpPr>
+          <p:cNvPr id="11" name="Straight Arrow Connector 10"/>
+          <p:cNvCxnSpPr/>
+          <p:nvPr/>
+        </p:nvCxnSpPr>
+        <p:spPr>
+          <a:xfrm>
+            <a:off x="1828800" y="3200400"/>
+            <a:ext cx="685800" cy="0"/>
+          </a:xfrm>
+          <a:prstGeom prst="straightConnector1">
+            <a:avLst/>
+          </a:prstGeom>
+          <a:ln w="28575">
+            <a:solidFill>
+              <a:srgbClr val="FF0000"/>
+            </a:solidFill>
+            <a:tailEnd type="arrow"/>
+          </a:ln>
+        </p:spPr>
+        <p:style>
+          <a:lnRef idx="1">
+            <a:schemeClr val="accent1"/>
+          </a:lnRef>
+          <a:fillRef idx="0">
+            <a:schemeClr val="accent1"/>
+          </a:fillRef>
+          <a:effectRef idx="0">
+            <a:schemeClr val="accent1"/>
+          </a:effectRef>
+          <a:fontRef idx="minor">
+            <a:schemeClr val="tx1"/>
+          </a:fontRef>
+        </p:style>
+      </p:cxnSp>
+      <p:cxnSp>
+        <p:nvCxnSpPr>
+          <p:cNvPr id="15" name="Straight Arrow Connector 14"/>
+          <p:cNvCxnSpPr/>
+          <p:nvPr/>
+        </p:nvCxnSpPr>
+        <p:spPr>
+          <a:xfrm flipH="1">
+            <a:off x="6172200" y="4191000"/>
+            <a:ext cx="609600" cy="304800"/>
+          </a:xfrm>
+          <a:prstGeom prst="straightConnector1">
+            <a:avLst/>
+          </a:prstGeom>
+          <a:ln w="28575">
+            <a:solidFill>
+              <a:srgbClr val="FF0000"/>
+            </a:solidFill>
+            <a:tailEnd type="arrow"/>
+          </a:ln>
+        </p:spPr>
+        <p:style>
+          <a:lnRef idx="1">
+            <a:schemeClr val="accent1"/>
+          </a:lnRef>
+          <a:fillRef idx="0">
+            <a:schemeClr val="accent1"/>
+          </a:fillRef>
+          <a:effectRef idx="0">
+            <a:schemeClr val="accent1"/>
+          </a:effectRef>
+          <a:fontRef idx="minor">
+            <a:schemeClr val="tx1"/>
+          </a:fontRef>
+        </p:style>
+      </p:cxnSp>
+      <p:sp>
+        <p:nvSpPr>
+          <p:cNvPr id="17" name="TextBox 16"/>
+          <p:cNvSpPr txBox="1"/>
+          <p:nvPr/>
+        </p:nvSpPr>
+        <p:spPr>
+          <a:xfrm>
+            <a:off x="6629400" y="3810000"/>
+            <a:ext cx="2209800" cy="584775"/>
+          </a:xfrm>
+          <a:prstGeom prst="rect">
+            <a:avLst/>
+          </a:prstGeom>
+          <a:noFill/>
+        </p:spPr>
+        <p:txBody>
+          <a:bodyPr wrap="square" rtlCol="0">
+            <a:spAutoFit/>
+          </a:bodyPr>
+          <a:lstStyle/>
+          <a:p>
+            <a:pPr algn="ctr"/>
+            <a:r>
+              <a:rPr lang="en-US" sz="1600" smtClean="0"/>
+              <a:t>Stick &amp; throttle inputs arrive here </a:t>
+            </a:r>
+            <a:endParaRPr lang="en-US" sz="1600"/>
           </a:p>
         </p:txBody>
       </p:sp>
@@ -3875,88 +3868,71 @@
         </p:nvSpPr>
         <p:spPr/>
         <p:txBody>
+          <a:bodyPr/>
+          <a:lstStyle/>
+          <a:p>
+            <a:r>
+              <a:rPr lang="en-US" smtClean="0"/>
+              <a:t>Player </a:t>
+            </a:r>
+            <a:r>
+              <a:rPr lang="en-US" smtClean="0"/>
+              <a:t>w/DynamicsModel</a:t>
+            </a:r>
+            <a:endParaRPr lang="en-US"/>
+          </a:p>
+        </p:txBody>
+      </p:sp>
+      <p:sp>
+        <p:nvSpPr>
+          <p:cNvPr id="3" name="Content Placeholder 2"/>
+          <p:cNvSpPr>
+            <a:spLocks noGrp="1"/>
+          </p:cNvSpPr>
+          <p:nvPr>
+            <p:ph idx="1"/>
+          </p:nvPr>
+        </p:nvSpPr>
+        <p:spPr>
+          <a:xfrm>
+            <a:off x="457200" y="1447801"/>
+            <a:ext cx="8229600" cy="1295399"/>
+          </a:xfrm>
+        </p:spPr>
+        <p:txBody>
           <a:bodyPr>
             <a:normAutofit/>
           </a:bodyPr>
           <a:lstStyle/>
           <a:p>
             <a:r>
-              <a:rPr lang="en-US" sz="4000" smtClean="0"/>
-              <a:t>Player Top-Level System Models</a:t>
-            </a:r>
-            <a:endParaRPr lang="en-US" sz="4000"/>
-          </a:p>
-        </p:txBody>
-      </p:sp>
-      <p:sp>
-        <p:nvSpPr>
-          <p:cNvPr id="10" name="Content Placeholder 2"/>
-          <p:cNvSpPr>
-            <a:spLocks noGrp="1"/>
-          </p:cNvSpPr>
-          <p:nvPr>
-            <p:ph idx="1"/>
-          </p:nvPr>
-        </p:nvSpPr>
-        <p:spPr/>
-        <p:txBody>
-          <a:bodyPr>
-            <a:normAutofit/>
-          </a:bodyPr>
-          <a:lstStyle/>
-          <a:p>
-            <a:r>
-              <a:rPr lang="en-US" sz="2400" smtClean="0"/>
-              <a:t>Container of sub-systems</a:t>
-            </a:r>
-          </a:p>
-          <a:p>
-            <a:r>
-              <a:rPr lang="en-US" sz="2400" i="1" u="sng" smtClean="0"/>
-              <a:t>General purpose interface</a:t>
-            </a:r>
-            <a:r>
-              <a:rPr lang="en-US" sz="2400" smtClean="0"/>
-              <a:t> to those sub-systems</a:t>
-            </a:r>
-            <a:endParaRPr lang="en-US" sz="2400"/>
-          </a:p>
-        </p:txBody>
-      </p:sp>
-      <p:sp>
-        <p:nvSpPr>
-          <p:cNvPr id="11" name="TextBox 10"/>
-          <p:cNvSpPr txBox="1"/>
-          <p:nvPr/>
-        </p:nvSpPr>
-        <p:spPr>
-          <a:xfrm>
-            <a:off x="0" y="5638800"/>
-            <a:ext cx="9144000" cy="338554"/>
-          </a:xfrm>
-          <a:prstGeom prst="rect">
-            <a:avLst/>
-          </a:prstGeom>
-          <a:noFill/>
-        </p:spPr>
-        <p:txBody>
-          <a:bodyPr wrap="square" rtlCol="0">
-            <a:spAutoFit/>
-          </a:bodyPr>
-          <a:lstStyle/>
-          <a:p>
-            <a:pPr algn="ctr"/>
-            <a:r>
-              <a:rPr lang="en-US" sz="1600" b="1" smtClean="0"/>
-              <a:t>from Player.h</a:t>
-            </a:r>
-            <a:endParaRPr lang="en-US" sz="1600" b="1"/>
+              <a:rPr lang="en-US" sz="2000" smtClean="0"/>
+              <a:t>Player may or may not have an attached dynamics model</a:t>
+            </a:r>
+          </a:p>
+          <a:p>
+            <a:r>
+              <a:rPr lang="en-US" sz="2000" smtClean="0"/>
+              <a:t>If </a:t>
+            </a:r>
+            <a:r>
+              <a:rPr lang="en-US" sz="2000" smtClean="0"/>
+              <a:t>attached, </a:t>
+            </a:r>
+            <a:r>
+              <a:rPr lang="en-US" sz="2000" smtClean="0"/>
+              <a:t>then stick and throttle inputs are forwarded to the dynamics </a:t>
+            </a:r>
+            <a:r>
+              <a:rPr lang="en-US" sz="2000" smtClean="0"/>
+              <a:t>model</a:t>
+            </a:r>
           </a:p>
         </p:txBody>
       </p:sp>
       <p:pic>
         <p:nvPicPr>
-          <p:cNvPr id="1027" name="Picture 3"/>
+          <p:cNvPr id="5" name="Picture 2" descr="C:\Users\me\AppData\Local\Microsoft\Windows\Temporary Internet Files\Content.IE5\PUXV0NF7\MC900433959[1].png"/>
           <p:cNvPicPr>
             <a:picLocks noChangeAspect="1" noChangeArrowheads="1"/>
           </p:cNvPicPr>
@@ -3970,32 +3946,26 @@
           </a:stretch>
         </p:blipFill>
         <p:spPr bwMode="auto">
-          <a:xfrm>
-            <a:off x="1447800" y="2819400"/>
-            <a:ext cx="6257925" cy="2609850"/>
+          <a:xfrm flipH="1">
+            <a:off x="1828800" y="2971800"/>
+            <a:ext cx="609600" cy="609600"/>
           </a:xfrm>
           <a:prstGeom prst="rect">
             <a:avLst/>
           </a:prstGeom>
           <a:noFill/>
-          <a:ln w="9525">
-            <a:noFill/>
-            <a:miter lim="800000"/>
-            <a:headEnd/>
-            <a:tailEnd/>
-          </a:ln>
         </p:spPr>
       </p:pic>
       <p:cxnSp>
         <p:nvCxnSpPr>
-          <p:cNvPr id="16" name="Straight Arrow Connector 15"/>
+          <p:cNvPr id="6" name="Straight Arrow Connector 5"/>
           <p:cNvCxnSpPr/>
           <p:nvPr/>
         </p:nvCxnSpPr>
         <p:spPr>
-          <a:xfrm flipV="1">
-            <a:off x="1223682" y="3550024"/>
-            <a:ext cx="381000" cy="76200"/>
+          <a:xfrm>
+            <a:off x="2514600" y="3276600"/>
+            <a:ext cx="685800" cy="0"/>
           </a:xfrm>
           <a:prstGeom prst="straightConnector1">
             <a:avLst/>
@@ -4022,37 +3992,74 @@
           </a:fontRef>
         </p:style>
       </p:cxnSp>
-      <p:sp>
-        <p:nvSpPr>
-          <p:cNvPr id="7" name="TextBox 6"/>
-          <p:cNvSpPr txBox="1"/>
+      <p:pic>
+        <p:nvPicPr>
+          <p:cNvPr id="6148" name="Picture 4"/>
+          <p:cNvPicPr>
+            <a:picLocks noChangeAspect="1" noChangeArrowheads="1"/>
+          </p:cNvPicPr>
           <p:nvPr/>
-        </p:nvSpPr>
-        <p:spPr>
-          <a:xfrm>
-            <a:off x="152400" y="3429000"/>
-            <a:ext cx="1143000" cy="830997"/>
+        </p:nvPicPr>
+        <p:blipFill>
+          <a:blip r:embed="rId3" cstate="print"/>
+          <a:srcRect/>
+          <a:stretch>
+            <a:fillRect/>
+          </a:stretch>
+        </p:blipFill>
+        <p:spPr bwMode="auto">
+          <a:xfrm>
+            <a:off x="3352800" y="3048000"/>
+            <a:ext cx="3657600" cy="2295525"/>
           </a:xfrm>
           <a:prstGeom prst="rect">
             <a:avLst/>
           </a:prstGeom>
           <a:noFill/>
-        </p:spPr>
-        <p:txBody>
-          <a:bodyPr wrap="square" rtlCol="0">
-            <a:spAutoFit/>
-          </a:bodyPr>
-          <a:lstStyle/>
-          <a:p>
-            <a:pPr algn="ctr"/>
-            <a:r>
-              <a:rPr lang="en-US" sz="1600" smtClean="0"/>
-              <a:t>Must contain an auto pilot</a:t>
-            </a:r>
-            <a:endParaRPr lang="en-US" sz="1600"/>
-          </a:p>
-        </p:txBody>
-      </p:sp>
+          <a:ln w="9525">
+            <a:noFill/>
+            <a:miter lim="800000"/>
+            <a:headEnd/>
+            <a:tailEnd/>
+          </a:ln>
+        </p:spPr>
+      </p:pic>
+      <p:cxnSp>
+        <p:nvCxnSpPr>
+          <p:cNvPr id="11" name="Straight Arrow Connector 10"/>
+          <p:cNvCxnSpPr/>
+          <p:nvPr/>
+        </p:nvCxnSpPr>
+        <p:spPr>
+          <a:xfrm>
+            <a:off x="4038600" y="3733800"/>
+            <a:ext cx="685800" cy="990600"/>
+          </a:xfrm>
+          <a:prstGeom prst="straightConnector1">
+            <a:avLst/>
+          </a:prstGeom>
+          <a:ln w="28575">
+            <a:solidFill>
+              <a:srgbClr val="FF0000"/>
+            </a:solidFill>
+            <a:tailEnd type="arrow"/>
+          </a:ln>
+        </p:spPr>
+        <p:style>
+          <a:lnRef idx="1">
+            <a:schemeClr val="accent1"/>
+          </a:lnRef>
+          <a:fillRef idx="0">
+            <a:schemeClr val="accent1"/>
+          </a:fillRef>
+          <a:effectRef idx="0">
+            <a:schemeClr val="accent1"/>
+          </a:effectRef>
+          <a:fontRef idx="minor">
+            <a:schemeClr val="tx1"/>
+          </a:fontRef>
+        </p:style>
+      </p:cxnSp>
     </p:spTree>
   </p:cSld>
   <p:clrMapOvr>
@@ -4102,7 +4109,7 @@
           <a:p>
             <a:r>
               <a:rPr lang="en-US" smtClean="0"/>
-              <a:t>DynamicsModel “Auto Pilot”</a:t>
+              <a:t>Subclassed Player</a:t>
             </a:r>
             <a:endParaRPr lang="en-US"/>
           </a:p>
@@ -4118,53 +4125,29 @@
             <p:ph idx="1"/>
           </p:nvPr>
         </p:nvSpPr>
-        <p:spPr/>
-        <p:txBody>
-          <a:bodyPr/>
-          <a:lstStyle/>
-          <a:p>
-            <a:r>
-              <a:rPr lang="en-US" smtClean="0"/>
-              <a:t>Player interface to DynamicsModel “auto pilot” is driven by “commands”</a:t>
-            </a:r>
-            <a:endParaRPr lang="en-US"/>
-          </a:p>
-        </p:txBody>
-      </p:sp>
-      <p:sp>
-        <p:nvSpPr>
-          <p:cNvPr id="4" name="TextBox 3"/>
-          <p:cNvSpPr txBox="1"/>
-          <p:nvPr/>
-        </p:nvSpPr>
-        <p:spPr>
-          <a:xfrm>
-            <a:off x="0" y="4876800"/>
-            <a:ext cx="9144000" cy="338554"/>
-          </a:xfrm>
-          <a:prstGeom prst="rect">
-            <a:avLst/>
-          </a:prstGeom>
-          <a:noFill/>
-        </p:spPr>
-        <p:txBody>
-          <a:bodyPr wrap="square" rtlCol="0">
-            <a:spAutoFit/>
+        <p:spPr>
+          <a:xfrm>
+            <a:off x="457200" y="1447801"/>
+            <a:ext cx="8229600" cy="838199"/>
+          </a:xfrm>
+        </p:spPr>
+        <p:txBody>
+          <a:bodyPr>
+            <a:normAutofit/>
           </a:bodyPr>
           <a:lstStyle/>
           <a:p>
-            <a:pPr algn="ctr"/>
-            <a:r>
-              <a:rPr lang="en-US" sz="1600" b="1" smtClean="0"/>
-              <a:t>from Player.h</a:t>
-            </a:r>
-            <a:endParaRPr lang="en-US" sz="1600" b="1"/>
+            <a:r>
+              <a:rPr lang="en-US" sz="2000" smtClean="0"/>
+              <a:t>Stick and throttle functionality implemented in subclass</a:t>
+            </a:r>
+            <a:endParaRPr lang="en-US" sz="2000"/>
           </a:p>
         </p:txBody>
       </p:sp>
       <p:pic>
         <p:nvPicPr>
-          <p:cNvPr id="7171" name="Picture 3"/>
+          <p:cNvPr id="5" name="Picture 2" descr="C:\Users\me\AppData\Local\Microsoft\Windows\Temporary Internet Files\Content.IE5\PUXV0NF7\MC900433959[1].png"/>
           <p:cNvPicPr>
             <a:picLocks noChangeAspect="1" noChangeArrowheads="1"/>
           </p:cNvPicPr>
@@ -4178,9 +4161,107 @@
           </a:stretch>
         </p:blipFill>
         <p:spPr bwMode="auto">
-          <a:xfrm>
-            <a:off x="152400" y="2743200"/>
-            <a:ext cx="8753475" cy="1933575"/>
+          <a:xfrm flipH="1">
+            <a:off x="2514600" y="2819400"/>
+            <a:ext cx="609600" cy="609600"/>
+          </a:xfrm>
+          <a:prstGeom prst="rect">
+            <a:avLst/>
+          </a:prstGeom>
+          <a:noFill/>
+        </p:spPr>
+      </p:pic>
+      <p:cxnSp>
+        <p:nvCxnSpPr>
+          <p:cNvPr id="6" name="Straight Arrow Connector 5"/>
+          <p:cNvCxnSpPr/>
+          <p:nvPr/>
+        </p:nvCxnSpPr>
+        <p:spPr>
+          <a:xfrm>
+            <a:off x="3200400" y="3124200"/>
+            <a:ext cx="685800" cy="0"/>
+          </a:xfrm>
+          <a:prstGeom prst="straightConnector1">
+            <a:avLst/>
+          </a:prstGeom>
+          <a:ln w="28575">
+            <a:solidFill>
+              <a:srgbClr val="FF0000"/>
+            </a:solidFill>
+            <a:tailEnd type="arrow"/>
+          </a:ln>
+        </p:spPr>
+        <p:style>
+          <a:lnRef idx="1">
+            <a:schemeClr val="accent1"/>
+          </a:lnRef>
+          <a:fillRef idx="0">
+            <a:schemeClr val="accent1"/>
+          </a:fillRef>
+          <a:effectRef idx="0">
+            <a:schemeClr val="accent1"/>
+          </a:effectRef>
+          <a:fontRef idx="minor">
+            <a:schemeClr val="tx1"/>
+          </a:fontRef>
+        </p:style>
+      </p:cxnSp>
+      <p:cxnSp>
+        <p:nvCxnSpPr>
+          <p:cNvPr id="11" name="Straight Arrow Connector 10"/>
+          <p:cNvCxnSpPr/>
+          <p:nvPr/>
+        </p:nvCxnSpPr>
+        <p:spPr>
+          <a:xfrm>
+            <a:off x="5410200" y="3200400"/>
+            <a:ext cx="0" cy="990600"/>
+          </a:xfrm>
+          <a:prstGeom prst="straightConnector1">
+            <a:avLst/>
+          </a:prstGeom>
+          <a:ln w="28575">
+            <a:solidFill>
+              <a:srgbClr val="FF0000"/>
+            </a:solidFill>
+            <a:tailEnd type="arrow"/>
+          </a:ln>
+        </p:spPr>
+        <p:style>
+          <a:lnRef idx="1">
+            <a:schemeClr val="accent1"/>
+          </a:lnRef>
+          <a:fillRef idx="0">
+            <a:schemeClr val="accent1"/>
+          </a:fillRef>
+          <a:effectRef idx="0">
+            <a:schemeClr val="accent1"/>
+          </a:effectRef>
+          <a:fontRef idx="minor">
+            <a:schemeClr val="tx1"/>
+          </a:fontRef>
+        </p:style>
+      </p:cxnSp>
+      <p:pic>
+        <p:nvPicPr>
+          <p:cNvPr id="4098" name="Picture 2"/>
+          <p:cNvPicPr>
+            <a:picLocks noChangeAspect="1" noChangeArrowheads="1"/>
+          </p:cNvPicPr>
+          <p:nvPr/>
+        </p:nvPicPr>
+        <p:blipFill>
+          <a:blip r:embed="rId3" cstate="print"/>
+          <a:srcRect/>
+          <a:stretch>
+            <a:fillRect/>
+          </a:stretch>
+        </p:blipFill>
+        <p:spPr bwMode="auto">
+          <a:xfrm>
+            <a:off x="4038600" y="2819400"/>
+            <a:ext cx="1219200" cy="1695796"/>
           </a:xfrm>
           <a:prstGeom prst="rect">
             <a:avLst/>
@@ -4228,162 +4309,162 @@
       </p:grpSpPr>
       <p:sp>
         <p:nvSpPr>
-          <p:cNvPr id="2" name="Title 1"/>
-          <p:cNvSpPr>
-            <a:spLocks noGrp="1"/>
-          </p:cNvSpPr>
-          <p:nvPr>
-            <p:ph type="title"/>
-          </p:nvPr>
-        </p:nvSpPr>
-        <p:spPr/>
-        <p:txBody>
-          <a:bodyPr/>
-          <a:lstStyle/>
-          <a:p>
-            <a:r>
-              <a:rPr lang="en-US" smtClean="0"/>
-              <a:t>DynamicsModel “Auto Pilot”</a:t>
-            </a:r>
-            <a:endParaRPr lang="en-US"/>
-          </a:p>
-        </p:txBody>
-      </p:sp>
-      <p:pic>
-        <p:nvPicPr>
-          <p:cNvPr id="8194" name="Picture 2"/>
-          <p:cNvPicPr>
-            <a:picLocks noChangeAspect="1" noChangeArrowheads="1"/>
-          </p:cNvPicPr>
+          <p:cNvPr id="3" name="Title 3"/>
+          <p:cNvSpPr txBox="1">
+            <a:spLocks/>
+          </p:cNvSpPr>
           <p:nvPr/>
-        </p:nvPicPr>
-        <p:blipFill>
-          <a:blip r:embed="rId2" cstate="print"/>
-          <a:srcRect/>
-          <a:stretch>
-            <a:fillRect/>
-          </a:stretch>
-        </p:blipFill>
-        <p:spPr bwMode="auto">
-          <a:xfrm>
-            <a:off x="2057400" y="1447800"/>
-            <a:ext cx="4514850" cy="4724400"/>
+        </p:nvSpPr>
+        <p:spPr>
+          <a:xfrm>
+            <a:off x="0" y="2514600"/>
+            <a:ext cx="9144000" cy="1219200"/>
           </a:xfrm>
           <a:prstGeom prst="rect">
             <a:avLst/>
           </a:prstGeom>
-          <a:noFill/>
-          <a:ln w="9525">
-            <a:noFill/>
-            <a:miter lim="800000"/>
-            <a:headEnd/>
-            <a:tailEnd/>
-          </a:ln>
-        </p:spPr>
-      </p:pic>
-      <p:sp>
-        <p:nvSpPr>
-          <p:cNvPr id="5" name="TextBox 4"/>
-          <p:cNvSpPr txBox="1"/>
-          <p:nvPr/>
-        </p:nvSpPr>
-        <p:spPr>
-          <a:xfrm>
-            <a:off x="0" y="6248400"/>
-            <a:ext cx="9144000" cy="338554"/>
-          </a:xfrm>
-          <a:prstGeom prst="rect">
-            <a:avLst/>
-          </a:prstGeom>
-          <a:noFill/>
-        </p:spPr>
-        <p:txBody>
-          <a:bodyPr wrap="square" rtlCol="0">
-            <a:spAutoFit/>
+        </p:spPr>
+        <p:txBody>
+          <a:bodyPr vert="horz" lIns="91440" tIns="45720" rIns="91440" bIns="45720" rtlCol="0" anchor="ctr">
+            <a:normAutofit/>
           </a:bodyPr>
           <a:lstStyle/>
           <a:p>
-            <a:pPr algn="ctr"/>
-            <a:r>
-              <a:rPr lang="en-US" sz="1600" b="1" smtClean="0"/>
-              <a:t>from Player.cpp</a:t>
-            </a:r>
-            <a:endParaRPr lang="en-US" sz="1600" b="1"/>
-          </a:p>
-        </p:txBody>
-      </p:sp>
-      <p:cxnSp>
-        <p:nvCxnSpPr>
-          <p:cNvPr id="6" name="Straight Arrow Connector 5"/>
-          <p:cNvCxnSpPr/>
-          <p:nvPr/>
-        </p:nvCxnSpPr>
-        <p:spPr>
-          <a:xfrm flipV="1">
-            <a:off x="1828800" y="2057400"/>
-            <a:ext cx="381000" cy="76200"/>
-          </a:xfrm>
-          <a:prstGeom prst="straightConnector1">
-            <a:avLst/>
-          </a:prstGeom>
-          <a:ln w="28575">
-            <a:solidFill>
-              <a:srgbClr val="FF0000"/>
-            </a:solidFill>
-            <a:tailEnd type="arrow"/>
-          </a:ln>
-        </p:spPr>
-        <p:style>
-          <a:lnRef idx="1">
-            <a:schemeClr val="accent1"/>
-          </a:lnRef>
-          <a:fillRef idx="0">
-            <a:schemeClr val="accent1"/>
-          </a:fillRef>
-          <a:effectRef idx="0">
-            <a:schemeClr val="accent1"/>
-          </a:effectRef>
-          <a:fontRef idx="minor">
-            <a:schemeClr val="tx1"/>
-          </a:fontRef>
-        </p:style>
-      </p:cxnSp>
-      <p:cxnSp>
-        <p:nvCxnSpPr>
-          <p:cNvPr id="7" name="Straight Arrow Connector 6"/>
-          <p:cNvCxnSpPr/>
-          <p:nvPr/>
-        </p:nvCxnSpPr>
-        <p:spPr>
-          <a:xfrm flipV="1">
-            <a:off x="1828800" y="4495800"/>
-            <a:ext cx="381000" cy="76200"/>
-          </a:xfrm>
-          <a:prstGeom prst="straightConnector1">
-            <a:avLst/>
-          </a:prstGeom>
-          <a:ln w="28575">
-            <a:solidFill>
-              <a:srgbClr val="FF0000"/>
-            </a:solidFill>
-            <a:tailEnd type="arrow"/>
-          </a:ln>
-        </p:spPr>
-        <p:style>
-          <a:lnRef idx="1">
-            <a:schemeClr val="accent1"/>
-          </a:lnRef>
-          <a:fillRef idx="0">
-            <a:schemeClr val="accent1"/>
-          </a:fillRef>
-          <a:effectRef idx="0">
-            <a:schemeClr val="accent1"/>
-          </a:effectRef>
-          <a:fontRef idx="minor">
-            <a:schemeClr val="tx1"/>
-          </a:fontRef>
-        </p:style>
-      </p:cxnSp>
+            <a:pPr marL="0" marR="0" lvl="0" indent="0" algn="ctr" defTabSz="914400" rtl="0" eaLnBrk="1" fontAlgn="auto" latinLnBrk="0" hangingPunct="1">
+              <a:lnSpc>
+                <a:spcPct val="100000"/>
+              </a:lnSpc>
+              <a:spcBef>
+                <a:spcPct val="0"/>
+              </a:spcBef>
+              <a:spcAft>
+                <a:spcPts val="0"/>
+              </a:spcAft>
+              <a:buClrTx/>
+              <a:buSzTx/>
+              <a:buFontTx/>
+              <a:buNone/>
+              <a:tabLst/>
+              <a:defRPr/>
+            </a:pPr>
+            <a:r>
+              <a:rPr kumimoji="0" lang="en-US" sz="4000" b="0" i="0" u="none" strike="noStrike" kern="1200" cap="none" spc="0" normalizeH="0" baseline="0" noProof="0" smtClean="0">
+                <a:ln>
+                  <a:noFill/>
+                </a:ln>
+                <a:solidFill>
+                  <a:schemeClr val="tx1"/>
+                </a:solidFill>
+                <a:effectLst/>
+                <a:uLnTx/>
+                <a:uFillTx/>
+                <a:latin typeface="+mj-lt"/>
+                <a:ea typeface="+mj-ea"/>
+                <a:cs typeface="+mj-cs"/>
+              </a:rPr>
+              <a:t>Dynamics Model </a:t>
+            </a:r>
+            <a:r>
+              <a:rPr kumimoji="0" lang="en-US" sz="4000" b="0" i="0" u="none" strike="noStrike" kern="1200" cap="none" spc="0" normalizeH="0" baseline="0" noProof="0" smtClean="0">
+                <a:ln>
+                  <a:noFill/>
+                </a:ln>
+                <a:solidFill>
+                  <a:schemeClr val="tx1"/>
+                </a:solidFill>
+                <a:effectLst/>
+                <a:uLnTx/>
+                <a:uFillTx/>
+                <a:latin typeface="+mj-lt"/>
+                <a:ea typeface="+mj-ea"/>
+                <a:cs typeface="+mj-cs"/>
+              </a:rPr>
+              <a:t>“Auto Pilot”</a:t>
+            </a:r>
+            <a:br>
+              <a:rPr kumimoji="0" lang="en-US" sz="4000" b="0" i="0" u="none" strike="noStrike" kern="1200" cap="none" spc="0" normalizeH="0" baseline="0" noProof="0" smtClean="0">
+                <a:ln>
+                  <a:noFill/>
+                </a:ln>
+                <a:solidFill>
+                  <a:schemeClr val="tx1"/>
+                </a:solidFill>
+                <a:effectLst/>
+                <a:uLnTx/>
+                <a:uFillTx/>
+                <a:latin typeface="+mj-lt"/>
+                <a:ea typeface="+mj-ea"/>
+                <a:cs typeface="+mj-cs"/>
+              </a:rPr>
+            </a:br>
+            <a:r>
+              <a:rPr kumimoji="0" lang="en-US" sz="2000" b="0" i="0" u="none" strike="noStrike" kern="1200" cap="none" spc="0" normalizeH="0" baseline="0" noProof="0" smtClean="0">
+                <a:ln>
+                  <a:noFill/>
+                </a:ln>
+                <a:solidFill>
+                  <a:schemeClr val="tx1"/>
+                </a:solidFill>
+                <a:effectLst/>
+                <a:uLnTx/>
+                <a:uFillTx/>
+                <a:latin typeface="+mj-lt"/>
+                <a:ea typeface="+mj-ea"/>
+                <a:cs typeface="+mj-cs"/>
+              </a:rPr>
+              <a:t>(assumes </a:t>
+            </a:r>
+            <a:r>
+              <a:rPr kumimoji="0" lang="en-US" sz="2000" b="0" i="0" u="none" strike="noStrike" kern="1200" cap="none" spc="0" normalizeH="0" baseline="0" noProof="0" smtClean="0">
+                <a:ln>
+                  <a:noFill/>
+                </a:ln>
+                <a:solidFill>
+                  <a:schemeClr val="tx1"/>
+                </a:solidFill>
+                <a:effectLst/>
+                <a:uLnTx/>
+                <a:uFillTx/>
+                <a:latin typeface="+mj-lt"/>
+                <a:ea typeface="+mj-ea"/>
+                <a:cs typeface="+mj-cs"/>
+              </a:rPr>
+              <a:t>DynamicModel or subclassing </a:t>
+            </a:r>
+            <a:r>
+              <a:rPr kumimoji="0" lang="en-US" sz="2000" b="0" i="0" u="none" strike="noStrike" kern="1200" cap="none" spc="0" normalizeH="0" baseline="0" noProof="0" smtClean="0">
+                <a:ln>
+                  <a:noFill/>
+                </a:ln>
+                <a:solidFill>
+                  <a:schemeClr val="tx1"/>
+                </a:solidFill>
+                <a:effectLst/>
+                <a:uLnTx/>
+                <a:uFillTx/>
+                <a:latin typeface="+mj-lt"/>
+                <a:ea typeface="+mj-ea"/>
+                <a:cs typeface="+mj-cs"/>
+              </a:rPr>
+              <a:t>that includes an autopilot)</a:t>
+            </a:r>
+            <a:endParaRPr kumimoji="0" lang="en-US" sz="4000" b="0" i="0" u="none" strike="noStrike" kern="1200" cap="none" spc="0" normalizeH="0" baseline="0" noProof="0">
+              <a:ln>
+                <a:noFill/>
+              </a:ln>
+              <a:solidFill>
+                <a:schemeClr val="tx1"/>
+              </a:solidFill>
+              <a:effectLst/>
+              <a:uLnTx/>
+              <a:uFillTx/>
+              <a:latin typeface="+mj-lt"/>
+              <a:ea typeface="+mj-ea"/>
+              <a:cs typeface="+mj-cs"/>
+            </a:endParaRPr>
+          </a:p>
+        </p:txBody>
+      </p:sp>
     </p:spTree>
   </p:cSld>
   <p:clrMapOvr>
@@ -4428,55 +4509,91 @@
         </p:nvSpPr>
         <p:spPr/>
         <p:txBody>
-          <a:bodyPr/>
-          <a:lstStyle/>
-          <a:p>
-            <a:r>
-              <a:rPr lang="en-US" smtClean="0"/>
-              <a:t>Player / DynamicsModel</a:t>
-            </a:r>
-            <a:endParaRPr lang="en-US"/>
-          </a:p>
-        </p:txBody>
-      </p:sp>
-      <p:sp>
-        <p:nvSpPr>
-          <p:cNvPr id="3" name="Content Placeholder 2"/>
-          <p:cNvSpPr>
-            <a:spLocks noGrp="1"/>
-          </p:cNvSpPr>
-          <p:nvPr>
-            <p:ph idx="1"/>
-          </p:nvPr>
-        </p:nvSpPr>
-        <p:spPr/>
-        <p:txBody>
           <a:bodyPr>
             <a:normAutofit/>
           </a:bodyPr>
           <a:lstStyle/>
           <a:p>
             <a:r>
+              <a:rPr lang="en-US" smtClean="0"/>
+              <a:t>Composite </a:t>
+            </a:r>
+            <a:r>
+              <a:rPr lang="en-US" smtClean="0"/>
+              <a:t>Structure</a:t>
+            </a:r>
+            <a:endParaRPr lang="en-US" sz="4000"/>
+          </a:p>
+        </p:txBody>
+      </p:sp>
+      <p:sp>
+        <p:nvSpPr>
+          <p:cNvPr id="10" name="Content Placeholder 2"/>
+          <p:cNvSpPr>
+            <a:spLocks noGrp="1"/>
+          </p:cNvSpPr>
+          <p:nvPr>
+            <p:ph idx="1"/>
+          </p:nvPr>
+        </p:nvSpPr>
+        <p:spPr>
+          <a:xfrm>
+            <a:off x="457200" y="1447801"/>
+            <a:ext cx="8229600" cy="685800"/>
+          </a:xfrm>
+        </p:spPr>
+        <p:txBody>
+          <a:bodyPr>
+            <a:normAutofit/>
+          </a:bodyPr>
+          <a:lstStyle/>
+          <a:p>
+            <a:r>
               <a:rPr lang="en-US" sz="2400" smtClean="0"/>
-              <a:t>Player may or may not have an attached dynamics model</a:t>
-            </a:r>
-          </a:p>
-          <a:p>
+              <a:t>General </a:t>
+            </a:r>
             <a:r>
               <a:rPr lang="en-US" sz="2400" smtClean="0"/>
-              <a:t>If attached, then stick and throttle inputs are forwarded to the dynamics model – </a:t>
-            </a:r>
-            <a:r>
-              <a:rPr lang="en-US" sz="2400" b="1" smtClean="0"/>
-              <a:t>some dynamics models do not include an autopilot!</a:t>
-            </a:r>
-            <a:endParaRPr lang="en-US" sz="2400" b="1"/>
+              <a:t>purpose interface to those sub-systems</a:t>
+            </a:r>
+            <a:endParaRPr lang="en-US" sz="2400"/>
+          </a:p>
+        </p:txBody>
+      </p:sp>
+      <p:sp>
+        <p:nvSpPr>
+          <p:cNvPr id="11" name="TextBox 10"/>
+          <p:cNvSpPr txBox="1"/>
+          <p:nvPr/>
+        </p:nvSpPr>
+        <p:spPr>
+          <a:xfrm>
+            <a:off x="0" y="5334000"/>
+            <a:ext cx="9144000" cy="338554"/>
+          </a:xfrm>
+          <a:prstGeom prst="rect">
+            <a:avLst/>
+          </a:prstGeom>
+          <a:noFill/>
+        </p:spPr>
+        <p:txBody>
+          <a:bodyPr wrap="square" rtlCol="0">
+            <a:spAutoFit/>
+          </a:bodyPr>
+          <a:lstStyle/>
+          <a:p>
+            <a:pPr algn="ctr"/>
+            <a:r>
+              <a:rPr lang="en-US" sz="1600" b="1" smtClean="0"/>
+              <a:t>from Player.h</a:t>
+            </a:r>
+            <a:endParaRPr lang="en-US" sz="1600" b="1"/>
           </a:p>
         </p:txBody>
       </p:sp>
       <p:pic>
         <p:nvPicPr>
-          <p:cNvPr id="5" name="Picture 2" descr="C:\Users\me\AppData\Local\Microsoft\Windows\Temporary Internet Files\Content.IE5\PUXV0NF7\MC900433959[1].png"/>
+          <p:cNvPr id="1027" name="Picture 3"/>
           <p:cNvPicPr>
             <a:picLocks noChangeAspect="1" noChangeArrowheads="1"/>
           </p:cNvPicPr>
@@ -4490,26 +4607,32 @@
           </a:stretch>
         </p:blipFill>
         <p:spPr bwMode="auto">
-          <a:xfrm flipH="1">
-            <a:off x="1828800" y="3200400"/>
-            <a:ext cx="609600" cy="609600"/>
+          <a:xfrm>
+            <a:off x="1447800" y="2514600"/>
+            <a:ext cx="6257925" cy="2609850"/>
           </a:xfrm>
           <a:prstGeom prst="rect">
             <a:avLst/>
           </a:prstGeom>
           <a:noFill/>
+          <a:ln w="9525">
+            <a:noFill/>
+            <a:miter lim="800000"/>
+            <a:headEnd/>
+            <a:tailEnd/>
+          </a:ln>
         </p:spPr>
       </p:pic>
       <p:cxnSp>
         <p:nvCxnSpPr>
-          <p:cNvPr id="6" name="Straight Arrow Connector 5"/>
+          <p:cNvPr id="16" name="Straight Arrow Connector 15"/>
           <p:cNvCxnSpPr/>
           <p:nvPr/>
         </p:nvCxnSpPr>
         <p:spPr>
-          <a:xfrm>
-            <a:off x="2514600" y="3505200"/>
-            <a:ext cx="685800" cy="0"/>
+          <a:xfrm flipV="1">
+            <a:off x="1223682" y="3245224"/>
+            <a:ext cx="381000" cy="76200"/>
           </a:xfrm>
           <a:prstGeom prst="straightConnector1">
             <a:avLst/>
@@ -4536,156 +4659,16 @@
           </a:fontRef>
         </p:style>
       </p:cxnSp>
-      <p:pic>
-        <p:nvPicPr>
-          <p:cNvPr id="6148" name="Picture 4"/>
-          <p:cNvPicPr>
-            <a:picLocks noChangeAspect="1" noChangeArrowheads="1"/>
-          </p:cNvPicPr>
-          <p:nvPr/>
-        </p:nvPicPr>
-        <p:blipFill>
-          <a:blip r:embed="rId3" cstate="print"/>
-          <a:srcRect/>
-          <a:stretch>
-            <a:fillRect/>
-          </a:stretch>
-        </p:blipFill>
-        <p:spPr bwMode="auto">
-          <a:xfrm>
-            <a:off x="3352800" y="3276600"/>
-            <a:ext cx="3657600" cy="2295525"/>
-          </a:xfrm>
-          <a:prstGeom prst="rect">
-            <a:avLst/>
-          </a:prstGeom>
-          <a:noFill/>
-          <a:ln w="9525">
-            <a:noFill/>
-            <a:miter lim="800000"/>
-            <a:headEnd/>
-            <a:tailEnd/>
-          </a:ln>
-        </p:spPr>
-      </p:pic>
-      <p:cxnSp>
-        <p:nvCxnSpPr>
-          <p:cNvPr id="11" name="Straight Arrow Connector 10"/>
-          <p:cNvCxnSpPr/>
-          <p:nvPr/>
-        </p:nvCxnSpPr>
-        <p:spPr>
-          <a:xfrm>
-            <a:off x="4038600" y="3962400"/>
-            <a:ext cx="685800" cy="990600"/>
-          </a:xfrm>
-          <a:prstGeom prst="straightConnector1">
-            <a:avLst/>
-          </a:prstGeom>
-          <a:ln w="28575">
-            <a:solidFill>
-              <a:srgbClr val="FF0000"/>
-            </a:solidFill>
-            <a:tailEnd type="arrow"/>
-          </a:ln>
-        </p:spPr>
-        <p:style>
-          <a:lnRef idx="1">
-            <a:schemeClr val="accent1"/>
-          </a:lnRef>
-          <a:fillRef idx="0">
-            <a:schemeClr val="accent1"/>
-          </a:fillRef>
-          <a:effectRef idx="0">
-            <a:schemeClr val="accent1"/>
-          </a:effectRef>
-          <a:fontRef idx="minor">
-            <a:schemeClr val="tx1"/>
-          </a:fontRef>
-        </p:style>
-      </p:cxnSp>
-      <p:cxnSp>
-        <p:nvCxnSpPr>
-          <p:cNvPr id="8" name="Straight Arrow Connector 7"/>
-          <p:cNvCxnSpPr/>
-          <p:nvPr/>
-        </p:nvCxnSpPr>
-        <p:spPr>
-          <a:xfrm flipH="1" flipV="1">
-            <a:off x="7086600" y="5410200"/>
-            <a:ext cx="533400" cy="457200"/>
-          </a:xfrm>
-          <a:prstGeom prst="straightConnector1">
-            <a:avLst/>
-          </a:prstGeom>
-          <a:ln w="28575">
-            <a:solidFill>
-              <a:srgbClr val="FF0000"/>
-            </a:solidFill>
-            <a:tailEnd type="arrow"/>
-          </a:ln>
-        </p:spPr>
-        <p:style>
-          <a:lnRef idx="1">
-            <a:schemeClr val="accent1"/>
-          </a:lnRef>
-          <a:fillRef idx="0">
-            <a:schemeClr val="accent1"/>
-          </a:fillRef>
-          <a:effectRef idx="0">
-            <a:schemeClr val="accent1"/>
-          </a:effectRef>
-          <a:fontRef idx="minor">
-            <a:schemeClr val="tx1"/>
-          </a:fontRef>
-        </p:style>
-      </p:cxnSp>
-      <p:cxnSp>
-        <p:nvCxnSpPr>
-          <p:cNvPr id="13" name="Straight Arrow Connector 12"/>
-          <p:cNvCxnSpPr/>
-          <p:nvPr/>
-        </p:nvCxnSpPr>
-        <p:spPr>
-          <a:xfrm flipV="1">
-            <a:off x="3657600" y="5410200"/>
-            <a:ext cx="914400" cy="457200"/>
-          </a:xfrm>
-          <a:prstGeom prst="straightConnector1">
-            <a:avLst/>
-          </a:prstGeom>
-          <a:ln w="28575">
-            <a:solidFill>
-              <a:srgbClr val="FF0000"/>
-            </a:solidFill>
-            <a:tailEnd type="arrow"/>
-          </a:ln>
-        </p:spPr>
-        <p:style>
-          <a:lnRef idx="1">
-            <a:schemeClr val="accent1"/>
-          </a:lnRef>
-          <a:fillRef idx="0">
-            <a:schemeClr val="accent1"/>
-          </a:fillRef>
-          <a:effectRef idx="0">
-            <a:schemeClr val="accent1"/>
-          </a:effectRef>
-          <a:fontRef idx="minor">
-            <a:schemeClr val="tx1"/>
-          </a:fontRef>
-        </p:style>
-      </p:cxnSp>
-      <p:sp>
-        <p:nvSpPr>
-          <p:cNvPr id="15" name="TextBox 14"/>
+      <p:sp>
+        <p:nvSpPr>
+          <p:cNvPr id="7" name="TextBox 6"/>
           <p:cNvSpPr txBox="1"/>
           <p:nvPr/>
         </p:nvSpPr>
         <p:spPr>
           <a:xfrm>
-            <a:off x="1600200" y="5867400"/>
-            <a:ext cx="3200400" cy="584775"/>
+            <a:off x="152400" y="3124200"/>
+            <a:ext cx="1143000" cy="830997"/>
           </a:xfrm>
           <a:prstGeom prst="rect">
             <a:avLst/>
@@ -4701,38 +4684,7 @@
             <a:pPr algn="ctr"/>
             <a:r>
               <a:rPr lang="en-US" sz="1600" smtClean="0"/>
-              <a:t>May or may not include an autopilot (depends on input files)</a:t>
-            </a:r>
-            <a:endParaRPr lang="en-US" sz="1600"/>
-          </a:p>
-        </p:txBody>
-      </p:sp>
-      <p:sp>
-        <p:nvSpPr>
-          <p:cNvPr id="16" name="TextBox 15"/>
-          <p:cNvSpPr txBox="1"/>
-          <p:nvPr/>
-        </p:nvSpPr>
-        <p:spPr>
-          <a:xfrm>
-            <a:off x="6553200" y="5867400"/>
-            <a:ext cx="2133600" cy="338554"/>
-          </a:xfrm>
-          <a:prstGeom prst="rect">
-            <a:avLst/>
-          </a:prstGeom>
-          <a:noFill/>
-        </p:spPr>
-        <p:txBody>
-          <a:bodyPr wrap="square" rtlCol="0">
-            <a:spAutoFit/>
-          </a:bodyPr>
-          <a:lstStyle/>
-          <a:p>
-            <a:pPr algn="ctr"/>
-            <a:r>
-              <a:rPr lang="en-US" sz="1600" smtClean="0"/>
-              <a:t>Includes an autopilot</a:t>
+              <a:t>Must contain an auto pilot</a:t>
             </a:r>
             <a:endParaRPr lang="en-US" sz="1600"/>
           </a:p>
@@ -4772,145 +4724,117 @@
       </p:grpSpPr>
       <p:sp>
         <p:nvSpPr>
-          <p:cNvPr id="6" name="Title 3"/>
-          <p:cNvSpPr txBox="1">
-            <a:spLocks/>
-          </p:cNvSpPr>
+          <p:cNvPr id="2" name="Title 1"/>
+          <p:cNvSpPr>
+            <a:spLocks noGrp="1"/>
+          </p:cNvSpPr>
+          <p:nvPr>
+            <p:ph type="title"/>
+          </p:nvPr>
+        </p:nvSpPr>
+        <p:spPr/>
+        <p:txBody>
+          <a:bodyPr/>
+          <a:lstStyle/>
+          <a:p>
+            <a:r>
+              <a:rPr lang="en-US" smtClean="0"/>
+              <a:t>Dynamics Model </a:t>
+            </a:r>
+            <a:r>
+              <a:rPr lang="en-US" smtClean="0"/>
+              <a:t>“Auto Pilot”</a:t>
+            </a:r>
+            <a:endParaRPr lang="en-US"/>
+          </a:p>
+        </p:txBody>
+      </p:sp>
+      <p:sp>
+        <p:nvSpPr>
+          <p:cNvPr id="3" name="Content Placeholder 2"/>
+          <p:cNvSpPr>
+            <a:spLocks noGrp="1"/>
+          </p:cNvSpPr>
+          <p:nvPr>
+            <p:ph idx="1"/>
+          </p:nvPr>
+        </p:nvSpPr>
+        <p:spPr/>
+        <p:txBody>
+          <a:bodyPr/>
+          <a:lstStyle/>
+          <a:p>
+            <a:r>
+              <a:rPr lang="en-US" smtClean="0"/>
+              <a:t>Player interface to DynamicsModel “auto pilot” is driven by “commands”</a:t>
+            </a:r>
+            <a:endParaRPr lang="en-US"/>
+          </a:p>
+        </p:txBody>
+      </p:sp>
+      <p:sp>
+        <p:nvSpPr>
+          <p:cNvPr id="4" name="TextBox 3"/>
+          <p:cNvSpPr txBox="1"/>
           <p:nvPr/>
         </p:nvSpPr>
         <p:spPr>
           <a:xfrm>
-            <a:off x="0" y="2514600"/>
-            <a:ext cx="9144000" cy="1219200"/>
+            <a:off x="0" y="4876800"/>
+            <a:ext cx="9144000" cy="338554"/>
           </a:xfrm>
           <a:prstGeom prst="rect">
             <a:avLst/>
           </a:prstGeom>
-        </p:spPr>
-        <p:txBody>
-          <a:bodyPr vert="horz" lIns="91440" tIns="45720" rIns="91440" bIns="45720" rtlCol="0" anchor="ctr">
-            <a:normAutofit/>
+          <a:noFill/>
+        </p:spPr>
+        <p:txBody>
+          <a:bodyPr wrap="square" rtlCol="0">
+            <a:spAutoFit/>
           </a:bodyPr>
           <a:lstStyle/>
           <a:p>
-            <a:pPr marL="0" marR="0" lvl="0" indent="0" algn="ctr" defTabSz="914400" rtl="0" eaLnBrk="1" fontAlgn="auto" latinLnBrk="0" hangingPunct="1">
-              <a:lnSpc>
-                <a:spcPct val="100000"/>
-              </a:lnSpc>
-              <a:spcBef>
-                <a:spcPct val="0"/>
-              </a:spcBef>
-              <a:spcAft>
-                <a:spcPts val="0"/>
-              </a:spcAft>
-              <a:buClrTx/>
-              <a:buSzTx/>
-              <a:buFontTx/>
-              <a:buNone/>
-              <a:tabLst/>
-              <a:defRPr/>
-            </a:pPr>
-            <a:r>
-              <a:rPr kumimoji="0" lang="en-US" sz="4400" b="0" i="0" u="none" strike="noStrike" kern="1200" cap="none" spc="0" normalizeH="0" baseline="0" noProof="0" smtClean="0">
-                <a:ln>
-                  <a:noFill/>
-                </a:ln>
-                <a:solidFill>
-                  <a:schemeClr val="tx1"/>
-                </a:solidFill>
-                <a:effectLst/>
-                <a:uLnTx/>
-                <a:uFillTx/>
-                <a:latin typeface="+mj-lt"/>
-                <a:ea typeface="+mj-ea"/>
-                <a:cs typeface="+mj-cs"/>
-              </a:rPr>
-              <a:t>Pilot</a:t>
-            </a:r>
-            <a:r>
-              <a:rPr kumimoji="0" lang="en-US" sz="4400" b="0" i="0" u="none" strike="noStrike" kern="1200" cap="none" spc="0" normalizeH="0" noProof="0" smtClean="0">
-                <a:ln>
-                  <a:noFill/>
-                </a:ln>
-                <a:solidFill>
-                  <a:schemeClr val="tx1"/>
-                </a:solidFill>
-                <a:effectLst/>
-                <a:uLnTx/>
-                <a:uFillTx/>
-                <a:latin typeface="+mj-lt"/>
-                <a:ea typeface="+mj-ea"/>
-                <a:cs typeface="+mj-cs"/>
-              </a:rPr>
-              <a:t> / AutoPilot</a:t>
-            </a:r>
-            <a:r>
-              <a:rPr kumimoji="0" lang="en-US" sz="4400" b="0" i="0" u="none" strike="noStrike" kern="1200" cap="none" spc="0" normalizeH="0" baseline="0" noProof="0" smtClean="0">
-                <a:ln>
-                  <a:noFill/>
-                </a:ln>
-                <a:solidFill>
-                  <a:schemeClr val="tx1"/>
-                </a:solidFill>
-                <a:effectLst/>
-                <a:uLnTx/>
-                <a:uFillTx/>
-                <a:latin typeface="+mj-lt"/>
-                <a:ea typeface="+mj-ea"/>
-                <a:cs typeface="+mj-cs"/>
-              </a:rPr>
-              <a:t/>
-            </a:r>
-            <a:br>
-              <a:rPr kumimoji="0" lang="en-US" sz="4400" b="0" i="0" u="none" strike="noStrike" kern="1200" cap="none" spc="0" normalizeH="0" baseline="0" noProof="0" smtClean="0">
-                <a:ln>
-                  <a:noFill/>
-                </a:ln>
-                <a:solidFill>
-                  <a:schemeClr val="tx1"/>
-                </a:solidFill>
-                <a:effectLst/>
-                <a:uLnTx/>
-                <a:uFillTx/>
-                <a:latin typeface="+mj-lt"/>
-                <a:ea typeface="+mj-ea"/>
-                <a:cs typeface="+mj-cs"/>
-              </a:rPr>
-            </a:br>
-            <a:r>
-              <a:rPr kumimoji="0" lang="en-US" sz="2400" b="0" i="0" u="none" strike="noStrike" kern="1200" cap="none" spc="0" normalizeH="0" baseline="0" noProof="0" smtClean="0">
-                <a:ln>
-                  <a:noFill/>
-                </a:ln>
-                <a:solidFill>
-                  <a:schemeClr val="tx1"/>
-                </a:solidFill>
-                <a:effectLst/>
-                <a:uLnTx/>
-                <a:uFillTx/>
-                <a:latin typeface="+mj-lt"/>
-                <a:ea typeface="+mj-ea"/>
-                <a:cs typeface="+mj-cs"/>
-              </a:rPr>
-              <a:t>(Not associated with a DynamicModel)</a:t>
-            </a:r>
-            <a:endParaRPr kumimoji="0" lang="en-US" sz="4400" b="0" i="0" u="none" strike="noStrike" kern="1200" cap="none" spc="0" normalizeH="0" baseline="0" noProof="0">
-              <a:ln>
-                <a:noFill/>
-              </a:ln>
-              <a:solidFill>
-                <a:schemeClr val="tx1"/>
-              </a:solidFill>
-              <a:effectLst/>
-              <a:uLnTx/>
-              <a:uFillTx/>
-              <a:latin typeface="+mj-lt"/>
-              <a:ea typeface="+mj-ea"/>
-              <a:cs typeface="+mj-cs"/>
-            </a:endParaRPr>
-          </a:p>
-        </p:txBody>
-      </p:sp>
+            <a:pPr algn="ctr"/>
+            <a:r>
+              <a:rPr lang="en-US" sz="1600" b="1" smtClean="0"/>
+              <a:t>from Player.h</a:t>
+            </a:r>
+            <a:endParaRPr lang="en-US" sz="1600" b="1"/>
+          </a:p>
+        </p:txBody>
+      </p:sp>
+      <p:pic>
+        <p:nvPicPr>
+          <p:cNvPr id="7171" name="Picture 3"/>
+          <p:cNvPicPr>
+            <a:picLocks noChangeAspect="1" noChangeArrowheads="1"/>
+          </p:cNvPicPr>
+          <p:nvPr/>
+        </p:nvPicPr>
+        <p:blipFill>
+          <a:blip r:embed="rId2" cstate="print"/>
+          <a:srcRect/>
+          <a:stretch>
+            <a:fillRect/>
+          </a:stretch>
+        </p:blipFill>
+        <p:spPr bwMode="auto">
+          <a:xfrm>
+            <a:off x="152400" y="2743200"/>
+            <a:ext cx="8753475" cy="1933575"/>
+          </a:xfrm>
+          <a:prstGeom prst="rect">
+            <a:avLst/>
+          </a:prstGeom>
+          <a:noFill/>
+          <a:ln w="9525">
+            <a:noFill/>
+            <a:miter lim="800000"/>
+            <a:headEnd/>
+            <a:tailEnd/>
+          </a:ln>
+        </p:spPr>
+      </p:pic>
     </p:spTree>
   </p:cSld>
   <p:clrMapOvr>
@@ -4955,88 +4879,24 @@
         </p:nvSpPr>
         <p:spPr/>
         <p:txBody>
-          <a:bodyPr>
-            <a:normAutofit/>
-          </a:bodyPr>
-          <a:lstStyle/>
-          <a:p>
-            <a:r>
-              <a:rPr lang="en-US" sz="4000" smtClean="0"/>
-              <a:t>Player Top-Level System Models</a:t>
-            </a:r>
-            <a:endParaRPr lang="en-US" sz="4000"/>
-          </a:p>
-        </p:txBody>
-      </p:sp>
-      <p:sp>
-        <p:nvSpPr>
-          <p:cNvPr id="10" name="Content Placeholder 2"/>
-          <p:cNvSpPr>
-            <a:spLocks noGrp="1"/>
-          </p:cNvSpPr>
-          <p:nvPr>
-            <p:ph idx="1"/>
-          </p:nvPr>
-        </p:nvSpPr>
-        <p:spPr/>
-        <p:txBody>
-          <a:bodyPr>
-            <a:normAutofit/>
-          </a:bodyPr>
-          <a:lstStyle/>
-          <a:p>
-            <a:r>
-              <a:rPr lang="en-US" sz="2400" smtClean="0"/>
-              <a:t>Container of sub-systems</a:t>
-            </a:r>
-          </a:p>
-          <a:p>
-            <a:r>
-              <a:rPr lang="en-US" sz="2400" i="1" u="sng" smtClean="0"/>
-              <a:t>General purpose interface</a:t>
-            </a:r>
-            <a:r>
-              <a:rPr lang="en-US" sz="2400" smtClean="0"/>
-              <a:t> to those sub-systems</a:t>
-            </a:r>
-            <a:endParaRPr lang="en-US" sz="2400"/>
-          </a:p>
-        </p:txBody>
-      </p:sp>
-      <p:sp>
-        <p:nvSpPr>
-          <p:cNvPr id="11" name="TextBox 10"/>
-          <p:cNvSpPr txBox="1"/>
-          <p:nvPr/>
-        </p:nvSpPr>
-        <p:spPr>
-          <a:xfrm>
-            <a:off x="0" y="5638800"/>
-            <a:ext cx="9144000" cy="338554"/>
-          </a:xfrm>
-          <a:prstGeom prst="rect">
-            <a:avLst/>
-          </a:prstGeom>
-          <a:noFill/>
-        </p:spPr>
-        <p:txBody>
-          <a:bodyPr wrap="square" rtlCol="0">
-            <a:spAutoFit/>
-          </a:bodyPr>
-          <a:lstStyle/>
-          <a:p>
-            <a:pPr algn="ctr"/>
-            <a:r>
-              <a:rPr lang="en-US" sz="1600" b="1" smtClean="0"/>
-              <a:t>from Player.h</a:t>
-            </a:r>
-            <a:endParaRPr lang="en-US" sz="1600" b="1"/>
+          <a:bodyPr/>
+          <a:lstStyle/>
+          <a:p>
+            <a:r>
+              <a:rPr lang="en-US" smtClean="0"/>
+              <a:t>Dynamics Model </a:t>
+            </a:r>
+            <a:r>
+              <a:rPr lang="en-US" smtClean="0"/>
+              <a:t>“Auto Pilot”</a:t>
+            </a:r>
+            <a:endParaRPr lang="en-US"/>
           </a:p>
         </p:txBody>
       </p:sp>
       <p:pic>
         <p:nvPicPr>
-          <p:cNvPr id="1027" name="Picture 3"/>
+          <p:cNvPr id="8194" name="Picture 2"/>
           <p:cNvPicPr>
             <a:picLocks noChangeAspect="1" noChangeArrowheads="1"/>
           </p:cNvPicPr>
@@ -5051,8 +4911,8 @@
         </p:blipFill>
         <p:spPr bwMode="auto">
           <a:xfrm>
-            <a:off x="1447800" y="2819400"/>
-            <a:ext cx="6257925" cy="2609850"/>
+            <a:off x="2057400" y="1447800"/>
+            <a:ext cx="4514850" cy="4724400"/>
           </a:xfrm>
           <a:prstGeom prst="rect">
             <a:avLst/>
@@ -5066,15 +4926,46 @@
           </a:ln>
         </p:spPr>
       </p:pic>
+      <p:sp>
+        <p:nvSpPr>
+          <p:cNvPr id="5" name="TextBox 4"/>
+          <p:cNvSpPr txBox="1"/>
+          <p:nvPr/>
+        </p:nvSpPr>
+        <p:spPr>
+          <a:xfrm>
+            <a:off x="0" y="6248400"/>
+            <a:ext cx="9144000" cy="338554"/>
+          </a:xfrm>
+          <a:prstGeom prst="rect">
+            <a:avLst/>
+          </a:prstGeom>
+          <a:noFill/>
+        </p:spPr>
+        <p:txBody>
+          <a:bodyPr wrap="square" rtlCol="0">
+            <a:spAutoFit/>
+          </a:bodyPr>
+          <a:lstStyle/>
+          <a:p>
+            <a:pPr algn="ctr"/>
+            <a:r>
+              <a:rPr lang="en-US" sz="1600" b="1" smtClean="0"/>
+              <a:t>from Player.cpp</a:t>
+            </a:r>
+            <a:endParaRPr lang="en-US" sz="1600" b="1"/>
+          </a:p>
+        </p:txBody>
+      </p:sp>
       <p:cxnSp>
         <p:nvCxnSpPr>
-          <p:cNvPr id="16" name="Straight Arrow Connector 15"/>
+          <p:cNvPr id="6" name="Straight Arrow Connector 5"/>
           <p:cNvCxnSpPr/>
           <p:nvPr/>
         </p:nvCxnSpPr>
         <p:spPr>
           <a:xfrm flipV="1">
-            <a:off x="1219200" y="3886200"/>
+            <a:off x="1828800" y="2057400"/>
             <a:ext cx="381000" cy="76200"/>
           </a:xfrm>
           <a:prstGeom prst="straightConnector1">
@@ -5110,7 +5001,7 @@
         </p:nvCxnSpPr>
         <p:spPr>
           <a:xfrm flipV="1">
-            <a:off x="1219200" y="4191000"/>
+            <a:off x="1828800" y="4495800"/>
             <a:ext cx="381000" cy="76200"/>
           </a:xfrm>
           <a:prstGeom prst="straightConnector1">
@@ -5225,8 +5116,9 @@
           <a:p>
             <a:r>
               <a:rPr lang="en-US" sz="3200" smtClean="0"/>
-              <a:t>Player with a dynamics model</a:t>
-            </a:r>
+              <a:t>Advanced player dynamics</a:t>
+            </a:r>
+            <a:endParaRPr lang="en-US" sz="3200" smtClean="0"/>
           </a:p>
           <a:p>
             <a:pPr lvl="1"/>
@@ -5300,7 +5192,7 @@
           <a:p>
             <a:r>
               <a:rPr lang="en-US" smtClean="0"/>
-              <a:t>Pilot / AutoPilot</a:t>
+              <a:t>Dynamics Model “Auto Pilot”</a:t>
             </a:r>
             <a:endParaRPr lang="en-US"/>
           </a:p>
@@ -5324,21 +5216,44 @@
           <a:lstStyle/>
           <a:p>
             <a:r>
-              <a:rPr lang="en-US" sz="2400" smtClean="0"/>
-              <a:t>NOT part of DynamicsModel!</a:t>
-            </a:r>
-          </a:p>
-          <a:p>
-            <a:r>
-              <a:rPr lang="en-US" sz="2400" smtClean="0"/>
-              <a:t>Provides “higher level” functions than a dynamics model autopilot</a:t>
-            </a:r>
+              <a:rPr lang="en-US" sz="2000" smtClean="0"/>
+              <a:t>Player may or may not have an attached dynamics model</a:t>
+            </a:r>
+          </a:p>
+          <a:p>
+            <a:r>
+              <a:rPr lang="en-US" sz="2000" smtClean="0"/>
+              <a:t>If attached, then stick and throttle inputs are forwarded to the dynamics model – </a:t>
+            </a:r>
+            <a:r>
+              <a:rPr lang="en-US" sz="2000" b="1" smtClean="0"/>
+              <a:t>some dynamics models do not include an autopilot</a:t>
+            </a:r>
+            <a:r>
+              <a:rPr lang="en-US" sz="2000" b="1" smtClean="0"/>
+              <a:t>!</a:t>
+            </a:r>
+          </a:p>
+          <a:p>
+            <a:r>
+              <a:rPr lang="en-US" sz="2000" smtClean="0"/>
+              <a:t>If overridden in subclass, subclass will </a:t>
+            </a:r>
+            <a:r>
+              <a:rPr lang="en-US" sz="2000" smtClean="0"/>
+              <a:t>receive </a:t>
+            </a:r>
+            <a:r>
+              <a:rPr lang="en-US" sz="2000" smtClean="0"/>
+              <a:t>inputs</a:t>
+            </a:r>
+            <a:endParaRPr lang="en-US" sz="2000" smtClean="0"/>
           </a:p>
         </p:txBody>
       </p:sp>
       <p:pic>
         <p:nvPicPr>
-          <p:cNvPr id="9218" name="Picture 2"/>
+          <p:cNvPr id="5" name="Picture 2" descr="C:\Users\me\AppData\Local\Microsoft\Windows\Temporary Internet Files\Content.IE5\PUXV0NF7\MC900433959[1].png"/>
           <p:cNvPicPr>
             <a:picLocks noChangeAspect="1" noChangeArrowheads="1"/>
           </p:cNvPicPr>
@@ -5352,69 +5267,31 @@
           </a:stretch>
         </p:blipFill>
         <p:spPr bwMode="auto">
-          <a:xfrm>
-            <a:off x="914400" y="2895600"/>
-            <a:ext cx="1152525" cy="3133725"/>
+          <a:xfrm flipH="1">
+            <a:off x="1828800" y="3200400"/>
+            <a:ext cx="609600" cy="609600"/>
           </a:xfrm>
           <a:prstGeom prst="rect">
             <a:avLst/>
           </a:prstGeom>
           <a:noFill/>
-          <a:ln w="9525">
-            <a:noFill/>
-            <a:miter lim="800000"/>
-            <a:headEnd/>
-            <a:tailEnd/>
-          </a:ln>
-        </p:spPr>
-      </p:pic>
-      <p:pic>
-        <p:nvPicPr>
-          <p:cNvPr id="9220" name="Picture 4"/>
-          <p:cNvPicPr>
-            <a:picLocks noChangeAspect="1" noChangeArrowheads="1"/>
-          </p:cNvPicPr>
-          <p:nvPr/>
-        </p:nvPicPr>
-        <p:blipFill>
-          <a:blip r:embed="rId3" cstate="print"/>
-          <a:srcRect/>
-          <a:stretch>
-            <a:fillRect/>
-          </a:stretch>
-        </p:blipFill>
-        <p:spPr bwMode="auto">
-          <a:xfrm>
-            <a:off x="2438400" y="2971800"/>
-            <a:ext cx="6153150" cy="2914650"/>
-          </a:xfrm>
-          <a:prstGeom prst="rect">
-            <a:avLst/>
-          </a:prstGeom>
-          <a:noFill/>
-          <a:ln w="9525">
-            <a:noFill/>
-            <a:miter lim="800000"/>
-            <a:headEnd/>
-            <a:tailEnd/>
-          </a:ln>
         </p:spPr>
       </p:pic>
       <p:cxnSp>
         <p:nvCxnSpPr>
-          <p:cNvPr id="7" name="Straight Arrow Connector 6"/>
+          <p:cNvPr id="6" name="Straight Arrow Connector 5"/>
           <p:cNvCxnSpPr/>
           <p:nvPr/>
         </p:nvCxnSpPr>
         <p:spPr>
-          <a:xfrm flipH="1" flipV="1">
-            <a:off x="5029200" y="5638800"/>
-            <a:ext cx="609600" cy="76200"/>
+          <a:xfrm>
+            <a:off x="2514600" y="3505200"/>
+            <a:ext cx="685800" cy="0"/>
           </a:xfrm>
           <a:prstGeom prst="straightConnector1">
             <a:avLst/>
           </a:prstGeom>
-          <a:ln w="22225">
+          <a:ln w="28575">
             <a:solidFill>
               <a:srgbClr val="FF0000"/>
             </a:solidFill>
@@ -5436,16 +5313,156 @@
           </a:fontRef>
         </p:style>
       </p:cxnSp>
-      <p:sp>
-        <p:nvSpPr>
-          <p:cNvPr id="8" name="TextBox 7"/>
+      <p:pic>
+        <p:nvPicPr>
+          <p:cNvPr id="6148" name="Picture 4"/>
+          <p:cNvPicPr>
+            <a:picLocks noChangeAspect="1" noChangeArrowheads="1"/>
+          </p:cNvPicPr>
+          <p:nvPr/>
+        </p:nvPicPr>
+        <p:blipFill>
+          <a:blip r:embed="rId3" cstate="print"/>
+          <a:srcRect/>
+          <a:stretch>
+            <a:fillRect/>
+          </a:stretch>
+        </p:blipFill>
+        <p:spPr bwMode="auto">
+          <a:xfrm>
+            <a:off x="3352800" y="3276600"/>
+            <a:ext cx="3657600" cy="2295525"/>
+          </a:xfrm>
+          <a:prstGeom prst="rect">
+            <a:avLst/>
+          </a:prstGeom>
+          <a:noFill/>
+          <a:ln w="9525">
+            <a:noFill/>
+            <a:miter lim="800000"/>
+            <a:headEnd/>
+            <a:tailEnd/>
+          </a:ln>
+        </p:spPr>
+      </p:pic>
+      <p:cxnSp>
+        <p:nvCxnSpPr>
+          <p:cNvPr id="11" name="Straight Arrow Connector 10"/>
+          <p:cNvCxnSpPr/>
+          <p:nvPr/>
+        </p:nvCxnSpPr>
+        <p:spPr>
+          <a:xfrm>
+            <a:off x="4038600" y="3962400"/>
+            <a:ext cx="685800" cy="990600"/>
+          </a:xfrm>
+          <a:prstGeom prst="straightConnector1">
+            <a:avLst/>
+          </a:prstGeom>
+          <a:ln w="28575">
+            <a:solidFill>
+              <a:srgbClr val="FF0000"/>
+            </a:solidFill>
+            <a:tailEnd type="arrow"/>
+          </a:ln>
+        </p:spPr>
+        <p:style>
+          <a:lnRef idx="1">
+            <a:schemeClr val="accent1"/>
+          </a:lnRef>
+          <a:fillRef idx="0">
+            <a:schemeClr val="accent1"/>
+          </a:fillRef>
+          <a:effectRef idx="0">
+            <a:schemeClr val="accent1"/>
+          </a:effectRef>
+          <a:fontRef idx="minor">
+            <a:schemeClr val="tx1"/>
+          </a:fontRef>
+        </p:style>
+      </p:cxnSp>
+      <p:cxnSp>
+        <p:nvCxnSpPr>
+          <p:cNvPr id="8" name="Straight Arrow Connector 7"/>
+          <p:cNvCxnSpPr/>
+          <p:nvPr/>
+        </p:nvCxnSpPr>
+        <p:spPr>
+          <a:xfrm flipH="1" flipV="1">
+            <a:off x="7086600" y="5410200"/>
+            <a:ext cx="533400" cy="457200"/>
+          </a:xfrm>
+          <a:prstGeom prst="straightConnector1">
+            <a:avLst/>
+          </a:prstGeom>
+          <a:ln w="28575">
+            <a:solidFill>
+              <a:srgbClr val="FF0000"/>
+            </a:solidFill>
+            <a:tailEnd type="arrow"/>
+          </a:ln>
+        </p:spPr>
+        <p:style>
+          <a:lnRef idx="1">
+            <a:schemeClr val="accent1"/>
+          </a:lnRef>
+          <a:fillRef idx="0">
+            <a:schemeClr val="accent1"/>
+          </a:fillRef>
+          <a:effectRef idx="0">
+            <a:schemeClr val="accent1"/>
+          </a:effectRef>
+          <a:fontRef idx="minor">
+            <a:schemeClr val="tx1"/>
+          </a:fontRef>
+        </p:style>
+      </p:cxnSp>
+      <p:cxnSp>
+        <p:nvCxnSpPr>
+          <p:cNvPr id="13" name="Straight Arrow Connector 12"/>
+          <p:cNvCxnSpPr/>
+          <p:nvPr/>
+        </p:nvCxnSpPr>
+        <p:spPr>
+          <a:xfrm flipV="1">
+            <a:off x="3657600" y="5410200"/>
+            <a:ext cx="914400" cy="457200"/>
+          </a:xfrm>
+          <a:prstGeom prst="straightConnector1">
+            <a:avLst/>
+          </a:prstGeom>
+          <a:ln w="28575">
+            <a:solidFill>
+              <a:srgbClr val="FF0000"/>
+            </a:solidFill>
+            <a:tailEnd type="arrow"/>
+          </a:ln>
+        </p:spPr>
+        <p:style>
+          <a:lnRef idx="1">
+            <a:schemeClr val="accent1"/>
+          </a:lnRef>
+          <a:fillRef idx="0">
+            <a:schemeClr val="accent1"/>
+          </a:fillRef>
+          <a:effectRef idx="0">
+            <a:schemeClr val="accent1"/>
+          </a:effectRef>
+          <a:fontRef idx="minor">
+            <a:schemeClr val="tx1"/>
+          </a:fontRef>
+        </p:style>
+      </p:cxnSp>
+      <p:sp>
+        <p:nvSpPr>
+          <p:cNvPr id="15" name="TextBox 14"/>
           <p:cNvSpPr txBox="1"/>
           <p:nvPr/>
         </p:nvSpPr>
         <p:spPr>
           <a:xfrm>
-            <a:off x="5638800" y="5486400"/>
-            <a:ext cx="2667000" cy="830997"/>
+            <a:off x="1600200" y="5867400"/>
+            <a:ext cx="3200400" cy="584775"/>
           </a:xfrm>
           <a:prstGeom prst="rect">
             <a:avLst/>
@@ -5458,9 +5475,41 @@
           </a:bodyPr>
           <a:lstStyle/>
           <a:p>
+            <a:pPr algn="ctr"/>
             <a:r>
               <a:rPr lang="en-US" sz="1600" smtClean="0"/>
-              <a:t>Base pilot class does nothing interesting, AutoPilot class adds functionality</a:t>
+              <a:t>May or may not include an autopilot (depends on input files)</a:t>
+            </a:r>
+            <a:endParaRPr lang="en-US" sz="1600"/>
+          </a:p>
+        </p:txBody>
+      </p:sp>
+      <p:sp>
+        <p:nvSpPr>
+          <p:cNvPr id="16" name="TextBox 15"/>
+          <p:cNvSpPr txBox="1"/>
+          <p:nvPr/>
+        </p:nvSpPr>
+        <p:spPr>
+          <a:xfrm>
+            <a:off x="6553200" y="5867400"/>
+            <a:ext cx="2133600" cy="338554"/>
+          </a:xfrm>
+          <a:prstGeom prst="rect">
+            <a:avLst/>
+          </a:prstGeom>
+          <a:noFill/>
+        </p:spPr>
+        <p:txBody>
+          <a:bodyPr wrap="square" rtlCol="0">
+            <a:spAutoFit/>
+          </a:bodyPr>
+          <a:lstStyle/>
+          <a:p>
+            <a:pPr algn="ctr"/>
+            <a:r>
+              <a:rPr lang="en-US" sz="1600" smtClean="0"/>
+              <a:t>Includes an autopilot</a:t>
             </a:r>
             <a:endParaRPr lang="en-US" sz="1600"/>
           </a:p>
@@ -5498,243 +5547,144 @@
           <a:chExt cx="0" cy="0"/>
         </a:xfrm>
       </p:grpSpPr>
-      <p:pic>
-        <p:nvPicPr>
-          <p:cNvPr id="11267" name="Picture 3"/>
-          <p:cNvPicPr>
-            <a:picLocks noChangeAspect="1" noChangeArrowheads="1"/>
-          </p:cNvPicPr>
+      <p:sp>
+        <p:nvSpPr>
+          <p:cNvPr id="6" name="Title 3"/>
+          <p:cNvSpPr txBox="1">
+            <a:spLocks/>
+          </p:cNvSpPr>
           <p:nvPr/>
-        </p:nvPicPr>
-        <p:blipFill>
-          <a:blip r:embed="rId2" cstate="print"/>
-          <a:srcRect/>
-          <a:stretch>
-            <a:fillRect/>
-          </a:stretch>
-        </p:blipFill>
-        <p:spPr bwMode="auto">
-          <a:xfrm>
-            <a:off x="914400" y="2590800"/>
-            <a:ext cx="7085575" cy="2438400"/>
+        </p:nvSpPr>
+        <p:spPr>
+          <a:xfrm>
+            <a:off x="0" y="2514600"/>
+            <a:ext cx="9144000" cy="1219200"/>
           </a:xfrm>
           <a:prstGeom prst="rect">
             <a:avLst/>
           </a:prstGeom>
-          <a:noFill/>
-          <a:ln w="9525">
-            <a:noFill/>
-            <a:miter lim="800000"/>
-            <a:headEnd/>
-            <a:tailEnd/>
-          </a:ln>
-        </p:spPr>
-      </p:pic>
-      <p:sp>
-        <p:nvSpPr>
-          <p:cNvPr id="2" name="Title 1"/>
-          <p:cNvSpPr>
-            <a:spLocks noGrp="1"/>
-          </p:cNvSpPr>
-          <p:nvPr>
-            <p:ph type="title"/>
-          </p:nvPr>
-        </p:nvSpPr>
-        <p:spPr/>
-        <p:txBody>
-          <a:bodyPr/>
-          <a:lstStyle/>
-          <a:p>
-            <a:r>
-              <a:rPr lang="en-US" smtClean="0"/>
-              <a:t>Pilot / AutoPilot</a:t>
-            </a:r>
-            <a:endParaRPr lang="en-US"/>
-          </a:p>
-        </p:txBody>
-      </p:sp>
-      <p:cxnSp>
-        <p:nvCxnSpPr>
-          <p:cNvPr id="5" name="Straight Arrow Connector 4"/>
-          <p:cNvCxnSpPr/>
-          <p:nvPr/>
-        </p:nvCxnSpPr>
-        <p:spPr>
-          <a:xfrm flipH="1">
-            <a:off x="2732443" y="3624431"/>
-            <a:ext cx="762000" cy="0"/>
-          </a:xfrm>
-          <a:prstGeom prst="straightConnector1">
-            <a:avLst/>
-          </a:prstGeom>
-          <a:ln w="25400">
-            <a:solidFill>
-              <a:srgbClr val="FF0000"/>
-            </a:solidFill>
-            <a:tailEnd type="arrow"/>
-          </a:ln>
-        </p:spPr>
-        <p:style>
-          <a:lnRef idx="1">
-            <a:schemeClr val="accent1"/>
-          </a:lnRef>
-          <a:fillRef idx="0">
-            <a:schemeClr val="accent1"/>
-          </a:fillRef>
-          <a:effectRef idx="0">
-            <a:schemeClr val="accent1"/>
-          </a:effectRef>
-          <a:fontRef idx="minor">
-            <a:schemeClr val="tx1"/>
-          </a:fontRef>
-        </p:style>
-      </p:cxnSp>
-      <p:sp>
-        <p:nvSpPr>
-          <p:cNvPr id="6" name="TextBox 5"/>
-          <p:cNvSpPr txBox="1"/>
-          <p:nvPr/>
-        </p:nvSpPr>
-        <p:spPr>
-          <a:xfrm>
-            <a:off x="3646843" y="3472031"/>
-            <a:ext cx="2525357" cy="338554"/>
-          </a:xfrm>
-          <a:prstGeom prst="rect">
-            <a:avLst/>
-          </a:prstGeom>
-          <a:noFill/>
-        </p:spPr>
-        <p:txBody>
-          <a:bodyPr wrap="square" rtlCol="0">
-            <a:spAutoFit/>
-          </a:bodyPr>
-          <a:lstStyle/>
-          <a:p>
-            <a:r>
-              <a:rPr lang="en-US" sz="1600" smtClean="0"/>
-              <a:t>Determine what to do</a:t>
-            </a:r>
-            <a:endParaRPr lang="en-US" sz="1600"/>
-          </a:p>
-        </p:txBody>
-      </p:sp>
-      <p:sp>
-        <p:nvSpPr>
-          <p:cNvPr id="11" name="Right Brace 10"/>
-          <p:cNvSpPr/>
-          <p:nvPr/>
-        </p:nvSpPr>
-        <p:spPr>
-          <a:xfrm>
-            <a:off x="3124200" y="3886200"/>
-            <a:ext cx="381000" cy="533400"/>
-          </a:xfrm>
-          <a:prstGeom prst="rightBrace">
-            <a:avLst>
-              <a:gd name="adj1" fmla="val 16803"/>
-              <a:gd name="adj2" fmla="val 50000"/>
-            </a:avLst>
-          </a:prstGeom>
-          <a:ln w="25400">
-            <a:solidFill>
-              <a:srgbClr val="FF0000"/>
-            </a:solidFill>
-          </a:ln>
-        </p:spPr>
-        <p:style>
-          <a:lnRef idx="1">
-            <a:schemeClr val="accent1"/>
-          </a:lnRef>
-          <a:fillRef idx="0">
-            <a:schemeClr val="accent1"/>
-          </a:fillRef>
-          <a:effectRef idx="0">
-            <a:schemeClr val="accent1"/>
-          </a:effectRef>
-          <a:fontRef idx="minor">
-            <a:schemeClr val="tx1"/>
-          </a:fontRef>
-        </p:style>
-        <p:txBody>
-          <a:bodyPr rtlCol="0" anchor="ctr"/>
-          <a:lstStyle/>
-          <a:p>
-            <a:pPr algn="ctr"/>
-            <a:endParaRPr lang="en-US"/>
-          </a:p>
-        </p:txBody>
-      </p:sp>
-      <p:sp>
-        <p:nvSpPr>
-          <p:cNvPr id="12" name="TextBox 11"/>
-          <p:cNvSpPr txBox="1"/>
-          <p:nvPr/>
-        </p:nvSpPr>
-        <p:spPr>
-          <a:xfrm>
-            <a:off x="3657600" y="3962400"/>
-            <a:ext cx="3200400" cy="338554"/>
-          </a:xfrm>
-          <a:prstGeom prst="rect">
-            <a:avLst/>
-          </a:prstGeom>
-          <a:noFill/>
-        </p:spPr>
-        <p:txBody>
-          <a:bodyPr wrap="square" rtlCol="0">
-            <a:spAutoFit/>
-          </a:bodyPr>
-          <a:lstStyle/>
-          <a:p>
-            <a:r>
-              <a:rPr lang="en-US" sz="1600" smtClean="0"/>
-              <a:t>Do it</a:t>
-            </a:r>
-            <a:endParaRPr lang="en-US" sz="1600"/>
-          </a:p>
-        </p:txBody>
-      </p:sp>
-      <p:sp>
-        <p:nvSpPr>
-          <p:cNvPr id="8" name="Content Placeholder 2"/>
-          <p:cNvSpPr>
-            <a:spLocks noGrp="1"/>
-          </p:cNvSpPr>
-          <p:nvPr>
-            <p:ph idx="1"/>
-          </p:nvPr>
-        </p:nvSpPr>
-        <p:spPr>
-          <a:xfrm>
-            <a:off x="457200" y="1447801"/>
-            <a:ext cx="8229600" cy="1066800"/>
-          </a:xfrm>
-        </p:spPr>
-        <p:txBody>
-          <a:bodyPr>
+        </p:spPr>
+        <p:txBody>
+          <a:bodyPr vert="horz" lIns="91440" tIns="45720" rIns="91440" bIns="45720" rtlCol="0" anchor="ctr">
             <a:normAutofit/>
           </a:bodyPr>
           <a:lstStyle/>
           <a:p>
-            <a:r>
-              <a:rPr lang="en-US" sz="2400" smtClean="0"/>
-              <a:t>Defined Autopilot functionality called in each frame</a:t>
-            </a:r>
-          </a:p>
-          <a:p>
-            <a:r>
-              <a:rPr lang="en-US" sz="2400" smtClean="0"/>
-              <a:t>Remember “process” is 4</a:t>
-            </a:r>
-            <a:r>
-              <a:rPr lang="en-US" sz="2400" baseline="30000" smtClean="0"/>
-              <a:t>th</a:t>
-            </a:r>
-            <a:r>
-              <a:rPr lang="en-US" sz="2400" smtClean="0"/>
-              <a:t> phase in each frame</a:t>
-            </a:r>
+            <a:pPr marL="0" marR="0" lvl="0" indent="0" algn="ctr" defTabSz="914400" rtl="0" eaLnBrk="1" fontAlgn="auto" latinLnBrk="0" hangingPunct="1">
+              <a:lnSpc>
+                <a:spcPct val="100000"/>
+              </a:lnSpc>
+              <a:spcBef>
+                <a:spcPct val="0"/>
+              </a:spcBef>
+              <a:spcAft>
+                <a:spcPts val="0"/>
+              </a:spcAft>
+              <a:buClrTx/>
+              <a:buSzTx/>
+              <a:buFontTx/>
+              <a:buNone/>
+              <a:tabLst/>
+              <a:defRPr/>
+            </a:pPr>
+            <a:r>
+              <a:rPr kumimoji="0" lang="en-US" sz="4400" b="0" i="0" u="none" strike="noStrike" kern="1200" cap="none" spc="0" normalizeH="0" baseline="0" noProof="0" smtClean="0">
+                <a:ln>
+                  <a:noFill/>
+                </a:ln>
+                <a:solidFill>
+                  <a:schemeClr val="tx1"/>
+                </a:solidFill>
+                <a:effectLst/>
+                <a:uLnTx/>
+                <a:uFillTx/>
+                <a:latin typeface="+mj-lt"/>
+                <a:ea typeface="+mj-ea"/>
+                <a:cs typeface="+mj-cs"/>
+              </a:rPr>
+              <a:t>Pilot</a:t>
+            </a:r>
+            <a:r>
+              <a:rPr kumimoji="0" lang="en-US" sz="4400" b="0" i="0" u="none" strike="noStrike" kern="1200" cap="none" spc="0" normalizeH="0" noProof="0" smtClean="0">
+                <a:ln>
+                  <a:noFill/>
+                </a:ln>
+                <a:solidFill>
+                  <a:schemeClr val="tx1"/>
+                </a:solidFill>
+                <a:effectLst/>
+                <a:uLnTx/>
+                <a:uFillTx/>
+                <a:latin typeface="+mj-lt"/>
+                <a:ea typeface="+mj-ea"/>
+                <a:cs typeface="+mj-cs"/>
+              </a:rPr>
+              <a:t> / AutoPilot</a:t>
+            </a:r>
+            <a:r>
+              <a:rPr kumimoji="0" lang="en-US" sz="4400" b="0" i="0" u="none" strike="noStrike" kern="1200" cap="none" spc="0" normalizeH="0" baseline="0" noProof="0" smtClean="0">
+                <a:ln>
+                  <a:noFill/>
+                </a:ln>
+                <a:solidFill>
+                  <a:schemeClr val="tx1"/>
+                </a:solidFill>
+                <a:effectLst/>
+                <a:uLnTx/>
+                <a:uFillTx/>
+                <a:latin typeface="+mj-lt"/>
+                <a:ea typeface="+mj-ea"/>
+                <a:cs typeface="+mj-cs"/>
+              </a:rPr>
+              <a:t/>
+            </a:r>
+            <a:br>
+              <a:rPr kumimoji="0" lang="en-US" sz="4400" b="0" i="0" u="none" strike="noStrike" kern="1200" cap="none" spc="0" normalizeH="0" baseline="0" noProof="0" smtClean="0">
+                <a:ln>
+                  <a:noFill/>
+                </a:ln>
+                <a:solidFill>
+                  <a:schemeClr val="tx1"/>
+                </a:solidFill>
+                <a:effectLst/>
+                <a:uLnTx/>
+                <a:uFillTx/>
+                <a:latin typeface="+mj-lt"/>
+                <a:ea typeface="+mj-ea"/>
+                <a:cs typeface="+mj-cs"/>
+              </a:rPr>
+            </a:br>
+            <a:r>
+              <a:rPr kumimoji="0" lang="en-US" sz="2400" b="0" i="0" u="none" strike="noStrike" kern="1200" cap="none" spc="0" normalizeH="0" baseline="0" noProof="0" smtClean="0">
+                <a:ln>
+                  <a:noFill/>
+                </a:ln>
+                <a:solidFill>
+                  <a:schemeClr val="tx1"/>
+                </a:solidFill>
+                <a:effectLst/>
+                <a:uLnTx/>
+                <a:uFillTx/>
+                <a:latin typeface="+mj-lt"/>
+                <a:ea typeface="+mj-ea"/>
+                <a:cs typeface="+mj-cs"/>
+              </a:rPr>
+              <a:t>(Not associated with a DynamicModel)</a:t>
+            </a:r>
+            <a:endParaRPr kumimoji="0" lang="en-US" sz="4400" b="0" i="0" u="none" strike="noStrike" kern="1200" cap="none" spc="0" normalizeH="0" baseline="0" noProof="0">
+              <a:ln>
+                <a:noFill/>
+              </a:ln>
+              <a:solidFill>
+                <a:schemeClr val="tx1"/>
+              </a:solidFill>
+              <a:effectLst/>
+              <a:uLnTx/>
+              <a:uFillTx/>
+              <a:latin typeface="+mj-lt"/>
+              <a:ea typeface="+mj-ea"/>
+              <a:cs typeface="+mj-cs"/>
+            </a:endParaRPr>
           </a:p>
         </p:txBody>
       </p:sp>
@@ -5782,20 +5732,91 @@
         </p:nvSpPr>
         <p:spPr/>
         <p:txBody>
-          <a:bodyPr/>
-          <a:lstStyle/>
-          <a:p>
-            <a:r>
-              <a:rPr lang="en-US" smtClean="0"/>
-              <a:t>Pilot / AutoPilot</a:t>
-            </a:r>
-            <a:endParaRPr lang="en-US"/>
+          <a:bodyPr>
+            <a:normAutofit/>
+          </a:bodyPr>
+          <a:lstStyle/>
+          <a:p>
+            <a:r>
+              <a:rPr lang="en-US" smtClean="0"/>
+              <a:t>Composite </a:t>
+            </a:r>
+            <a:r>
+              <a:rPr lang="en-US" smtClean="0"/>
+              <a:t>Structure</a:t>
+            </a:r>
+            <a:endParaRPr lang="en-US" sz="4000"/>
+          </a:p>
+        </p:txBody>
+      </p:sp>
+      <p:sp>
+        <p:nvSpPr>
+          <p:cNvPr id="10" name="Content Placeholder 2"/>
+          <p:cNvSpPr>
+            <a:spLocks noGrp="1"/>
+          </p:cNvSpPr>
+          <p:nvPr>
+            <p:ph idx="1"/>
+          </p:nvPr>
+        </p:nvSpPr>
+        <p:spPr>
+          <a:xfrm>
+            <a:off x="457200" y="1447801"/>
+            <a:ext cx="8229600" cy="609600"/>
+          </a:xfrm>
+        </p:spPr>
+        <p:txBody>
+          <a:bodyPr>
+            <a:normAutofit/>
+          </a:bodyPr>
+          <a:lstStyle/>
+          <a:p>
+            <a:r>
+              <a:rPr lang="en-US" sz="2400" smtClean="0"/>
+              <a:t>General </a:t>
+            </a:r>
+            <a:r>
+              <a:rPr lang="en-US" sz="2400" smtClean="0"/>
+              <a:t>purpose interface to those sub-systems</a:t>
+            </a:r>
+            <a:endParaRPr lang="en-US" sz="2400"/>
+          </a:p>
+        </p:txBody>
+      </p:sp>
+      <p:sp>
+        <p:nvSpPr>
+          <p:cNvPr id="11" name="TextBox 10"/>
+          <p:cNvSpPr txBox="1"/>
+          <p:nvPr/>
+        </p:nvSpPr>
+        <p:spPr>
+          <a:xfrm>
+            <a:off x="0" y="5181600"/>
+            <a:ext cx="9144000" cy="338554"/>
+          </a:xfrm>
+          <a:prstGeom prst="rect">
+            <a:avLst/>
+          </a:prstGeom>
+          <a:noFill/>
+        </p:spPr>
+        <p:txBody>
+          <a:bodyPr wrap="square" rtlCol="0">
+            <a:spAutoFit/>
+          </a:bodyPr>
+          <a:lstStyle/>
+          <a:p>
+            <a:pPr algn="ctr"/>
+            <a:r>
+              <a:rPr lang="en-US" sz="1600" b="1" smtClean="0"/>
+              <a:t>from Player.h</a:t>
+            </a:r>
+            <a:endParaRPr lang="en-US" sz="1600" b="1"/>
           </a:p>
         </p:txBody>
       </p:sp>
       <p:pic>
         <p:nvPicPr>
-          <p:cNvPr id="12290" name="Picture 2"/>
+          <p:cNvPr id="1027" name="Picture 3"/>
           <p:cNvPicPr>
             <a:picLocks noChangeAspect="1" noChangeArrowheads="1"/>
           </p:cNvPicPr>
@@ -5810,8 +5831,8 @@
         </p:blipFill>
         <p:spPr bwMode="auto">
           <a:xfrm>
-            <a:off x="1828800" y="1219200"/>
-            <a:ext cx="5581650" cy="5442975"/>
+            <a:off x="1447800" y="2362200"/>
+            <a:ext cx="6257925" cy="2609850"/>
           </a:xfrm>
           <a:prstGeom prst="rect">
             <a:avLst/>
@@ -5827,19 +5848,19 @@
       </p:pic>
       <p:cxnSp>
         <p:nvCxnSpPr>
-          <p:cNvPr id="6" name="Straight Arrow Connector 5"/>
+          <p:cNvPr id="16" name="Straight Arrow Connector 15"/>
           <p:cNvCxnSpPr/>
           <p:nvPr/>
         </p:nvCxnSpPr>
         <p:spPr>
-          <a:xfrm flipH="1" flipV="1">
-            <a:off x="5029200" y="3200400"/>
-            <a:ext cx="1447800" cy="457200"/>
+          <a:xfrm flipV="1">
+            <a:off x="1219200" y="3429000"/>
+            <a:ext cx="381000" cy="76200"/>
           </a:xfrm>
           <a:prstGeom prst="straightConnector1">
             <a:avLst/>
           </a:prstGeom>
-          <a:ln w="22225">
+          <a:ln w="28575">
             <a:solidFill>
               <a:srgbClr val="FF0000"/>
             </a:solidFill>
@@ -5863,19 +5884,19 @@
       </p:cxnSp>
       <p:cxnSp>
         <p:nvCxnSpPr>
-          <p:cNvPr id="9" name="Straight Arrow Connector 8"/>
+          <p:cNvPr id="7" name="Straight Arrow Connector 6"/>
           <p:cNvCxnSpPr/>
           <p:nvPr/>
         </p:nvCxnSpPr>
         <p:spPr>
-          <a:xfrm flipH="1">
-            <a:off x="4876800" y="3886200"/>
-            <a:ext cx="1600200" cy="0"/>
+          <a:xfrm flipV="1">
+            <a:off x="1219200" y="3733800"/>
+            <a:ext cx="381000" cy="76200"/>
           </a:xfrm>
           <a:prstGeom prst="straightConnector1">
             <a:avLst/>
           </a:prstGeom>
-          <a:ln w="22225">
+          <a:ln w="28575">
             <a:solidFill>
               <a:srgbClr val="FF0000"/>
             </a:solidFill>
@@ -5897,114 +5918,6 @@
           </a:fontRef>
         </p:style>
       </p:cxnSp>
-      <p:cxnSp>
-        <p:nvCxnSpPr>
-          <p:cNvPr id="11" name="Straight Arrow Connector 10"/>
-          <p:cNvCxnSpPr/>
-          <p:nvPr/>
-        </p:nvCxnSpPr>
-        <p:spPr>
-          <a:xfrm flipH="1">
-            <a:off x="4800600" y="4191000"/>
-            <a:ext cx="1676400" cy="685800"/>
-          </a:xfrm>
-          <a:prstGeom prst="straightConnector1">
-            <a:avLst/>
-          </a:prstGeom>
-          <a:ln w="22225">
-            <a:solidFill>
-              <a:srgbClr val="FF0000"/>
-            </a:solidFill>
-            <a:tailEnd type="arrow"/>
-          </a:ln>
-        </p:spPr>
-        <p:style>
-          <a:lnRef idx="1">
-            <a:schemeClr val="accent1"/>
-          </a:lnRef>
-          <a:fillRef idx="0">
-            <a:schemeClr val="accent1"/>
-          </a:fillRef>
-          <a:effectRef idx="0">
-            <a:schemeClr val="accent1"/>
-          </a:effectRef>
-          <a:fontRef idx="minor">
-            <a:schemeClr val="tx1"/>
-          </a:fontRef>
-        </p:style>
-      </p:cxnSp>
-      <p:cxnSp>
-        <p:nvCxnSpPr>
-          <p:cNvPr id="13" name="Straight Arrow Connector 12"/>
-          <p:cNvCxnSpPr/>
-          <p:nvPr/>
-        </p:nvCxnSpPr>
-        <p:spPr>
-          <a:xfrm flipH="1">
-            <a:off x="4953000" y="4419600"/>
-            <a:ext cx="1524000" cy="1371600"/>
-          </a:xfrm>
-          <a:prstGeom prst="straightConnector1">
-            <a:avLst/>
-          </a:prstGeom>
-          <a:ln w="22225">
-            <a:solidFill>
-              <a:srgbClr val="FF0000"/>
-            </a:solidFill>
-            <a:tailEnd type="arrow"/>
-          </a:ln>
-        </p:spPr>
-        <p:style>
-          <a:lnRef idx="1">
-            <a:schemeClr val="accent1"/>
-          </a:lnRef>
-          <a:fillRef idx="0">
-            <a:schemeClr val="accent1"/>
-          </a:fillRef>
-          <a:effectRef idx="0">
-            <a:schemeClr val="accent1"/>
-          </a:effectRef>
-          <a:fontRef idx="minor">
-            <a:schemeClr val="tx1"/>
-          </a:fontRef>
-        </p:style>
-      </p:cxnSp>
-      <p:sp>
-        <p:nvSpPr>
-          <p:cNvPr id="15" name="TextBox 14"/>
-          <p:cNvSpPr txBox="1"/>
-          <p:nvPr/>
-        </p:nvSpPr>
-        <p:spPr>
-          <a:xfrm>
-            <a:off x="6553200" y="3505200"/>
-            <a:ext cx="2209800" cy="1077218"/>
-          </a:xfrm>
-          <a:prstGeom prst="rect">
-            <a:avLst/>
-          </a:prstGeom>
-          <a:noFill/>
-        </p:spPr>
-        <p:txBody>
-          <a:bodyPr wrap="square" rtlCol="0">
-            <a:spAutoFit/>
-          </a:bodyPr>
-          <a:lstStyle/>
-          <a:p>
-            <a:r>
-              <a:rPr lang="en-US" sz="1600" smtClean="0"/>
-              <a:t>Determines what to do, (e.g., follow routes,</a:t>
-            </a:r>
-          </a:p>
-          <a:p>
-            <a:r>
-              <a:rPr lang="en-US" sz="1600" smtClean="0"/>
-              <a:t>loiter, follow another player, etc)</a:t>
-            </a:r>
-            <a:endParaRPr lang="en-US" sz="1600"/>
-          </a:p>
-        </p:txBody>
-      </p:sp>
     </p:spTree>
   </p:cSld>
   <p:clrMapOvr>
@@ -6054,7 +5967,7 @@
           <a:p>
             <a:r>
               <a:rPr lang="en-US" smtClean="0"/>
-              <a:t>Navigation</a:t>
+              <a:t>Pilot / AutoPilot</a:t>
             </a:r>
             <a:endParaRPr lang="en-US"/>
           </a:p>
@@ -6072,34 +5985,27 @@
         </p:nvSpPr>
         <p:spPr/>
         <p:txBody>
-          <a:bodyPr/>
-          <a:lstStyle/>
-          <a:p>
-            <a:r>
-              <a:rPr lang="en-US" smtClean="0"/>
-              <a:t>AutoPilot uses Navigation</a:t>
-            </a:r>
-          </a:p>
-          <a:p>
-            <a:pPr lvl="1"/>
-            <a:r>
-              <a:rPr lang="en-US" smtClean="0"/>
-              <a:t>Navigation contains routes, which contain steerpoints</a:t>
-            </a:r>
-          </a:p>
-          <a:p>
-            <a:pPr lvl="1"/>
-            <a:r>
-              <a:rPr lang="en-US" smtClean="0"/>
-              <a:t>Steerpoints can contain Actions!</a:t>
-            </a:r>
-            <a:endParaRPr lang="en-US"/>
+          <a:bodyPr>
+            <a:normAutofit/>
+          </a:bodyPr>
+          <a:lstStyle/>
+          <a:p>
+            <a:r>
+              <a:rPr lang="en-US" sz="2400" smtClean="0"/>
+              <a:t>NOT part of DynamicsModel!</a:t>
+            </a:r>
+          </a:p>
+          <a:p>
+            <a:r>
+              <a:rPr lang="en-US" sz="2400" smtClean="0"/>
+              <a:t>Provides “higher level” functions than a dynamics model autopilot</a:t>
+            </a:r>
           </a:p>
         </p:txBody>
       </p:sp>
       <p:pic>
         <p:nvPicPr>
-          <p:cNvPr id="10243" name="Picture 3"/>
+          <p:cNvPr id="9218" name="Picture 2"/>
           <p:cNvPicPr>
             <a:picLocks noChangeAspect="1" noChangeArrowheads="1"/>
           </p:cNvPicPr>
@@ -6114,8 +6020,8 @@
         </p:blipFill>
         <p:spPr bwMode="auto">
           <a:xfrm>
-            <a:off x="685800" y="3276600"/>
-            <a:ext cx="3619500" cy="2266950"/>
+            <a:off x="914400" y="2895600"/>
+            <a:ext cx="1152525" cy="3133725"/>
           </a:xfrm>
           <a:prstGeom prst="rect">
             <a:avLst/>
@@ -6131,7 +6037,7 @@
       </p:pic>
       <p:pic>
         <p:nvPicPr>
-          <p:cNvPr id="10244" name="Picture 4"/>
+          <p:cNvPr id="9220" name="Picture 4"/>
           <p:cNvPicPr>
             <a:picLocks noChangeAspect="1" noChangeArrowheads="1"/>
           </p:cNvPicPr>
@@ -6146,8 +6052,8 @@
         </p:blipFill>
         <p:spPr bwMode="auto">
           <a:xfrm>
-            <a:off x="4876800" y="3276600"/>
-            <a:ext cx="3590925" cy="1495425"/>
+            <a:off x="2438400" y="2971800"/>
+            <a:ext cx="6153150" cy="2914650"/>
           </a:xfrm>
           <a:prstGeom prst="rect">
             <a:avLst/>
@@ -6161,6 +6067,72 @@
           </a:ln>
         </p:spPr>
       </p:pic>
+      <p:cxnSp>
+        <p:nvCxnSpPr>
+          <p:cNvPr id="7" name="Straight Arrow Connector 6"/>
+          <p:cNvCxnSpPr/>
+          <p:nvPr/>
+        </p:nvCxnSpPr>
+        <p:spPr>
+          <a:xfrm flipH="1" flipV="1">
+            <a:off x="5029200" y="5638800"/>
+            <a:ext cx="609600" cy="76200"/>
+          </a:xfrm>
+          <a:prstGeom prst="straightConnector1">
+            <a:avLst/>
+          </a:prstGeom>
+          <a:ln w="22225">
+            <a:solidFill>
+              <a:srgbClr val="FF0000"/>
+            </a:solidFill>
+            <a:tailEnd type="arrow"/>
+          </a:ln>
+        </p:spPr>
+        <p:style>
+          <a:lnRef idx="1">
+            <a:schemeClr val="accent1"/>
+          </a:lnRef>
+          <a:fillRef idx="0">
+            <a:schemeClr val="accent1"/>
+          </a:fillRef>
+          <a:effectRef idx="0">
+            <a:schemeClr val="accent1"/>
+          </a:effectRef>
+          <a:fontRef idx="minor">
+            <a:schemeClr val="tx1"/>
+          </a:fontRef>
+        </p:style>
+      </p:cxnSp>
+      <p:sp>
+        <p:nvSpPr>
+          <p:cNvPr id="8" name="TextBox 7"/>
+          <p:cNvSpPr txBox="1"/>
+          <p:nvPr/>
+        </p:nvSpPr>
+        <p:spPr>
+          <a:xfrm>
+            <a:off x="5638800" y="5486400"/>
+            <a:ext cx="2667000" cy="830997"/>
+          </a:xfrm>
+          <a:prstGeom prst="rect">
+            <a:avLst/>
+          </a:prstGeom>
+          <a:noFill/>
+        </p:spPr>
+        <p:txBody>
+          <a:bodyPr wrap="square" rtlCol="0">
+            <a:spAutoFit/>
+          </a:bodyPr>
+          <a:lstStyle/>
+          <a:p>
+            <a:r>
+              <a:rPr lang="en-US" sz="1600" smtClean="0"/>
+              <a:t>Base pilot class does nothing interesting, AutoPilot class adds functionality</a:t>
+            </a:r>
+            <a:endParaRPr lang="en-US" sz="1600"/>
+          </a:p>
+        </p:txBody>
+      </p:sp>
     </p:spTree>
   </p:cSld>
   <p:clrMapOvr>
@@ -6193,32 +6165,9 @@
           <a:chExt cx="0" cy="0"/>
         </a:xfrm>
       </p:grpSpPr>
-      <p:sp>
-        <p:nvSpPr>
-          <p:cNvPr id="2" name="Title 1"/>
-          <p:cNvSpPr>
-            <a:spLocks noGrp="1"/>
-          </p:cNvSpPr>
-          <p:nvPr>
-            <p:ph type="title"/>
-          </p:nvPr>
-        </p:nvSpPr>
-        <p:spPr/>
-        <p:txBody>
-          <a:bodyPr/>
-          <a:lstStyle/>
-          <a:p>
-            <a:r>
-              <a:rPr lang="en-US" smtClean="0"/>
-              <a:t>Example Input File</a:t>
-            </a:r>
-            <a:endParaRPr lang="en-US"/>
-          </a:p>
-        </p:txBody>
-      </p:sp>
       <p:pic>
         <p:nvPicPr>
-          <p:cNvPr id="13314" name="Picture 2"/>
+          <p:cNvPr id="11267" name="Picture 3"/>
           <p:cNvPicPr>
             <a:picLocks noChangeAspect="1" noChangeArrowheads="1"/>
           </p:cNvPicPr>
@@ -6233,8 +6182,8 @@
         </p:blipFill>
         <p:spPr bwMode="auto">
           <a:xfrm>
-            <a:off x="457200" y="1676400"/>
-            <a:ext cx="3181350" cy="4424394"/>
+            <a:off x="914400" y="2590800"/>
+            <a:ext cx="7085575" cy="2438400"/>
           </a:xfrm>
           <a:prstGeom prst="rect">
             <a:avLst/>
@@ -6248,6 +6197,29 @@
           </a:ln>
         </p:spPr>
       </p:pic>
+      <p:sp>
+        <p:nvSpPr>
+          <p:cNvPr id="2" name="Title 1"/>
+          <p:cNvSpPr>
+            <a:spLocks noGrp="1"/>
+          </p:cNvSpPr>
+          <p:nvPr>
+            <p:ph type="title"/>
+          </p:nvPr>
+        </p:nvSpPr>
+        <p:spPr/>
+        <p:txBody>
+          <a:bodyPr/>
+          <a:lstStyle/>
+          <a:p>
+            <a:r>
+              <a:rPr lang="en-US" smtClean="0"/>
+              <a:t>Pilot / AutoPilot</a:t>
+            </a:r>
+            <a:endParaRPr lang="en-US"/>
+          </a:p>
+        </p:txBody>
+      </p:sp>
       <p:cxnSp>
         <p:nvCxnSpPr>
           <p:cNvPr id="5" name="Straight Arrow Connector 4"/>
@@ -6256,13 +6228,13 @@
         </p:nvCxnSpPr>
         <p:spPr>
           <a:xfrm flipH="1">
-            <a:off x="3733800" y="2743200"/>
-            <a:ext cx="1143000" cy="76200"/>
+            <a:off x="2732443" y="3624431"/>
+            <a:ext cx="762000" cy="0"/>
           </a:xfrm>
           <a:prstGeom prst="straightConnector1">
             <a:avLst/>
           </a:prstGeom>
-          <a:ln w="22225">
+          <a:ln w="25400">
             <a:solidFill>
               <a:srgbClr val="FF0000"/>
             </a:solidFill>
@@ -6292,8 +6264,8 @@
         </p:nvSpPr>
         <p:spPr>
           <a:xfrm>
-            <a:off x="4953000" y="2438400"/>
-            <a:ext cx="2895600" cy="584775"/>
+            <a:off x="3646843" y="3472031"/>
+            <a:ext cx="2525357" cy="338554"/>
           </a:xfrm>
           <a:prstGeom prst="rect">
             <a:avLst/>
@@ -6308,31 +6280,33 @@
           <a:p>
             <a:r>
               <a:rPr lang="en-US" sz="1600" smtClean="0"/>
-              <a:t>RacModel has a auto pilot within its dynamic model</a:t>
+              <a:t>Determine what to do</a:t>
             </a:r>
             <a:endParaRPr lang="en-US" sz="1600"/>
           </a:p>
         </p:txBody>
       </p:sp>
-      <p:cxnSp>
-        <p:nvCxnSpPr>
-          <p:cNvPr id="8" name="Straight Arrow Connector 7"/>
-          <p:cNvCxnSpPr/>
+      <p:sp>
+        <p:nvSpPr>
+          <p:cNvPr id="11" name="Right Brace 10"/>
+          <p:cNvSpPr/>
           <p:nvPr/>
-        </p:nvCxnSpPr>
-        <p:spPr>
-          <a:xfrm flipH="1" flipV="1">
-            <a:off x="2971800" y="3276600"/>
-            <a:ext cx="1828800" cy="228600"/>
-          </a:xfrm>
-          <a:prstGeom prst="straightConnector1">
-            <a:avLst/>
-          </a:prstGeom>
-          <a:ln w="22225">
+        </p:nvSpPr>
+        <p:spPr>
+          <a:xfrm>
+            <a:off x="3124200" y="3886200"/>
+            <a:ext cx="381000" cy="533400"/>
+          </a:xfrm>
+          <a:prstGeom prst="rightBrace">
+            <a:avLst>
+              <a:gd name="adj1" fmla="val 16803"/>
+              <a:gd name="adj2" fmla="val 50000"/>
+            </a:avLst>
+          </a:prstGeom>
+          <a:ln w="25400">
             <a:solidFill>
               <a:srgbClr val="FF0000"/>
             </a:solidFill>
-            <a:tailEnd type="arrow"/>
           </a:ln>
         </p:spPr>
         <p:style>
@@ -6349,7 +6323,15 @@
             <a:schemeClr val="tx1"/>
           </a:fontRef>
         </p:style>
-      </p:cxnSp>
+        <p:txBody>
+          <a:bodyPr rtlCol="0" anchor="ctr"/>
+          <a:lstStyle/>
+          <a:p>
+            <a:pPr algn="ctr"/>
+            <a:endParaRPr lang="en-US"/>
+          </a:p>
+        </p:txBody>
+      </p:sp>
       <p:sp>
         <p:nvSpPr>
           <p:cNvPr id="12" name="TextBox 11"/>
@@ -6358,8 +6340,8 @@
         </p:nvSpPr>
         <p:spPr>
           <a:xfrm>
-            <a:off x="4953000" y="3276600"/>
-            <a:ext cx="2895600" cy="830997"/>
+            <a:off x="3657600" y="3962400"/>
+            <a:ext cx="3200400" cy="338554"/>
           </a:xfrm>
           <a:prstGeom prst="rect">
             <a:avLst/>
@@ -6374,75 +6356,52 @@
           <a:p>
             <a:r>
               <a:rPr lang="en-US" sz="1600" smtClean="0"/>
-              <a:t>Auto pilot that follows the defined route within navigation system</a:t>
+              <a:t>Do it</a:t>
             </a:r>
             <a:endParaRPr lang="en-US" sz="1600"/>
           </a:p>
         </p:txBody>
       </p:sp>
-      <p:cxnSp>
-        <p:nvCxnSpPr>
-          <p:cNvPr id="13" name="Straight Arrow Connector 12"/>
-          <p:cNvCxnSpPr/>
-          <p:nvPr/>
-        </p:nvCxnSpPr>
-        <p:spPr>
-          <a:xfrm flipH="1">
-            <a:off x="2971800" y="4495800"/>
-            <a:ext cx="1828800" cy="228600"/>
-          </a:xfrm>
-          <a:prstGeom prst="straightConnector1">
-            <a:avLst/>
-          </a:prstGeom>
-          <a:ln w="22225">
-            <a:solidFill>
-              <a:srgbClr val="FF0000"/>
-            </a:solidFill>
-            <a:tailEnd type="arrow"/>
-          </a:ln>
-        </p:spPr>
-        <p:style>
-          <a:lnRef idx="1">
-            <a:schemeClr val="accent1"/>
-          </a:lnRef>
-          <a:fillRef idx="0">
-            <a:schemeClr val="accent1"/>
-          </a:fillRef>
-          <a:effectRef idx="0">
-            <a:schemeClr val="accent1"/>
-          </a:effectRef>
-          <a:fontRef idx="minor">
-            <a:schemeClr val="tx1"/>
-          </a:fontRef>
-        </p:style>
-      </p:cxnSp>
-      <p:sp>
-        <p:nvSpPr>
-          <p:cNvPr id="14" name="TextBox 13"/>
-          <p:cNvSpPr txBox="1"/>
-          <p:nvPr/>
-        </p:nvSpPr>
-        <p:spPr>
-          <a:xfrm>
-            <a:off x="4953000" y="4267200"/>
-            <a:ext cx="2895600" cy="584775"/>
-          </a:xfrm>
-          <a:prstGeom prst="rect">
-            <a:avLst/>
-          </a:prstGeom>
-          <a:noFill/>
-        </p:spPr>
-        <p:txBody>
-          <a:bodyPr wrap="square" rtlCol="0">
-            <a:spAutoFit/>
+      <p:sp>
+        <p:nvSpPr>
+          <p:cNvPr id="8" name="Content Placeholder 2"/>
+          <p:cNvSpPr>
+            <a:spLocks noGrp="1"/>
+          </p:cNvSpPr>
+          <p:nvPr>
+            <p:ph idx="1"/>
+          </p:nvPr>
+        </p:nvSpPr>
+        <p:spPr>
+          <a:xfrm>
+            <a:off x="457200" y="1447801"/>
+            <a:ext cx="8229600" cy="1066800"/>
+          </a:xfrm>
+        </p:spPr>
+        <p:txBody>
+          <a:bodyPr>
+            <a:normAutofit/>
           </a:bodyPr>
           <a:lstStyle/>
           <a:p>
             <a:r>
-              <a:rPr lang="en-US" sz="1600" smtClean="0"/>
-              <a:t>Attached navigation system that includes a defined route</a:t>
-            </a:r>
-            <a:endParaRPr lang="en-US" sz="1600"/>
+              <a:rPr lang="en-US" sz="2400" smtClean="0"/>
+              <a:t>Defined Autopilot functionality called in each frame</a:t>
+            </a:r>
+          </a:p>
+          <a:p>
+            <a:r>
+              <a:rPr lang="en-US" sz="2400" smtClean="0"/>
+              <a:t>Remember “process” is 4</a:t>
+            </a:r>
+            <a:r>
+              <a:rPr lang="en-US" sz="2400" baseline="30000" smtClean="0"/>
+              <a:t>th</a:t>
+            </a:r>
+            <a:r>
+              <a:rPr lang="en-US" sz="2400" smtClean="0"/>
+              <a:t> phase in each frame</a:t>
+            </a:r>
           </a:p>
         </p:txBody>
       </p:sp>
@@ -6495,7 +6454,7 @@
           <a:p>
             <a:r>
               <a:rPr lang="en-US" smtClean="0"/>
-              <a:t>Example Input File</a:t>
+              <a:t>Pilot / AutoPilot</a:t>
             </a:r>
             <a:endParaRPr lang="en-US"/>
           </a:p>
@@ -6503,7 +6462,7 @@
       </p:sp>
       <p:pic>
         <p:nvPicPr>
-          <p:cNvPr id="14338" name="Picture 2"/>
+          <p:cNvPr id="12290" name="Picture 2"/>
           <p:cNvPicPr>
             <a:picLocks noChangeAspect="1" noChangeArrowheads="1"/>
           </p:cNvPicPr>
@@ -6518,8 +6477,8 @@
         </p:blipFill>
         <p:spPr bwMode="auto">
           <a:xfrm>
-            <a:off x="1371600" y="1676400"/>
-            <a:ext cx="6410325" cy="4562475"/>
+            <a:off x="1828800" y="1219200"/>
+            <a:ext cx="5581650" cy="5442975"/>
           </a:xfrm>
           <a:prstGeom prst="rect">
             <a:avLst/>
@@ -6535,14 +6494,14 @@
       </p:pic>
       <p:cxnSp>
         <p:nvCxnSpPr>
-          <p:cNvPr id="5" name="Straight Arrow Connector 4"/>
+          <p:cNvPr id="6" name="Straight Arrow Connector 5"/>
           <p:cNvCxnSpPr/>
           <p:nvPr/>
         </p:nvCxnSpPr>
         <p:spPr>
-          <a:xfrm flipH="1">
-            <a:off x="3048000" y="2362200"/>
-            <a:ext cx="1143000" cy="685800"/>
+          <a:xfrm flipH="1" flipV="1">
+            <a:off x="5029200" y="3200400"/>
+            <a:ext cx="1447800" cy="457200"/>
           </a:xfrm>
           <a:prstGeom prst="straightConnector1">
             <a:avLst/>
@@ -6569,16 +6528,124 @@
           </a:fontRef>
         </p:style>
       </p:cxnSp>
-      <p:sp>
-        <p:nvSpPr>
-          <p:cNvPr id="6" name="TextBox 5"/>
+      <p:cxnSp>
+        <p:nvCxnSpPr>
+          <p:cNvPr id="9" name="Straight Arrow Connector 8"/>
+          <p:cNvCxnSpPr/>
+          <p:nvPr/>
+        </p:nvCxnSpPr>
+        <p:spPr>
+          <a:xfrm flipH="1">
+            <a:off x="4876800" y="3886200"/>
+            <a:ext cx="1600200" cy="0"/>
+          </a:xfrm>
+          <a:prstGeom prst="straightConnector1">
+            <a:avLst/>
+          </a:prstGeom>
+          <a:ln w="22225">
+            <a:solidFill>
+              <a:srgbClr val="FF0000"/>
+            </a:solidFill>
+            <a:tailEnd type="arrow"/>
+          </a:ln>
+        </p:spPr>
+        <p:style>
+          <a:lnRef idx="1">
+            <a:schemeClr val="accent1"/>
+          </a:lnRef>
+          <a:fillRef idx="0">
+            <a:schemeClr val="accent1"/>
+          </a:fillRef>
+          <a:effectRef idx="0">
+            <a:schemeClr val="accent1"/>
+          </a:effectRef>
+          <a:fontRef idx="minor">
+            <a:schemeClr val="tx1"/>
+          </a:fontRef>
+        </p:style>
+      </p:cxnSp>
+      <p:cxnSp>
+        <p:nvCxnSpPr>
+          <p:cNvPr id="11" name="Straight Arrow Connector 10"/>
+          <p:cNvCxnSpPr/>
+          <p:nvPr/>
+        </p:nvCxnSpPr>
+        <p:spPr>
+          <a:xfrm flipH="1">
+            <a:off x="4800600" y="4191000"/>
+            <a:ext cx="1676400" cy="685800"/>
+          </a:xfrm>
+          <a:prstGeom prst="straightConnector1">
+            <a:avLst/>
+          </a:prstGeom>
+          <a:ln w="22225">
+            <a:solidFill>
+              <a:srgbClr val="FF0000"/>
+            </a:solidFill>
+            <a:tailEnd type="arrow"/>
+          </a:ln>
+        </p:spPr>
+        <p:style>
+          <a:lnRef idx="1">
+            <a:schemeClr val="accent1"/>
+          </a:lnRef>
+          <a:fillRef idx="0">
+            <a:schemeClr val="accent1"/>
+          </a:fillRef>
+          <a:effectRef idx="0">
+            <a:schemeClr val="accent1"/>
+          </a:effectRef>
+          <a:fontRef idx="minor">
+            <a:schemeClr val="tx1"/>
+          </a:fontRef>
+        </p:style>
+      </p:cxnSp>
+      <p:cxnSp>
+        <p:nvCxnSpPr>
+          <p:cNvPr id="13" name="Straight Arrow Connector 12"/>
+          <p:cNvCxnSpPr/>
+          <p:nvPr/>
+        </p:nvCxnSpPr>
+        <p:spPr>
+          <a:xfrm flipH="1">
+            <a:off x="4953000" y="4419600"/>
+            <a:ext cx="1524000" cy="1371600"/>
+          </a:xfrm>
+          <a:prstGeom prst="straightConnector1">
+            <a:avLst/>
+          </a:prstGeom>
+          <a:ln w="22225">
+            <a:solidFill>
+              <a:srgbClr val="FF0000"/>
+            </a:solidFill>
+            <a:tailEnd type="arrow"/>
+          </a:ln>
+        </p:spPr>
+        <p:style>
+          <a:lnRef idx="1">
+            <a:schemeClr val="accent1"/>
+          </a:lnRef>
+          <a:fillRef idx="0">
+            <a:schemeClr val="accent1"/>
+          </a:fillRef>
+          <a:effectRef idx="0">
+            <a:schemeClr val="accent1"/>
+          </a:effectRef>
+          <a:fontRef idx="minor">
+            <a:schemeClr val="tx1"/>
+          </a:fontRef>
+        </p:style>
+      </p:cxnSp>
+      <p:sp>
+        <p:nvSpPr>
+          <p:cNvPr id="15" name="TextBox 14"/>
           <p:cNvSpPr txBox="1"/>
           <p:nvPr/>
         </p:nvSpPr>
         <p:spPr>
           <a:xfrm>
-            <a:off x="4267200" y="2057400"/>
-            <a:ext cx="2895600" cy="584775"/>
+            <a:off x="6553200" y="3505200"/>
+            <a:ext cx="2209800" cy="1077218"/>
           </a:xfrm>
           <a:prstGeom prst="rect">
             <a:avLst/>
@@ -6593,7 +6660,13 @@
           <a:p>
             <a:r>
               <a:rPr lang="en-US" sz="1600" smtClean="0"/>
-              <a:t>Steerpoints define position and desired airspeed, etc</a:t>
+              <a:t>Determines what to do, (e.g., follow routes,</a:t>
+            </a:r>
+          </a:p>
+          <a:p>
+            <a:r>
+              <a:rPr lang="en-US" sz="1600" smtClean="0"/>
+              <a:t>loiter, follow another player, etc)</a:t>
             </a:r>
             <a:endParaRPr lang="en-US" sz="1600"/>
           </a:p>
@@ -6648,7 +6721,7 @@
           <a:p>
             <a:r>
               <a:rPr lang="en-US" smtClean="0"/>
-              <a:t>Steerpoint Actions</a:t>
+              <a:t>Navigation</a:t>
             </a:r>
             <a:endParaRPr lang="en-US"/>
           </a:p>
@@ -6666,29 +6739,34 @@
         </p:nvSpPr>
         <p:spPr/>
         <p:txBody>
-          <a:bodyPr>
-            <a:normAutofit/>
-          </a:bodyPr>
-          <a:lstStyle/>
-          <a:p>
-            <a:r>
-              <a:rPr lang="en-US" sz="2400" smtClean="0"/>
-              <a:t>Steerpoint can have an associated Action</a:t>
+          <a:bodyPr/>
+          <a:lstStyle/>
+          <a:p>
+            <a:r>
+              <a:rPr lang="en-US" smtClean="0"/>
+              <a:t>AutoPilot uses Navigation</a:t>
             </a:r>
           </a:p>
           <a:p>
             <a:pPr lvl="1"/>
             <a:r>
-              <a:rPr lang="en-US" sz="2000" smtClean="0"/>
-              <a:t>Examples: Take SAR image, release weapon, release decoy, etc</a:t>
-            </a:r>
-            <a:endParaRPr lang="en-US" sz="2000"/>
+              <a:rPr lang="en-US" smtClean="0"/>
+              <a:t>Navigation contains routes, which contain steerpoints</a:t>
+            </a:r>
+          </a:p>
+          <a:p>
+            <a:pPr lvl="1"/>
+            <a:r>
+              <a:rPr lang="en-US" smtClean="0"/>
+              <a:t>Steerpoints can contain Actions!</a:t>
+            </a:r>
+            <a:endParaRPr lang="en-US"/>
           </a:p>
         </p:txBody>
       </p:sp>
       <p:pic>
         <p:nvPicPr>
-          <p:cNvPr id="15362" name="Picture 2"/>
+          <p:cNvPr id="10243" name="Picture 3"/>
           <p:cNvPicPr>
             <a:picLocks noChangeAspect="1" noChangeArrowheads="1"/>
           </p:cNvPicPr>
@@ -6703,8 +6781,8 @@
         </p:blipFill>
         <p:spPr bwMode="auto">
           <a:xfrm>
-            <a:off x="609600" y="2514600"/>
-            <a:ext cx="1143000" cy="2315059"/>
+            <a:off x="685800" y="3276600"/>
+            <a:ext cx="3619500" cy="2266950"/>
           </a:xfrm>
           <a:prstGeom prst="rect">
             <a:avLst/>
@@ -6720,7 +6798,7 @@
       </p:pic>
       <p:pic>
         <p:nvPicPr>
-          <p:cNvPr id="1026" name="Picture 2"/>
+          <p:cNvPr id="10244" name="Picture 4"/>
           <p:cNvPicPr>
             <a:picLocks noChangeAspect="1" noChangeArrowheads="1"/>
           </p:cNvPicPr>
@@ -6735,8 +6813,8 @@
         </p:blipFill>
         <p:spPr bwMode="auto">
           <a:xfrm>
-            <a:off x="2209800" y="2514600"/>
-            <a:ext cx="6191250" cy="3714750"/>
+            <a:off x="4876800" y="3276600"/>
+            <a:ext cx="3590925" cy="1495425"/>
           </a:xfrm>
           <a:prstGeom prst="rect">
             <a:avLst/>
@@ -6799,48 +6877,15 @@
           <a:p>
             <a:r>
               <a:rPr lang="en-US" smtClean="0"/>
-              <a:t>Flow of Decisions and Actions</a:t>
+              <a:t>Example Input File</a:t>
             </a:r>
             <a:endParaRPr lang="en-US"/>
-          </a:p>
-        </p:txBody>
-      </p:sp>
-      <p:sp>
-        <p:nvSpPr>
-          <p:cNvPr id="3" name="Content Placeholder 2"/>
-          <p:cNvSpPr>
-            <a:spLocks noGrp="1"/>
-          </p:cNvSpPr>
-          <p:nvPr>
-            <p:ph idx="1"/>
-          </p:nvPr>
-        </p:nvSpPr>
-        <p:spPr/>
-        <p:txBody>
-          <a:bodyPr>
-            <a:normAutofit/>
-          </a:bodyPr>
-          <a:lstStyle/>
-          <a:p>
-            <a:r>
-              <a:rPr lang="en-US" sz="2400" smtClean="0"/>
-              <a:t>AutoPilot determines “high level” things to do, and how to do it via commands to “dynamic model auto pilot” or even direct control in some cases</a:t>
-            </a:r>
-          </a:p>
-          <a:p>
-            <a:r>
-              <a:rPr lang="en-US" sz="2400" smtClean="0"/>
-              <a:t>Onboard computer could be used to determine “what to do” and allow AutoPilot to carry out decisions</a:t>
-            </a:r>
-          </a:p>
-          <a:p>
-            <a:endParaRPr lang="en-US" sz="2400"/>
           </a:p>
         </p:txBody>
       </p:sp>
       <p:pic>
         <p:nvPicPr>
-          <p:cNvPr id="4" name="Picture 3"/>
+          <p:cNvPr id="13314" name="Picture 2"/>
           <p:cNvPicPr>
             <a:picLocks noChangeAspect="1" noChangeArrowheads="1"/>
           </p:cNvPicPr>
@@ -6855,8 +6900,8 @@
         </p:blipFill>
         <p:spPr bwMode="auto">
           <a:xfrm>
-            <a:off x="1600200" y="3733800"/>
-            <a:ext cx="6257925" cy="2609850"/>
+            <a:off x="457200" y="1676400"/>
+            <a:ext cx="3181350" cy="4424394"/>
           </a:xfrm>
           <a:prstGeom prst="rect">
             <a:avLst/>
@@ -6877,14 +6922,14 @@
           <p:nvPr/>
         </p:nvCxnSpPr>
         <p:spPr>
-          <a:xfrm flipV="1">
-            <a:off x="1371600" y="4953000"/>
-            <a:ext cx="381000" cy="76200"/>
+          <a:xfrm flipH="1">
+            <a:off x="3733800" y="2743200"/>
+            <a:ext cx="1143000" cy="76200"/>
           </a:xfrm>
           <a:prstGeom prst="straightConnector1">
             <a:avLst/>
           </a:prstGeom>
-          <a:ln w="28575">
+          <a:ln w="22225">
             <a:solidFill>
               <a:srgbClr val="FF0000"/>
             </a:solidFill>
@@ -6906,11 +6951,180 @@
           </a:fontRef>
         </p:style>
       </p:cxnSp>
+      <p:sp>
+        <p:nvSpPr>
+          <p:cNvPr id="6" name="TextBox 5"/>
+          <p:cNvSpPr txBox="1"/>
+          <p:nvPr/>
+        </p:nvSpPr>
+        <p:spPr>
+          <a:xfrm>
+            <a:off x="4953000" y="2438400"/>
+            <a:ext cx="2895600" cy="584775"/>
+          </a:xfrm>
+          <a:prstGeom prst="rect">
+            <a:avLst/>
+          </a:prstGeom>
+          <a:noFill/>
+        </p:spPr>
+        <p:txBody>
+          <a:bodyPr wrap="square" rtlCol="0">
+            <a:spAutoFit/>
+          </a:bodyPr>
+          <a:lstStyle/>
+          <a:p>
+            <a:r>
+              <a:rPr lang="en-US" sz="1600" smtClean="0"/>
+              <a:t>RacModel has a auto pilot within its dynamic model</a:t>
+            </a:r>
+            <a:endParaRPr lang="en-US" sz="1600"/>
+          </a:p>
+        </p:txBody>
+      </p:sp>
+      <p:cxnSp>
+        <p:nvCxnSpPr>
+          <p:cNvPr id="8" name="Straight Arrow Connector 7"/>
+          <p:cNvCxnSpPr/>
+          <p:nvPr/>
+        </p:nvCxnSpPr>
+        <p:spPr>
+          <a:xfrm flipH="1" flipV="1">
+            <a:off x="2971800" y="3276600"/>
+            <a:ext cx="1828800" cy="228600"/>
+          </a:xfrm>
+          <a:prstGeom prst="straightConnector1">
+            <a:avLst/>
+          </a:prstGeom>
+          <a:ln w="22225">
+            <a:solidFill>
+              <a:srgbClr val="FF0000"/>
+            </a:solidFill>
+            <a:tailEnd type="arrow"/>
+          </a:ln>
+        </p:spPr>
+        <p:style>
+          <a:lnRef idx="1">
+            <a:schemeClr val="accent1"/>
+          </a:lnRef>
+          <a:fillRef idx="0">
+            <a:schemeClr val="accent1"/>
+          </a:fillRef>
+          <a:effectRef idx="0">
+            <a:schemeClr val="accent1"/>
+          </a:effectRef>
+          <a:fontRef idx="minor">
+            <a:schemeClr val="tx1"/>
+          </a:fontRef>
+        </p:style>
+      </p:cxnSp>
+      <p:sp>
+        <p:nvSpPr>
+          <p:cNvPr id="12" name="TextBox 11"/>
+          <p:cNvSpPr txBox="1"/>
+          <p:nvPr/>
+        </p:nvSpPr>
+        <p:spPr>
+          <a:xfrm>
+            <a:off x="4953000" y="3276600"/>
+            <a:ext cx="2895600" cy="830997"/>
+          </a:xfrm>
+          <a:prstGeom prst="rect">
+            <a:avLst/>
+          </a:prstGeom>
+          <a:noFill/>
+        </p:spPr>
+        <p:txBody>
+          <a:bodyPr wrap="square" rtlCol="0">
+            <a:spAutoFit/>
+          </a:bodyPr>
+          <a:lstStyle/>
+          <a:p>
+            <a:r>
+              <a:rPr lang="en-US" sz="1600" smtClean="0"/>
+              <a:t>Auto pilot that follows the defined route within navigation system</a:t>
+            </a:r>
+            <a:endParaRPr lang="en-US" sz="1600"/>
+          </a:p>
+        </p:txBody>
+      </p:sp>
+      <p:cxnSp>
+        <p:nvCxnSpPr>
+          <p:cNvPr id="13" name="Straight Arrow Connector 12"/>
+          <p:cNvCxnSpPr/>
+          <p:nvPr/>
+        </p:nvCxnSpPr>
+        <p:spPr>
+          <a:xfrm flipH="1">
+            <a:off x="2971800" y="4495800"/>
+            <a:ext cx="1828800" cy="228600"/>
+          </a:xfrm>
+          <a:prstGeom prst="straightConnector1">
+            <a:avLst/>
+          </a:prstGeom>
+          <a:ln w="22225">
+            <a:solidFill>
+              <a:srgbClr val="FF0000"/>
+            </a:solidFill>
+            <a:tailEnd type="arrow"/>
+          </a:ln>
+        </p:spPr>
+        <p:style>
+          <a:lnRef idx="1">
+            <a:schemeClr val="accent1"/>
+          </a:lnRef>
+          <a:fillRef idx="0">
+            <a:schemeClr val="accent1"/>
+          </a:fillRef>
+          <a:effectRef idx="0">
+            <a:schemeClr val="accent1"/>
+          </a:effectRef>
+          <a:fontRef idx="minor">
+            <a:schemeClr val="tx1"/>
+          </a:fontRef>
+        </p:style>
+      </p:cxnSp>
+      <p:sp>
+        <p:nvSpPr>
+          <p:cNvPr id="14" name="TextBox 13"/>
+          <p:cNvSpPr txBox="1"/>
+          <p:nvPr/>
+        </p:nvSpPr>
+        <p:spPr>
+          <a:xfrm>
+            <a:off x="4953000" y="4267200"/>
+            <a:ext cx="2895600" cy="584775"/>
+          </a:xfrm>
+          <a:prstGeom prst="rect">
+            <a:avLst/>
+          </a:prstGeom>
+          <a:noFill/>
+        </p:spPr>
+        <p:txBody>
+          <a:bodyPr wrap="square" rtlCol="0">
+            <a:spAutoFit/>
+          </a:bodyPr>
+          <a:lstStyle/>
+          <a:p>
+            <a:r>
+              <a:rPr lang="en-US" sz="1600" smtClean="0"/>
+              <a:t>Attached navigation system that includes a defined route</a:t>
+            </a:r>
+            <a:endParaRPr lang="en-US" sz="1600"/>
+          </a:p>
+        </p:txBody>
+      </p:sp>
     </p:spTree>
   </p:cSld>
   <p:clrMapOvr>
     <a:masterClrMapping/>
   </p:clrMapOvr>
+  <p:timing>
+    <p:tnLst>
+      <p:par>
+        <p:cTn id="1" dur="indefinite" restart="never" nodeType="tmRoot"/>
+      </p:par>
+    </p:tnLst>
+  </p:timing>
 </p:sld>
 </file>
 
@@ -6948,12 +7162,165 @@
           <a:p>
             <a:r>
               <a:rPr lang="en-US" smtClean="0"/>
-              <a:t>Summary</a:t>
+              <a:t>Example Input File</a:t>
             </a:r>
             <a:endParaRPr lang="en-US"/>
           </a:p>
         </p:txBody>
       </p:sp>
+      <p:pic>
+        <p:nvPicPr>
+          <p:cNvPr id="14338" name="Picture 2"/>
+          <p:cNvPicPr>
+            <a:picLocks noChangeAspect="1" noChangeArrowheads="1"/>
+          </p:cNvPicPr>
+          <p:nvPr/>
+        </p:nvPicPr>
+        <p:blipFill>
+          <a:blip r:embed="rId2" cstate="print"/>
+          <a:srcRect/>
+          <a:stretch>
+            <a:fillRect/>
+          </a:stretch>
+        </p:blipFill>
+        <p:spPr bwMode="auto">
+          <a:xfrm>
+            <a:off x="1371600" y="1676400"/>
+            <a:ext cx="6410325" cy="4562475"/>
+          </a:xfrm>
+          <a:prstGeom prst="rect">
+            <a:avLst/>
+          </a:prstGeom>
+          <a:noFill/>
+          <a:ln w="9525">
+            <a:noFill/>
+            <a:miter lim="800000"/>
+            <a:headEnd/>
+            <a:tailEnd/>
+          </a:ln>
+        </p:spPr>
+      </p:pic>
+      <p:cxnSp>
+        <p:nvCxnSpPr>
+          <p:cNvPr id="5" name="Straight Arrow Connector 4"/>
+          <p:cNvCxnSpPr/>
+          <p:nvPr/>
+        </p:nvCxnSpPr>
+        <p:spPr>
+          <a:xfrm flipH="1">
+            <a:off x="3048000" y="2362200"/>
+            <a:ext cx="1143000" cy="685800"/>
+          </a:xfrm>
+          <a:prstGeom prst="straightConnector1">
+            <a:avLst/>
+          </a:prstGeom>
+          <a:ln w="22225">
+            <a:solidFill>
+              <a:srgbClr val="FF0000"/>
+            </a:solidFill>
+            <a:tailEnd type="arrow"/>
+          </a:ln>
+        </p:spPr>
+        <p:style>
+          <a:lnRef idx="1">
+            <a:schemeClr val="accent1"/>
+          </a:lnRef>
+          <a:fillRef idx="0">
+            <a:schemeClr val="accent1"/>
+          </a:fillRef>
+          <a:effectRef idx="0">
+            <a:schemeClr val="accent1"/>
+          </a:effectRef>
+          <a:fontRef idx="minor">
+            <a:schemeClr val="tx1"/>
+          </a:fontRef>
+        </p:style>
+      </p:cxnSp>
+      <p:sp>
+        <p:nvSpPr>
+          <p:cNvPr id="6" name="TextBox 5"/>
+          <p:cNvSpPr txBox="1"/>
+          <p:nvPr/>
+        </p:nvSpPr>
+        <p:spPr>
+          <a:xfrm>
+            <a:off x="4267200" y="2057400"/>
+            <a:ext cx="2895600" cy="584775"/>
+          </a:xfrm>
+          <a:prstGeom prst="rect">
+            <a:avLst/>
+          </a:prstGeom>
+          <a:noFill/>
+        </p:spPr>
+        <p:txBody>
+          <a:bodyPr wrap="square" rtlCol="0">
+            <a:spAutoFit/>
+          </a:bodyPr>
+          <a:lstStyle/>
+          <a:p>
+            <a:r>
+              <a:rPr lang="en-US" sz="1600" smtClean="0"/>
+              <a:t>Steerpoints define position and desired airspeed, etc</a:t>
+            </a:r>
+            <a:endParaRPr lang="en-US" sz="1600"/>
+          </a:p>
+        </p:txBody>
+      </p:sp>
+    </p:spTree>
+  </p:cSld>
+  <p:clrMapOvr>
+    <a:masterClrMapping/>
+  </p:clrMapOvr>
+  <p:timing>
+    <p:tnLst>
+      <p:par>
+        <p:cTn id="1" dur="indefinite" restart="never" nodeType="tmRoot"/>
+      </p:par>
+    </p:tnLst>
+  </p:timing>
+</p:sld>
+</file>
+
+<file path=ppt/slides/slide29.xml><?xml version="1.0" encoding="utf-8"?>
+<p:sld xmlns:a="http://schemas.openxmlformats.org/drawingml/2006/main" xmlns:r="http://schemas.openxmlformats.org/officeDocument/2006/relationships" xmlns:p="http://schemas.openxmlformats.org/presentationml/2006/main">
+  <p:cSld>
+    <p:spTree>
+      <p:nvGrpSpPr>
+        <p:cNvPr id="1" name=""/>
+        <p:cNvGrpSpPr/>
+        <p:nvPr/>
+      </p:nvGrpSpPr>
+      <p:grpSpPr>
+        <a:xfrm>
+          <a:off x="0" y="0"/>
+          <a:ext cx="0" cy="0"/>
+          <a:chOff x="0" y="0"/>
+          <a:chExt cx="0" cy="0"/>
+        </a:xfrm>
+      </p:grpSpPr>
+      <p:sp>
+        <p:nvSpPr>
+          <p:cNvPr id="2" name="Title 1"/>
+          <p:cNvSpPr>
+            <a:spLocks noGrp="1"/>
+          </p:cNvSpPr>
+          <p:nvPr>
+            <p:ph type="title"/>
+          </p:nvPr>
+        </p:nvSpPr>
+        <p:spPr/>
+        <p:txBody>
+          <a:bodyPr/>
+          <a:lstStyle/>
+          <a:p>
+            <a:r>
+              <a:rPr lang="en-US" smtClean="0"/>
+              <a:t>Steerpoint Actions</a:t>
+            </a:r>
+            <a:endParaRPr lang="en-US"/>
+          </a:p>
+        </p:txBody>
+      </p:sp>
       <p:sp>
         <p:nvSpPr>
           <p:cNvPr id="3" name="Content Placeholder 2"/>
@@ -6966,45 +7333,90 @@
         </p:nvSpPr>
         <p:spPr/>
         <p:txBody>
-          <a:bodyPr/>
-          <a:lstStyle/>
-          <a:p>
-            <a:r>
-              <a:rPr lang="en-US" smtClean="0"/>
-              <a:t>Lots of places to add “intelligent” behaviors</a:t>
+          <a:bodyPr>
+            <a:normAutofit/>
+          </a:bodyPr>
+          <a:lstStyle/>
+          <a:p>
+            <a:r>
+              <a:rPr lang="en-US" sz="2400" smtClean="0"/>
+              <a:t>Steerpoint can have an associated Action</a:t>
             </a:r>
           </a:p>
           <a:p>
             <a:pPr lvl="1"/>
             <a:r>
-              <a:rPr lang="en-US" smtClean="0"/>
-              <a:t>AutoPilot</a:t>
-            </a:r>
-          </a:p>
-          <a:p>
-            <a:pPr lvl="1"/>
-            <a:r>
-              <a:rPr lang="en-US" smtClean="0"/>
-              <a:t>Onboard Computer</a:t>
-            </a:r>
-          </a:p>
-          <a:p>
-            <a:pPr lvl="2"/>
-            <a:r>
-              <a:rPr lang="en-US" smtClean="0"/>
-              <a:t>Could act </a:t>
-            </a:r>
-            <a:r>
-              <a:rPr lang="en-US" smtClean="0"/>
-              <a:t>as </a:t>
-            </a:r>
-            <a:r>
-              <a:rPr lang="en-US" smtClean="0"/>
-              <a:t>the “Actor” for UBF</a:t>
-            </a:r>
-          </a:p>
-        </p:txBody>
-      </p:sp>
+              <a:rPr lang="en-US" sz="2000" smtClean="0"/>
+              <a:t>Examples: Take SAR image, release weapon, release decoy, etc</a:t>
+            </a:r>
+            <a:endParaRPr lang="en-US" sz="2000"/>
+          </a:p>
+        </p:txBody>
+      </p:sp>
+      <p:pic>
+        <p:nvPicPr>
+          <p:cNvPr id="15362" name="Picture 2"/>
+          <p:cNvPicPr>
+            <a:picLocks noChangeAspect="1" noChangeArrowheads="1"/>
+          </p:cNvPicPr>
+          <p:nvPr/>
+        </p:nvPicPr>
+        <p:blipFill>
+          <a:blip r:embed="rId2" cstate="print"/>
+          <a:srcRect/>
+          <a:stretch>
+            <a:fillRect/>
+          </a:stretch>
+        </p:blipFill>
+        <p:spPr bwMode="auto">
+          <a:xfrm>
+            <a:off x="609600" y="2514600"/>
+            <a:ext cx="1143000" cy="2315059"/>
+          </a:xfrm>
+          <a:prstGeom prst="rect">
+            <a:avLst/>
+          </a:prstGeom>
+          <a:noFill/>
+          <a:ln w="9525">
+            <a:noFill/>
+            <a:miter lim="800000"/>
+            <a:headEnd/>
+            <a:tailEnd/>
+          </a:ln>
+        </p:spPr>
+      </p:pic>
+      <p:pic>
+        <p:nvPicPr>
+          <p:cNvPr id="1026" name="Picture 2"/>
+          <p:cNvPicPr>
+            <a:picLocks noChangeAspect="1" noChangeArrowheads="1"/>
+          </p:cNvPicPr>
+          <p:nvPr/>
+        </p:nvPicPr>
+        <p:blipFill>
+          <a:blip r:embed="rId3" cstate="print"/>
+          <a:srcRect/>
+          <a:stretch>
+            <a:fillRect/>
+          </a:stretch>
+        </p:blipFill>
+        <p:spPr bwMode="auto">
+          <a:xfrm>
+            <a:off x="2209800" y="2514600"/>
+            <a:ext cx="6191250" cy="3714750"/>
+          </a:xfrm>
+          <a:prstGeom prst="rect">
+            <a:avLst/>
+          </a:prstGeom>
+          <a:noFill/>
+          <a:ln w="9525">
+            <a:noFill/>
+            <a:miter lim="800000"/>
+            <a:headEnd/>
+            <a:tailEnd/>
+          </a:ln>
+        </p:spPr>
+      </p:pic>
     </p:spTree>
   </p:cSld>
   <p:clrMapOvr>
@@ -7039,12 +7451,208 @@
       </p:grpSpPr>
       <p:sp>
         <p:nvSpPr>
+          <p:cNvPr id="6" name="Title 3"/>
+          <p:cNvSpPr txBox="1">
+            <a:spLocks/>
+          </p:cNvSpPr>
+          <p:nvPr/>
+        </p:nvSpPr>
+        <p:spPr>
+          <a:xfrm>
+            <a:off x="0" y="2514600"/>
+            <a:ext cx="9144000" cy="1219200"/>
+          </a:xfrm>
+          <a:prstGeom prst="rect">
+            <a:avLst/>
+          </a:prstGeom>
+        </p:spPr>
+        <p:txBody>
+          <a:bodyPr vert="horz" lIns="91440" tIns="45720" rIns="91440" bIns="45720" rtlCol="0" anchor="ctr">
+            <a:normAutofit/>
+          </a:bodyPr>
+          <a:lstStyle/>
+          <a:p>
+            <a:pPr marL="0" marR="0" lvl="0" indent="0" algn="ctr" defTabSz="914400" rtl="0" eaLnBrk="1" fontAlgn="auto" latinLnBrk="0" hangingPunct="1">
+              <a:lnSpc>
+                <a:spcPct val="100000"/>
+              </a:lnSpc>
+              <a:spcBef>
+                <a:spcPct val="0"/>
+              </a:spcBef>
+              <a:spcAft>
+                <a:spcPts val="0"/>
+              </a:spcAft>
+              <a:buClrTx/>
+              <a:buSzTx/>
+              <a:buFontTx/>
+              <a:buNone/>
+              <a:tabLst/>
+              <a:defRPr/>
+            </a:pPr>
+            <a:r>
+              <a:rPr kumimoji="0" lang="en-US" sz="4400" b="0" i="0" u="none" strike="noStrike" kern="1200" cap="none" spc="0" normalizeH="0" baseline="0" noProof="0" smtClean="0">
+                <a:ln>
+                  <a:noFill/>
+                </a:ln>
+                <a:solidFill>
+                  <a:schemeClr val="tx1"/>
+                </a:solidFill>
+                <a:effectLst/>
+                <a:uLnTx/>
+                <a:uFillTx/>
+                <a:latin typeface="+mj-lt"/>
+                <a:ea typeface="+mj-ea"/>
+                <a:cs typeface="+mj-cs"/>
+              </a:rPr>
+              <a:t>P</a:t>
+            </a:r>
+            <a:r>
+              <a:rPr kumimoji="0" lang="en-US" sz="4400" b="0" i="0" u="none" strike="noStrike" kern="1200" cap="none" spc="0" normalizeH="0" noProof="0" smtClean="0">
+                <a:ln>
+                  <a:noFill/>
+                </a:ln>
+                <a:solidFill>
+                  <a:schemeClr val="tx1"/>
+                </a:solidFill>
+                <a:effectLst/>
+                <a:uLnTx/>
+                <a:uFillTx/>
+                <a:latin typeface="+mj-lt"/>
+                <a:ea typeface="+mj-ea"/>
+                <a:cs typeface="+mj-cs"/>
+              </a:rPr>
+              <a:t>layer Structures</a:t>
+            </a:r>
+            <a:r>
+              <a:rPr kumimoji="0" lang="en-US" sz="4400" b="0" i="0" u="none" strike="noStrike" kern="1200" cap="none" spc="0" normalizeH="0" baseline="0" noProof="0" smtClean="0">
+                <a:ln>
+                  <a:noFill/>
+                </a:ln>
+                <a:solidFill>
+                  <a:schemeClr val="tx1"/>
+                </a:solidFill>
+                <a:effectLst/>
+                <a:uLnTx/>
+                <a:uFillTx/>
+                <a:latin typeface="+mj-lt"/>
+                <a:ea typeface="+mj-ea"/>
+                <a:cs typeface="+mj-cs"/>
+              </a:rPr>
+              <a:t/>
+            </a:r>
+            <a:br>
+              <a:rPr kumimoji="0" lang="en-US" sz="4400" b="0" i="0" u="none" strike="noStrike" kern="1200" cap="none" spc="0" normalizeH="0" baseline="0" noProof="0" smtClean="0">
+                <a:ln>
+                  <a:noFill/>
+                </a:ln>
+                <a:solidFill>
+                  <a:schemeClr val="tx1"/>
+                </a:solidFill>
+                <a:effectLst/>
+                <a:uLnTx/>
+                <a:uFillTx/>
+                <a:latin typeface="+mj-lt"/>
+                <a:ea typeface="+mj-ea"/>
+                <a:cs typeface="+mj-cs"/>
+              </a:rPr>
+            </a:br>
+            <a:r>
+              <a:rPr kumimoji="0" lang="en-US" sz="2400" b="0" i="0" u="none" strike="noStrike" kern="1200" cap="none" spc="0" normalizeH="0" baseline="0" noProof="0" smtClean="0">
+                <a:ln>
+                  <a:noFill/>
+                </a:ln>
+                <a:solidFill>
+                  <a:schemeClr val="tx1"/>
+                </a:solidFill>
+                <a:effectLst/>
+                <a:uLnTx/>
+                <a:uFillTx/>
+                <a:latin typeface="+mj-lt"/>
+                <a:ea typeface="+mj-ea"/>
+                <a:cs typeface="+mj-cs"/>
+              </a:rPr>
+              <a:t>(Implementation of Functionality)</a:t>
+            </a:r>
+            <a:endParaRPr kumimoji="0" lang="en-US" sz="4400" b="0" i="0" u="none" strike="noStrike" kern="1200" cap="none" spc="0" normalizeH="0" baseline="0" noProof="0">
+              <a:ln>
+                <a:noFill/>
+              </a:ln>
+              <a:solidFill>
+                <a:schemeClr val="tx1"/>
+              </a:solidFill>
+              <a:effectLst/>
+              <a:uLnTx/>
+              <a:uFillTx/>
+              <a:latin typeface="+mj-lt"/>
+              <a:ea typeface="+mj-ea"/>
+              <a:cs typeface="+mj-cs"/>
+            </a:endParaRPr>
+          </a:p>
+        </p:txBody>
+      </p:sp>
+    </p:spTree>
+  </p:cSld>
+  <p:clrMapOvr>
+    <a:masterClrMapping/>
+  </p:clrMapOvr>
+  <p:timing>
+    <p:tnLst>
+      <p:par>
+        <p:cTn id="1" dur="indefinite" restart="never" nodeType="tmRoot"/>
+      </p:par>
+    </p:tnLst>
+  </p:timing>
+</p:sld>
+</file>
+
+<file path=ppt/slides/slide30.xml><?xml version="1.0" encoding="utf-8"?>
+<p:sld xmlns:a="http://schemas.openxmlformats.org/drawingml/2006/main" xmlns:r="http://schemas.openxmlformats.org/officeDocument/2006/relationships" xmlns:p="http://schemas.openxmlformats.org/presentationml/2006/main">
+  <p:cSld>
+    <p:spTree>
+      <p:nvGrpSpPr>
+        <p:cNvPr id="1" name=""/>
+        <p:cNvGrpSpPr/>
+        <p:nvPr/>
+      </p:nvGrpSpPr>
+      <p:grpSpPr>
+        <a:xfrm>
+          <a:off x="0" y="0"/>
+          <a:ext cx="0" cy="0"/>
+          <a:chOff x="0" y="0"/>
+          <a:chExt cx="0" cy="0"/>
+        </a:xfrm>
+      </p:grpSpPr>
+      <p:sp>
+        <p:nvSpPr>
           <p:cNvPr id="2" name="Title 1"/>
           <p:cNvSpPr>
             <a:spLocks noGrp="1"/>
           </p:cNvSpPr>
           <p:nvPr>
             <p:ph type="title"/>
+          </p:nvPr>
+        </p:nvSpPr>
+        <p:spPr/>
+        <p:txBody>
+          <a:bodyPr/>
+          <a:lstStyle/>
+          <a:p>
+            <a:r>
+              <a:rPr lang="en-US" smtClean="0"/>
+              <a:t>Flow of Decisions and Actions</a:t>
+            </a:r>
+            <a:endParaRPr lang="en-US"/>
+          </a:p>
+        </p:txBody>
+      </p:sp>
+      <p:sp>
+        <p:nvSpPr>
+          <p:cNvPr id="3" name="Content Placeholder 2"/>
+          <p:cNvSpPr>
+            <a:spLocks noGrp="1"/>
+          </p:cNvSpPr>
+          <p:nvPr>
+            <p:ph idx="1"/>
           </p:nvPr>
         </p:nvSpPr>
         <p:spPr/>
@@ -7055,82 +7663,24 @@
           <a:lstStyle/>
           <a:p>
             <a:r>
-              <a:rPr lang="en-US" sz="4000" smtClean="0"/>
-              <a:t>Player Top-Level System Models</a:t>
-            </a:r>
-            <a:endParaRPr lang="en-US" sz="4000"/>
-          </a:p>
-        </p:txBody>
-      </p:sp>
-      <p:sp>
-        <p:nvSpPr>
-          <p:cNvPr id="10" name="Content Placeholder 2"/>
-          <p:cNvSpPr>
-            <a:spLocks noGrp="1"/>
-          </p:cNvSpPr>
-          <p:nvPr>
-            <p:ph idx="1"/>
-          </p:nvPr>
-        </p:nvSpPr>
-        <p:spPr/>
-        <p:txBody>
-          <a:bodyPr>
-            <a:normAutofit/>
-          </a:bodyPr>
-          <a:lstStyle/>
-          <a:p>
-            <a:r>
               <a:rPr lang="en-US" sz="2400" smtClean="0"/>
-              <a:t>Container of sub-systems</a:t>
-            </a:r>
-          </a:p>
-          <a:p>
-            <a:r>
-              <a:rPr lang="en-US" sz="2400" i="1" u="sng" smtClean="0"/>
-              <a:t>General purpose interface</a:t>
-            </a:r>
+              <a:t>AutoPilot determines “high level” things to do, and how to do it via commands to “dynamic model auto pilot” or even direct control in some cases</a:t>
+            </a:r>
+          </a:p>
+          <a:p>
             <a:r>
               <a:rPr lang="en-US" sz="2400" smtClean="0"/>
-              <a:t> to those sub-systems</a:t>
-            </a:r>
+              <a:t>Onboard computer could be used to determine “what to do” and allow AutoPilot to carry out decisions</a:t>
+            </a:r>
+          </a:p>
+          <a:p>
             <a:endParaRPr lang="en-US" sz="2400"/>
-          </a:p>
-        </p:txBody>
-      </p:sp>
-      <p:sp>
-        <p:nvSpPr>
-          <p:cNvPr id="11" name="TextBox 10"/>
-          <p:cNvSpPr txBox="1"/>
-          <p:nvPr/>
-        </p:nvSpPr>
-        <p:spPr>
-          <a:xfrm>
-            <a:off x="0" y="5638800"/>
-            <a:ext cx="9144000" cy="338554"/>
-          </a:xfrm>
-          <a:prstGeom prst="rect">
-            <a:avLst/>
-          </a:prstGeom>
-          <a:noFill/>
-        </p:spPr>
-        <p:txBody>
-          <a:bodyPr wrap="square" rtlCol="0">
-            <a:spAutoFit/>
-          </a:bodyPr>
-          <a:lstStyle/>
-          <a:p>
-            <a:pPr algn="ctr"/>
-            <a:r>
-              <a:rPr lang="en-US" sz="1600" b="1" smtClean="0"/>
-              <a:t>from Player.h</a:t>
-            </a:r>
-            <a:endParaRPr lang="en-US" sz="1600" b="1"/>
           </a:p>
         </p:txBody>
       </p:sp>
       <p:pic>
         <p:nvPicPr>
-          <p:cNvPr id="1027" name="Picture 3"/>
+          <p:cNvPr id="4" name="Picture 3"/>
           <p:cNvPicPr>
             <a:picLocks noChangeAspect="1" noChangeArrowheads="1"/>
           </p:cNvPicPr>
@@ -7145,7 +7695,7 @@
         </p:blipFill>
         <p:spPr bwMode="auto">
           <a:xfrm>
-            <a:off x="1447800" y="2819400"/>
+            <a:off x="1600200" y="3733800"/>
             <a:ext cx="6257925" cy="2609850"/>
           </a:xfrm>
           <a:prstGeom prst="rect">
@@ -7160,6 +7710,394 @@
           </a:ln>
         </p:spPr>
       </p:pic>
+      <p:cxnSp>
+        <p:nvCxnSpPr>
+          <p:cNvPr id="5" name="Straight Arrow Connector 4"/>
+          <p:cNvCxnSpPr/>
+          <p:nvPr/>
+        </p:nvCxnSpPr>
+        <p:spPr>
+          <a:xfrm flipV="1">
+            <a:off x="1371600" y="4953000"/>
+            <a:ext cx="381000" cy="76200"/>
+          </a:xfrm>
+          <a:prstGeom prst="straightConnector1">
+            <a:avLst/>
+          </a:prstGeom>
+          <a:ln w="28575">
+            <a:solidFill>
+              <a:srgbClr val="FF0000"/>
+            </a:solidFill>
+            <a:tailEnd type="arrow"/>
+          </a:ln>
+        </p:spPr>
+        <p:style>
+          <a:lnRef idx="1">
+            <a:schemeClr val="accent1"/>
+          </a:lnRef>
+          <a:fillRef idx="0">
+            <a:schemeClr val="accent1"/>
+          </a:fillRef>
+          <a:effectRef idx="0">
+            <a:schemeClr val="accent1"/>
+          </a:effectRef>
+          <a:fontRef idx="minor">
+            <a:schemeClr val="tx1"/>
+          </a:fontRef>
+        </p:style>
+      </p:cxnSp>
+    </p:spTree>
+  </p:cSld>
+  <p:clrMapOvr>
+    <a:masterClrMapping/>
+  </p:clrMapOvr>
+  <p:timing>
+    <p:tnLst>
+      <p:par>
+        <p:cTn id="1" dur="indefinite" restart="never" nodeType="tmRoot"/>
+      </p:par>
+    </p:tnLst>
+  </p:timing>
+</p:sld>
+</file>
+
+<file path=ppt/slides/slide31.xml><?xml version="1.0" encoding="utf-8"?>
+<p:sld xmlns:a="http://schemas.openxmlformats.org/drawingml/2006/main" xmlns:r="http://schemas.openxmlformats.org/officeDocument/2006/relationships" xmlns:p="http://schemas.openxmlformats.org/presentationml/2006/main">
+  <p:cSld>
+    <p:spTree>
+      <p:nvGrpSpPr>
+        <p:cNvPr id="1" name=""/>
+        <p:cNvGrpSpPr/>
+        <p:nvPr/>
+      </p:nvGrpSpPr>
+      <p:grpSpPr>
+        <a:xfrm>
+          <a:off x="0" y="0"/>
+          <a:ext cx="0" cy="0"/>
+          <a:chOff x="0" y="0"/>
+          <a:chExt cx="0" cy="0"/>
+        </a:xfrm>
+      </p:grpSpPr>
+      <p:sp>
+        <p:nvSpPr>
+          <p:cNvPr id="6" name="Title 3"/>
+          <p:cNvSpPr txBox="1">
+            <a:spLocks/>
+          </p:cNvSpPr>
+          <p:nvPr/>
+        </p:nvSpPr>
+        <p:spPr>
+          <a:xfrm>
+            <a:off x="0" y="2514600"/>
+            <a:ext cx="9144000" cy="1219200"/>
+          </a:xfrm>
+          <a:prstGeom prst="rect">
+            <a:avLst/>
+          </a:prstGeom>
+        </p:spPr>
+        <p:txBody>
+          <a:bodyPr vert="horz" lIns="91440" tIns="45720" rIns="91440" bIns="45720" rtlCol="0" anchor="ctr">
+            <a:noAutofit/>
+          </a:bodyPr>
+          <a:lstStyle/>
+          <a:p>
+            <a:pPr lvl="0" algn="ctr">
+              <a:spcBef>
+                <a:spcPct val="0"/>
+              </a:spcBef>
+              <a:defRPr/>
+            </a:pPr>
+            <a:r>
+              <a:rPr lang="en-US" sz="4400" smtClean="0"/>
+              <a:t>Pilot Structures</a:t>
+            </a:r>
+            <a:r>
+              <a:rPr lang="en-US" sz="4400" smtClean="0"/>
+              <a:t/>
+            </a:r>
+            <a:br>
+              <a:rPr lang="en-US" sz="4400" smtClean="0"/>
+            </a:br>
+            <a:r>
+              <a:rPr lang="en-US" sz="2400" smtClean="0"/>
+              <a:t>(Implementation of Functionality)</a:t>
+            </a:r>
+            <a:endParaRPr lang="en-US" sz="4400"/>
+          </a:p>
+        </p:txBody>
+      </p:sp>
+    </p:spTree>
+  </p:cSld>
+  <p:clrMapOvr>
+    <a:masterClrMapping/>
+  </p:clrMapOvr>
+  <p:timing>
+    <p:tnLst>
+      <p:par>
+        <p:cTn id="1" dur="indefinite" restart="never" nodeType="tmRoot"/>
+      </p:par>
+    </p:tnLst>
+  </p:timing>
+</p:sld>
+</file>
+
+<file path=ppt/slides/slide32.xml><?xml version="1.0" encoding="utf-8"?>
+<p:sld xmlns:a="http://schemas.openxmlformats.org/drawingml/2006/main" xmlns:r="http://schemas.openxmlformats.org/officeDocument/2006/relationships" xmlns:p="http://schemas.openxmlformats.org/presentationml/2006/main">
+  <p:cSld>
+    <p:spTree>
+      <p:nvGrpSpPr>
+        <p:cNvPr id="1" name=""/>
+        <p:cNvGrpSpPr/>
+        <p:nvPr/>
+      </p:nvGrpSpPr>
+      <p:grpSpPr>
+        <a:xfrm>
+          <a:off x="0" y="0"/>
+          <a:ext cx="0" cy="0"/>
+          <a:chOff x="0" y="0"/>
+          <a:chExt cx="0" cy="0"/>
+        </a:xfrm>
+      </p:grpSpPr>
+      <p:pic>
+        <p:nvPicPr>
+          <p:cNvPr id="3076" name="Picture 4"/>
+          <p:cNvPicPr>
+            <a:picLocks noChangeAspect="1" noChangeArrowheads="1"/>
+          </p:cNvPicPr>
+          <p:nvPr/>
+        </p:nvPicPr>
+        <p:blipFill>
+          <a:blip r:embed="rId2" cstate="print"/>
+          <a:srcRect/>
+          <a:stretch>
+            <a:fillRect/>
+          </a:stretch>
+        </p:blipFill>
+        <p:spPr bwMode="auto">
+          <a:xfrm>
+            <a:off x="1981200" y="3276600"/>
+            <a:ext cx="4907017" cy="2057400"/>
+          </a:xfrm>
+          <a:prstGeom prst="rect">
+            <a:avLst/>
+          </a:prstGeom>
+          <a:noFill/>
+          <a:ln w="9525">
+            <a:noFill/>
+            <a:miter lim="800000"/>
+            <a:headEnd/>
+            <a:tailEnd/>
+          </a:ln>
+        </p:spPr>
+      </p:pic>
+      <p:sp>
+        <p:nvSpPr>
+          <p:cNvPr id="2" name="Title 1"/>
+          <p:cNvSpPr>
+            <a:spLocks noGrp="1"/>
+          </p:cNvSpPr>
+          <p:nvPr>
+            <p:ph type="title"/>
+          </p:nvPr>
+        </p:nvSpPr>
+        <p:spPr/>
+        <p:txBody>
+          <a:bodyPr/>
+          <a:lstStyle/>
+          <a:p>
+            <a:r>
+              <a:rPr lang="en-US" smtClean="0"/>
+              <a:t>Pilot Structures (Implementation)</a:t>
+            </a:r>
+            <a:endParaRPr lang="en-US"/>
+          </a:p>
+        </p:txBody>
+      </p:sp>
+      <p:sp>
+        <p:nvSpPr>
+          <p:cNvPr id="3" name="Content Placeholder 2"/>
+          <p:cNvSpPr>
+            <a:spLocks noGrp="1"/>
+          </p:cNvSpPr>
+          <p:nvPr>
+            <p:ph idx="1"/>
+          </p:nvPr>
+        </p:nvSpPr>
+        <p:spPr>
+          <a:xfrm>
+            <a:off x="457200" y="1447801"/>
+            <a:ext cx="8229600" cy="1600199"/>
+          </a:xfrm>
+        </p:spPr>
+        <p:txBody>
+          <a:bodyPr>
+            <a:normAutofit/>
+          </a:bodyPr>
+          <a:lstStyle/>
+          <a:p>
+            <a:r>
+              <a:rPr lang="en-US" sz="2400" smtClean="0"/>
+              <a:t>Pilot functionality </a:t>
+            </a:r>
+            <a:r>
+              <a:rPr lang="en-US" sz="2400" smtClean="0"/>
+              <a:t>can be implemented several ways</a:t>
+            </a:r>
+          </a:p>
+          <a:p>
+            <a:pPr lvl="1"/>
+            <a:r>
+              <a:rPr lang="en-US" sz="2000" smtClean="0"/>
+              <a:t>Direct subclassing (e.g., AutoPilot, UBF Agent, etc)</a:t>
+            </a:r>
+          </a:p>
+          <a:p>
+            <a:pPr lvl="1"/>
+            <a:r>
+              <a:rPr lang="en-US" sz="2000" smtClean="0"/>
+              <a:t>Indirect interface to external software system (e.g., Soar, CLIPS, etc)</a:t>
+            </a:r>
+          </a:p>
+          <a:p>
+            <a:pPr lvl="1"/>
+            <a:r>
+              <a:rPr lang="en-US" sz="2000" smtClean="0"/>
+              <a:t>Maybe a scripting system</a:t>
+            </a:r>
+            <a:endParaRPr lang="en-US" sz="1600" smtClean="0"/>
+          </a:p>
+        </p:txBody>
+      </p:sp>
+      <p:pic>
+        <p:nvPicPr>
+          <p:cNvPr id="3074" name="Picture 2"/>
+          <p:cNvPicPr>
+            <a:picLocks noChangeAspect="1" noChangeArrowheads="1"/>
+          </p:cNvPicPr>
+          <p:nvPr/>
+        </p:nvPicPr>
+        <p:blipFill>
+          <a:blip r:embed="rId3" cstate="print"/>
+          <a:srcRect/>
+          <a:stretch>
+            <a:fillRect/>
+          </a:stretch>
+        </p:blipFill>
+        <p:spPr bwMode="auto">
+          <a:xfrm>
+            <a:off x="6044045" y="4464627"/>
+            <a:ext cx="609600" cy="686119"/>
+          </a:xfrm>
+          <a:prstGeom prst="rect">
+            <a:avLst/>
+          </a:prstGeom>
+          <a:noFill/>
+          <a:ln w="9525">
+            <a:noFill/>
+            <a:miter lim="800000"/>
+            <a:headEnd/>
+            <a:tailEnd/>
+          </a:ln>
+        </p:spPr>
+      </p:pic>
+    </p:spTree>
+  </p:cSld>
+  <p:clrMapOvr>
+    <a:masterClrMapping/>
+  </p:clrMapOvr>
+  <p:timing>
+    <p:tnLst>
+      <p:par>
+        <p:cTn id="1" dur="indefinite" restart="never" nodeType="tmRoot"/>
+      </p:par>
+    </p:tnLst>
+  </p:timing>
+</p:sld>
+</file>
+
+<file path=ppt/slides/slide33.xml><?xml version="1.0" encoding="utf-8"?>
+<p:sld xmlns:a="http://schemas.openxmlformats.org/drawingml/2006/main" xmlns:r="http://schemas.openxmlformats.org/officeDocument/2006/relationships" xmlns:p="http://schemas.openxmlformats.org/presentationml/2006/main">
+  <p:cSld>
+    <p:spTree>
+      <p:nvGrpSpPr>
+        <p:cNvPr id="1" name=""/>
+        <p:cNvGrpSpPr/>
+        <p:nvPr/>
+      </p:nvGrpSpPr>
+      <p:grpSpPr>
+        <a:xfrm>
+          <a:off x="0" y="0"/>
+          <a:ext cx="0" cy="0"/>
+          <a:chOff x="0" y="0"/>
+          <a:chExt cx="0" cy="0"/>
+        </a:xfrm>
+      </p:grpSpPr>
+      <p:sp>
+        <p:nvSpPr>
+          <p:cNvPr id="2" name="Title 1"/>
+          <p:cNvSpPr>
+            <a:spLocks noGrp="1"/>
+          </p:cNvSpPr>
+          <p:nvPr>
+            <p:ph type="title"/>
+          </p:nvPr>
+        </p:nvSpPr>
+        <p:spPr/>
+        <p:txBody>
+          <a:bodyPr/>
+          <a:lstStyle/>
+          <a:p>
+            <a:r>
+              <a:rPr lang="en-US" smtClean="0"/>
+              <a:t>Summary</a:t>
+            </a:r>
+            <a:endParaRPr lang="en-US"/>
+          </a:p>
+        </p:txBody>
+      </p:sp>
+      <p:sp>
+        <p:nvSpPr>
+          <p:cNvPr id="3" name="Content Placeholder 2"/>
+          <p:cNvSpPr>
+            <a:spLocks noGrp="1"/>
+          </p:cNvSpPr>
+          <p:nvPr>
+            <p:ph idx="1"/>
+          </p:nvPr>
+        </p:nvSpPr>
+        <p:spPr/>
+        <p:txBody>
+          <a:bodyPr/>
+          <a:lstStyle/>
+          <a:p>
+            <a:r>
+              <a:rPr lang="en-US" smtClean="0"/>
+              <a:t>Lots of places to add “intelligent” behaviors</a:t>
+            </a:r>
+          </a:p>
+          <a:p>
+            <a:pPr lvl="1"/>
+            <a:r>
+              <a:rPr lang="en-US" smtClean="0"/>
+              <a:t>AutoPilot</a:t>
+            </a:r>
+          </a:p>
+          <a:p>
+            <a:pPr lvl="1"/>
+            <a:r>
+              <a:rPr lang="en-US" smtClean="0"/>
+              <a:t>Onboard Computer</a:t>
+            </a:r>
+          </a:p>
+          <a:p>
+            <a:pPr lvl="2"/>
+            <a:r>
+              <a:rPr lang="en-US" smtClean="0"/>
+              <a:t>Could act as the “Actor” for UBF</a:t>
+            </a:r>
+          </a:p>
+        </p:txBody>
+      </p:sp>
     </p:spTree>
   </p:cSld>
   <p:clrMapOvr>
@@ -7194,142 +8132,264 @@
       </p:grpSpPr>
       <p:sp>
         <p:nvSpPr>
-          <p:cNvPr id="6" name="Title 3"/>
-          <p:cNvSpPr txBox="1">
-            <a:spLocks/>
-          </p:cNvSpPr>
+          <p:cNvPr id="2" name="Title 1"/>
+          <p:cNvSpPr>
+            <a:spLocks noGrp="1"/>
+          </p:cNvSpPr>
+          <p:nvPr>
+            <p:ph type="title"/>
+          </p:nvPr>
+        </p:nvSpPr>
+        <p:spPr/>
+        <p:txBody>
+          <a:bodyPr/>
+          <a:lstStyle/>
+          <a:p>
+            <a:r>
+              <a:rPr lang="en-US" smtClean="0"/>
+              <a:t>Player Structures (Implementation)</a:t>
+            </a:r>
+            <a:endParaRPr lang="en-US"/>
+          </a:p>
+        </p:txBody>
+      </p:sp>
+      <p:sp>
+        <p:nvSpPr>
+          <p:cNvPr id="3" name="Content Placeholder 2"/>
+          <p:cNvSpPr>
+            <a:spLocks noGrp="1"/>
+          </p:cNvSpPr>
+          <p:nvPr>
+            <p:ph idx="1"/>
+          </p:nvPr>
+        </p:nvSpPr>
+        <p:spPr>
+          <a:xfrm>
+            <a:off x="457200" y="1447801"/>
+            <a:ext cx="8229600" cy="1523999"/>
+          </a:xfrm>
+        </p:spPr>
+        <p:txBody>
+          <a:bodyPr>
+            <a:noAutofit/>
+          </a:bodyPr>
+          <a:lstStyle/>
+          <a:p>
+            <a:r>
+              <a:rPr lang="en-US" sz="2400" smtClean="0"/>
+              <a:t>Player functionality can be implemented several ways</a:t>
+            </a:r>
+          </a:p>
+          <a:p>
+            <a:pPr lvl="1"/>
+            <a:r>
+              <a:rPr lang="en-US" sz="1800" smtClean="0"/>
+              <a:t>Composite: components attached to a generic Player class</a:t>
+            </a:r>
+          </a:p>
+          <a:p>
+            <a:pPr lvl="1"/>
+            <a:r>
+              <a:rPr lang="en-US" sz="1800" smtClean="0"/>
+              <a:t>Subclass: a new derived Player implements functionality</a:t>
+            </a:r>
+          </a:p>
+          <a:p>
+            <a:pPr lvl="1"/>
+            <a:r>
+              <a:rPr lang="en-US" sz="1800" smtClean="0"/>
+              <a:t>Mixture: partial implementation of functionality in subclass</a:t>
+            </a:r>
+            <a:endParaRPr lang="en-US" sz="1800"/>
+          </a:p>
+        </p:txBody>
+      </p:sp>
+      <p:sp>
+        <p:nvSpPr>
+          <p:cNvPr id="6" name="TextBox 5"/>
+          <p:cNvSpPr txBox="1"/>
           <p:nvPr/>
         </p:nvSpPr>
         <p:spPr>
           <a:xfrm>
-            <a:off x="0" y="2514600"/>
-            <a:ext cx="9144000" cy="1219200"/>
+            <a:off x="914400" y="5486400"/>
+            <a:ext cx="2209800" cy="307777"/>
           </a:xfrm>
           <a:prstGeom prst="rect">
             <a:avLst/>
           </a:prstGeom>
-        </p:spPr>
-        <p:txBody>
-          <a:bodyPr vert="horz" lIns="91440" tIns="45720" rIns="91440" bIns="45720" rtlCol="0" anchor="ctr">
-            <a:normAutofit/>
+          <a:noFill/>
+        </p:spPr>
+        <p:txBody>
+          <a:bodyPr wrap="square" rtlCol="0">
+            <a:spAutoFit/>
           </a:bodyPr>
           <a:lstStyle/>
           <a:p>
-            <a:pPr marL="0" marR="0" lvl="0" indent="0" algn="ctr" defTabSz="914400" rtl="0" eaLnBrk="1" fontAlgn="auto" latinLnBrk="0" hangingPunct="1">
-              <a:lnSpc>
-                <a:spcPct val="100000"/>
-              </a:lnSpc>
-              <a:spcBef>
-                <a:spcPct val="0"/>
-              </a:spcBef>
-              <a:spcAft>
-                <a:spcPts val="0"/>
-              </a:spcAft>
-              <a:buClrTx/>
-              <a:buSzTx/>
-              <a:buFontTx/>
-              <a:buNone/>
-              <a:tabLst/>
-              <a:defRPr/>
-            </a:pPr>
-            <a:r>
-              <a:rPr kumimoji="0" lang="en-US" sz="4400" b="0" i="0" u="none" strike="noStrike" kern="1200" cap="none" spc="0" normalizeH="0" baseline="0" noProof="0" smtClean="0">
-                <a:ln>
-                  <a:noFill/>
-                </a:ln>
-                <a:solidFill>
-                  <a:schemeClr val="tx1"/>
-                </a:solidFill>
-                <a:effectLst/>
-                <a:uLnTx/>
-                <a:uFillTx/>
-                <a:latin typeface="+mj-lt"/>
-                <a:ea typeface="+mj-ea"/>
-                <a:cs typeface="+mj-cs"/>
-              </a:rPr>
-              <a:t>Simple Player</a:t>
-            </a:r>
-            <a:r>
-              <a:rPr kumimoji="0" lang="en-US" sz="4400" b="0" i="0" u="none" strike="noStrike" kern="1200" cap="none" spc="0" normalizeH="0" noProof="0" smtClean="0">
-                <a:ln>
-                  <a:noFill/>
-                </a:ln>
-                <a:solidFill>
-                  <a:schemeClr val="tx1"/>
-                </a:solidFill>
-                <a:effectLst/>
-                <a:uLnTx/>
-                <a:uFillTx/>
-                <a:latin typeface="+mj-lt"/>
-                <a:ea typeface="+mj-ea"/>
-                <a:cs typeface="+mj-cs"/>
-              </a:rPr>
-              <a:t> Dynamics</a:t>
-            </a:r>
-            <a:r>
-              <a:rPr kumimoji="0" lang="en-US" sz="4400" b="0" i="0" u="none" strike="noStrike" kern="1200" cap="none" spc="0" normalizeH="0" baseline="0" noProof="0" smtClean="0">
-                <a:ln>
-                  <a:noFill/>
-                </a:ln>
-                <a:solidFill>
-                  <a:schemeClr val="tx1"/>
-                </a:solidFill>
-                <a:effectLst/>
-                <a:uLnTx/>
-                <a:uFillTx/>
-                <a:latin typeface="+mj-lt"/>
-                <a:ea typeface="+mj-ea"/>
-                <a:cs typeface="+mj-cs"/>
-              </a:rPr>
-              <a:t/>
-            </a:r>
-            <a:br>
-              <a:rPr kumimoji="0" lang="en-US" sz="4400" b="0" i="0" u="none" strike="noStrike" kern="1200" cap="none" spc="0" normalizeH="0" baseline="0" noProof="0" smtClean="0">
-                <a:ln>
-                  <a:noFill/>
-                </a:ln>
-                <a:solidFill>
-                  <a:schemeClr val="tx1"/>
-                </a:solidFill>
-                <a:effectLst/>
-                <a:uLnTx/>
-                <a:uFillTx/>
-                <a:latin typeface="+mj-lt"/>
-                <a:ea typeface="+mj-ea"/>
-                <a:cs typeface="+mj-cs"/>
-              </a:rPr>
-            </a:br>
-            <a:r>
-              <a:rPr kumimoji="0" lang="en-US" sz="2400" b="0" i="0" u="none" strike="noStrike" kern="1200" cap="none" spc="0" normalizeH="0" baseline="0" noProof="0" smtClean="0">
-                <a:ln>
-                  <a:noFill/>
-                </a:ln>
-                <a:solidFill>
-                  <a:schemeClr val="tx1"/>
-                </a:solidFill>
-                <a:effectLst/>
-                <a:uLnTx/>
-                <a:uFillTx/>
-                <a:latin typeface="+mj-lt"/>
-                <a:ea typeface="+mj-ea"/>
-                <a:cs typeface="+mj-cs"/>
-              </a:rPr>
-              <a:t>(DynamicModel not required)</a:t>
-            </a:r>
-            <a:endParaRPr kumimoji="0" lang="en-US" sz="4400" b="0" i="0" u="none" strike="noStrike" kern="1200" cap="none" spc="0" normalizeH="0" baseline="0" noProof="0">
-              <a:ln>
-                <a:noFill/>
-              </a:ln>
-              <a:solidFill>
-                <a:schemeClr val="tx1"/>
-              </a:solidFill>
-              <a:effectLst/>
-              <a:uLnTx/>
-              <a:uFillTx/>
-              <a:latin typeface="+mj-lt"/>
-              <a:ea typeface="+mj-ea"/>
-              <a:cs typeface="+mj-cs"/>
-            </a:endParaRPr>
+            <a:pPr algn="ctr"/>
+            <a:r>
+              <a:rPr lang="en-US" sz="1400" b="1" smtClean="0"/>
+              <a:t>Composite</a:t>
+            </a:r>
+            <a:endParaRPr lang="en-US" sz="1400" b="1"/>
+          </a:p>
+        </p:txBody>
+      </p:sp>
+      <p:sp>
+        <p:nvSpPr>
+          <p:cNvPr id="7" name="TextBox 6"/>
+          <p:cNvSpPr txBox="1"/>
+          <p:nvPr/>
+        </p:nvSpPr>
+        <p:spPr>
+          <a:xfrm>
+            <a:off x="3657600" y="4724400"/>
+            <a:ext cx="1752600" cy="307777"/>
+          </a:xfrm>
+          <a:prstGeom prst="rect">
+            <a:avLst/>
+          </a:prstGeom>
+          <a:noFill/>
+        </p:spPr>
+        <p:txBody>
+          <a:bodyPr wrap="square" rtlCol="0">
+            <a:spAutoFit/>
+          </a:bodyPr>
+          <a:lstStyle/>
+          <a:p>
+            <a:pPr algn="ctr"/>
+            <a:r>
+              <a:rPr lang="en-US" sz="1400" b="1" smtClean="0"/>
+              <a:t>Subclass</a:t>
+            </a:r>
+            <a:endParaRPr lang="en-US" sz="1400" b="1"/>
+          </a:p>
+        </p:txBody>
+      </p:sp>
+      <p:pic>
+        <p:nvPicPr>
+          <p:cNvPr id="2050" name="Picture 2"/>
+          <p:cNvPicPr>
+            <a:picLocks noChangeAspect="1" noChangeArrowheads="1"/>
+          </p:cNvPicPr>
+          <p:nvPr/>
+        </p:nvPicPr>
+        <p:blipFill>
+          <a:blip r:embed="rId2" cstate="print"/>
+          <a:srcRect/>
+          <a:stretch>
+            <a:fillRect/>
+          </a:stretch>
+        </p:blipFill>
+        <p:spPr bwMode="auto">
+          <a:xfrm>
+            <a:off x="914400" y="3352800"/>
+            <a:ext cx="2209800" cy="2048107"/>
+          </a:xfrm>
+          <a:prstGeom prst="rect">
+            <a:avLst/>
+          </a:prstGeom>
+          <a:noFill/>
+          <a:ln w="9525">
+            <a:noFill/>
+            <a:miter lim="800000"/>
+            <a:headEnd/>
+            <a:tailEnd/>
+          </a:ln>
+        </p:spPr>
+      </p:pic>
+      <p:pic>
+        <p:nvPicPr>
+          <p:cNvPr id="2051" name="Picture 3"/>
+          <p:cNvPicPr>
+            <a:picLocks noChangeAspect="1" noChangeArrowheads="1"/>
+          </p:cNvPicPr>
+          <p:nvPr/>
+        </p:nvPicPr>
+        <p:blipFill>
+          <a:blip r:embed="rId3" cstate="print"/>
+          <a:srcRect/>
+          <a:stretch>
+            <a:fillRect/>
+          </a:stretch>
+        </p:blipFill>
+        <p:spPr bwMode="auto">
+          <a:xfrm>
+            <a:off x="3657600" y="3429000"/>
+            <a:ext cx="1752600" cy="1222744"/>
+          </a:xfrm>
+          <a:prstGeom prst="rect">
+            <a:avLst/>
+          </a:prstGeom>
+          <a:noFill/>
+          <a:ln w="9525">
+            <a:noFill/>
+            <a:miter lim="800000"/>
+            <a:headEnd/>
+            <a:tailEnd/>
+          </a:ln>
+        </p:spPr>
+      </p:pic>
+      <p:pic>
+        <p:nvPicPr>
+          <p:cNvPr id="2052" name="Picture 4"/>
+          <p:cNvPicPr>
+            <a:picLocks noChangeAspect="1" noChangeArrowheads="1"/>
+          </p:cNvPicPr>
+          <p:nvPr/>
+        </p:nvPicPr>
+        <p:blipFill>
+          <a:blip r:embed="rId4" cstate="print"/>
+          <a:srcRect/>
+          <a:stretch>
+            <a:fillRect/>
+          </a:stretch>
+        </p:blipFill>
+        <p:spPr bwMode="auto">
+          <a:xfrm>
+            <a:off x="6172200" y="3429000"/>
+            <a:ext cx="2057400" cy="1374188"/>
+          </a:xfrm>
+          <a:prstGeom prst="rect">
+            <a:avLst/>
+          </a:prstGeom>
+          <a:noFill/>
+          <a:ln w="9525">
+            <a:noFill/>
+            <a:miter lim="800000"/>
+            <a:headEnd/>
+            <a:tailEnd/>
+          </a:ln>
+        </p:spPr>
+      </p:pic>
+      <p:sp>
+        <p:nvSpPr>
+          <p:cNvPr id="13" name="TextBox 12"/>
+          <p:cNvSpPr txBox="1"/>
+          <p:nvPr/>
+        </p:nvSpPr>
+        <p:spPr>
+          <a:xfrm>
+            <a:off x="6172200" y="4876800"/>
+            <a:ext cx="2057400" cy="307777"/>
+          </a:xfrm>
+          <a:prstGeom prst="rect">
+            <a:avLst/>
+          </a:prstGeom>
+          <a:noFill/>
+        </p:spPr>
+        <p:txBody>
+          <a:bodyPr wrap="square" rtlCol="0">
+            <a:spAutoFit/>
+          </a:bodyPr>
+          <a:lstStyle/>
+          <a:p>
+            <a:pPr algn="ctr"/>
+            <a:r>
+              <a:rPr lang="en-US" sz="1400" b="1" smtClean="0"/>
+              <a:t>Subclass and Composite</a:t>
+            </a:r>
+            <a:endParaRPr lang="en-US" sz="1400" b="1"/>
           </a:p>
         </p:txBody>
       </p:sp>
@@ -7377,20 +8437,22 @@
         </p:nvSpPr>
         <p:spPr/>
         <p:txBody>
-          <a:bodyPr/>
-          <a:lstStyle/>
-          <a:p>
-            <a:r>
-              <a:rPr lang="en-US" smtClean="0"/>
-              <a:t>Simple Player Dynamics</a:t>
-            </a:r>
-            <a:endParaRPr lang="en-US"/>
-          </a:p>
-        </p:txBody>
-      </p:sp>
-      <p:sp>
-        <p:nvSpPr>
-          <p:cNvPr id="3" name="Content Placeholder 2"/>
+          <a:bodyPr>
+            <a:normAutofit/>
+          </a:bodyPr>
+          <a:lstStyle/>
+          <a:p>
+            <a:r>
+              <a:rPr lang="en-US" sz="4000" smtClean="0"/>
+              <a:t>Composite Structure</a:t>
+            </a:r>
+            <a:endParaRPr lang="en-US" sz="4000"/>
+          </a:p>
+        </p:txBody>
+      </p:sp>
+      <p:sp>
+        <p:nvSpPr>
+          <p:cNvPr id="10" name="Content Placeholder 2"/>
           <p:cNvSpPr>
             <a:spLocks noGrp="1"/>
           </p:cNvSpPr>
@@ -7398,77 +8460,93 @@
             <p:ph idx="1"/>
           </p:nvPr>
         </p:nvSpPr>
-        <p:spPr/>
-        <p:txBody>
-          <a:bodyPr/>
-          <a:lstStyle/>
-          <a:p>
-            <a:r>
-              <a:rPr lang="en-US" smtClean="0"/>
-              <a:t>Every Player can do the following</a:t>
-            </a:r>
-          </a:p>
-          <a:p>
-            <a:pPr lvl="1"/>
-            <a:r>
-              <a:rPr lang="en-US" smtClean="0"/>
-              <a:t>Set position</a:t>
-            </a:r>
-          </a:p>
-          <a:p>
-            <a:pPr lvl="2"/>
-            <a:r>
-              <a:rPr lang="en-US" smtClean="0"/>
-              <a:t>North/East/Down (NED) (x, y, altitude)</a:t>
-            </a:r>
-          </a:p>
-          <a:p>
-            <a:pPr lvl="2"/>
-            <a:r>
-              <a:rPr lang="en-US" smtClean="0"/>
-              <a:t>Geodetic (lat, long, altitude)</a:t>
-            </a:r>
-          </a:p>
-          <a:p>
-            <a:pPr lvl="2"/>
-            <a:r>
-              <a:rPr lang="en-US" smtClean="0"/>
-              <a:t>Geocentric (ECEF) (x, y, z)</a:t>
-            </a:r>
-          </a:p>
-          <a:p>
-            <a:pPr lvl="1"/>
-            <a:r>
-              <a:rPr lang="en-US" smtClean="0"/>
-              <a:t>Set roll, pitch &amp; heading</a:t>
-            </a:r>
-          </a:p>
-          <a:p>
-            <a:pPr lvl="1"/>
-            <a:r>
-              <a:rPr lang="en-US" smtClean="0"/>
-              <a:t>Initial velocity</a:t>
-            </a:r>
-          </a:p>
-          <a:p>
-            <a:pPr lvl="2"/>
-            <a:r>
-              <a:rPr lang="en-US" smtClean="0"/>
-              <a:t>Player has a built-in dynamics model for simple movement</a:t>
-            </a:r>
-          </a:p>
-          <a:p>
-            <a:pPr lvl="1"/>
-            <a:endParaRPr lang="en-US" smtClean="0"/>
-          </a:p>
-          <a:p>
-            <a:r>
-              <a:rPr lang="en-US" smtClean="0"/>
-              <a:t>Simple player dynamics model useful for testing</a:t>
-            </a:r>
-          </a:p>
-        </p:txBody>
-      </p:sp>
+        <p:spPr>
+          <a:xfrm>
+            <a:off x="457200" y="1447801"/>
+            <a:ext cx="8229600" cy="685800"/>
+          </a:xfrm>
+        </p:spPr>
+        <p:txBody>
+          <a:bodyPr>
+            <a:normAutofit/>
+          </a:bodyPr>
+          <a:lstStyle/>
+          <a:p>
+            <a:r>
+              <a:rPr lang="en-US" sz="2400" smtClean="0"/>
+              <a:t>General </a:t>
+            </a:r>
+            <a:r>
+              <a:rPr lang="en-US" sz="2400" smtClean="0"/>
+              <a:t>purpose interface to those sub-systems</a:t>
+            </a:r>
+            <a:endParaRPr lang="en-US" sz="2400"/>
+          </a:p>
+        </p:txBody>
+      </p:sp>
+      <p:sp>
+        <p:nvSpPr>
+          <p:cNvPr id="11" name="TextBox 10"/>
+          <p:cNvSpPr txBox="1"/>
+          <p:nvPr/>
+        </p:nvSpPr>
+        <p:spPr>
+          <a:xfrm>
+            <a:off x="0" y="5257800"/>
+            <a:ext cx="9144000" cy="338554"/>
+          </a:xfrm>
+          <a:prstGeom prst="rect">
+            <a:avLst/>
+          </a:prstGeom>
+          <a:noFill/>
+        </p:spPr>
+        <p:txBody>
+          <a:bodyPr wrap="square" rtlCol="0">
+            <a:spAutoFit/>
+          </a:bodyPr>
+          <a:lstStyle/>
+          <a:p>
+            <a:pPr algn="ctr"/>
+            <a:r>
+              <a:rPr lang="en-US" sz="1600" b="1" smtClean="0"/>
+              <a:t>from Player.h</a:t>
+            </a:r>
+            <a:endParaRPr lang="en-US" sz="1600" b="1"/>
+          </a:p>
+        </p:txBody>
+      </p:sp>
+      <p:pic>
+        <p:nvPicPr>
+          <p:cNvPr id="1027" name="Picture 3"/>
+          <p:cNvPicPr>
+            <a:picLocks noChangeAspect="1" noChangeArrowheads="1"/>
+          </p:cNvPicPr>
+          <p:nvPr/>
+        </p:nvPicPr>
+        <p:blipFill>
+          <a:blip r:embed="rId2" cstate="print"/>
+          <a:srcRect/>
+          <a:stretch>
+            <a:fillRect/>
+          </a:stretch>
+        </p:blipFill>
+        <p:spPr bwMode="auto">
+          <a:xfrm>
+            <a:off x="1447800" y="2438400"/>
+            <a:ext cx="6257925" cy="2609850"/>
+          </a:xfrm>
+          <a:prstGeom prst="rect">
+            <a:avLst/>
+          </a:prstGeom>
+          <a:noFill/>
+          <a:ln w="9525">
+            <a:noFill/>
+            <a:miter lim="800000"/>
+            <a:headEnd/>
+            <a:tailEnd/>
+          </a:ln>
+        </p:spPr>
+      </p:pic>
     </p:spTree>
   </p:cSld>
   <p:clrMapOvr>
@@ -7503,38 +8581,142 @@
       </p:grpSpPr>
       <p:sp>
         <p:nvSpPr>
-          <p:cNvPr id="4" name="Title 3"/>
-          <p:cNvSpPr>
-            <a:spLocks noGrp="1"/>
-          </p:cNvSpPr>
-          <p:nvPr>
-            <p:ph type="ctrTitle"/>
-          </p:nvPr>
+          <p:cNvPr id="6" name="Title 3"/>
+          <p:cNvSpPr txBox="1">
+            <a:spLocks/>
+          </p:cNvSpPr>
+          <p:nvPr/>
         </p:nvSpPr>
         <p:spPr>
           <a:xfrm>
             <a:off x="0" y="2514600"/>
             <a:ext cx="9144000" cy="1219200"/>
           </a:xfrm>
-        </p:spPr>
-        <p:txBody>
-          <a:bodyPr>
+          <a:prstGeom prst="rect">
+            <a:avLst/>
+          </a:prstGeom>
+        </p:spPr>
+        <p:txBody>
+          <a:bodyPr vert="horz" lIns="91440" tIns="45720" rIns="91440" bIns="45720" rtlCol="0" anchor="ctr">
             <a:normAutofit/>
           </a:bodyPr>
           <a:lstStyle/>
           <a:p>
-            <a:r>
-              <a:rPr lang="en-US" smtClean="0"/>
-              <a:t>Direct Stick Input</a:t>
+            <a:pPr marL="0" marR="0" lvl="0" indent="0" algn="ctr" defTabSz="914400" rtl="0" eaLnBrk="1" fontAlgn="auto" latinLnBrk="0" hangingPunct="1">
+              <a:lnSpc>
+                <a:spcPct val="100000"/>
+              </a:lnSpc>
+              <a:spcBef>
+                <a:spcPct val="0"/>
+              </a:spcBef>
+              <a:spcAft>
+                <a:spcPts val="0"/>
+              </a:spcAft>
+              <a:buClrTx/>
+              <a:buSzTx/>
+              <a:buFontTx/>
+              <a:buNone/>
+              <a:tabLst/>
+              <a:defRPr/>
+            </a:pPr>
+            <a:r>
+              <a:rPr kumimoji="0" lang="en-US" sz="4400" b="0" i="0" u="none" strike="noStrike" kern="1200" cap="none" spc="0" normalizeH="0" baseline="0" noProof="0" smtClean="0">
+                <a:ln>
+                  <a:noFill/>
+                </a:ln>
+                <a:solidFill>
+                  <a:schemeClr val="tx1"/>
+                </a:solidFill>
+                <a:effectLst/>
+                <a:uLnTx/>
+                <a:uFillTx/>
+                <a:latin typeface="+mj-lt"/>
+                <a:ea typeface="+mj-ea"/>
+                <a:cs typeface="+mj-cs"/>
+              </a:rPr>
+              <a:t>Simple Player</a:t>
+            </a:r>
+            <a:r>
+              <a:rPr kumimoji="0" lang="en-US" sz="4400" b="0" i="0" u="none" strike="noStrike" kern="1200" cap="none" spc="0" normalizeH="0" noProof="0" smtClean="0">
+                <a:ln>
+                  <a:noFill/>
+                </a:ln>
+                <a:solidFill>
+                  <a:schemeClr val="tx1"/>
+                </a:solidFill>
+                <a:effectLst/>
+                <a:uLnTx/>
+                <a:uFillTx/>
+                <a:latin typeface="+mj-lt"/>
+                <a:ea typeface="+mj-ea"/>
+                <a:cs typeface="+mj-cs"/>
+              </a:rPr>
+              <a:t> Dynamics</a:t>
+            </a:r>
+            <a:r>
+              <a:rPr kumimoji="0" lang="en-US" sz="4400" b="0" i="0" u="none" strike="noStrike" kern="1200" cap="none" spc="0" normalizeH="0" baseline="0" noProof="0" smtClean="0">
+                <a:ln>
+                  <a:noFill/>
+                </a:ln>
+                <a:solidFill>
+                  <a:schemeClr val="tx1"/>
+                </a:solidFill>
+                <a:effectLst/>
+                <a:uLnTx/>
+                <a:uFillTx/>
+                <a:latin typeface="+mj-lt"/>
+                <a:ea typeface="+mj-ea"/>
+                <a:cs typeface="+mj-cs"/>
+              </a:rPr>
+              <a:t/>
             </a:r>
             <a:br>
-              <a:rPr lang="en-US" smtClean="0"/>
+              <a:rPr kumimoji="0" lang="en-US" sz="4400" b="0" i="0" u="none" strike="noStrike" kern="1200" cap="none" spc="0" normalizeH="0" baseline="0" noProof="0" smtClean="0">
+                <a:ln>
+                  <a:noFill/>
+                </a:ln>
+                <a:solidFill>
+                  <a:schemeClr val="tx1"/>
+                </a:solidFill>
+                <a:effectLst/>
+                <a:uLnTx/>
+                <a:uFillTx/>
+                <a:latin typeface="+mj-lt"/>
+                <a:ea typeface="+mj-ea"/>
+                <a:cs typeface="+mj-cs"/>
+              </a:rPr>
             </a:br>
             <a:r>
-              <a:rPr lang="en-US" sz="2400" smtClean="0"/>
-              <a:t>(assumes a DynamicModel)</a:t>
-            </a:r>
-            <a:endParaRPr lang="en-US"/>
+              <a:rPr kumimoji="0" lang="en-US" sz="2400" b="0" i="0" u="none" strike="noStrike" kern="1200" cap="none" spc="0" normalizeH="0" baseline="0" noProof="0" smtClean="0">
+                <a:ln>
+                  <a:noFill/>
+                </a:ln>
+                <a:solidFill>
+                  <a:schemeClr val="tx1"/>
+                </a:solidFill>
+                <a:effectLst/>
+                <a:uLnTx/>
+                <a:uFillTx/>
+                <a:latin typeface="+mj-lt"/>
+                <a:ea typeface="+mj-ea"/>
+                <a:cs typeface="+mj-cs"/>
+              </a:rPr>
+              <a:t>(DynamicModel not required)</a:t>
+            </a:r>
+            <a:endParaRPr kumimoji="0" lang="en-US" sz="4400" b="0" i="0" u="none" strike="noStrike" kern="1200" cap="none" spc="0" normalizeH="0" baseline="0" noProof="0">
+              <a:ln>
+                <a:noFill/>
+              </a:ln>
+              <a:solidFill>
+                <a:schemeClr val="tx1"/>
+              </a:solidFill>
+              <a:effectLst/>
+              <a:uLnTx/>
+              <a:uFillTx/>
+              <a:latin typeface="+mj-lt"/>
+              <a:ea typeface="+mj-ea"/>
+              <a:cs typeface="+mj-cs"/>
+            </a:endParaRPr>
           </a:p>
         </p:txBody>
       </p:sp>
@@ -7582,22 +8764,20 @@
         </p:nvSpPr>
         <p:spPr/>
         <p:txBody>
-          <a:bodyPr>
-            <a:normAutofit/>
-          </a:bodyPr>
-          <a:lstStyle/>
-          <a:p>
-            <a:r>
-              <a:rPr lang="en-US" sz="4000" smtClean="0"/>
-              <a:t>Player Top-Level System Models</a:t>
-            </a:r>
-            <a:endParaRPr lang="en-US" sz="4000"/>
-          </a:p>
-        </p:txBody>
-      </p:sp>
-      <p:sp>
-        <p:nvSpPr>
-          <p:cNvPr id="10" name="Content Placeholder 2"/>
+          <a:bodyPr/>
+          <a:lstStyle/>
+          <a:p>
+            <a:r>
+              <a:rPr lang="en-US" smtClean="0"/>
+              <a:t>Simple Player Dynamics</a:t>
+            </a:r>
+            <a:endParaRPr lang="en-US"/>
+          </a:p>
+        </p:txBody>
+      </p:sp>
+      <p:sp>
+        <p:nvSpPr>
+          <p:cNvPr id="3" name="Content Placeholder 2"/>
           <p:cNvSpPr>
             <a:spLocks noGrp="1"/>
           </p:cNvSpPr>
@@ -7607,156 +8787,72 @@
         </p:nvSpPr>
         <p:spPr/>
         <p:txBody>
-          <a:bodyPr>
-            <a:normAutofit/>
-          </a:bodyPr>
-          <a:lstStyle/>
-          <a:p>
-            <a:r>
-              <a:rPr lang="en-US" sz="2400" smtClean="0"/>
-              <a:t>Container of sub-systems</a:t>
-            </a:r>
-          </a:p>
-          <a:p>
-            <a:r>
-              <a:rPr lang="en-US" sz="2400" i="1" u="sng" smtClean="0"/>
-              <a:t>General purpose interface</a:t>
-            </a:r>
-            <a:r>
-              <a:rPr lang="en-US" sz="2400" smtClean="0"/>
-              <a:t> to those sub-systems</a:t>
-            </a:r>
-            <a:endParaRPr lang="en-US" sz="2400"/>
-          </a:p>
-        </p:txBody>
-      </p:sp>
-      <p:sp>
-        <p:nvSpPr>
-          <p:cNvPr id="11" name="TextBox 10"/>
-          <p:cNvSpPr txBox="1"/>
-          <p:nvPr/>
-        </p:nvSpPr>
-        <p:spPr>
-          <a:xfrm>
-            <a:off x="0" y="5638800"/>
-            <a:ext cx="9144000" cy="338554"/>
-          </a:xfrm>
-          <a:prstGeom prst="rect">
-            <a:avLst/>
-          </a:prstGeom>
-          <a:noFill/>
-        </p:spPr>
-        <p:txBody>
-          <a:bodyPr wrap="square" rtlCol="0">
-            <a:spAutoFit/>
-          </a:bodyPr>
-          <a:lstStyle/>
-          <a:p>
-            <a:pPr algn="ctr"/>
-            <a:r>
-              <a:rPr lang="en-US" sz="1600" b="1" smtClean="0"/>
-              <a:t>from Player.h</a:t>
-            </a:r>
-            <a:endParaRPr lang="en-US" sz="1600" b="1"/>
-          </a:p>
-        </p:txBody>
-      </p:sp>
-      <p:pic>
-        <p:nvPicPr>
-          <p:cNvPr id="1027" name="Picture 3"/>
-          <p:cNvPicPr>
-            <a:picLocks noChangeAspect="1" noChangeArrowheads="1"/>
-          </p:cNvPicPr>
-          <p:nvPr/>
-        </p:nvPicPr>
-        <p:blipFill>
-          <a:blip r:embed="rId2" cstate="print"/>
-          <a:srcRect/>
-          <a:stretch>
-            <a:fillRect/>
-          </a:stretch>
-        </p:blipFill>
-        <p:spPr bwMode="auto">
-          <a:xfrm>
-            <a:off x="1447800" y="2819400"/>
-            <a:ext cx="6257925" cy="2609850"/>
-          </a:xfrm>
-          <a:prstGeom prst="rect">
-            <a:avLst/>
-          </a:prstGeom>
-          <a:noFill/>
-          <a:ln w="9525">
-            <a:noFill/>
-            <a:miter lim="800000"/>
-            <a:headEnd/>
-            <a:tailEnd/>
-          </a:ln>
-        </p:spPr>
-      </p:pic>
-      <p:cxnSp>
-        <p:nvCxnSpPr>
-          <p:cNvPr id="16" name="Straight Arrow Connector 15"/>
-          <p:cNvCxnSpPr/>
-          <p:nvPr/>
-        </p:nvCxnSpPr>
-        <p:spPr>
-          <a:xfrm flipV="1">
-            <a:off x="1223682" y="3550024"/>
-            <a:ext cx="381000" cy="76200"/>
-          </a:xfrm>
-          <a:prstGeom prst="straightConnector1">
-            <a:avLst/>
-          </a:prstGeom>
-          <a:ln w="28575">
-            <a:solidFill>
-              <a:srgbClr val="FF0000"/>
-            </a:solidFill>
-            <a:tailEnd type="arrow"/>
-          </a:ln>
-        </p:spPr>
-        <p:style>
-          <a:lnRef idx="1">
-            <a:schemeClr val="accent1"/>
-          </a:lnRef>
-          <a:fillRef idx="0">
-            <a:schemeClr val="accent1"/>
-          </a:fillRef>
-          <a:effectRef idx="0">
-            <a:schemeClr val="accent1"/>
-          </a:effectRef>
-          <a:fontRef idx="minor">
-            <a:schemeClr val="tx1"/>
-          </a:fontRef>
-        </p:style>
-      </p:cxnSp>
-      <p:sp>
-        <p:nvSpPr>
-          <p:cNvPr id="7" name="TextBox 6"/>
-          <p:cNvSpPr txBox="1"/>
-          <p:nvPr/>
-        </p:nvSpPr>
-        <p:spPr>
-          <a:xfrm>
-            <a:off x="130885" y="3470238"/>
-            <a:ext cx="1143000" cy="338554"/>
-          </a:xfrm>
-          <a:prstGeom prst="rect">
-            <a:avLst/>
-          </a:prstGeom>
-          <a:noFill/>
-        </p:spPr>
-        <p:txBody>
-          <a:bodyPr wrap="square" rtlCol="0">
-            <a:spAutoFit/>
-          </a:bodyPr>
-          <a:lstStyle/>
-          <a:p>
-            <a:pPr algn="ctr"/>
-            <a:r>
-              <a:rPr lang="en-US" sz="1600" smtClean="0"/>
-              <a:t>Required</a:t>
-            </a:r>
-            <a:endParaRPr lang="en-US" sz="1600"/>
+          <a:bodyPr/>
+          <a:lstStyle/>
+          <a:p>
+            <a:r>
+              <a:rPr lang="en-US" smtClean="0"/>
+              <a:t>Every Player can do the following</a:t>
+            </a:r>
+          </a:p>
+          <a:p>
+            <a:pPr lvl="1"/>
+            <a:r>
+              <a:rPr lang="en-US" smtClean="0"/>
+              <a:t>Set position</a:t>
+            </a:r>
+          </a:p>
+          <a:p>
+            <a:pPr lvl="2"/>
+            <a:r>
+              <a:rPr lang="en-US" smtClean="0"/>
+              <a:t>North/East/Down (NED) (x, y, altitude)</a:t>
+            </a:r>
+          </a:p>
+          <a:p>
+            <a:pPr lvl="2"/>
+            <a:r>
+              <a:rPr lang="en-US" smtClean="0"/>
+              <a:t>Geodetic (lat, long, altitude)</a:t>
+            </a:r>
+          </a:p>
+          <a:p>
+            <a:pPr lvl="2"/>
+            <a:r>
+              <a:rPr lang="en-US" smtClean="0"/>
+              <a:t>Geocentric (ECEF) (x, y, z)</a:t>
+            </a:r>
+          </a:p>
+          <a:p>
+            <a:pPr lvl="1"/>
+            <a:r>
+              <a:rPr lang="en-US" smtClean="0"/>
+              <a:t>Set roll, pitch &amp; heading</a:t>
+            </a:r>
+          </a:p>
+          <a:p>
+            <a:pPr lvl="1"/>
+            <a:r>
+              <a:rPr lang="en-US" smtClean="0"/>
+              <a:t>Initial velocity</a:t>
+            </a:r>
+          </a:p>
+          <a:p>
+            <a:pPr lvl="2"/>
+            <a:r>
+              <a:rPr lang="en-US" smtClean="0"/>
+              <a:t>Player has a built-in dynamics model for simple movement</a:t>
+            </a:r>
+          </a:p>
+          <a:p>
+            <a:pPr lvl="1"/>
+            <a:endParaRPr lang="en-US" smtClean="0"/>
+          </a:p>
+          <a:p>
+            <a:r>
+              <a:rPr lang="en-US" smtClean="0"/>
+              <a:t>Simple player dynamics model useful for testing</a:t>
+            </a:r>
           </a:p>
         </p:txBody>
       </p:sp>
@@ -7794,87 +8890,38 @@
       </p:grpSpPr>
       <p:sp>
         <p:nvSpPr>
-          <p:cNvPr id="2" name="Title 1"/>
-          <p:cNvSpPr>
-            <a:spLocks noGrp="1"/>
-          </p:cNvSpPr>
-          <p:nvPr>
-            <p:ph type="title"/>
-          </p:nvPr>
-        </p:nvSpPr>
-        <p:spPr/>
-        <p:txBody>
-          <a:bodyPr/>
+          <p:cNvPr id="4" name="Title 3"/>
+          <p:cNvSpPr>
+            <a:spLocks noGrp="1"/>
+          </p:cNvSpPr>
+          <p:nvPr>
+            <p:ph type="ctrTitle"/>
+          </p:nvPr>
+        </p:nvSpPr>
+        <p:spPr>
+          <a:xfrm>
+            <a:off x="0" y="2514600"/>
+            <a:ext cx="9144000" cy="1219200"/>
+          </a:xfrm>
+        </p:spPr>
+        <p:txBody>
+          <a:bodyPr>
+            <a:normAutofit/>
+          </a:bodyPr>
           <a:lstStyle/>
           <a:p>
             <a:r>
               <a:rPr lang="en-US" smtClean="0"/>
               <a:t>Direct Stick Input</a:t>
             </a:r>
+            <a:br>
+              <a:rPr lang="en-US" smtClean="0"/>
+            </a:br>
+            <a:r>
+              <a:rPr lang="en-US" sz="2400" smtClean="0"/>
+              <a:t>(assumes DynamicsModel or Subclassing)</a:t>
+            </a:r>
             <a:endParaRPr lang="en-US"/>
-          </a:p>
-        </p:txBody>
-      </p:sp>
-      <p:pic>
-        <p:nvPicPr>
-          <p:cNvPr id="2051" name="Picture 3"/>
-          <p:cNvPicPr>
-            <a:picLocks noChangeAspect="1" noChangeArrowheads="1"/>
-          </p:cNvPicPr>
-          <p:nvPr/>
-        </p:nvPicPr>
-        <p:blipFill>
-          <a:blip r:embed="rId2" cstate="print"/>
-          <a:srcRect/>
-          <a:stretch>
-            <a:fillRect/>
-          </a:stretch>
-        </p:blipFill>
-        <p:spPr bwMode="auto">
-          <a:xfrm>
-            <a:off x="1295400" y="1447800"/>
-            <a:ext cx="6915150" cy="4610100"/>
-          </a:xfrm>
-          <a:prstGeom prst="rect">
-            <a:avLst/>
-          </a:prstGeom>
-          <a:noFill/>
-          <a:ln w="9525">
-            <a:noFill/>
-            <a:miter lim="800000"/>
-            <a:headEnd/>
-            <a:tailEnd/>
-          </a:ln>
-        </p:spPr>
-      </p:pic>
-      <p:sp>
-        <p:nvSpPr>
-          <p:cNvPr id="7" name="TextBox 6"/>
-          <p:cNvSpPr txBox="1"/>
-          <p:nvPr/>
-        </p:nvSpPr>
-        <p:spPr>
-          <a:xfrm>
-            <a:off x="0" y="6248400"/>
-            <a:ext cx="9144000" cy="338554"/>
-          </a:xfrm>
-          <a:prstGeom prst="rect">
-            <a:avLst/>
-          </a:prstGeom>
-          <a:noFill/>
-        </p:spPr>
-        <p:txBody>
-          <a:bodyPr wrap="square" rtlCol="0">
-            <a:spAutoFit/>
-          </a:bodyPr>
-          <a:lstStyle/>
-          <a:p>
-            <a:pPr algn="ctr"/>
-            <a:r>
-              <a:rPr lang="en-US" sz="1600" b="1" smtClean="0"/>
-              <a:t>from Player.h</a:t>
-            </a:r>
-            <a:endParaRPr lang="en-US" sz="1600" b="1"/>
           </a:p>
         </p:txBody>
       </p:sp>
@@ -7922,45 +8969,91 @@
         </p:nvSpPr>
         <p:spPr/>
         <p:txBody>
-          <a:bodyPr/>
-          <a:lstStyle/>
-          <a:p>
-            <a:r>
-              <a:rPr lang="en-US" smtClean="0"/>
-              <a:t>Direct Stick Input</a:t>
-            </a:r>
-            <a:endParaRPr lang="en-US"/>
-          </a:p>
-        </p:txBody>
-      </p:sp>
-      <p:sp>
-        <p:nvSpPr>
-          <p:cNvPr id="3" name="Content Placeholder 2"/>
-          <p:cNvSpPr>
-            <a:spLocks noGrp="1"/>
-          </p:cNvSpPr>
-          <p:nvPr>
-            <p:ph idx="1"/>
-          </p:nvPr>
-        </p:nvSpPr>
-        <p:spPr/>
-        <p:txBody>
           <a:bodyPr>
             <a:normAutofit/>
           </a:bodyPr>
           <a:lstStyle/>
           <a:p>
             <a:r>
+              <a:rPr lang="en-US" smtClean="0"/>
+              <a:t>Composite </a:t>
+            </a:r>
+            <a:r>
+              <a:rPr lang="en-US" smtClean="0"/>
+              <a:t>Structure</a:t>
+            </a:r>
+            <a:endParaRPr lang="en-US" sz="4000"/>
+          </a:p>
+        </p:txBody>
+      </p:sp>
+      <p:sp>
+        <p:nvSpPr>
+          <p:cNvPr id="10" name="Content Placeholder 2"/>
+          <p:cNvSpPr>
+            <a:spLocks noGrp="1"/>
+          </p:cNvSpPr>
+          <p:nvPr>
+            <p:ph idx="1"/>
+          </p:nvPr>
+        </p:nvSpPr>
+        <p:spPr>
+          <a:xfrm>
+            <a:off x="457200" y="1447801"/>
+            <a:ext cx="8229600" cy="838200"/>
+          </a:xfrm>
+        </p:spPr>
+        <p:txBody>
+          <a:bodyPr>
+            <a:normAutofit/>
+          </a:bodyPr>
+          <a:lstStyle/>
+          <a:p>
+            <a:r>
               <a:rPr lang="en-US" sz="2400" smtClean="0"/>
-              <a:t>Requires a DynamicsModel to do anything meaningful</a:t>
+              <a:t>General </a:t>
+            </a:r>
+            <a:r>
+              <a:rPr lang="en-US" sz="2400" smtClean="0"/>
+              <a:t>purpose interface to those sub-systems</a:t>
             </a:r>
             <a:endParaRPr lang="en-US" sz="2400"/>
+          </a:p>
+        </p:txBody>
+      </p:sp>
+      <p:sp>
+        <p:nvSpPr>
+          <p:cNvPr id="11" name="TextBox 10"/>
+          <p:cNvSpPr txBox="1"/>
+          <p:nvPr/>
+        </p:nvSpPr>
+        <p:spPr>
+          <a:xfrm>
+            <a:off x="0" y="5257800"/>
+            <a:ext cx="9144000" cy="338554"/>
+          </a:xfrm>
+          <a:prstGeom prst="rect">
+            <a:avLst/>
+          </a:prstGeom>
+          <a:noFill/>
+        </p:spPr>
+        <p:txBody>
+          <a:bodyPr wrap="square" rtlCol="0">
+            <a:spAutoFit/>
+          </a:bodyPr>
+          <a:lstStyle/>
+          <a:p>
+            <a:pPr algn="ctr"/>
+            <a:r>
+              <a:rPr lang="en-US" sz="1600" b="1" smtClean="0"/>
+              <a:t>from Player.h</a:t>
+            </a:r>
+            <a:endParaRPr lang="en-US" sz="1600" b="1"/>
           </a:p>
         </p:txBody>
       </p:sp>
       <p:pic>
         <p:nvPicPr>
-          <p:cNvPr id="3074" name="Picture 2"/>
+          <p:cNvPr id="1027" name="Picture 3"/>
           <p:cNvPicPr>
             <a:picLocks noChangeAspect="1" noChangeArrowheads="1"/>
           </p:cNvPicPr>
@@ -7975,8 +9068,8 @@
         </p:blipFill>
         <p:spPr bwMode="auto">
           <a:xfrm>
-            <a:off x="1295400" y="2362200"/>
-            <a:ext cx="6638925" cy="3419475"/>
+            <a:off x="1447800" y="2438400"/>
+            <a:ext cx="6257925" cy="2609850"/>
           </a:xfrm>
           <a:prstGeom prst="rect">
             <a:avLst/>
@@ -7992,13 +9085,13 @@
       </p:pic>
       <p:cxnSp>
         <p:nvCxnSpPr>
-          <p:cNvPr id="5" name="Straight Arrow Connector 4"/>
+          <p:cNvPr id="16" name="Straight Arrow Connector 15"/>
           <p:cNvCxnSpPr/>
           <p:nvPr/>
         </p:nvCxnSpPr>
         <p:spPr>
           <a:xfrm flipV="1">
-            <a:off x="1066800" y="3429000"/>
+            <a:off x="1223682" y="3169024"/>
             <a:ext cx="381000" cy="76200"/>
           </a:xfrm>
           <a:prstGeom prst="straightConnector1">
@@ -8026,42 +9119,6 @@
           </a:fontRef>
         </p:style>
       </p:cxnSp>
-      <p:cxnSp>
-        <p:nvCxnSpPr>
-          <p:cNvPr id="6" name="Straight Arrow Connector 5"/>
-          <p:cNvCxnSpPr/>
-          <p:nvPr/>
-        </p:nvCxnSpPr>
-        <p:spPr>
-          <a:xfrm flipV="1">
-            <a:off x="1066800" y="5181600"/>
-            <a:ext cx="381000" cy="76200"/>
-          </a:xfrm>
-          <a:prstGeom prst="straightConnector1">
-            <a:avLst/>
-          </a:prstGeom>
-          <a:ln w="28575">
-            <a:solidFill>
-              <a:srgbClr val="FF0000"/>
-            </a:solidFill>
-            <a:tailEnd type="arrow"/>
-          </a:ln>
-        </p:spPr>
-        <p:style>
-          <a:lnRef idx="1">
-            <a:schemeClr val="accent1"/>
-          </a:lnRef>
-          <a:fillRef idx="0">
-            <a:schemeClr val="accent1"/>
-          </a:fillRef>
-          <a:effectRef idx="0">
-            <a:schemeClr val="accent1"/>
-          </a:effectRef>
-          <a:fontRef idx="minor">
-            <a:schemeClr val="tx1"/>
-          </a:fontRef>
-        </p:style>
-      </p:cxnSp>
       <p:sp>
         <p:nvSpPr>
           <p:cNvPr id="7" name="TextBox 6"/>
@@ -8070,8 +9127,8 @@
         </p:nvSpPr>
         <p:spPr>
           <a:xfrm>
-            <a:off x="0" y="5943600"/>
-            <a:ext cx="9144000" cy="338554"/>
+            <a:off x="130885" y="3089238"/>
+            <a:ext cx="1143000" cy="338554"/>
           </a:xfrm>
           <a:prstGeom prst="rect">
             <a:avLst/>
@@ -8086,10 +9143,10 @@
           <a:p>
             <a:pPr algn="ctr"/>
             <a:r>
-              <a:rPr lang="en-US" sz="1600" b="1" smtClean="0"/>
-              <a:t>from Player.cpp</a:t>
-            </a:r>
-            <a:endParaRPr lang="en-US" sz="1600" b="1"/>
+              <a:rPr lang="en-US" sz="1600" smtClean="0"/>
+              <a:t>Required</a:t>
+            </a:r>
+            <a:endParaRPr lang="en-US" sz="1600"/>
           </a:p>
         </p:txBody>
       </p:sp>
